--- a/resources/LangDev Talk.pptx
+++ b/resources/LangDev Talk.pptx
@@ -5,7 +5,7 @@
     <p:sldMasterId id="2147483659" r:id="rId1"/>
   </p:sldMasterIdLst>
   <p:notesMasterIdLst>
-    <p:notesMasterId r:id="rId21"/>
+    <p:notesMasterId r:id="rId22"/>
   </p:notesMasterIdLst>
   <p:sldIdLst>
     <p:sldId id="266" r:id="rId2"/>
@@ -25,25 +25,26 @@
     <p:sldId id="273" r:id="rId16"/>
     <p:sldId id="276" r:id="rId17"/>
     <p:sldId id="277" r:id="rId18"/>
-    <p:sldId id="263" r:id="rId19"/>
-    <p:sldId id="265" r:id="rId20"/>
+    <p:sldId id="285" r:id="rId19"/>
+    <p:sldId id="263" r:id="rId20"/>
+    <p:sldId id="265" r:id="rId21"/>
   </p:sldIdLst>
   <p:sldSz cx="9144000" cy="5143500" type="screen16x9"/>
   <p:notesSz cx="6858000" cy="9144000"/>
   <p:embeddedFontLst>
     <p:embeddedFont>
       <p:font typeface="Calibri" panose="020F0502020204030204" pitchFamily="34" charset="0"/>
-      <p:regular r:id="rId22"/>
-      <p:bold r:id="rId23"/>
-      <p:italic r:id="rId24"/>
-      <p:boldItalic r:id="rId25"/>
+      <p:regular r:id="rId23"/>
+      <p:bold r:id="rId24"/>
+      <p:italic r:id="rId25"/>
+      <p:boldItalic r:id="rId26"/>
     </p:embeddedFont>
     <p:embeddedFont>
       <p:font typeface="Roboto Mono" panose="020B0604020202020204" charset="0"/>
-      <p:regular r:id="rId26"/>
-      <p:bold r:id="rId27"/>
-      <p:italic r:id="rId28"/>
-      <p:boldItalic r:id="rId29"/>
+      <p:regular r:id="rId27"/>
+      <p:bold r:id="rId28"/>
+      <p:italic r:id="rId29"/>
+      <p:boldItalic r:id="rId30"/>
     </p:embeddedFont>
   </p:embeddedFontLst>
   <p:defaultTextStyle>
@@ -6597,7 +6598,7 @@
           <a:p>
             <a:r>
               <a:rPr lang="en-US" dirty="0"/>
-              <a:t>Niko Stotz</a:t>
+              <a:t>Jos Warmer, Niko Stotz</a:t>
             </a:r>
           </a:p>
         </p:txBody>
@@ -43502,6 +43503,64 @@
   <p:cSld>
     <p:spTree>
       <p:nvGrpSpPr>
+        <p:cNvPr id="1" name=""/>
+        <p:cNvGrpSpPr/>
+        <p:nvPr/>
+      </p:nvGrpSpPr>
+      <p:grpSpPr>
+        <a:xfrm>
+          <a:off x="0" y="0"/>
+          <a:ext cx="0" cy="0"/>
+          <a:chOff x="0" y="0"/>
+          <a:chExt cx="0" cy="0"/>
+        </a:xfrm>
+      </p:grpSpPr>
+      <p:sp>
+        <p:nvSpPr>
+          <p:cNvPr id="2" name="Title 1">
+            <a:extLst>
+              <a:ext uri="{FF2B5EF4-FFF2-40B4-BE49-F238E27FC236}">
+                <a16:creationId xmlns:a16="http://schemas.microsoft.com/office/drawing/2014/main" id="{34C88B79-BA75-78DC-A792-DA9A01CB353F}"/>
+              </a:ext>
+            </a:extLst>
+          </p:cNvPr>
+          <p:cNvSpPr>
+            <a:spLocks noGrp="1"/>
+          </p:cNvSpPr>
+          <p:nvPr>
+            <p:ph type="title"/>
+          </p:nvPr>
+        </p:nvSpPr>
+        <p:spPr/>
+        <p:txBody>
+          <a:bodyPr/>
+          <a:lstStyle/>
+          <a:p>
+            <a:r>
+              <a:rPr lang="en-US" dirty="0"/>
+              <a:t>Leftovers</a:t>
+            </a:r>
+          </a:p>
+        </p:txBody>
+      </p:sp>
+    </p:spTree>
+    <p:extLst>
+      <p:ext uri="{BB962C8B-B14F-4D97-AF65-F5344CB8AC3E}">
+        <p14:creationId xmlns:p14="http://schemas.microsoft.com/office/powerpoint/2010/main" val="3613368073"/>
+      </p:ext>
+    </p:extLst>
+  </p:cSld>
+  <p:clrMapOvr>
+    <a:masterClrMapping/>
+  </p:clrMapOvr>
+</p:sld>
+</file>
+
+<file path=ppt/slides/slide19.xml><?xml version="1.0" encoding="utf-8"?>
+<p:sld xmlns:a="http://schemas.openxmlformats.org/drawingml/2006/main" xmlns:r="http://schemas.openxmlformats.org/officeDocument/2006/relationships" xmlns:p="http://schemas.openxmlformats.org/presentationml/2006/main">
+  <p:cSld>
+    <p:spTree>
+      <p:nvGrpSpPr>
         <p:cNvPr id="1" name="Shape 177"/>
         <p:cNvGrpSpPr/>
         <p:nvPr/>
@@ -43917,7 +43976,65 @@
 </p:sld>
 </file>
 
-<file path=ppt/slides/slide19.xml><?xml version="1.0" encoding="utf-8"?>
+<file path=ppt/slides/slide2.xml><?xml version="1.0" encoding="utf-8"?>
+<p:sld xmlns:a="http://schemas.openxmlformats.org/drawingml/2006/main" xmlns:r="http://schemas.openxmlformats.org/officeDocument/2006/relationships" xmlns:p="http://schemas.openxmlformats.org/presentationml/2006/main">
+  <p:cSld>
+    <p:spTree>
+      <p:nvGrpSpPr>
+        <p:cNvPr id="1" name=""/>
+        <p:cNvGrpSpPr/>
+        <p:nvPr/>
+      </p:nvGrpSpPr>
+      <p:grpSpPr>
+        <a:xfrm>
+          <a:off x="0" y="0"/>
+          <a:ext cx="0" cy="0"/>
+          <a:chOff x="0" y="0"/>
+          <a:chExt cx="0" cy="0"/>
+        </a:xfrm>
+      </p:grpSpPr>
+      <p:sp>
+        <p:nvSpPr>
+          <p:cNvPr id="3" name="Title 2">
+            <a:extLst>
+              <a:ext uri="{FF2B5EF4-FFF2-40B4-BE49-F238E27FC236}">
+                <a16:creationId xmlns:a16="http://schemas.microsoft.com/office/drawing/2014/main" id="{ED1CB88A-BB8F-4F89-3FF6-B591EA38D3F6}"/>
+              </a:ext>
+            </a:extLst>
+          </p:cNvPr>
+          <p:cNvSpPr>
+            <a:spLocks noGrp="1"/>
+          </p:cNvSpPr>
+          <p:nvPr>
+            <p:ph type="title"/>
+          </p:nvPr>
+        </p:nvSpPr>
+        <p:spPr/>
+        <p:txBody>
+          <a:bodyPr/>
+          <a:lstStyle/>
+          <a:p>
+            <a:r>
+              <a:rPr lang="en-US" dirty="0"/>
+              <a:t>Project Overview</a:t>
+            </a:r>
+          </a:p>
+        </p:txBody>
+      </p:sp>
+    </p:spTree>
+    <p:extLst>
+      <p:ext uri="{BB962C8B-B14F-4D97-AF65-F5344CB8AC3E}">
+        <p14:creationId xmlns:p14="http://schemas.microsoft.com/office/powerpoint/2010/main" val="3239961873"/>
+      </p:ext>
+    </p:extLst>
+  </p:cSld>
+  <p:clrMapOvr>
+    <a:masterClrMapping/>
+  </p:clrMapOvr>
+</p:sld>
+</file>
+
+<file path=ppt/slides/slide20.xml><?xml version="1.0" encoding="utf-8"?>
 <p:sld xmlns:a="http://schemas.openxmlformats.org/drawingml/2006/main" xmlns:r="http://schemas.openxmlformats.org/officeDocument/2006/relationships" xmlns:p="http://schemas.openxmlformats.org/presentationml/2006/main">
   <p:cSld>
     <p:spTree>
@@ -44410,64 +44527,6 @@
         </p:txBody>
       </p:sp>
     </p:spTree>
-  </p:cSld>
-  <p:clrMapOvr>
-    <a:masterClrMapping/>
-  </p:clrMapOvr>
-</p:sld>
-</file>
-
-<file path=ppt/slides/slide2.xml><?xml version="1.0" encoding="utf-8"?>
-<p:sld xmlns:a="http://schemas.openxmlformats.org/drawingml/2006/main" xmlns:r="http://schemas.openxmlformats.org/officeDocument/2006/relationships" xmlns:p="http://schemas.openxmlformats.org/presentationml/2006/main">
-  <p:cSld>
-    <p:spTree>
-      <p:nvGrpSpPr>
-        <p:cNvPr id="1" name=""/>
-        <p:cNvGrpSpPr/>
-        <p:nvPr/>
-      </p:nvGrpSpPr>
-      <p:grpSpPr>
-        <a:xfrm>
-          <a:off x="0" y="0"/>
-          <a:ext cx="0" cy="0"/>
-          <a:chOff x="0" y="0"/>
-          <a:chExt cx="0" cy="0"/>
-        </a:xfrm>
-      </p:grpSpPr>
-      <p:sp>
-        <p:nvSpPr>
-          <p:cNvPr id="3" name="Title 2">
-            <a:extLst>
-              <a:ext uri="{FF2B5EF4-FFF2-40B4-BE49-F238E27FC236}">
-                <a16:creationId xmlns:a16="http://schemas.microsoft.com/office/drawing/2014/main" id="{ED1CB88A-BB8F-4F89-3FF6-B591EA38D3F6}"/>
-              </a:ext>
-            </a:extLst>
-          </p:cNvPr>
-          <p:cNvSpPr>
-            <a:spLocks noGrp="1"/>
-          </p:cNvSpPr>
-          <p:nvPr>
-            <p:ph type="title"/>
-          </p:nvPr>
-        </p:nvSpPr>
-        <p:spPr/>
-        <p:txBody>
-          <a:bodyPr/>
-          <a:lstStyle/>
-          <a:p>
-            <a:r>
-              <a:rPr lang="en-US" dirty="0"/>
-              <a:t>Project Overview</a:t>
-            </a:r>
-          </a:p>
-        </p:txBody>
-      </p:sp>
-    </p:spTree>
-    <p:extLst>
-      <p:ext uri="{BB962C8B-B14F-4D97-AF65-F5344CB8AC3E}">
-        <p14:creationId xmlns:p14="http://schemas.microsoft.com/office/powerpoint/2010/main" val="3239961873"/>
-      </p:ext>
-    </p:extLst>
   </p:cSld>
   <p:clrMapOvr>
     <a:masterClrMapping/>

--- a/resources/LangDev Talk.pptx
+++ b/resources/LangDev Talk.pptx
@@ -42474,12 +42474,12 @@
         </p:nvSpPr>
         <p:spPr>
           <a:xfrm>
-            <a:off x="2234123" y="3016814"/>
-            <a:ext cx="2734301" cy="1494225"/>
+            <a:off x="2234124" y="3016814"/>
+            <a:ext cx="2571656" cy="1494225"/>
           </a:xfrm>
         </p:spPr>
         <p:txBody>
-          <a:bodyPr>
+          <a:bodyPr wrap="square">
             <a:spAutoFit/>
           </a:bodyPr>
           <a:lstStyle/>
@@ -42518,7 +42518,7 @@
               <a:buNone/>
             </a:pPr>
             <a:r>
-              <a:rPr lang="en-US" dirty="0">
+              <a:rPr lang="en-US" sz="1400" dirty="0">
                 <a:solidFill>
                   <a:srgbClr val="1F2328"/>
                 </a:solidFill>
@@ -42535,7 +42535,7 @@
               <a:buNone/>
             </a:pPr>
             <a:r>
-              <a:rPr lang="en-US" dirty="0">
+              <a:rPr lang="en-US" sz="1400" dirty="0">
                 <a:solidFill>
                   <a:srgbClr val="1F2328"/>
                 </a:solidFill>
@@ -44933,14 +44933,14 @@
               <a:rPr lang="en-US" dirty="0"/>
               <a:t>Most mature LWBs desktop-based</a:t>
             </a:r>
-            <a:br>
-              <a:rPr lang="en-US" dirty="0"/>
-            </a:br>
+          </a:p>
+          <a:p>
+            <a:pPr lvl="1"/>
             <a:r>
               <a:rPr lang="en-US" dirty="0">
                 <a:sym typeface="Wingdings" panose="05000000000000000000" pitchFamily="2" charset="2"/>
               </a:rPr>
-              <a:t> Long history</a:t>
+              <a:t>Long history</a:t>
             </a:r>
             <a:endParaRPr lang="en-US" dirty="0"/>
           </a:p>
@@ -44952,14 +44952,14 @@
               <a:rPr lang="en-US" dirty="0"/>
               <a:t>Everything needs to be web</a:t>
             </a:r>
-            <a:br>
-              <a:rPr lang="en-US" dirty="0"/>
-            </a:br>
+          </a:p>
+          <a:p>
+            <a:pPr lvl="1"/>
             <a:r>
               <a:rPr lang="en-US" dirty="0">
                 <a:sym typeface="Wingdings" panose="05000000000000000000" pitchFamily="2" charset="2"/>
               </a:rPr>
-              <a:t> Huge re-engineering effort</a:t>
+              <a:t>Huge re-engineering effort</a:t>
             </a:r>
           </a:p>
           <a:p>
@@ -44974,16 +44974,14 @@
               </a:rPr>
               <a:t>Don’t re-invent the wheel for each LWB</a:t>
             </a:r>
-            <a:br>
-              <a:rPr lang="en-US" dirty="0">
-                <a:sym typeface="Wingdings" panose="05000000000000000000" pitchFamily="2" charset="2"/>
-              </a:rPr>
-            </a:br>
+          </a:p>
+          <a:p>
+            <a:pPr lvl="1"/>
             <a:r>
               <a:rPr lang="en-US" dirty="0">
                 <a:sym typeface="Wingdings" panose="05000000000000000000" pitchFamily="2" charset="2"/>
               </a:rPr>
-              <a:t> Focus on strengths, reuse other parts</a:t>
+              <a:t>Focus on strengths, reuse other parts</a:t>
             </a:r>
           </a:p>
           <a:p>
@@ -44996,14 +44994,14 @@
               <a:rPr lang="en-US" dirty="0"/>
               <a:t>Shared effort &amp; multiple providers</a:t>
             </a:r>
-            <a:br>
-              <a:rPr lang="en-US" dirty="0"/>
-            </a:br>
+          </a:p>
+          <a:p>
+            <a:pPr lvl="1"/>
             <a:r>
               <a:rPr lang="en-US" dirty="0">
                 <a:sym typeface="Wingdings" panose="05000000000000000000" pitchFamily="2" charset="2"/>
               </a:rPr>
-              <a:t> better commercial acceptance</a:t>
+              <a:t>better commercial acceptance</a:t>
             </a:r>
             <a:endParaRPr lang="en-US" dirty="0"/>
           </a:p>

--- a/resources/LangDev Talk.pptx
+++ b/resources/LangDev Talk.pptx
@@ -5,7 +5,7 @@
     <p:sldMasterId id="2147483659" r:id="rId1"/>
   </p:sldMasterIdLst>
   <p:notesMasterIdLst>
-    <p:notesMasterId r:id="rId23"/>
+    <p:notesMasterId r:id="rId20"/>
   </p:notesMasterIdLst>
   <p:sldIdLst>
     <p:sldId id="266" r:id="rId2"/>
@@ -21,31 +21,28 @@
     <p:sldId id="276" r:id="rId12"/>
     <p:sldId id="277" r:id="rId13"/>
     <p:sldId id="285" r:id="rId14"/>
-    <p:sldId id="289" r:id="rId15"/>
-    <p:sldId id="291" r:id="rId16"/>
-    <p:sldId id="292" r:id="rId17"/>
-    <p:sldId id="290" r:id="rId18"/>
-    <p:sldId id="263" r:id="rId19"/>
-    <p:sldId id="275" r:id="rId20"/>
-    <p:sldId id="287" r:id="rId21"/>
-    <p:sldId id="265" r:id="rId22"/>
+    <p:sldId id="292" r:id="rId15"/>
+    <p:sldId id="290" r:id="rId16"/>
+    <p:sldId id="263" r:id="rId17"/>
+    <p:sldId id="287" r:id="rId18"/>
+    <p:sldId id="265" r:id="rId19"/>
   </p:sldIdLst>
   <p:sldSz cx="9144000" cy="5143500" type="screen16x9"/>
   <p:notesSz cx="6858000" cy="9144000"/>
   <p:embeddedFontLst>
     <p:embeddedFont>
       <p:font typeface="Calibri" panose="020F0502020204030204" pitchFamily="34" charset="0"/>
-      <p:regular r:id="rId24"/>
-      <p:bold r:id="rId25"/>
-      <p:italic r:id="rId26"/>
-      <p:boldItalic r:id="rId27"/>
+      <p:regular r:id="rId21"/>
+      <p:bold r:id="rId22"/>
+      <p:italic r:id="rId23"/>
+      <p:boldItalic r:id="rId24"/>
     </p:embeddedFont>
     <p:embeddedFont>
       <p:font typeface="Gill Sans MT" panose="020B0502020104020203" pitchFamily="34" charset="77"/>
-      <p:regular r:id="rId28"/>
-      <p:bold r:id="rId29"/>
-      <p:italic r:id="rId30"/>
-      <p:boldItalic r:id="rId31"/>
+      <p:regular r:id="rId25"/>
+      <p:bold r:id="rId26"/>
+      <p:italic r:id="rId27"/>
+      <p:boldItalic r:id="rId28"/>
     </p:embeddedFont>
   </p:embeddedFontLst>
   <p:defaultTextStyle>
@@ -793,7 +790,7 @@
     </p:spTree>
     <p:extLst>
       <p:ext uri="{BB962C8B-B14F-4D97-AF65-F5344CB8AC3E}">
-        <p14:creationId xmlns:p14="http://schemas.microsoft.com/office/powerpoint/2010/main" val="3357961029"/>
+        <p14:creationId xmlns:p14="http://schemas.microsoft.com/office/powerpoint/2010/main" val="1775195651"/>
       </p:ext>
     </p:extLst>
   </p:cSld>
@@ -859,7 +856,7 @@
     </p:spTree>
     <p:extLst>
       <p:ext uri="{BB962C8B-B14F-4D97-AF65-F5344CB8AC3E}">
-        <p14:creationId xmlns:p14="http://schemas.microsoft.com/office/powerpoint/2010/main" val="2289359595"/>
+        <p14:creationId xmlns:p14="http://schemas.microsoft.com/office/powerpoint/2010/main" val="3022289378"/>
       </p:ext>
     </p:extLst>
   </p:cSld>
@@ -870,138 +867,6 @@
 </file>
 
 <file path=ppt/notesSlides/notesSlide3.xml><?xml version="1.0" encoding="utf-8"?>
-<p:notes xmlns:a="http://schemas.openxmlformats.org/drawingml/2006/main" xmlns:r="http://schemas.openxmlformats.org/officeDocument/2006/relationships" xmlns:p="http://schemas.openxmlformats.org/presentationml/2006/main">
-  <p:cSld>
-    <p:spTree>
-      <p:nvGrpSpPr>
-        <p:cNvPr id="1" name=""/>
-        <p:cNvGrpSpPr/>
-        <p:nvPr/>
-      </p:nvGrpSpPr>
-      <p:grpSpPr>
-        <a:xfrm>
-          <a:off x="0" y="0"/>
-          <a:ext cx="0" cy="0"/>
-          <a:chOff x="0" y="0"/>
-          <a:chExt cx="0" cy="0"/>
-        </a:xfrm>
-      </p:grpSpPr>
-      <p:sp>
-        <p:nvSpPr>
-          <p:cNvPr id="2" name="Slide Image Placeholder 1"/>
-          <p:cNvSpPr>
-            <a:spLocks noGrp="1" noRot="1" noChangeAspect="1"/>
-          </p:cNvSpPr>
-          <p:nvPr>
-            <p:ph type="sldImg"/>
-          </p:nvPr>
-        </p:nvSpPr>
-        <p:spPr>
-          <a:xfrm>
-            <a:off x="381000" y="685800"/>
-            <a:ext cx="6096000" cy="3429000"/>
-          </a:xfrm>
-        </p:spPr>
-      </p:sp>
-      <p:sp>
-        <p:nvSpPr>
-          <p:cNvPr id="3" name="Notes Placeholder 2"/>
-          <p:cNvSpPr>
-            <a:spLocks noGrp="1"/>
-          </p:cNvSpPr>
-          <p:nvPr>
-            <p:ph type="body" idx="1"/>
-          </p:nvPr>
-        </p:nvSpPr>
-        <p:spPr/>
-        <p:txBody>
-          <a:bodyPr/>
-          <a:lstStyle/>
-          <a:p>
-            <a:endParaRPr lang="en-NL" dirty="0"/>
-          </a:p>
-        </p:txBody>
-      </p:sp>
-    </p:spTree>
-    <p:extLst>
-      <p:ext uri="{BB962C8B-B14F-4D97-AF65-F5344CB8AC3E}">
-        <p14:creationId xmlns:p14="http://schemas.microsoft.com/office/powerpoint/2010/main" val="1775195651"/>
-      </p:ext>
-    </p:extLst>
-  </p:cSld>
-  <p:clrMapOvr>
-    <a:masterClrMapping/>
-  </p:clrMapOvr>
-</p:notes>
-</file>
-
-<file path=ppt/notesSlides/notesSlide4.xml><?xml version="1.0" encoding="utf-8"?>
-<p:notes xmlns:a="http://schemas.openxmlformats.org/drawingml/2006/main" xmlns:r="http://schemas.openxmlformats.org/officeDocument/2006/relationships" xmlns:p="http://schemas.openxmlformats.org/presentationml/2006/main">
-  <p:cSld>
-    <p:spTree>
-      <p:nvGrpSpPr>
-        <p:cNvPr id="1" name=""/>
-        <p:cNvGrpSpPr/>
-        <p:nvPr/>
-      </p:nvGrpSpPr>
-      <p:grpSpPr>
-        <a:xfrm>
-          <a:off x="0" y="0"/>
-          <a:ext cx="0" cy="0"/>
-          <a:chOff x="0" y="0"/>
-          <a:chExt cx="0" cy="0"/>
-        </a:xfrm>
-      </p:grpSpPr>
-      <p:sp>
-        <p:nvSpPr>
-          <p:cNvPr id="2" name="Slide Image Placeholder 1"/>
-          <p:cNvSpPr>
-            <a:spLocks noGrp="1" noRot="1" noChangeAspect="1"/>
-          </p:cNvSpPr>
-          <p:nvPr>
-            <p:ph type="sldImg"/>
-          </p:nvPr>
-        </p:nvSpPr>
-        <p:spPr>
-          <a:xfrm>
-            <a:off x="381000" y="685800"/>
-            <a:ext cx="6096000" cy="3429000"/>
-          </a:xfrm>
-        </p:spPr>
-      </p:sp>
-      <p:sp>
-        <p:nvSpPr>
-          <p:cNvPr id="3" name="Notes Placeholder 2"/>
-          <p:cNvSpPr>
-            <a:spLocks noGrp="1"/>
-          </p:cNvSpPr>
-          <p:nvPr>
-            <p:ph type="body" idx="1"/>
-          </p:nvPr>
-        </p:nvSpPr>
-        <p:spPr/>
-        <p:txBody>
-          <a:bodyPr/>
-          <a:lstStyle/>
-          <a:p>
-            <a:endParaRPr lang="en-NL" dirty="0"/>
-          </a:p>
-        </p:txBody>
-      </p:sp>
-    </p:spTree>
-    <p:extLst>
-      <p:ext uri="{BB962C8B-B14F-4D97-AF65-F5344CB8AC3E}">
-        <p14:creationId xmlns:p14="http://schemas.microsoft.com/office/powerpoint/2010/main" val="3022289378"/>
-      </p:ext>
-    </p:extLst>
-  </p:cSld>
-  <p:clrMapOvr>
-    <a:masterClrMapping/>
-  </p:clrMapOvr>
-</p:notes>
-</file>
-
-<file path=ppt/notesSlides/notesSlide5.xml><?xml version="1.0" encoding="utf-8"?>
 <p:notes xmlns:a="http://schemas.openxmlformats.org/drawingml/2006/main" xmlns:r="http://schemas.openxmlformats.org/officeDocument/2006/relationships" xmlns:p="http://schemas.openxmlformats.org/presentationml/2006/main" showMasterSp="0" showMasterPhAnim="0">
   <p:cSld>
     <p:spTree>
@@ -1105,7 +970,7 @@
 </p:notes>
 </file>
 
-<file path=ppt/notesSlides/notesSlide6.xml><?xml version="1.0" encoding="utf-8"?>
+<file path=ppt/notesSlides/notesSlide4.xml><?xml version="1.0" encoding="utf-8"?>
 <p:notes xmlns:a="http://schemas.openxmlformats.org/drawingml/2006/main" xmlns:r="http://schemas.openxmlformats.org/officeDocument/2006/relationships" xmlns:p="http://schemas.openxmlformats.org/presentationml/2006/main" showMasterSp="0" showMasterPhAnim="0">
   <p:cSld>
     <p:spTree>
@@ -2670,8 +2535,8 @@
         </p:nvSpPr>
         <p:spPr>
           <a:xfrm>
-            <a:off x="2377440" y="943674"/>
-            <a:ext cx="6454860" cy="3791959"/>
+            <a:off x="2315770" y="943674"/>
+            <a:ext cx="6516530" cy="3791959"/>
           </a:xfrm>
           <a:prstGeom prst="rect">
             <a:avLst/>
@@ -2682,7 +2547,7 @@
             <a:normAutofit/>
           </a:bodyPr>
           <a:lstStyle>
-            <a:lvl1pPr marL="457200" lvl="0" indent="-342900">
+            <a:lvl1pPr marL="114300" lvl="0" indent="0">
               <a:spcBef>
                 <a:spcPts val="0"/>
               </a:spcBef>
@@ -2690,7 +2555,7 @@
                 <a:spcPts val="0"/>
               </a:spcAft>
               <a:buSzPts val="1800"/>
-              <a:buChar char="●"/>
+              <a:buNone/>
               <a:defRPr>
                 <a:solidFill>
                   <a:schemeClr val="tx1"/>
@@ -21516,4137 +21381,6 @@
       </p:grpSpPr>
       <p:sp>
         <p:nvSpPr>
-          <p:cNvPr id="108" name="Rectangle 107">
-            <a:extLst>
-              <a:ext uri="{FF2B5EF4-FFF2-40B4-BE49-F238E27FC236}">
-                <a16:creationId xmlns:a16="http://schemas.microsoft.com/office/drawing/2014/main" id="{E216353F-D08E-C3D8-857A-FB70D21C6472}"/>
-              </a:ext>
-            </a:extLst>
-          </p:cNvPr>
-          <p:cNvSpPr/>
-          <p:nvPr/>
-        </p:nvSpPr>
-        <p:spPr>
-          <a:xfrm>
-            <a:off x="6770054" y="1952920"/>
-            <a:ext cx="349160" cy="553037"/>
-          </a:xfrm>
-          <a:prstGeom prst="rect">
-            <a:avLst/>
-          </a:prstGeom>
-          <a:solidFill>
-            <a:srgbClr val="00B050"/>
-          </a:solidFill>
-          <a:ln>
-            <a:solidFill>
-              <a:schemeClr val="tx1"/>
-            </a:solidFill>
-          </a:ln>
-        </p:spPr>
-        <p:style>
-          <a:lnRef idx="2">
-            <a:schemeClr val="accent1">
-              <a:shade val="15000"/>
-            </a:schemeClr>
-          </a:lnRef>
-          <a:fillRef idx="1">
-            <a:schemeClr val="accent1"/>
-          </a:fillRef>
-          <a:effectRef idx="0">
-            <a:schemeClr val="accent1"/>
-          </a:effectRef>
-          <a:fontRef idx="minor">
-            <a:schemeClr val="lt1"/>
-          </a:fontRef>
-        </p:style>
-        <p:txBody>
-          <a:bodyPr rtlCol="0" anchor="ctr"/>
-          <a:lstStyle/>
-          <a:p>
-            <a:pPr algn="ctr"/>
-            <a:endParaRPr lang="en-NL" sz="1200" dirty="0"/>
-          </a:p>
-        </p:txBody>
-      </p:sp>
-      <p:sp>
-        <p:nvSpPr>
-          <p:cNvPr id="4" name="Rectangle 3">
-            <a:extLst>
-              <a:ext uri="{FF2B5EF4-FFF2-40B4-BE49-F238E27FC236}">
-                <a16:creationId xmlns:a16="http://schemas.microsoft.com/office/drawing/2014/main" id="{579C44A1-4C17-B95D-E909-911B0F70EC1C}"/>
-              </a:ext>
-            </a:extLst>
-          </p:cNvPr>
-          <p:cNvSpPr/>
-          <p:nvPr/>
-        </p:nvSpPr>
-        <p:spPr>
-          <a:xfrm>
-            <a:off x="216775" y="125472"/>
-            <a:ext cx="1036584" cy="779544"/>
-          </a:xfrm>
-          <a:prstGeom prst="rect">
-            <a:avLst/>
-          </a:prstGeom>
-        </p:spPr>
-        <p:style>
-          <a:lnRef idx="2">
-            <a:schemeClr val="accent1">
-              <a:shade val="15000"/>
-            </a:schemeClr>
-          </a:lnRef>
-          <a:fillRef idx="1">
-            <a:schemeClr val="accent1"/>
-          </a:fillRef>
-          <a:effectRef idx="0">
-            <a:schemeClr val="accent1"/>
-          </a:effectRef>
-          <a:fontRef idx="minor">
-            <a:schemeClr val="lt1"/>
-          </a:fontRef>
-        </p:style>
-        <p:txBody>
-          <a:bodyPr rtlCol="0" anchor="ctr"/>
-          <a:lstStyle/>
-          <a:p>
-            <a:pPr algn="ctr"/>
-            <a:r>
-              <a:rPr lang="en-NL" sz="1200" dirty="0"/>
-              <a:t>Freon Editor for LionWeb MetaModels</a:t>
-            </a:r>
-          </a:p>
-        </p:txBody>
-      </p:sp>
-      <p:sp>
-        <p:nvSpPr>
-          <p:cNvPr id="6" name="Document 5">
-            <a:extLst>
-              <a:ext uri="{FF2B5EF4-FFF2-40B4-BE49-F238E27FC236}">
-                <a16:creationId xmlns:a16="http://schemas.microsoft.com/office/drawing/2014/main" id="{6217ABAA-F2EA-3353-4223-D8EF045AD64B}"/>
-              </a:ext>
-            </a:extLst>
-          </p:cNvPr>
-          <p:cNvSpPr/>
-          <p:nvPr/>
-        </p:nvSpPr>
-        <p:spPr>
-          <a:xfrm>
-            <a:off x="216775" y="2599510"/>
-            <a:ext cx="1295998" cy="522294"/>
-          </a:xfrm>
-          <a:prstGeom prst="flowChartDocument">
-            <a:avLst/>
-          </a:prstGeom>
-          <a:solidFill>
-            <a:schemeClr val="accent1">
-              <a:lumMod val="40000"/>
-              <a:lumOff val="60000"/>
-            </a:schemeClr>
-          </a:solidFill>
-          <a:ln w="6350"/>
-        </p:spPr>
-        <p:style>
-          <a:lnRef idx="2">
-            <a:schemeClr val="accent1">
-              <a:shade val="15000"/>
-            </a:schemeClr>
-          </a:lnRef>
-          <a:fillRef idx="1">
-            <a:schemeClr val="accent1"/>
-          </a:fillRef>
-          <a:effectRef idx="0">
-            <a:schemeClr val="accent1"/>
-          </a:effectRef>
-          <a:fontRef idx="minor">
-            <a:schemeClr val="lt1"/>
-          </a:fontRef>
-        </p:style>
-        <p:txBody>
-          <a:bodyPr rtlCol="0" anchor="ctr"/>
-          <a:lstStyle/>
-          <a:p>
-            <a:pPr algn="ctr"/>
-            <a:r>
-              <a:rPr lang="en-NL" sz="1200" dirty="0"/>
-              <a:t>LionWeb PROP metamodel</a:t>
-            </a:r>
-          </a:p>
-        </p:txBody>
-      </p:sp>
-      <p:sp>
-        <p:nvSpPr>
-          <p:cNvPr id="10" name="Rectangle 9">
-            <a:extLst>
-              <a:ext uri="{FF2B5EF4-FFF2-40B4-BE49-F238E27FC236}">
-                <a16:creationId xmlns:a16="http://schemas.microsoft.com/office/drawing/2014/main" id="{9B86F708-A056-D35C-712E-745C7EC3BB09}"/>
-              </a:ext>
-            </a:extLst>
-          </p:cNvPr>
-          <p:cNvSpPr/>
-          <p:nvPr/>
-        </p:nvSpPr>
-        <p:spPr>
-          <a:xfrm>
-            <a:off x="1800178" y="2041419"/>
-            <a:ext cx="1276281" cy="373096"/>
-          </a:xfrm>
-          <a:prstGeom prst="rect">
-            <a:avLst/>
-          </a:prstGeom>
-        </p:spPr>
-        <p:style>
-          <a:lnRef idx="2">
-            <a:schemeClr val="accent1">
-              <a:shade val="15000"/>
-            </a:schemeClr>
-          </a:lnRef>
-          <a:fillRef idx="1">
-            <a:schemeClr val="accent1"/>
-          </a:fillRef>
-          <a:effectRef idx="0">
-            <a:schemeClr val="accent1"/>
-          </a:effectRef>
-          <a:fontRef idx="minor">
-            <a:schemeClr val="lt1"/>
-          </a:fontRef>
-        </p:style>
-        <p:txBody>
-          <a:bodyPr rtlCol="0" anchor="ctr"/>
-          <a:lstStyle/>
-          <a:p>
-            <a:pPr algn="ctr"/>
-            <a:r>
-              <a:rPr lang="en-NL" sz="1200" dirty="0"/>
-              <a:t>MPS Converter </a:t>
-            </a:r>
-          </a:p>
-        </p:txBody>
-      </p:sp>
-      <p:sp>
-        <p:nvSpPr>
-          <p:cNvPr id="11" name="Document 10">
-            <a:extLst>
-              <a:ext uri="{FF2B5EF4-FFF2-40B4-BE49-F238E27FC236}">
-                <a16:creationId xmlns:a16="http://schemas.microsoft.com/office/drawing/2014/main" id="{FB0FCD26-6A86-5E54-0A9A-0E8AF886F783}"/>
-              </a:ext>
-            </a:extLst>
-          </p:cNvPr>
-          <p:cNvSpPr/>
-          <p:nvPr/>
-        </p:nvSpPr>
-        <p:spPr>
-          <a:xfrm>
-            <a:off x="3314201" y="1986555"/>
-            <a:ext cx="993763" cy="488240"/>
-          </a:xfrm>
-          <a:prstGeom prst="flowChartDocument">
-            <a:avLst/>
-          </a:prstGeom>
-          <a:solidFill>
-            <a:schemeClr val="accent1">
-              <a:lumMod val="40000"/>
-              <a:lumOff val="60000"/>
-            </a:schemeClr>
-          </a:solidFill>
-          <a:ln w="6350"/>
-        </p:spPr>
-        <p:style>
-          <a:lnRef idx="2">
-            <a:schemeClr val="accent1">
-              <a:shade val="15000"/>
-            </a:schemeClr>
-          </a:lnRef>
-          <a:fillRef idx="1">
-            <a:schemeClr val="accent1"/>
-          </a:fillRef>
-          <a:effectRef idx="0">
-            <a:schemeClr val="accent1"/>
-          </a:effectRef>
-          <a:fontRef idx="minor">
-            <a:schemeClr val="lt1"/>
-          </a:fontRef>
-        </p:style>
-        <p:txBody>
-          <a:bodyPr rtlCol="0" anchor="ctr"/>
-          <a:lstStyle/>
-          <a:p>
-            <a:pPr algn="ctr"/>
-            <a:r>
-              <a:rPr lang="en-US" sz="1200" dirty="0"/>
-              <a:t>MPS PROP Language</a:t>
-            </a:r>
-            <a:endParaRPr lang="en-NL" sz="1200" dirty="0"/>
-          </a:p>
-        </p:txBody>
-      </p:sp>
-      <p:sp>
-        <p:nvSpPr>
-          <p:cNvPr id="12" name="Rectangle 11">
-            <a:extLst>
-              <a:ext uri="{FF2B5EF4-FFF2-40B4-BE49-F238E27FC236}">
-                <a16:creationId xmlns:a16="http://schemas.microsoft.com/office/drawing/2014/main" id="{509581BF-AB62-A99A-4DB0-E10BFCA17192}"/>
-              </a:ext>
-            </a:extLst>
-          </p:cNvPr>
-          <p:cNvSpPr/>
-          <p:nvPr/>
-        </p:nvSpPr>
-        <p:spPr>
-          <a:xfrm>
-            <a:off x="5764572" y="1956097"/>
-            <a:ext cx="1377309" cy="553037"/>
-          </a:xfrm>
-          <a:prstGeom prst="rect">
-            <a:avLst/>
-          </a:prstGeom>
-          <a:solidFill>
-            <a:srgbClr val="00B050"/>
-          </a:solidFill>
-          <a:ln>
-            <a:solidFill>
-              <a:schemeClr val="tx1"/>
-            </a:solidFill>
-          </a:ln>
-        </p:spPr>
-        <p:style>
-          <a:lnRef idx="2">
-            <a:schemeClr val="accent1">
-              <a:shade val="15000"/>
-            </a:schemeClr>
-          </a:lnRef>
-          <a:fillRef idx="1">
-            <a:schemeClr val="accent1"/>
-          </a:fillRef>
-          <a:effectRef idx="0">
-            <a:schemeClr val="accent1"/>
-          </a:effectRef>
-          <a:fontRef idx="minor">
-            <a:schemeClr val="lt1"/>
-          </a:fontRef>
-        </p:style>
-        <p:txBody>
-          <a:bodyPr rtlCol="0" anchor="ctr"/>
-          <a:lstStyle/>
-          <a:p>
-            <a:pPr algn="ctr"/>
-            <a:r>
-              <a:rPr lang="en-NL" sz="1200" dirty="0"/>
-              <a:t>MPS with PROP language </a:t>
-            </a:r>
-          </a:p>
-        </p:txBody>
-      </p:sp>
-      <p:sp>
-        <p:nvSpPr>
-          <p:cNvPr id="15" name="Rectangle 14">
-            <a:extLst>
-              <a:ext uri="{FF2B5EF4-FFF2-40B4-BE49-F238E27FC236}">
-                <a16:creationId xmlns:a16="http://schemas.microsoft.com/office/drawing/2014/main" id="{6476EE8F-5948-2872-F91C-86DBDFBF8B5A}"/>
-              </a:ext>
-            </a:extLst>
-          </p:cNvPr>
-          <p:cNvSpPr/>
-          <p:nvPr/>
-        </p:nvSpPr>
-        <p:spPr>
-          <a:xfrm>
-            <a:off x="5103460" y="3232941"/>
-            <a:ext cx="1377309" cy="484193"/>
-          </a:xfrm>
-          <a:prstGeom prst="rect">
-            <a:avLst/>
-          </a:prstGeom>
-          <a:solidFill>
-            <a:srgbClr val="00B050"/>
-          </a:solidFill>
-          <a:ln>
-            <a:solidFill>
-              <a:schemeClr val="tx1"/>
-            </a:solidFill>
-          </a:ln>
-        </p:spPr>
-        <p:style>
-          <a:lnRef idx="2">
-            <a:schemeClr val="accent1">
-              <a:shade val="15000"/>
-            </a:schemeClr>
-          </a:lnRef>
-          <a:fillRef idx="1">
-            <a:schemeClr val="accent1"/>
-          </a:fillRef>
-          <a:effectRef idx="0">
-            <a:schemeClr val="accent1"/>
-          </a:effectRef>
-          <a:fontRef idx="minor">
-            <a:schemeClr val="lt1"/>
-          </a:fontRef>
-        </p:style>
-        <p:txBody>
-          <a:bodyPr rtlCol="0" anchor="ctr"/>
-          <a:lstStyle/>
-          <a:p>
-            <a:pPr algn="ctr"/>
-            <a:r>
-              <a:rPr lang="en-NL" sz="1200" dirty="0"/>
-              <a:t>Freon PROP Web Editor</a:t>
-            </a:r>
-          </a:p>
-        </p:txBody>
-      </p:sp>
-      <p:sp>
-        <p:nvSpPr>
-          <p:cNvPr id="16" name="Rectangle 15">
-            <a:extLst>
-              <a:ext uri="{FF2B5EF4-FFF2-40B4-BE49-F238E27FC236}">
-                <a16:creationId xmlns:a16="http://schemas.microsoft.com/office/drawing/2014/main" id="{A41D91F8-BC85-06C9-70E3-D5C3CAAA92E5}"/>
-              </a:ext>
-            </a:extLst>
-          </p:cNvPr>
-          <p:cNvSpPr/>
-          <p:nvPr/>
-        </p:nvSpPr>
-        <p:spPr>
-          <a:xfrm>
-            <a:off x="1800177" y="3236165"/>
-            <a:ext cx="1276283" cy="473232"/>
-          </a:xfrm>
-          <a:prstGeom prst="rect">
-            <a:avLst/>
-          </a:prstGeom>
-        </p:spPr>
-        <p:style>
-          <a:lnRef idx="2">
-            <a:schemeClr val="accent1">
-              <a:shade val="15000"/>
-            </a:schemeClr>
-          </a:lnRef>
-          <a:fillRef idx="1">
-            <a:schemeClr val="accent1"/>
-          </a:fillRef>
-          <a:effectRef idx="0">
-            <a:schemeClr val="accent1"/>
-          </a:effectRef>
-          <a:fontRef idx="minor">
-            <a:schemeClr val="lt1"/>
-          </a:fontRef>
-        </p:style>
-        <p:txBody>
-          <a:bodyPr rtlCol="0" anchor="ctr"/>
-          <a:lstStyle/>
-          <a:p>
-            <a:pPr algn="ctr"/>
-            <a:r>
-              <a:rPr lang="en-NL" sz="1200" dirty="0"/>
-              <a:t>Freon Converter</a:t>
-            </a:r>
-          </a:p>
-        </p:txBody>
-      </p:sp>
-      <p:sp>
-        <p:nvSpPr>
-          <p:cNvPr id="17" name="Document 16">
-            <a:extLst>
-              <a:ext uri="{FF2B5EF4-FFF2-40B4-BE49-F238E27FC236}">
-                <a16:creationId xmlns:a16="http://schemas.microsoft.com/office/drawing/2014/main" id="{B82677F6-B1A9-0DD7-6246-F9253ADCA636}"/>
-              </a:ext>
-            </a:extLst>
-          </p:cNvPr>
-          <p:cNvSpPr/>
-          <p:nvPr/>
-        </p:nvSpPr>
-        <p:spPr>
-          <a:xfrm>
-            <a:off x="3314201" y="3230685"/>
-            <a:ext cx="1188050" cy="484193"/>
-          </a:xfrm>
-          <a:prstGeom prst="flowChartDocument">
-            <a:avLst/>
-          </a:prstGeom>
-          <a:solidFill>
-            <a:schemeClr val="accent1">
-              <a:lumMod val="40000"/>
-              <a:lumOff val="60000"/>
-            </a:schemeClr>
-          </a:solidFill>
-          <a:ln w="6350"/>
-        </p:spPr>
-        <p:style>
-          <a:lnRef idx="2">
-            <a:schemeClr val="accent1">
-              <a:shade val="15000"/>
-            </a:schemeClr>
-          </a:lnRef>
-          <a:fillRef idx="1">
-            <a:schemeClr val="accent1"/>
-          </a:fillRef>
-          <a:effectRef idx="0">
-            <a:schemeClr val="accent1"/>
-          </a:effectRef>
-          <a:fontRef idx="minor">
-            <a:schemeClr val="lt1"/>
-          </a:fontRef>
-        </p:style>
-        <p:txBody>
-          <a:bodyPr rtlCol="0" anchor="ctr"/>
-          <a:lstStyle/>
-          <a:p>
-            <a:pPr algn="ctr"/>
-            <a:r>
-              <a:rPr lang="en-NL" sz="1200" dirty="0"/>
-              <a:t>Freon PROP language</a:t>
-            </a:r>
-          </a:p>
-        </p:txBody>
-      </p:sp>
-      <p:cxnSp>
-        <p:nvCxnSpPr>
-          <p:cNvPr id="19" name="Elbow Connector 18">
-            <a:extLst>
-              <a:ext uri="{FF2B5EF4-FFF2-40B4-BE49-F238E27FC236}">
-                <a16:creationId xmlns:a16="http://schemas.microsoft.com/office/drawing/2014/main" id="{0CCB45B1-12CF-BCF0-4C00-05E55ABA6CBA}"/>
-              </a:ext>
-            </a:extLst>
-          </p:cNvPr>
-          <p:cNvCxnSpPr>
-            <a:cxnSpLocks/>
-            <a:stCxn id="6" idx="2"/>
-            <a:endCxn id="16" idx="1"/>
-          </p:cNvCxnSpPr>
-          <p:nvPr/>
-        </p:nvCxnSpPr>
-        <p:spPr>
-          <a:xfrm rot="16200000" flipH="1">
-            <a:off x="1139722" y="2812326"/>
-            <a:ext cx="385506" cy="935403"/>
-          </a:xfrm>
-          <a:prstGeom prst="bentConnector2">
-            <a:avLst/>
-          </a:prstGeom>
-          <a:ln>
-            <a:tailEnd type="triangle"/>
-          </a:ln>
-        </p:spPr>
-        <p:style>
-          <a:lnRef idx="1">
-            <a:schemeClr val="accent1"/>
-          </a:lnRef>
-          <a:fillRef idx="0">
-            <a:schemeClr val="accent1"/>
-          </a:fillRef>
-          <a:effectRef idx="0">
-            <a:schemeClr val="accent1"/>
-          </a:effectRef>
-          <a:fontRef idx="minor">
-            <a:schemeClr val="tx1"/>
-          </a:fontRef>
-        </p:style>
-      </p:cxnSp>
-      <p:cxnSp>
-        <p:nvCxnSpPr>
-          <p:cNvPr id="20" name="Elbow Connector 19">
-            <a:extLst>
-              <a:ext uri="{FF2B5EF4-FFF2-40B4-BE49-F238E27FC236}">
-                <a16:creationId xmlns:a16="http://schemas.microsoft.com/office/drawing/2014/main" id="{4DAF5F8F-56A5-0400-8EB6-D37AE9CA956F}"/>
-              </a:ext>
-            </a:extLst>
-          </p:cNvPr>
-          <p:cNvCxnSpPr>
-            <a:cxnSpLocks/>
-            <a:stCxn id="16" idx="3"/>
-            <a:endCxn id="17" idx="1"/>
-          </p:cNvCxnSpPr>
-          <p:nvPr/>
-        </p:nvCxnSpPr>
-        <p:spPr>
-          <a:xfrm>
-            <a:off x="3076460" y="3472781"/>
-            <a:ext cx="237741" cy="1"/>
-          </a:xfrm>
-          <a:prstGeom prst="bentConnector3">
-            <a:avLst>
-              <a:gd name="adj1" fmla="val 50000"/>
-            </a:avLst>
-          </a:prstGeom>
-          <a:ln>
-            <a:tailEnd type="triangle"/>
-          </a:ln>
-        </p:spPr>
-        <p:style>
-          <a:lnRef idx="1">
-            <a:schemeClr val="accent1"/>
-          </a:lnRef>
-          <a:fillRef idx="0">
-            <a:schemeClr val="accent1"/>
-          </a:fillRef>
-          <a:effectRef idx="0">
-            <a:schemeClr val="accent1"/>
-          </a:effectRef>
-          <a:fontRef idx="minor">
-            <a:schemeClr val="tx1"/>
-          </a:fontRef>
-        </p:style>
-      </p:cxnSp>
-      <p:cxnSp>
-        <p:nvCxnSpPr>
-          <p:cNvPr id="24" name="Elbow Connector 23">
-            <a:extLst>
-              <a:ext uri="{FF2B5EF4-FFF2-40B4-BE49-F238E27FC236}">
-                <a16:creationId xmlns:a16="http://schemas.microsoft.com/office/drawing/2014/main" id="{84ACB538-CB1E-E573-08BC-A5135851F242}"/>
-              </a:ext>
-            </a:extLst>
-          </p:cNvPr>
-          <p:cNvCxnSpPr>
-            <a:cxnSpLocks/>
-            <a:stCxn id="6" idx="0"/>
-            <a:endCxn id="10" idx="1"/>
-          </p:cNvCxnSpPr>
-          <p:nvPr/>
-        </p:nvCxnSpPr>
-        <p:spPr>
-          <a:xfrm rot="5400000" flipH="1" flipV="1">
-            <a:off x="1146705" y="1946037"/>
-            <a:ext cx="371543" cy="935404"/>
-          </a:xfrm>
-          <a:prstGeom prst="bentConnector2">
-            <a:avLst/>
-          </a:prstGeom>
-          <a:ln>
-            <a:tailEnd type="triangle"/>
-          </a:ln>
-        </p:spPr>
-        <p:style>
-          <a:lnRef idx="1">
-            <a:schemeClr val="accent1"/>
-          </a:lnRef>
-          <a:fillRef idx="0">
-            <a:schemeClr val="accent1"/>
-          </a:fillRef>
-          <a:effectRef idx="0">
-            <a:schemeClr val="accent1"/>
-          </a:effectRef>
-          <a:fontRef idx="minor">
-            <a:schemeClr val="tx1"/>
-          </a:fontRef>
-        </p:style>
-      </p:cxnSp>
-      <p:cxnSp>
-        <p:nvCxnSpPr>
-          <p:cNvPr id="33" name="Elbow Connector 32">
-            <a:extLst>
-              <a:ext uri="{FF2B5EF4-FFF2-40B4-BE49-F238E27FC236}">
-                <a16:creationId xmlns:a16="http://schemas.microsoft.com/office/drawing/2014/main" id="{E0D642D1-D9B2-F072-36EA-81D4D075D8E6}"/>
-              </a:ext>
-            </a:extLst>
-          </p:cNvPr>
-          <p:cNvCxnSpPr>
-            <a:cxnSpLocks/>
-            <a:stCxn id="10" idx="3"/>
-            <a:endCxn id="11" idx="1"/>
-          </p:cNvCxnSpPr>
-          <p:nvPr/>
-        </p:nvCxnSpPr>
-        <p:spPr>
-          <a:xfrm>
-            <a:off x="3076459" y="2227967"/>
-            <a:ext cx="237742" cy="2708"/>
-          </a:xfrm>
-          <a:prstGeom prst="bentConnector3">
-            <a:avLst>
-              <a:gd name="adj1" fmla="val 50000"/>
-            </a:avLst>
-          </a:prstGeom>
-          <a:ln>
-            <a:tailEnd type="triangle"/>
-          </a:ln>
-        </p:spPr>
-        <p:style>
-          <a:lnRef idx="1">
-            <a:schemeClr val="accent1"/>
-          </a:lnRef>
-          <a:fillRef idx="0">
-            <a:schemeClr val="accent1"/>
-          </a:fillRef>
-          <a:effectRef idx="0">
-            <a:schemeClr val="accent1"/>
-          </a:effectRef>
-          <a:fontRef idx="minor">
-            <a:schemeClr val="tx1"/>
-          </a:fontRef>
-        </p:style>
-      </p:cxnSp>
-      <p:cxnSp>
-        <p:nvCxnSpPr>
-          <p:cNvPr id="34" name="Elbow Connector 33">
-            <a:extLst>
-              <a:ext uri="{FF2B5EF4-FFF2-40B4-BE49-F238E27FC236}">
-                <a16:creationId xmlns:a16="http://schemas.microsoft.com/office/drawing/2014/main" id="{19F48C25-F3B3-CE61-11BE-FE48DBAFC04A}"/>
-              </a:ext>
-            </a:extLst>
-          </p:cNvPr>
-          <p:cNvCxnSpPr>
-            <a:cxnSpLocks/>
-            <a:stCxn id="11" idx="3"/>
-            <a:endCxn id="12" idx="1"/>
-          </p:cNvCxnSpPr>
-          <p:nvPr/>
-        </p:nvCxnSpPr>
-        <p:spPr>
-          <a:xfrm>
-            <a:off x="4307964" y="2230675"/>
-            <a:ext cx="1456608" cy="1941"/>
-          </a:xfrm>
-          <a:prstGeom prst="bentConnector3">
-            <a:avLst>
-              <a:gd name="adj1" fmla="val 50000"/>
-            </a:avLst>
-          </a:prstGeom>
-          <a:ln>
-            <a:tailEnd type="triangle"/>
-          </a:ln>
-        </p:spPr>
-        <p:style>
-          <a:lnRef idx="1">
-            <a:schemeClr val="accent1"/>
-          </a:lnRef>
-          <a:fillRef idx="0">
-            <a:schemeClr val="accent1"/>
-          </a:fillRef>
-          <a:effectRef idx="0">
-            <a:schemeClr val="accent1"/>
-          </a:effectRef>
-          <a:fontRef idx="minor">
-            <a:schemeClr val="tx1"/>
-          </a:fontRef>
-        </p:style>
-      </p:cxnSp>
-      <p:cxnSp>
-        <p:nvCxnSpPr>
-          <p:cNvPr id="41" name="Elbow Connector 40">
-            <a:extLst>
-              <a:ext uri="{FF2B5EF4-FFF2-40B4-BE49-F238E27FC236}">
-                <a16:creationId xmlns:a16="http://schemas.microsoft.com/office/drawing/2014/main" id="{86B3D4E2-0D68-6E3A-5794-54536088B4DC}"/>
-              </a:ext>
-            </a:extLst>
-          </p:cNvPr>
-          <p:cNvCxnSpPr>
-            <a:cxnSpLocks/>
-            <a:stCxn id="17" idx="3"/>
-            <a:endCxn id="15" idx="1"/>
-          </p:cNvCxnSpPr>
-          <p:nvPr/>
-        </p:nvCxnSpPr>
-        <p:spPr>
-          <a:xfrm>
-            <a:off x="4502251" y="3472782"/>
-            <a:ext cx="601209" cy="2256"/>
-          </a:xfrm>
-          <a:prstGeom prst="bentConnector3">
-            <a:avLst>
-              <a:gd name="adj1" fmla="val 50000"/>
-            </a:avLst>
-          </a:prstGeom>
-          <a:ln>
-            <a:tailEnd type="triangle"/>
-          </a:ln>
-        </p:spPr>
-        <p:style>
-          <a:lnRef idx="1">
-            <a:schemeClr val="accent1"/>
-          </a:lnRef>
-          <a:fillRef idx="0">
-            <a:schemeClr val="accent1"/>
-          </a:fillRef>
-          <a:effectRef idx="0">
-            <a:schemeClr val="accent1"/>
-          </a:effectRef>
-          <a:fontRef idx="minor">
-            <a:schemeClr val="tx1"/>
-          </a:fontRef>
-        </p:style>
-      </p:cxnSp>
-      <p:cxnSp>
-        <p:nvCxnSpPr>
-          <p:cNvPr id="44" name="Elbow Connector 43">
-            <a:extLst>
-              <a:ext uri="{FF2B5EF4-FFF2-40B4-BE49-F238E27FC236}">
-                <a16:creationId xmlns:a16="http://schemas.microsoft.com/office/drawing/2014/main" id="{06A5A56E-895B-8EF2-7B7A-938BBC1AE51A}"/>
-              </a:ext>
-            </a:extLst>
-          </p:cNvPr>
-          <p:cNvCxnSpPr>
-            <a:cxnSpLocks/>
-            <a:stCxn id="64" idx="3"/>
-            <a:endCxn id="77" idx="1"/>
-          </p:cNvCxnSpPr>
-          <p:nvPr/>
-        </p:nvCxnSpPr>
-        <p:spPr>
-          <a:xfrm flipV="1">
-            <a:off x="3082707" y="1327484"/>
-            <a:ext cx="231494" cy="291"/>
-          </a:xfrm>
-          <a:prstGeom prst="bentConnector3">
-            <a:avLst>
-              <a:gd name="adj1" fmla="val 50000"/>
-            </a:avLst>
-          </a:prstGeom>
-          <a:ln>
-            <a:tailEnd type="triangle"/>
-          </a:ln>
-        </p:spPr>
-        <p:style>
-          <a:lnRef idx="1">
-            <a:schemeClr val="accent1"/>
-          </a:lnRef>
-          <a:fillRef idx="0">
-            <a:schemeClr val="accent1"/>
-          </a:fillRef>
-          <a:effectRef idx="0">
-            <a:schemeClr val="accent1"/>
-          </a:effectRef>
-          <a:fontRef idx="minor">
-            <a:schemeClr val="tx1"/>
-          </a:fontRef>
-        </p:style>
-      </p:cxnSp>
-      <p:cxnSp>
-        <p:nvCxnSpPr>
-          <p:cNvPr id="50" name="Elbow Connector 49">
-            <a:extLst>
-              <a:ext uri="{FF2B5EF4-FFF2-40B4-BE49-F238E27FC236}">
-                <a16:creationId xmlns:a16="http://schemas.microsoft.com/office/drawing/2014/main" id="{F588712D-EBC6-4706-879C-60461F986250}"/>
-              </a:ext>
-            </a:extLst>
-          </p:cNvPr>
-          <p:cNvCxnSpPr>
-            <a:cxnSpLocks/>
-            <a:stCxn id="4" idx="2"/>
-          </p:cNvCxnSpPr>
-          <p:nvPr/>
-        </p:nvCxnSpPr>
-        <p:spPr>
-          <a:xfrm rot="5400000">
-            <a:off x="-45749" y="1460194"/>
-            <a:ext cx="1335994" cy="225638"/>
-          </a:xfrm>
-          <a:prstGeom prst="bentConnector3">
-            <a:avLst>
-              <a:gd name="adj1" fmla="val 50000"/>
-            </a:avLst>
-          </a:prstGeom>
-          <a:ln>
-            <a:tailEnd type="triangle"/>
-          </a:ln>
-        </p:spPr>
-        <p:style>
-          <a:lnRef idx="1">
-            <a:schemeClr val="accent1"/>
-          </a:lnRef>
-          <a:fillRef idx="0">
-            <a:schemeClr val="accent1"/>
-          </a:fillRef>
-          <a:effectRef idx="0">
-            <a:schemeClr val="accent1"/>
-          </a:effectRef>
-          <a:fontRef idx="minor">
-            <a:schemeClr val="tx1"/>
-          </a:fontRef>
-        </p:style>
-      </p:cxnSp>
-      <p:sp>
-        <p:nvSpPr>
-          <p:cNvPr id="63" name="Document 62">
-            <a:extLst>
-              <a:ext uri="{FF2B5EF4-FFF2-40B4-BE49-F238E27FC236}">
-                <a16:creationId xmlns:a16="http://schemas.microsoft.com/office/drawing/2014/main" id="{DC9CA475-AFF8-88D3-1124-D6B5EC06A91E}"/>
-              </a:ext>
-            </a:extLst>
-          </p:cNvPr>
-          <p:cNvSpPr/>
-          <p:nvPr/>
-        </p:nvSpPr>
-        <p:spPr>
-          <a:xfrm>
-            <a:off x="7578768" y="1453213"/>
-            <a:ext cx="1283251" cy="603294"/>
-          </a:xfrm>
-          <a:prstGeom prst="flowChartDocument">
-            <a:avLst/>
-          </a:prstGeom>
-          <a:solidFill>
-            <a:srgbClr val="B2E99A"/>
-          </a:solidFill>
-          <a:ln w="6350">
-            <a:solidFill>
-              <a:srgbClr val="00B050">
-                <a:alpha val="25098"/>
-              </a:srgbClr>
-            </a:solidFill>
-          </a:ln>
-        </p:spPr>
-        <p:style>
-          <a:lnRef idx="2">
-            <a:schemeClr val="accent1">
-              <a:shade val="15000"/>
-            </a:schemeClr>
-          </a:lnRef>
-          <a:fillRef idx="1">
-            <a:schemeClr val="accent1"/>
-          </a:fillRef>
-          <a:effectRef idx="0">
-            <a:schemeClr val="accent1"/>
-          </a:effectRef>
-          <a:fontRef idx="minor">
-            <a:schemeClr val="lt1"/>
-          </a:fontRef>
-        </p:style>
-        <p:txBody>
-          <a:bodyPr rtlCol="0" anchor="ctr"/>
-          <a:lstStyle/>
-          <a:p>
-            <a:pPr algn="ctr"/>
-            <a:r>
-              <a:rPr lang="en-US" sz="1200" dirty="0"/>
-              <a:t>PROP LionWeb</a:t>
-            </a:r>
-          </a:p>
-          <a:p>
-            <a:pPr algn="ctr"/>
-            <a:r>
-              <a:rPr lang="en-US" sz="1200" dirty="0" err="1"/>
-              <a:t>Instance.json</a:t>
-            </a:r>
-            <a:endParaRPr lang="en-NL" sz="1200" dirty="0"/>
-          </a:p>
-        </p:txBody>
-      </p:sp>
-      <p:sp>
-        <p:nvSpPr>
-          <p:cNvPr id="64" name="Rectangle 63">
-            <a:extLst>
-              <a:ext uri="{FF2B5EF4-FFF2-40B4-BE49-F238E27FC236}">
-                <a16:creationId xmlns:a16="http://schemas.microsoft.com/office/drawing/2014/main" id="{6705475E-CCFD-AE6C-1ECD-6FC35B7C0755}"/>
-              </a:ext>
-            </a:extLst>
-          </p:cNvPr>
-          <p:cNvSpPr/>
-          <p:nvPr/>
-        </p:nvSpPr>
-        <p:spPr>
-          <a:xfrm>
-            <a:off x="1800178" y="1083655"/>
-            <a:ext cx="1282529" cy="488239"/>
-          </a:xfrm>
-          <a:prstGeom prst="rect">
-            <a:avLst/>
-          </a:prstGeom>
-        </p:spPr>
-        <p:style>
-          <a:lnRef idx="2">
-            <a:schemeClr val="accent1">
-              <a:shade val="15000"/>
-            </a:schemeClr>
-          </a:lnRef>
-          <a:fillRef idx="1">
-            <a:schemeClr val="accent1"/>
-          </a:fillRef>
-          <a:effectRef idx="0">
-            <a:schemeClr val="accent1"/>
-          </a:effectRef>
-          <a:fontRef idx="minor">
-            <a:schemeClr val="lt1"/>
-          </a:fontRef>
-        </p:style>
-        <p:txBody>
-          <a:bodyPr rtlCol="0" anchor="ctr"/>
-          <a:lstStyle/>
-          <a:p>
-            <a:pPr algn="ctr"/>
-            <a:r>
-              <a:rPr lang="en-NL" sz="1200" dirty="0"/>
-              <a:t>Kotlin Converter</a:t>
-            </a:r>
-          </a:p>
-        </p:txBody>
-      </p:sp>
-      <p:cxnSp>
-        <p:nvCxnSpPr>
-          <p:cNvPr id="65" name="Elbow Connector 64">
-            <a:extLst>
-              <a:ext uri="{FF2B5EF4-FFF2-40B4-BE49-F238E27FC236}">
-                <a16:creationId xmlns:a16="http://schemas.microsoft.com/office/drawing/2014/main" id="{FF0EDB14-00DF-EF8D-5349-4873297EC50B}"/>
-              </a:ext>
-            </a:extLst>
-          </p:cNvPr>
-          <p:cNvCxnSpPr>
-            <a:cxnSpLocks/>
-            <a:stCxn id="6" idx="0"/>
-            <a:endCxn id="64" idx="1"/>
-          </p:cNvCxnSpPr>
-          <p:nvPr/>
-        </p:nvCxnSpPr>
-        <p:spPr>
-          <a:xfrm rot="5400000" flipH="1" flipV="1">
-            <a:off x="696609" y="1495941"/>
-            <a:ext cx="1271735" cy="935404"/>
-          </a:xfrm>
-          <a:prstGeom prst="bentConnector2">
-            <a:avLst/>
-          </a:prstGeom>
-          <a:ln>
-            <a:tailEnd type="triangle"/>
-          </a:ln>
-        </p:spPr>
-        <p:style>
-          <a:lnRef idx="1">
-            <a:schemeClr val="accent1"/>
-          </a:lnRef>
-          <a:fillRef idx="0">
-            <a:schemeClr val="accent1"/>
-          </a:fillRef>
-          <a:effectRef idx="0">
-            <a:schemeClr val="accent1"/>
-          </a:effectRef>
-          <a:fontRef idx="minor">
-            <a:schemeClr val="tx1"/>
-          </a:fontRef>
-        </p:style>
-      </p:cxnSp>
-      <p:sp>
-        <p:nvSpPr>
-          <p:cNvPr id="76" name="Rectangle 75">
-            <a:extLst>
-              <a:ext uri="{FF2B5EF4-FFF2-40B4-BE49-F238E27FC236}">
-                <a16:creationId xmlns:a16="http://schemas.microsoft.com/office/drawing/2014/main" id="{766D6B29-A506-16DB-74B6-332165A54504}"/>
-              </a:ext>
-            </a:extLst>
-          </p:cNvPr>
-          <p:cNvSpPr/>
-          <p:nvPr/>
-        </p:nvSpPr>
-        <p:spPr>
-          <a:xfrm>
-            <a:off x="5764572" y="1076947"/>
-            <a:ext cx="1341880" cy="484193"/>
-          </a:xfrm>
-          <a:prstGeom prst="rect">
-            <a:avLst/>
-          </a:prstGeom>
-          <a:solidFill>
-            <a:srgbClr val="00B050"/>
-          </a:solidFill>
-          <a:ln>
-            <a:solidFill>
-              <a:schemeClr val="tx1"/>
-            </a:solidFill>
-          </a:ln>
-        </p:spPr>
-        <p:style>
-          <a:lnRef idx="2">
-            <a:schemeClr val="accent1">
-              <a:shade val="15000"/>
-            </a:schemeClr>
-          </a:lnRef>
-          <a:fillRef idx="1">
-            <a:schemeClr val="accent1"/>
-          </a:fillRef>
-          <a:effectRef idx="0">
-            <a:schemeClr val="accent1"/>
-          </a:effectRef>
-          <a:fontRef idx="minor">
-            <a:schemeClr val="lt1"/>
-          </a:fontRef>
-        </p:style>
-        <p:txBody>
-          <a:bodyPr rtlCol="0" anchor="ctr"/>
-          <a:lstStyle/>
-          <a:p>
-            <a:pPr algn="ctr"/>
-            <a:r>
-              <a:rPr lang="en-NL" sz="1200" dirty="0"/>
-              <a:t>Kotlin PROP Application</a:t>
-            </a:r>
-          </a:p>
-        </p:txBody>
-      </p:sp>
-      <p:sp>
-        <p:nvSpPr>
-          <p:cNvPr id="77" name="Document 76">
-            <a:extLst>
-              <a:ext uri="{FF2B5EF4-FFF2-40B4-BE49-F238E27FC236}">
-                <a16:creationId xmlns:a16="http://schemas.microsoft.com/office/drawing/2014/main" id="{A3CD0AEC-CB34-8A15-8447-BC53088EA0AE}"/>
-              </a:ext>
-            </a:extLst>
-          </p:cNvPr>
-          <p:cNvSpPr/>
-          <p:nvPr/>
-        </p:nvSpPr>
-        <p:spPr>
-          <a:xfrm>
-            <a:off x="3314201" y="1083364"/>
-            <a:ext cx="1045679" cy="488240"/>
-          </a:xfrm>
-          <a:prstGeom prst="flowChartDocument">
-            <a:avLst/>
-          </a:prstGeom>
-          <a:solidFill>
-            <a:schemeClr val="accent1">
-              <a:lumMod val="40000"/>
-              <a:lumOff val="60000"/>
-            </a:schemeClr>
-          </a:solidFill>
-          <a:ln w="6350"/>
-        </p:spPr>
-        <p:style>
-          <a:lnRef idx="2">
-            <a:schemeClr val="accent1">
-              <a:shade val="15000"/>
-            </a:schemeClr>
-          </a:lnRef>
-          <a:fillRef idx="1">
-            <a:schemeClr val="accent1"/>
-          </a:fillRef>
-          <a:effectRef idx="0">
-            <a:schemeClr val="accent1"/>
-          </a:effectRef>
-          <a:fontRef idx="minor">
-            <a:schemeClr val="lt1"/>
-          </a:fontRef>
-        </p:style>
-        <p:txBody>
-          <a:bodyPr rtlCol="0" anchor="ctr"/>
-          <a:lstStyle/>
-          <a:p>
-            <a:pPr algn="ctr"/>
-            <a:r>
-              <a:rPr lang="en-NL" sz="1200" dirty="0"/>
-              <a:t>Kotlin PROP</a:t>
-            </a:r>
-          </a:p>
-          <a:p>
-            <a:pPr algn="ctr"/>
-            <a:r>
-              <a:rPr lang="en-NL" sz="1200" dirty="0"/>
-              <a:t>classes</a:t>
-            </a:r>
-          </a:p>
-        </p:txBody>
-      </p:sp>
-      <p:cxnSp>
-        <p:nvCxnSpPr>
-          <p:cNvPr id="99" name="Elbow Connector 98">
-            <a:extLst>
-              <a:ext uri="{FF2B5EF4-FFF2-40B4-BE49-F238E27FC236}">
-                <a16:creationId xmlns:a16="http://schemas.microsoft.com/office/drawing/2014/main" id="{D89FB09C-3DBA-BD58-D9EC-6D5498E02EA6}"/>
-              </a:ext>
-            </a:extLst>
-          </p:cNvPr>
-          <p:cNvCxnSpPr>
-            <a:cxnSpLocks/>
-            <a:stCxn id="77" idx="3"/>
-            <a:endCxn id="76" idx="1"/>
-          </p:cNvCxnSpPr>
-          <p:nvPr/>
-        </p:nvCxnSpPr>
-        <p:spPr>
-          <a:xfrm flipV="1">
-            <a:off x="4359880" y="1319044"/>
-            <a:ext cx="1404692" cy="8440"/>
-          </a:xfrm>
-          <a:prstGeom prst="bentConnector3">
-            <a:avLst>
-              <a:gd name="adj1" fmla="val 50000"/>
-            </a:avLst>
-          </a:prstGeom>
-          <a:ln>
-            <a:tailEnd type="triangle"/>
-          </a:ln>
-        </p:spPr>
-        <p:style>
-          <a:lnRef idx="1">
-            <a:schemeClr val="accent1"/>
-          </a:lnRef>
-          <a:fillRef idx="0">
-            <a:schemeClr val="accent1"/>
-          </a:fillRef>
-          <a:effectRef idx="0">
-            <a:schemeClr val="accent1"/>
-          </a:effectRef>
-          <a:fontRef idx="minor">
-            <a:schemeClr val="tx1"/>
-          </a:fontRef>
-        </p:style>
-      </p:cxnSp>
-      <p:sp>
-        <p:nvSpPr>
-          <p:cNvPr id="122" name="Document 121">
-            <a:extLst>
-              <a:ext uri="{FF2B5EF4-FFF2-40B4-BE49-F238E27FC236}">
-                <a16:creationId xmlns:a16="http://schemas.microsoft.com/office/drawing/2014/main" id="{7DD82DAF-4E15-9136-1BA3-43EE401F5EAC}"/>
-              </a:ext>
-            </a:extLst>
-          </p:cNvPr>
-          <p:cNvSpPr/>
-          <p:nvPr/>
-        </p:nvSpPr>
-        <p:spPr>
-          <a:xfrm>
-            <a:off x="7743418" y="159169"/>
-            <a:ext cx="1136376" cy="414485"/>
-          </a:xfrm>
-          <a:prstGeom prst="flowChartDocument">
-            <a:avLst/>
-          </a:prstGeom>
-          <a:solidFill>
-            <a:srgbClr val="B2E99A"/>
-          </a:solidFill>
-          <a:ln w="6350">
-            <a:solidFill>
-              <a:srgbClr val="8AB376">
-                <a:alpha val="50980"/>
-              </a:srgbClr>
-            </a:solidFill>
-          </a:ln>
-        </p:spPr>
-        <p:style>
-          <a:lnRef idx="2">
-            <a:schemeClr val="accent1">
-              <a:shade val="15000"/>
-            </a:schemeClr>
-          </a:lnRef>
-          <a:fillRef idx="1">
-            <a:schemeClr val="accent1"/>
-          </a:fillRef>
-          <a:effectRef idx="0">
-            <a:schemeClr val="accent1"/>
-          </a:effectRef>
-          <a:fontRef idx="minor">
-            <a:schemeClr val="lt1"/>
-          </a:fontRef>
-        </p:style>
-        <p:txBody>
-          <a:bodyPr rtlCol="0" anchor="ctr"/>
-          <a:lstStyle/>
-          <a:p>
-            <a:pPr algn="ctr"/>
-            <a:r>
-              <a:rPr lang="en-US" sz="1200" dirty="0"/>
-              <a:t>Properties file</a:t>
-            </a:r>
-            <a:endParaRPr lang="en-NL" sz="1200" dirty="0"/>
-          </a:p>
-        </p:txBody>
-      </p:sp>
-      <p:cxnSp>
-        <p:nvCxnSpPr>
-          <p:cNvPr id="131" name="Elbow Connector 130">
-            <a:extLst>
-              <a:ext uri="{FF2B5EF4-FFF2-40B4-BE49-F238E27FC236}">
-                <a16:creationId xmlns:a16="http://schemas.microsoft.com/office/drawing/2014/main" id="{DDEB3E11-D4DF-BC82-3CE4-1BBDCA904C84}"/>
-              </a:ext>
-            </a:extLst>
-          </p:cNvPr>
-          <p:cNvCxnSpPr>
-            <a:cxnSpLocks/>
-            <a:stCxn id="122" idx="1"/>
-          </p:cNvCxnSpPr>
-          <p:nvPr/>
-        </p:nvCxnSpPr>
-        <p:spPr>
-          <a:xfrm rot="10800000" flipV="1">
-            <a:off x="6647800" y="366412"/>
-            <a:ext cx="1095618" cy="438260"/>
-          </a:xfrm>
-          <a:prstGeom prst="bentConnector3">
-            <a:avLst>
-              <a:gd name="adj1" fmla="val 50000"/>
-            </a:avLst>
-          </a:prstGeom>
-          <a:ln>
-            <a:solidFill>
-              <a:srgbClr val="00B050"/>
-            </a:solidFill>
-            <a:tailEnd type="triangle"/>
-          </a:ln>
-        </p:spPr>
-        <p:style>
-          <a:lnRef idx="1">
-            <a:schemeClr val="accent1"/>
-          </a:lnRef>
-          <a:fillRef idx="0">
-            <a:schemeClr val="accent1"/>
-          </a:fillRef>
-          <a:effectRef idx="0">
-            <a:schemeClr val="accent1"/>
-          </a:effectRef>
-          <a:fontRef idx="minor">
-            <a:schemeClr val="tx1"/>
-          </a:fontRef>
-        </p:style>
-      </p:cxnSp>
-      <p:cxnSp>
-        <p:nvCxnSpPr>
-          <p:cNvPr id="134" name="Elbow Connector 133">
-            <a:extLst>
-              <a:ext uri="{FF2B5EF4-FFF2-40B4-BE49-F238E27FC236}">
-                <a16:creationId xmlns:a16="http://schemas.microsoft.com/office/drawing/2014/main" id="{5BD6784E-F6EA-8572-4FB0-406B6EFB568C}"/>
-              </a:ext>
-            </a:extLst>
-          </p:cNvPr>
-          <p:cNvCxnSpPr>
-            <a:cxnSpLocks/>
-            <a:stCxn id="76" idx="3"/>
-            <a:endCxn id="63" idx="0"/>
-          </p:cNvCxnSpPr>
-          <p:nvPr/>
-        </p:nvCxnSpPr>
-        <p:spPr>
-          <a:xfrm>
-            <a:off x="7106452" y="1319044"/>
-            <a:ext cx="1113942" cy="134169"/>
-          </a:xfrm>
-          <a:prstGeom prst="bentConnector2">
-            <a:avLst/>
-          </a:prstGeom>
-          <a:ln>
-            <a:solidFill>
-              <a:srgbClr val="00B050"/>
-            </a:solidFill>
-            <a:tailEnd type="triangle"/>
-          </a:ln>
-        </p:spPr>
-        <p:style>
-          <a:lnRef idx="1">
-            <a:schemeClr val="accent1"/>
-          </a:lnRef>
-          <a:fillRef idx="0">
-            <a:schemeClr val="accent1"/>
-          </a:fillRef>
-          <a:effectRef idx="0">
-            <a:schemeClr val="accent1"/>
-          </a:effectRef>
-          <a:fontRef idx="minor">
-            <a:schemeClr val="tx1"/>
-          </a:fontRef>
-        </p:style>
-      </p:cxnSp>
-      <p:cxnSp>
-        <p:nvCxnSpPr>
-          <p:cNvPr id="139" name="Elbow Connector 138">
-            <a:extLst>
-              <a:ext uri="{FF2B5EF4-FFF2-40B4-BE49-F238E27FC236}">
-                <a16:creationId xmlns:a16="http://schemas.microsoft.com/office/drawing/2014/main" id="{C636A2B0-010E-03D2-3190-5315A2723676}"/>
-              </a:ext>
-            </a:extLst>
-          </p:cNvPr>
-          <p:cNvCxnSpPr>
-            <a:cxnSpLocks/>
-            <a:stCxn id="63" idx="2"/>
-            <a:endCxn id="12" idx="3"/>
-          </p:cNvCxnSpPr>
-          <p:nvPr/>
-        </p:nvCxnSpPr>
-        <p:spPr>
-          <a:xfrm rot="5400000">
-            <a:off x="7573142" y="1585363"/>
-            <a:ext cx="215993" cy="1078513"/>
-          </a:xfrm>
-          <a:prstGeom prst="bentConnector2">
-            <a:avLst/>
-          </a:prstGeom>
-          <a:ln>
-            <a:solidFill>
-              <a:srgbClr val="00B050"/>
-            </a:solidFill>
-            <a:tailEnd type="triangle"/>
-          </a:ln>
-        </p:spPr>
-        <p:style>
-          <a:lnRef idx="1">
-            <a:schemeClr val="accent1"/>
-          </a:lnRef>
-          <a:fillRef idx="0">
-            <a:schemeClr val="accent1"/>
-          </a:fillRef>
-          <a:effectRef idx="0">
-            <a:schemeClr val="accent1"/>
-          </a:effectRef>
-          <a:fontRef idx="minor">
-            <a:schemeClr val="tx1"/>
-          </a:fontRef>
-        </p:style>
-      </p:cxnSp>
-      <p:cxnSp>
-        <p:nvCxnSpPr>
-          <p:cNvPr id="192" name="Elbow Connector 191">
-            <a:extLst>
-              <a:ext uri="{FF2B5EF4-FFF2-40B4-BE49-F238E27FC236}">
-                <a16:creationId xmlns:a16="http://schemas.microsoft.com/office/drawing/2014/main" id="{7D0F3C59-1A8B-A488-A506-E8A1CDA1FE87}"/>
-              </a:ext>
-            </a:extLst>
-          </p:cNvPr>
-          <p:cNvCxnSpPr>
-            <a:cxnSpLocks/>
-            <a:stCxn id="12" idx="2"/>
-            <a:endCxn id="15" idx="0"/>
-          </p:cNvCxnSpPr>
-          <p:nvPr/>
-        </p:nvCxnSpPr>
-        <p:spPr>
-          <a:xfrm rot="5400000">
-            <a:off x="5760768" y="2540481"/>
-            <a:ext cx="723807" cy="661112"/>
-          </a:xfrm>
-          <a:prstGeom prst="bentConnector3">
-            <a:avLst>
-              <a:gd name="adj1" fmla="val 50000"/>
-            </a:avLst>
-          </a:prstGeom>
-          <a:ln>
-            <a:solidFill>
-              <a:srgbClr val="00B050"/>
-            </a:solidFill>
-            <a:headEnd type="triangle"/>
-            <a:tailEnd type="triangle"/>
-          </a:ln>
-        </p:spPr>
-        <p:style>
-          <a:lnRef idx="1">
-            <a:schemeClr val="accent1"/>
-          </a:lnRef>
-          <a:fillRef idx="0">
-            <a:schemeClr val="accent1"/>
-          </a:fillRef>
-          <a:effectRef idx="0">
-            <a:schemeClr val="accent1"/>
-          </a:effectRef>
-          <a:fontRef idx="minor">
-            <a:schemeClr val="tx1"/>
-          </a:fontRef>
-        </p:style>
-      </p:cxnSp>
-      <p:sp>
-        <p:nvSpPr>
-          <p:cNvPr id="202" name="Document 201">
-            <a:extLst>
-              <a:ext uri="{FF2B5EF4-FFF2-40B4-BE49-F238E27FC236}">
-                <a16:creationId xmlns:a16="http://schemas.microsoft.com/office/drawing/2014/main" id="{18D60361-027C-FD57-8A98-0BBACC57140A}"/>
-              </a:ext>
-            </a:extLst>
-          </p:cNvPr>
-          <p:cNvSpPr/>
-          <p:nvPr/>
-        </p:nvSpPr>
-        <p:spPr>
-          <a:xfrm>
-            <a:off x="7652292" y="4055832"/>
-            <a:ext cx="1403666" cy="758573"/>
-          </a:xfrm>
-          <a:prstGeom prst="flowChartDocument">
-            <a:avLst/>
-          </a:prstGeom>
-          <a:solidFill>
-            <a:srgbClr val="B2E99A"/>
-          </a:solidFill>
-          <a:ln w="6350">
-            <a:solidFill>
-              <a:srgbClr val="00B050"/>
-            </a:solidFill>
-          </a:ln>
-        </p:spPr>
-        <p:style>
-          <a:lnRef idx="2">
-            <a:schemeClr val="accent1">
-              <a:shade val="15000"/>
-            </a:schemeClr>
-          </a:lnRef>
-          <a:fillRef idx="1">
-            <a:schemeClr val="accent1"/>
-          </a:fillRef>
-          <a:effectRef idx="0">
-            <a:schemeClr val="accent1"/>
-          </a:effectRef>
-          <a:fontRef idx="minor">
-            <a:schemeClr val="lt1"/>
-          </a:fontRef>
-        </p:style>
-        <p:txBody>
-          <a:bodyPr rtlCol="0" anchor="ctr"/>
-          <a:lstStyle/>
-          <a:p>
-            <a:pPr algn="ctr"/>
-            <a:r>
-              <a:rPr lang="en-US" sz="1200" dirty="0"/>
-              <a:t>HTML Page</a:t>
-            </a:r>
-          </a:p>
-          <a:p>
-            <a:pPr algn="ctr"/>
-            <a:r>
-              <a:rPr lang="en-US" sz="1200" dirty="0"/>
-              <a:t>with PROP instance</a:t>
-            </a:r>
-            <a:endParaRPr lang="en-NL" sz="1200" dirty="0"/>
-          </a:p>
-        </p:txBody>
-      </p:sp>
-      <p:cxnSp>
-        <p:nvCxnSpPr>
-          <p:cNvPr id="203" name="Elbow Connector 202">
-            <a:extLst>
-              <a:ext uri="{FF2B5EF4-FFF2-40B4-BE49-F238E27FC236}">
-                <a16:creationId xmlns:a16="http://schemas.microsoft.com/office/drawing/2014/main" id="{E7E941E0-E267-79CE-F46A-0FFF5684BA07}"/>
-              </a:ext>
-            </a:extLst>
-          </p:cNvPr>
-          <p:cNvCxnSpPr>
-            <a:cxnSpLocks/>
-            <a:stCxn id="94" idx="3"/>
-            <a:endCxn id="202" idx="1"/>
-          </p:cNvCxnSpPr>
-          <p:nvPr/>
-        </p:nvCxnSpPr>
-        <p:spPr>
-          <a:xfrm>
-            <a:off x="7235450" y="4407139"/>
-            <a:ext cx="416842" cy="27980"/>
-          </a:xfrm>
-          <a:prstGeom prst="bentConnector3">
-            <a:avLst>
-              <a:gd name="adj1" fmla="val 50000"/>
-            </a:avLst>
-          </a:prstGeom>
-          <a:ln>
-            <a:solidFill>
-              <a:srgbClr val="00B050"/>
-            </a:solidFill>
-            <a:tailEnd type="triangle"/>
-          </a:ln>
-        </p:spPr>
-        <p:style>
-          <a:lnRef idx="1">
-            <a:schemeClr val="accent1"/>
-          </a:lnRef>
-          <a:fillRef idx="0">
-            <a:schemeClr val="accent1"/>
-          </a:fillRef>
-          <a:effectRef idx="0">
-            <a:schemeClr val="accent1"/>
-          </a:effectRef>
-          <a:fontRef idx="minor">
-            <a:schemeClr val="tx1"/>
-          </a:fontRef>
-        </p:style>
-      </p:cxnSp>
-      <p:cxnSp>
-        <p:nvCxnSpPr>
-          <p:cNvPr id="207" name="Elbow Connector 206">
-            <a:extLst>
-              <a:ext uri="{FF2B5EF4-FFF2-40B4-BE49-F238E27FC236}">
-                <a16:creationId xmlns:a16="http://schemas.microsoft.com/office/drawing/2014/main" id="{2F8754A3-4FDA-6F5A-941A-3E7DA2C2559F}"/>
-              </a:ext>
-            </a:extLst>
-          </p:cNvPr>
-          <p:cNvCxnSpPr>
-            <a:cxnSpLocks/>
-            <a:stCxn id="12" idx="0"/>
-            <a:endCxn id="76" idx="2"/>
-          </p:cNvCxnSpPr>
-          <p:nvPr/>
-        </p:nvCxnSpPr>
-        <p:spPr>
-          <a:xfrm rot="16200000" flipV="1">
-            <a:off x="6246892" y="1749761"/>
-            <a:ext cx="394957" cy="17715"/>
-          </a:xfrm>
-          <a:prstGeom prst="bentConnector3">
-            <a:avLst>
-              <a:gd name="adj1" fmla="val 50000"/>
-            </a:avLst>
-          </a:prstGeom>
-          <a:ln>
-            <a:solidFill>
-              <a:srgbClr val="00B050"/>
-            </a:solidFill>
-            <a:tailEnd type="triangle"/>
-          </a:ln>
-        </p:spPr>
-        <p:style>
-          <a:lnRef idx="1">
-            <a:schemeClr val="accent1"/>
-          </a:lnRef>
-          <a:fillRef idx="0">
-            <a:schemeClr val="accent1"/>
-          </a:fillRef>
-          <a:effectRef idx="0">
-            <a:schemeClr val="accent1"/>
-          </a:effectRef>
-          <a:fontRef idx="minor">
-            <a:schemeClr val="tx1"/>
-          </a:fontRef>
-        </p:style>
-      </p:cxnSp>
-      <p:sp>
-        <p:nvSpPr>
-          <p:cNvPr id="210" name="Document 209">
-            <a:extLst>
-              <a:ext uri="{FF2B5EF4-FFF2-40B4-BE49-F238E27FC236}">
-                <a16:creationId xmlns:a16="http://schemas.microsoft.com/office/drawing/2014/main" id="{464ED835-6945-6484-1349-7F66F85F0299}"/>
-              </a:ext>
-            </a:extLst>
-          </p:cNvPr>
-          <p:cNvSpPr/>
-          <p:nvPr/>
-        </p:nvSpPr>
-        <p:spPr>
-          <a:xfrm>
-            <a:off x="5055330" y="166444"/>
-            <a:ext cx="1136376" cy="473232"/>
-          </a:xfrm>
-          <a:prstGeom prst="flowChartDocument">
-            <a:avLst/>
-          </a:prstGeom>
-          <a:solidFill>
-            <a:srgbClr val="B2E99A"/>
-          </a:solidFill>
-          <a:ln w="6350">
-            <a:solidFill>
-              <a:srgbClr val="8AB376">
-                <a:alpha val="50980"/>
-              </a:srgbClr>
-            </a:solidFill>
-          </a:ln>
-        </p:spPr>
-        <p:style>
-          <a:lnRef idx="2">
-            <a:schemeClr val="accent1">
-              <a:shade val="15000"/>
-            </a:schemeClr>
-          </a:lnRef>
-          <a:fillRef idx="1">
-            <a:schemeClr val="accent1"/>
-          </a:fillRef>
-          <a:effectRef idx="0">
-            <a:schemeClr val="accent1"/>
-          </a:effectRef>
-          <a:fontRef idx="minor">
-            <a:schemeClr val="lt1"/>
-          </a:fontRef>
-        </p:style>
-        <p:txBody>
-          <a:bodyPr rtlCol="0" anchor="ctr"/>
-          <a:lstStyle/>
-          <a:p>
-            <a:pPr algn="ctr"/>
-            <a:r>
-              <a:rPr lang="en-US" sz="1200" dirty="0"/>
-              <a:t>Changed</a:t>
-            </a:r>
-          </a:p>
-          <a:p>
-            <a:pPr algn="ctr"/>
-            <a:r>
-              <a:rPr lang="en-US" sz="1200" dirty="0"/>
-              <a:t>Properties file</a:t>
-            </a:r>
-            <a:endParaRPr lang="en-NL" sz="1200" dirty="0"/>
-          </a:p>
-        </p:txBody>
-      </p:sp>
-      <p:cxnSp>
-        <p:nvCxnSpPr>
-          <p:cNvPr id="211" name="Elbow Connector 210">
-            <a:extLst>
-              <a:ext uri="{FF2B5EF4-FFF2-40B4-BE49-F238E27FC236}">
-                <a16:creationId xmlns:a16="http://schemas.microsoft.com/office/drawing/2014/main" id="{A1EF968F-39FB-BCC1-D866-338B55B92DC9}"/>
-              </a:ext>
-            </a:extLst>
-          </p:cNvPr>
-          <p:cNvCxnSpPr>
-            <a:cxnSpLocks/>
-            <a:stCxn id="76" idx="0"/>
-            <a:endCxn id="210" idx="3"/>
-          </p:cNvCxnSpPr>
-          <p:nvPr/>
-        </p:nvCxnSpPr>
-        <p:spPr>
-          <a:xfrm rot="16200000" flipV="1">
-            <a:off x="5976666" y="618101"/>
-            <a:ext cx="673887" cy="243806"/>
-          </a:xfrm>
-          <a:prstGeom prst="bentConnector2">
-            <a:avLst/>
-          </a:prstGeom>
-          <a:ln>
-            <a:solidFill>
-              <a:srgbClr val="00B050"/>
-            </a:solidFill>
-            <a:tailEnd type="triangle"/>
-          </a:ln>
-        </p:spPr>
-        <p:style>
-          <a:lnRef idx="1">
-            <a:schemeClr val="accent1"/>
-          </a:lnRef>
-          <a:fillRef idx="0">
-            <a:schemeClr val="accent1"/>
-          </a:fillRef>
-          <a:effectRef idx="0">
-            <a:schemeClr val="accent1"/>
-          </a:effectRef>
-          <a:fontRef idx="minor">
-            <a:schemeClr val="tx1"/>
-          </a:fontRef>
-        </p:style>
-      </p:cxnSp>
-      <p:sp>
-        <p:nvSpPr>
-          <p:cNvPr id="216" name="TextBox 215">
-            <a:extLst>
-              <a:ext uri="{FF2B5EF4-FFF2-40B4-BE49-F238E27FC236}">
-                <a16:creationId xmlns:a16="http://schemas.microsoft.com/office/drawing/2014/main" id="{18E1B192-D89C-0811-DFD2-95B568B81871}"/>
-              </a:ext>
-            </a:extLst>
-          </p:cNvPr>
-          <p:cNvSpPr txBox="1"/>
-          <p:nvPr/>
-        </p:nvSpPr>
-        <p:spPr>
-          <a:xfrm flipH="1">
-            <a:off x="6943450" y="639676"/>
-            <a:ext cx="269626" cy="276999"/>
-          </a:xfrm>
-          <a:prstGeom prst="rect">
-            <a:avLst/>
-          </a:prstGeom>
-          <a:noFill/>
-        </p:spPr>
-        <p:txBody>
-          <a:bodyPr wrap="square" rtlCol="0">
-            <a:spAutoFit/>
-          </a:bodyPr>
-          <a:lstStyle/>
-          <a:p>
-            <a:r>
-              <a:rPr lang="en-NL" sz="1200" dirty="0">
-                <a:solidFill>
-                  <a:srgbClr val="00B050"/>
-                </a:solidFill>
-              </a:rPr>
-              <a:t>1</a:t>
-            </a:r>
-          </a:p>
-        </p:txBody>
-      </p:sp>
-      <p:sp>
-        <p:nvSpPr>
-          <p:cNvPr id="217" name="TextBox 216">
-            <a:extLst>
-              <a:ext uri="{FF2B5EF4-FFF2-40B4-BE49-F238E27FC236}">
-                <a16:creationId xmlns:a16="http://schemas.microsoft.com/office/drawing/2014/main" id="{14348DCD-4240-31F9-EDD5-D5707A00AFD0}"/>
-              </a:ext>
-            </a:extLst>
-          </p:cNvPr>
-          <p:cNvSpPr txBox="1"/>
-          <p:nvPr/>
-        </p:nvSpPr>
-        <p:spPr>
-          <a:xfrm>
-            <a:off x="8006283" y="1619833"/>
-            <a:ext cx="269626" cy="276999"/>
-          </a:xfrm>
-          <a:prstGeom prst="rect">
-            <a:avLst/>
-          </a:prstGeom>
-          <a:noFill/>
-        </p:spPr>
-        <p:txBody>
-          <a:bodyPr wrap="none" rtlCol="0">
-            <a:spAutoFit/>
-          </a:bodyPr>
-          <a:lstStyle/>
-          <a:p>
-            <a:r>
-              <a:rPr lang="en-NL" sz="1200" dirty="0">
-                <a:solidFill>
-                  <a:srgbClr val="00B050"/>
-                </a:solidFill>
-              </a:rPr>
-              <a:t>2</a:t>
-            </a:r>
-          </a:p>
-        </p:txBody>
-      </p:sp>
-      <p:sp>
-        <p:nvSpPr>
-          <p:cNvPr id="218" name="TextBox 217">
-            <a:extLst>
-              <a:ext uri="{FF2B5EF4-FFF2-40B4-BE49-F238E27FC236}">
-                <a16:creationId xmlns:a16="http://schemas.microsoft.com/office/drawing/2014/main" id="{001F0F94-53DB-B7FB-C828-010EB959A620}"/>
-              </a:ext>
-            </a:extLst>
-          </p:cNvPr>
-          <p:cNvSpPr txBox="1"/>
-          <p:nvPr/>
-        </p:nvSpPr>
-        <p:spPr>
-          <a:xfrm>
-            <a:off x="6943450" y="2691784"/>
-            <a:ext cx="269626" cy="276999"/>
-          </a:xfrm>
-          <a:prstGeom prst="rect">
-            <a:avLst/>
-          </a:prstGeom>
-          <a:noFill/>
-        </p:spPr>
-        <p:txBody>
-          <a:bodyPr wrap="none" rtlCol="0">
-            <a:spAutoFit/>
-          </a:bodyPr>
-          <a:lstStyle/>
-          <a:p>
-            <a:r>
-              <a:rPr lang="en-NL" sz="1200" dirty="0">
-                <a:solidFill>
-                  <a:srgbClr val="00B050"/>
-                </a:solidFill>
-              </a:rPr>
-              <a:t>3</a:t>
-            </a:r>
-          </a:p>
-        </p:txBody>
-      </p:sp>
-      <p:sp>
-        <p:nvSpPr>
-          <p:cNvPr id="219" name="TextBox 218">
-            <a:extLst>
-              <a:ext uri="{FF2B5EF4-FFF2-40B4-BE49-F238E27FC236}">
-                <a16:creationId xmlns:a16="http://schemas.microsoft.com/office/drawing/2014/main" id="{9E51E784-9393-36FB-52AC-5AD57B07A695}"/>
-              </a:ext>
-            </a:extLst>
-          </p:cNvPr>
-          <p:cNvSpPr txBox="1"/>
-          <p:nvPr/>
-        </p:nvSpPr>
-        <p:spPr>
-          <a:xfrm>
-            <a:off x="4860177" y="1721543"/>
-            <a:ext cx="269626" cy="276999"/>
-          </a:xfrm>
-          <a:prstGeom prst="rect">
-            <a:avLst/>
-          </a:prstGeom>
-          <a:noFill/>
-        </p:spPr>
-        <p:txBody>
-          <a:bodyPr wrap="none" rtlCol="0">
-            <a:spAutoFit/>
-          </a:bodyPr>
-          <a:lstStyle/>
-          <a:p>
-            <a:r>
-              <a:rPr lang="en-NL" sz="1200" dirty="0">
-                <a:solidFill>
-                  <a:srgbClr val="00B050"/>
-                </a:solidFill>
-              </a:rPr>
-              <a:t>6</a:t>
-            </a:r>
-          </a:p>
-        </p:txBody>
-      </p:sp>
-      <p:sp>
-        <p:nvSpPr>
-          <p:cNvPr id="220" name="TextBox 219">
-            <a:extLst>
-              <a:ext uri="{FF2B5EF4-FFF2-40B4-BE49-F238E27FC236}">
-                <a16:creationId xmlns:a16="http://schemas.microsoft.com/office/drawing/2014/main" id="{B5106274-C860-D199-7659-920F03FEE811}"/>
-              </a:ext>
-            </a:extLst>
-          </p:cNvPr>
-          <p:cNvSpPr txBox="1"/>
-          <p:nvPr/>
-        </p:nvSpPr>
-        <p:spPr>
-          <a:xfrm>
-            <a:off x="6213534" y="2982012"/>
-            <a:ext cx="269626" cy="276999"/>
-          </a:xfrm>
-          <a:prstGeom prst="rect">
-            <a:avLst/>
-          </a:prstGeom>
-          <a:noFill/>
-        </p:spPr>
-        <p:txBody>
-          <a:bodyPr wrap="none" rtlCol="0">
-            <a:spAutoFit/>
-          </a:bodyPr>
-          <a:lstStyle/>
-          <a:p>
-            <a:r>
-              <a:rPr lang="en-NL" sz="1200" dirty="0">
-                <a:solidFill>
-                  <a:srgbClr val="00B050"/>
-                </a:solidFill>
-              </a:rPr>
-              <a:t>5</a:t>
-            </a:r>
-          </a:p>
-        </p:txBody>
-      </p:sp>
-      <p:sp>
-        <p:nvSpPr>
-          <p:cNvPr id="221" name="TextBox 220">
-            <a:extLst>
-              <a:ext uri="{FF2B5EF4-FFF2-40B4-BE49-F238E27FC236}">
-                <a16:creationId xmlns:a16="http://schemas.microsoft.com/office/drawing/2014/main" id="{C94E8FDB-D027-5F1D-7BD2-42FFFAC5C4DA}"/>
-              </a:ext>
-            </a:extLst>
-          </p:cNvPr>
-          <p:cNvSpPr txBox="1"/>
-          <p:nvPr/>
-        </p:nvSpPr>
-        <p:spPr>
-          <a:xfrm>
-            <a:off x="5148359" y="3661841"/>
-            <a:ext cx="269626" cy="276999"/>
-          </a:xfrm>
-          <a:prstGeom prst="rect">
-            <a:avLst/>
-          </a:prstGeom>
-          <a:noFill/>
-        </p:spPr>
-        <p:txBody>
-          <a:bodyPr wrap="none" rtlCol="0">
-            <a:spAutoFit/>
-          </a:bodyPr>
-          <a:lstStyle/>
-          <a:p>
-            <a:r>
-              <a:rPr lang="en-NL" sz="1200" dirty="0">
-                <a:solidFill>
-                  <a:srgbClr val="00B050"/>
-                </a:solidFill>
-              </a:rPr>
-              <a:t>4</a:t>
-            </a:r>
-          </a:p>
-        </p:txBody>
-      </p:sp>
-      <p:sp>
-        <p:nvSpPr>
-          <p:cNvPr id="222" name="TextBox 221">
-            <a:extLst>
-              <a:ext uri="{FF2B5EF4-FFF2-40B4-BE49-F238E27FC236}">
-                <a16:creationId xmlns:a16="http://schemas.microsoft.com/office/drawing/2014/main" id="{DE0DD6F6-45C4-642B-E774-382A14E86D9A}"/>
-              </a:ext>
-            </a:extLst>
-          </p:cNvPr>
-          <p:cNvSpPr txBox="1"/>
-          <p:nvPr/>
-        </p:nvSpPr>
-        <p:spPr>
-          <a:xfrm>
-            <a:off x="6943450" y="175039"/>
-            <a:ext cx="269626" cy="276999"/>
-          </a:xfrm>
-          <a:prstGeom prst="rect">
-            <a:avLst/>
-          </a:prstGeom>
-          <a:noFill/>
-        </p:spPr>
-        <p:txBody>
-          <a:bodyPr wrap="square" rtlCol="0">
-            <a:spAutoFit/>
-          </a:bodyPr>
-          <a:lstStyle/>
-          <a:p>
-            <a:r>
-              <a:rPr lang="en-NL" sz="1200" dirty="0">
-                <a:solidFill>
-                  <a:srgbClr val="00B050"/>
-                </a:solidFill>
-              </a:rPr>
-              <a:t>7</a:t>
-            </a:r>
-          </a:p>
-        </p:txBody>
-      </p:sp>
-      <p:sp>
-        <p:nvSpPr>
-          <p:cNvPr id="379" name="Oval 378">
-            <a:extLst>
-              <a:ext uri="{FF2B5EF4-FFF2-40B4-BE49-F238E27FC236}">
-                <a16:creationId xmlns:a16="http://schemas.microsoft.com/office/drawing/2014/main" id="{FFCF2DD9-28EF-D7FD-553F-0BE6C20EBD37}"/>
-              </a:ext>
-            </a:extLst>
-          </p:cNvPr>
-          <p:cNvSpPr/>
-          <p:nvPr/>
-        </p:nvSpPr>
-        <p:spPr>
-          <a:xfrm>
-            <a:off x="302895" y="2893496"/>
-            <a:ext cx="103200" cy="103200"/>
-          </a:xfrm>
-          <a:prstGeom prst="ellipse">
-            <a:avLst/>
-          </a:prstGeom>
-          <a:solidFill>
-            <a:schemeClr val="accent4">
-              <a:lumMod val="75000"/>
-            </a:schemeClr>
-          </a:solidFill>
-          <a:ln>
-            <a:solidFill>
-              <a:schemeClr val="accent4">
-                <a:lumMod val="75000"/>
-              </a:schemeClr>
-            </a:solidFill>
-          </a:ln>
-        </p:spPr>
-        <p:style>
-          <a:lnRef idx="2">
-            <a:schemeClr val="accent1">
-              <a:shade val="15000"/>
-            </a:schemeClr>
-          </a:lnRef>
-          <a:fillRef idx="1">
-            <a:schemeClr val="accent1"/>
-          </a:fillRef>
-          <a:effectRef idx="0">
-            <a:schemeClr val="accent1"/>
-          </a:effectRef>
-          <a:fontRef idx="minor">
-            <a:schemeClr val="lt1"/>
-          </a:fontRef>
-        </p:style>
-        <p:txBody>
-          <a:bodyPr rtlCol="0" anchor="ctr"/>
-          <a:lstStyle/>
-          <a:p>
-            <a:pPr algn="ctr"/>
-            <a:endParaRPr lang="en-NL"/>
-          </a:p>
-        </p:txBody>
-      </p:sp>
-      <p:sp>
-        <p:nvSpPr>
-          <p:cNvPr id="380" name="Oval 379">
-            <a:extLst>
-              <a:ext uri="{FF2B5EF4-FFF2-40B4-BE49-F238E27FC236}">
-                <a16:creationId xmlns:a16="http://schemas.microsoft.com/office/drawing/2014/main" id="{9C33B783-F728-5EC0-A342-4029C500EB22}"/>
-              </a:ext>
-            </a:extLst>
-          </p:cNvPr>
-          <p:cNvSpPr/>
-          <p:nvPr/>
-        </p:nvSpPr>
-        <p:spPr>
-          <a:xfrm>
-            <a:off x="7681138" y="1819006"/>
-            <a:ext cx="103200" cy="103200"/>
-          </a:xfrm>
-          <a:prstGeom prst="ellipse">
-            <a:avLst/>
-          </a:prstGeom>
-          <a:solidFill>
-            <a:schemeClr val="accent4">
-              <a:lumMod val="75000"/>
-            </a:schemeClr>
-          </a:solidFill>
-          <a:ln>
-            <a:solidFill>
-              <a:schemeClr val="accent4">
-                <a:lumMod val="75000"/>
-              </a:schemeClr>
-            </a:solidFill>
-          </a:ln>
-        </p:spPr>
-        <p:style>
-          <a:lnRef idx="2">
-            <a:schemeClr val="accent1">
-              <a:shade val="15000"/>
-            </a:schemeClr>
-          </a:lnRef>
-          <a:fillRef idx="1">
-            <a:schemeClr val="accent1"/>
-          </a:fillRef>
-          <a:effectRef idx="0">
-            <a:schemeClr val="accent1"/>
-          </a:effectRef>
-          <a:fontRef idx="minor">
-            <a:schemeClr val="lt1"/>
-          </a:fontRef>
-        </p:style>
-        <p:txBody>
-          <a:bodyPr rtlCol="0" anchor="ctr"/>
-          <a:lstStyle/>
-          <a:p>
-            <a:pPr algn="ctr"/>
-            <a:endParaRPr lang="en-NL"/>
-          </a:p>
-        </p:txBody>
-      </p:sp>
-      <p:sp>
-        <p:nvSpPr>
-          <p:cNvPr id="385" name="Oval 384">
-            <a:extLst>
-              <a:ext uri="{FF2B5EF4-FFF2-40B4-BE49-F238E27FC236}">
-                <a16:creationId xmlns:a16="http://schemas.microsoft.com/office/drawing/2014/main" id="{E7008574-62DA-BA4F-D605-47CA1027F84C}"/>
-              </a:ext>
-            </a:extLst>
-          </p:cNvPr>
-          <p:cNvSpPr/>
-          <p:nvPr/>
-        </p:nvSpPr>
-        <p:spPr>
-          <a:xfrm>
-            <a:off x="6420067" y="1632942"/>
-            <a:ext cx="103200" cy="103200"/>
-          </a:xfrm>
-          <a:prstGeom prst="ellipse">
-            <a:avLst/>
-          </a:prstGeom>
-          <a:solidFill>
-            <a:schemeClr val="accent4">
-              <a:lumMod val="75000"/>
-            </a:schemeClr>
-          </a:solidFill>
-          <a:ln>
-            <a:solidFill>
-              <a:schemeClr val="accent4">
-                <a:lumMod val="75000"/>
-              </a:schemeClr>
-            </a:solidFill>
-          </a:ln>
-        </p:spPr>
-        <p:style>
-          <a:lnRef idx="2">
-            <a:schemeClr val="accent1">
-              <a:shade val="15000"/>
-            </a:schemeClr>
-          </a:lnRef>
-          <a:fillRef idx="1">
-            <a:schemeClr val="accent1"/>
-          </a:fillRef>
-          <a:effectRef idx="0">
-            <a:schemeClr val="accent1"/>
-          </a:effectRef>
-          <a:fontRef idx="minor">
-            <a:schemeClr val="lt1"/>
-          </a:fontRef>
-        </p:style>
-        <p:txBody>
-          <a:bodyPr rtlCol="0" anchor="ctr"/>
-          <a:lstStyle/>
-          <a:p>
-            <a:pPr algn="ctr"/>
-            <a:endParaRPr lang="en-NL"/>
-          </a:p>
-        </p:txBody>
-      </p:sp>
-      <p:sp>
-        <p:nvSpPr>
-          <p:cNvPr id="386" name="Oval 385">
-            <a:extLst>
-              <a:ext uri="{FF2B5EF4-FFF2-40B4-BE49-F238E27FC236}">
-                <a16:creationId xmlns:a16="http://schemas.microsoft.com/office/drawing/2014/main" id="{DC04ADD8-9ADA-4E09-9D74-CAEBBEBA3241}"/>
-              </a:ext>
-            </a:extLst>
-          </p:cNvPr>
-          <p:cNvSpPr/>
-          <p:nvPr/>
-        </p:nvSpPr>
-        <p:spPr>
-          <a:xfrm>
-            <a:off x="6162940" y="2797848"/>
-            <a:ext cx="103200" cy="103200"/>
-          </a:xfrm>
-          <a:prstGeom prst="ellipse">
-            <a:avLst/>
-          </a:prstGeom>
-          <a:solidFill>
-            <a:schemeClr val="accent4">
-              <a:lumMod val="75000"/>
-            </a:schemeClr>
-          </a:solidFill>
-          <a:ln>
-            <a:solidFill>
-              <a:schemeClr val="accent4">
-                <a:lumMod val="75000"/>
-              </a:schemeClr>
-            </a:solidFill>
-          </a:ln>
-        </p:spPr>
-        <p:style>
-          <a:lnRef idx="2">
-            <a:schemeClr val="accent1">
-              <a:shade val="15000"/>
-            </a:schemeClr>
-          </a:lnRef>
-          <a:fillRef idx="1">
-            <a:schemeClr val="accent1"/>
-          </a:fillRef>
-          <a:effectRef idx="0">
-            <a:schemeClr val="accent1"/>
-          </a:effectRef>
-          <a:fontRef idx="minor">
-            <a:schemeClr val="lt1"/>
-          </a:fontRef>
-        </p:style>
-        <p:txBody>
-          <a:bodyPr rtlCol="0" anchor="ctr"/>
-          <a:lstStyle/>
-          <a:p>
-            <a:pPr algn="ctr"/>
-            <a:endParaRPr lang="en-NL"/>
-          </a:p>
-        </p:txBody>
-      </p:sp>
-      <p:cxnSp>
-        <p:nvCxnSpPr>
-          <p:cNvPr id="394" name="Elbow Connector 393">
-            <a:extLst>
-              <a:ext uri="{FF2B5EF4-FFF2-40B4-BE49-F238E27FC236}">
-                <a16:creationId xmlns:a16="http://schemas.microsoft.com/office/drawing/2014/main" id="{CB31F59A-DCC7-4AE7-8D9E-4F8091CEA942}"/>
-              </a:ext>
-            </a:extLst>
-          </p:cNvPr>
-          <p:cNvCxnSpPr>
-            <a:cxnSpLocks/>
-          </p:cNvCxnSpPr>
-          <p:nvPr/>
-        </p:nvCxnSpPr>
-        <p:spPr>
-          <a:xfrm rot="5400000" flipH="1" flipV="1">
-            <a:off x="2197351" y="2782423"/>
-            <a:ext cx="4857872" cy="2488"/>
-          </a:xfrm>
-          <a:prstGeom prst="bentConnector3">
-            <a:avLst>
-              <a:gd name="adj1" fmla="val 50000"/>
-            </a:avLst>
-          </a:prstGeom>
-          <a:ln w="19050">
-            <a:solidFill>
-              <a:srgbClr val="00B050"/>
-            </a:solidFill>
-            <a:prstDash val="sysDash"/>
-            <a:tailEnd type="none"/>
-          </a:ln>
-        </p:spPr>
-        <p:style>
-          <a:lnRef idx="1">
-            <a:schemeClr val="accent1"/>
-          </a:lnRef>
-          <a:fillRef idx="0">
-            <a:schemeClr val="accent1"/>
-          </a:fillRef>
-          <a:effectRef idx="0">
-            <a:schemeClr val="accent1"/>
-          </a:effectRef>
-          <a:fontRef idx="minor">
-            <a:schemeClr val="tx1"/>
-          </a:fontRef>
-        </p:style>
-      </p:cxnSp>
-      <p:sp>
-        <p:nvSpPr>
-          <p:cNvPr id="398" name="TextBox 397">
-            <a:extLst>
-              <a:ext uri="{FF2B5EF4-FFF2-40B4-BE49-F238E27FC236}">
-                <a16:creationId xmlns:a16="http://schemas.microsoft.com/office/drawing/2014/main" id="{8270848E-3003-81CB-EDFD-8BE37DC07659}"/>
-              </a:ext>
-            </a:extLst>
-          </p:cNvPr>
-          <p:cNvSpPr txBox="1"/>
-          <p:nvPr/>
-        </p:nvSpPr>
-        <p:spPr>
-          <a:xfrm>
-            <a:off x="2197495" y="227791"/>
-            <a:ext cx="1031051" cy="307777"/>
-          </a:xfrm>
-          <a:prstGeom prst="rect">
-            <a:avLst/>
-          </a:prstGeom>
-          <a:noFill/>
-        </p:spPr>
-        <p:txBody>
-          <a:bodyPr wrap="none" rtlCol="0">
-            <a:spAutoFit/>
-          </a:bodyPr>
-          <a:lstStyle/>
-          <a:p>
-            <a:r>
-              <a:rPr lang="en-NL" dirty="0"/>
-              <a:t>Demo flow</a:t>
-            </a:r>
-          </a:p>
-        </p:txBody>
-      </p:sp>
-      <p:sp>
-        <p:nvSpPr>
-          <p:cNvPr id="46" name="Rectangle 45">
-            <a:extLst>
-              <a:ext uri="{FF2B5EF4-FFF2-40B4-BE49-F238E27FC236}">
-                <a16:creationId xmlns:a16="http://schemas.microsoft.com/office/drawing/2014/main" id="{AA73C12B-80B8-F837-7584-51F0C7D32F1B}"/>
-              </a:ext>
-            </a:extLst>
-          </p:cNvPr>
-          <p:cNvSpPr/>
-          <p:nvPr/>
-        </p:nvSpPr>
-        <p:spPr>
-          <a:xfrm>
-            <a:off x="1800177" y="4335556"/>
-            <a:ext cx="1276281" cy="473232"/>
-          </a:xfrm>
-          <a:prstGeom prst="rect">
-            <a:avLst/>
-          </a:prstGeom>
-        </p:spPr>
-        <p:style>
-          <a:lnRef idx="2">
-            <a:schemeClr val="accent1">
-              <a:shade val="15000"/>
-            </a:schemeClr>
-          </a:lnRef>
-          <a:fillRef idx="1">
-            <a:schemeClr val="accent1"/>
-          </a:fillRef>
-          <a:effectRef idx="0">
-            <a:schemeClr val="accent1"/>
-          </a:effectRef>
-          <a:fontRef idx="minor">
-            <a:schemeClr val="lt1"/>
-          </a:fontRef>
-        </p:style>
-        <p:txBody>
-          <a:bodyPr rtlCol="0" anchor="ctr"/>
-          <a:lstStyle/>
-          <a:p>
-            <a:pPr algn="ctr"/>
-            <a:r>
-              <a:rPr lang="en-NL" sz="1200" dirty="0"/>
-              <a:t>Ecore Converter</a:t>
-            </a:r>
-          </a:p>
-        </p:txBody>
-      </p:sp>
-      <p:cxnSp>
-        <p:nvCxnSpPr>
-          <p:cNvPr id="47" name="Elbow Connector 46">
-            <a:extLst>
-              <a:ext uri="{FF2B5EF4-FFF2-40B4-BE49-F238E27FC236}">
-                <a16:creationId xmlns:a16="http://schemas.microsoft.com/office/drawing/2014/main" id="{E3A7F403-8899-CAE9-05EF-DDEB53E533C1}"/>
-              </a:ext>
-            </a:extLst>
-          </p:cNvPr>
-          <p:cNvCxnSpPr>
-            <a:cxnSpLocks/>
-            <a:stCxn id="6" idx="2"/>
-            <a:endCxn id="46" idx="1"/>
-          </p:cNvCxnSpPr>
-          <p:nvPr/>
-        </p:nvCxnSpPr>
-        <p:spPr>
-          <a:xfrm rot="16200000" flipH="1">
-            <a:off x="590027" y="3362021"/>
-            <a:ext cx="1484897" cy="935403"/>
-          </a:xfrm>
-          <a:prstGeom prst="bentConnector2">
-            <a:avLst/>
-          </a:prstGeom>
-          <a:ln>
-            <a:tailEnd type="triangle"/>
-          </a:ln>
-        </p:spPr>
-        <p:style>
-          <a:lnRef idx="1">
-            <a:schemeClr val="accent1"/>
-          </a:lnRef>
-          <a:fillRef idx="0">
-            <a:schemeClr val="accent1"/>
-          </a:fillRef>
-          <a:effectRef idx="0">
-            <a:schemeClr val="accent1"/>
-          </a:effectRef>
-          <a:fontRef idx="minor">
-            <a:schemeClr val="tx1"/>
-          </a:fontRef>
-        </p:style>
-      </p:cxnSp>
-      <p:sp>
-        <p:nvSpPr>
-          <p:cNvPr id="52" name="Document 51">
-            <a:extLst>
-              <a:ext uri="{FF2B5EF4-FFF2-40B4-BE49-F238E27FC236}">
-                <a16:creationId xmlns:a16="http://schemas.microsoft.com/office/drawing/2014/main" id="{979515C3-8F71-0A2E-793A-0AE0E1136EBF}"/>
-              </a:ext>
-            </a:extLst>
-          </p:cNvPr>
-          <p:cNvSpPr/>
-          <p:nvPr/>
-        </p:nvSpPr>
-        <p:spPr>
-          <a:xfrm>
-            <a:off x="3314201" y="4330076"/>
-            <a:ext cx="1188050" cy="484193"/>
-          </a:xfrm>
-          <a:prstGeom prst="flowChartDocument">
-            <a:avLst/>
-          </a:prstGeom>
-          <a:solidFill>
-            <a:schemeClr val="accent1">
-              <a:lumMod val="40000"/>
-              <a:lumOff val="60000"/>
-            </a:schemeClr>
-          </a:solidFill>
-          <a:ln w="6350"/>
-        </p:spPr>
-        <p:style>
-          <a:lnRef idx="2">
-            <a:schemeClr val="accent1">
-              <a:shade val="15000"/>
-            </a:schemeClr>
-          </a:lnRef>
-          <a:fillRef idx="1">
-            <a:schemeClr val="accent1"/>
-          </a:fillRef>
-          <a:effectRef idx="0">
-            <a:schemeClr val="accent1"/>
-          </a:effectRef>
-          <a:fontRef idx="minor">
-            <a:schemeClr val="lt1"/>
-          </a:fontRef>
-        </p:style>
-        <p:txBody>
-          <a:bodyPr rtlCol="0" anchor="ctr"/>
-          <a:lstStyle/>
-          <a:p>
-            <a:pPr algn="ctr"/>
-            <a:r>
-              <a:rPr lang="en-NL" sz="1200" dirty="0"/>
-              <a:t>Ecore PROP language</a:t>
-            </a:r>
-          </a:p>
-        </p:txBody>
-      </p:sp>
-      <p:cxnSp>
-        <p:nvCxnSpPr>
-          <p:cNvPr id="53" name="Elbow Connector 52">
-            <a:extLst>
-              <a:ext uri="{FF2B5EF4-FFF2-40B4-BE49-F238E27FC236}">
-                <a16:creationId xmlns:a16="http://schemas.microsoft.com/office/drawing/2014/main" id="{74DA4026-19AA-EE30-36C5-332924085E6A}"/>
-              </a:ext>
-            </a:extLst>
-          </p:cNvPr>
-          <p:cNvCxnSpPr>
-            <a:cxnSpLocks/>
-            <a:stCxn id="46" idx="3"/>
-            <a:endCxn id="52" idx="1"/>
-          </p:cNvCxnSpPr>
-          <p:nvPr/>
-        </p:nvCxnSpPr>
-        <p:spPr>
-          <a:xfrm>
-            <a:off x="3076458" y="4572172"/>
-            <a:ext cx="237743" cy="1"/>
-          </a:xfrm>
-          <a:prstGeom prst="bentConnector3">
-            <a:avLst>
-              <a:gd name="adj1" fmla="val 50000"/>
-            </a:avLst>
-          </a:prstGeom>
-          <a:ln>
-            <a:tailEnd type="triangle"/>
-          </a:ln>
-        </p:spPr>
-        <p:style>
-          <a:lnRef idx="1">
-            <a:schemeClr val="accent1"/>
-          </a:lnRef>
-          <a:fillRef idx="0">
-            <a:schemeClr val="accent1"/>
-          </a:fillRef>
-          <a:effectRef idx="0">
-            <a:schemeClr val="accent1"/>
-          </a:effectRef>
-          <a:fontRef idx="minor">
-            <a:schemeClr val="tx1"/>
-          </a:fontRef>
-        </p:style>
-      </p:cxnSp>
-      <p:sp>
-        <p:nvSpPr>
-          <p:cNvPr id="94" name="Rectangle 93">
-            <a:extLst>
-              <a:ext uri="{FF2B5EF4-FFF2-40B4-BE49-F238E27FC236}">
-                <a16:creationId xmlns:a16="http://schemas.microsoft.com/office/drawing/2014/main" id="{16117E77-8C08-1B36-60F3-F51560150462}"/>
-              </a:ext>
-            </a:extLst>
-          </p:cNvPr>
-          <p:cNvSpPr/>
-          <p:nvPr/>
-        </p:nvSpPr>
-        <p:spPr>
-          <a:xfrm>
-            <a:off x="5858141" y="4130620"/>
-            <a:ext cx="1377309" cy="553037"/>
-          </a:xfrm>
-          <a:prstGeom prst="rect">
-            <a:avLst/>
-          </a:prstGeom>
-          <a:solidFill>
-            <a:srgbClr val="00B050"/>
-          </a:solidFill>
-          <a:ln>
-            <a:solidFill>
-              <a:schemeClr val="tx1"/>
-            </a:solidFill>
-          </a:ln>
-        </p:spPr>
-        <p:style>
-          <a:lnRef idx="2">
-            <a:schemeClr val="accent1">
-              <a:shade val="15000"/>
-            </a:schemeClr>
-          </a:lnRef>
-          <a:fillRef idx="1">
-            <a:schemeClr val="accent1"/>
-          </a:fillRef>
-          <a:effectRef idx="0">
-            <a:schemeClr val="accent1"/>
-          </a:effectRef>
-          <a:fontRef idx="minor">
-            <a:schemeClr val="lt1"/>
-          </a:fontRef>
-        </p:style>
-        <p:txBody>
-          <a:bodyPr rtlCol="0" anchor="ctr"/>
-          <a:lstStyle/>
-          <a:p>
-            <a:pPr algn="ctr"/>
-            <a:r>
-              <a:rPr lang="en-NL" sz="1200" dirty="0"/>
-              <a:t>Ecore PROP language + Xtend</a:t>
-            </a:r>
-          </a:p>
-        </p:txBody>
-      </p:sp>
-      <p:cxnSp>
-        <p:nvCxnSpPr>
-          <p:cNvPr id="97" name="Elbow Connector 96">
-            <a:extLst>
-              <a:ext uri="{FF2B5EF4-FFF2-40B4-BE49-F238E27FC236}">
-                <a16:creationId xmlns:a16="http://schemas.microsoft.com/office/drawing/2014/main" id="{5C9DDB5B-5115-70F1-80C5-0B1DA86233AD}"/>
-              </a:ext>
-            </a:extLst>
-          </p:cNvPr>
-          <p:cNvCxnSpPr>
-            <a:cxnSpLocks/>
-            <a:endCxn id="94" idx="0"/>
-          </p:cNvCxnSpPr>
-          <p:nvPr/>
-        </p:nvCxnSpPr>
-        <p:spPr>
-          <a:xfrm rot="5400000">
-            <a:off x="5793814" y="2987354"/>
-            <a:ext cx="1896248" cy="390284"/>
-          </a:xfrm>
-          <a:prstGeom prst="bentConnector3">
-            <a:avLst>
-              <a:gd name="adj1" fmla="val 79415"/>
-            </a:avLst>
-          </a:prstGeom>
-          <a:ln>
-            <a:solidFill>
-              <a:srgbClr val="00B050"/>
-            </a:solidFill>
-            <a:tailEnd type="triangle"/>
-          </a:ln>
-        </p:spPr>
-        <p:style>
-          <a:lnRef idx="1">
-            <a:schemeClr val="accent1"/>
-          </a:lnRef>
-          <a:fillRef idx="0">
-            <a:schemeClr val="accent1"/>
-          </a:fillRef>
-          <a:effectRef idx="0">
-            <a:schemeClr val="accent1"/>
-          </a:effectRef>
-          <a:fontRef idx="minor">
-            <a:schemeClr val="tx1"/>
-          </a:fontRef>
-        </p:style>
-      </p:cxnSp>
-      <p:sp>
-        <p:nvSpPr>
-          <p:cNvPr id="106" name="Oval 105">
-            <a:extLst>
-              <a:ext uri="{FF2B5EF4-FFF2-40B4-BE49-F238E27FC236}">
-                <a16:creationId xmlns:a16="http://schemas.microsoft.com/office/drawing/2014/main" id="{A1C1216E-BC61-B4DE-0CE9-F7386199F6EC}"/>
-              </a:ext>
-            </a:extLst>
-          </p:cNvPr>
-          <p:cNvSpPr/>
-          <p:nvPr/>
-        </p:nvSpPr>
-        <p:spPr>
-          <a:xfrm>
-            <a:off x="6879938" y="3382269"/>
-            <a:ext cx="103200" cy="103200"/>
-          </a:xfrm>
-          <a:prstGeom prst="ellipse">
-            <a:avLst/>
-          </a:prstGeom>
-          <a:solidFill>
-            <a:schemeClr val="accent4">
-              <a:lumMod val="75000"/>
-            </a:schemeClr>
-          </a:solidFill>
-          <a:ln>
-            <a:solidFill>
-              <a:schemeClr val="accent4">
-                <a:lumMod val="75000"/>
-              </a:schemeClr>
-            </a:solidFill>
-          </a:ln>
-        </p:spPr>
-        <p:style>
-          <a:lnRef idx="2">
-            <a:schemeClr val="accent1">
-              <a:shade val="15000"/>
-            </a:schemeClr>
-          </a:lnRef>
-          <a:fillRef idx="1">
-            <a:schemeClr val="accent1"/>
-          </a:fillRef>
-          <a:effectRef idx="0">
-            <a:schemeClr val="accent1"/>
-          </a:effectRef>
-          <a:fontRef idx="minor">
-            <a:schemeClr val="lt1"/>
-          </a:fontRef>
-        </p:style>
-        <p:txBody>
-          <a:bodyPr rtlCol="0" anchor="ctr"/>
-          <a:lstStyle/>
-          <a:p>
-            <a:pPr algn="ctr"/>
-            <a:endParaRPr lang="en-NL"/>
-          </a:p>
-        </p:txBody>
-      </p:sp>
-      <p:cxnSp>
-        <p:nvCxnSpPr>
-          <p:cNvPr id="124" name="Elbow Connector 123">
-            <a:extLst>
-              <a:ext uri="{FF2B5EF4-FFF2-40B4-BE49-F238E27FC236}">
-                <a16:creationId xmlns:a16="http://schemas.microsoft.com/office/drawing/2014/main" id="{A6790ECB-F987-27DB-F55E-C2D37B81A365}"/>
-              </a:ext>
-            </a:extLst>
-          </p:cNvPr>
-          <p:cNvCxnSpPr>
-            <a:cxnSpLocks/>
-            <a:stCxn id="52" idx="3"/>
-            <a:endCxn id="94" idx="1"/>
-          </p:cNvCxnSpPr>
-          <p:nvPr/>
-        </p:nvCxnSpPr>
-        <p:spPr>
-          <a:xfrm flipV="1">
-            <a:off x="4502251" y="4407139"/>
-            <a:ext cx="1355890" cy="165034"/>
-          </a:xfrm>
-          <a:prstGeom prst="bentConnector3">
-            <a:avLst>
-              <a:gd name="adj1" fmla="val 50000"/>
-            </a:avLst>
-          </a:prstGeom>
-          <a:ln>
-            <a:tailEnd type="triangle"/>
-          </a:ln>
-        </p:spPr>
-        <p:style>
-          <a:lnRef idx="1">
-            <a:schemeClr val="accent1"/>
-          </a:lnRef>
-          <a:fillRef idx="0">
-            <a:schemeClr val="accent1"/>
-          </a:fillRef>
-          <a:effectRef idx="0">
-            <a:schemeClr val="accent1"/>
-          </a:effectRef>
-          <a:fontRef idx="minor">
-            <a:schemeClr val="tx1"/>
-          </a:fontRef>
-        </p:style>
-      </p:cxnSp>
-    </p:spTree>
-    <p:extLst>
-      <p:ext uri="{BB962C8B-B14F-4D97-AF65-F5344CB8AC3E}">
-        <p14:creationId xmlns:p14="http://schemas.microsoft.com/office/powerpoint/2010/main" val="3903507410"/>
-      </p:ext>
-    </p:extLst>
-  </p:cSld>
-  <p:clrMapOvr>
-    <a:masterClrMapping/>
-  </p:clrMapOvr>
-</p:sld>
-</file>
-
-<file path=ppt/slides/slide15.xml><?xml version="1.0" encoding="utf-8"?>
-<p:sld xmlns:a="http://schemas.openxmlformats.org/drawingml/2006/main" xmlns:r="http://schemas.openxmlformats.org/officeDocument/2006/relationships" xmlns:p="http://schemas.openxmlformats.org/presentationml/2006/main">
-  <p:cSld>
-    <p:spTree>
-      <p:nvGrpSpPr>
-        <p:cNvPr id="1" name=""/>
-        <p:cNvGrpSpPr/>
-        <p:nvPr/>
-      </p:nvGrpSpPr>
-      <p:grpSpPr>
-        <a:xfrm>
-          <a:off x="0" y="0"/>
-          <a:ext cx="0" cy="0"/>
-          <a:chOff x="0" y="0"/>
-          <a:chExt cx="0" cy="0"/>
-        </a:xfrm>
-      </p:grpSpPr>
-      <p:sp>
-        <p:nvSpPr>
-          <p:cNvPr id="4" name="Rectangle 3">
-            <a:extLst>
-              <a:ext uri="{FF2B5EF4-FFF2-40B4-BE49-F238E27FC236}">
-                <a16:creationId xmlns:a16="http://schemas.microsoft.com/office/drawing/2014/main" id="{579C44A1-4C17-B95D-E909-911B0F70EC1C}"/>
-              </a:ext>
-            </a:extLst>
-          </p:cNvPr>
-          <p:cNvSpPr/>
-          <p:nvPr/>
-        </p:nvSpPr>
-        <p:spPr>
-          <a:xfrm>
-            <a:off x="158930" y="2479339"/>
-            <a:ext cx="1036584" cy="779544"/>
-          </a:xfrm>
-          <a:prstGeom prst="rect">
-            <a:avLst/>
-          </a:prstGeom>
-        </p:spPr>
-        <p:style>
-          <a:lnRef idx="2">
-            <a:schemeClr val="accent1">
-              <a:shade val="15000"/>
-            </a:schemeClr>
-          </a:lnRef>
-          <a:fillRef idx="1">
-            <a:schemeClr val="accent1"/>
-          </a:fillRef>
-          <a:effectRef idx="0">
-            <a:schemeClr val="accent1"/>
-          </a:effectRef>
-          <a:fontRef idx="minor">
-            <a:schemeClr val="lt1"/>
-          </a:fontRef>
-        </p:style>
-        <p:txBody>
-          <a:bodyPr rtlCol="0" anchor="ctr"/>
-          <a:lstStyle/>
-          <a:p>
-            <a:pPr algn="ctr"/>
-            <a:r>
-              <a:rPr lang="en-NL" sz="1200" dirty="0"/>
-              <a:t>Freon Editor for LionWeb MetaModels</a:t>
-            </a:r>
-          </a:p>
-        </p:txBody>
-      </p:sp>
-      <p:sp>
-        <p:nvSpPr>
-          <p:cNvPr id="6" name="Document 5">
-            <a:extLst>
-              <a:ext uri="{FF2B5EF4-FFF2-40B4-BE49-F238E27FC236}">
-                <a16:creationId xmlns:a16="http://schemas.microsoft.com/office/drawing/2014/main" id="{6217ABAA-F2EA-3353-4223-D8EF045AD64B}"/>
-              </a:ext>
-            </a:extLst>
-          </p:cNvPr>
-          <p:cNvSpPr/>
-          <p:nvPr/>
-        </p:nvSpPr>
-        <p:spPr>
-          <a:xfrm>
-            <a:off x="1711746" y="2607964"/>
-            <a:ext cx="1295998" cy="522294"/>
-          </a:xfrm>
-          <a:prstGeom prst="flowChartDocument">
-            <a:avLst/>
-          </a:prstGeom>
-          <a:solidFill>
-            <a:schemeClr val="accent4">
-              <a:lumMod val="75000"/>
-              <a:alpha val="49000"/>
-            </a:schemeClr>
-          </a:solidFill>
-          <a:ln w="6350"/>
-        </p:spPr>
-        <p:style>
-          <a:lnRef idx="2">
-            <a:schemeClr val="accent1">
-              <a:shade val="15000"/>
-            </a:schemeClr>
-          </a:lnRef>
-          <a:fillRef idx="1">
-            <a:schemeClr val="accent1"/>
-          </a:fillRef>
-          <a:effectRef idx="0">
-            <a:schemeClr val="accent1"/>
-          </a:effectRef>
-          <a:fontRef idx="minor">
-            <a:schemeClr val="lt1"/>
-          </a:fontRef>
-        </p:style>
-        <p:txBody>
-          <a:bodyPr rtlCol="0" anchor="ctr"/>
-          <a:lstStyle/>
-          <a:p>
-            <a:pPr algn="ctr"/>
-            <a:r>
-              <a:rPr lang="en-NL" sz="1200" dirty="0"/>
-              <a:t>LionWeb PROP metamodel</a:t>
-            </a:r>
-          </a:p>
-        </p:txBody>
-      </p:sp>
-      <p:sp>
-        <p:nvSpPr>
-          <p:cNvPr id="10" name="Rectangle 9">
-            <a:extLst>
-              <a:ext uri="{FF2B5EF4-FFF2-40B4-BE49-F238E27FC236}">
-                <a16:creationId xmlns:a16="http://schemas.microsoft.com/office/drawing/2014/main" id="{9B86F708-A056-D35C-712E-745C7EC3BB09}"/>
-              </a:ext>
-            </a:extLst>
-          </p:cNvPr>
-          <p:cNvSpPr/>
-          <p:nvPr/>
-        </p:nvSpPr>
-        <p:spPr>
-          <a:xfrm>
-            <a:off x="3408905" y="1961590"/>
-            <a:ext cx="1276281" cy="373096"/>
-          </a:xfrm>
-          <a:prstGeom prst="rect">
-            <a:avLst/>
-          </a:prstGeom>
-        </p:spPr>
-        <p:style>
-          <a:lnRef idx="2">
-            <a:schemeClr val="accent1">
-              <a:shade val="15000"/>
-            </a:schemeClr>
-          </a:lnRef>
-          <a:fillRef idx="1">
-            <a:schemeClr val="accent1"/>
-          </a:fillRef>
-          <a:effectRef idx="0">
-            <a:schemeClr val="accent1"/>
-          </a:effectRef>
-          <a:fontRef idx="minor">
-            <a:schemeClr val="lt1"/>
-          </a:fontRef>
-        </p:style>
-        <p:txBody>
-          <a:bodyPr rtlCol="0" anchor="ctr"/>
-          <a:lstStyle/>
-          <a:p>
-            <a:pPr algn="ctr"/>
-            <a:r>
-              <a:rPr lang="en-NL" sz="1200" dirty="0"/>
-              <a:t>MPS Converter </a:t>
-            </a:r>
-          </a:p>
-        </p:txBody>
-      </p:sp>
-      <p:sp>
-        <p:nvSpPr>
-          <p:cNvPr id="11" name="Document 10">
-            <a:extLst>
-              <a:ext uri="{FF2B5EF4-FFF2-40B4-BE49-F238E27FC236}">
-                <a16:creationId xmlns:a16="http://schemas.microsoft.com/office/drawing/2014/main" id="{FB0FCD26-6A86-5E54-0A9A-0E8AF886F783}"/>
-              </a:ext>
-            </a:extLst>
-          </p:cNvPr>
-          <p:cNvSpPr/>
-          <p:nvPr/>
-        </p:nvSpPr>
-        <p:spPr>
-          <a:xfrm>
-            <a:off x="5361840" y="1906726"/>
-            <a:ext cx="993763" cy="488240"/>
-          </a:xfrm>
-          <a:prstGeom prst="flowChartDocument">
-            <a:avLst/>
-          </a:prstGeom>
-          <a:solidFill>
-            <a:schemeClr val="accent1">
-              <a:lumMod val="40000"/>
-              <a:lumOff val="60000"/>
-            </a:schemeClr>
-          </a:solidFill>
-          <a:ln w="6350"/>
-        </p:spPr>
-        <p:style>
-          <a:lnRef idx="2">
-            <a:schemeClr val="accent1">
-              <a:shade val="15000"/>
-            </a:schemeClr>
-          </a:lnRef>
-          <a:fillRef idx="1">
-            <a:schemeClr val="accent1"/>
-          </a:fillRef>
-          <a:effectRef idx="0">
-            <a:schemeClr val="accent1"/>
-          </a:effectRef>
-          <a:fontRef idx="minor">
-            <a:schemeClr val="lt1"/>
-          </a:fontRef>
-        </p:style>
-        <p:txBody>
-          <a:bodyPr rtlCol="0" anchor="ctr"/>
-          <a:lstStyle/>
-          <a:p>
-            <a:pPr algn="ctr"/>
-            <a:r>
-              <a:rPr lang="en-US" sz="1200" dirty="0"/>
-              <a:t>MPS PROP Language</a:t>
-            </a:r>
-            <a:endParaRPr lang="en-NL" sz="1200" dirty="0"/>
-          </a:p>
-        </p:txBody>
-      </p:sp>
-      <p:sp>
-        <p:nvSpPr>
-          <p:cNvPr id="12" name="Rectangle 11">
-            <a:extLst>
-              <a:ext uri="{FF2B5EF4-FFF2-40B4-BE49-F238E27FC236}">
-                <a16:creationId xmlns:a16="http://schemas.microsoft.com/office/drawing/2014/main" id="{509581BF-AB62-A99A-4DB0-E10BFCA17192}"/>
-              </a:ext>
-            </a:extLst>
-          </p:cNvPr>
-          <p:cNvSpPr/>
-          <p:nvPr/>
-        </p:nvSpPr>
-        <p:spPr>
-          <a:xfrm>
-            <a:off x="7125517" y="1880249"/>
-            <a:ext cx="1377309" cy="553037"/>
-          </a:xfrm>
-          <a:prstGeom prst="rect">
-            <a:avLst/>
-          </a:prstGeom>
-          <a:solidFill>
-            <a:srgbClr val="00B050"/>
-          </a:solidFill>
-          <a:ln>
-            <a:solidFill>
-              <a:schemeClr val="tx1"/>
-            </a:solidFill>
-          </a:ln>
-        </p:spPr>
-        <p:style>
-          <a:lnRef idx="2">
-            <a:schemeClr val="accent1">
-              <a:shade val="15000"/>
-            </a:schemeClr>
-          </a:lnRef>
-          <a:fillRef idx="1">
-            <a:schemeClr val="accent1"/>
-          </a:fillRef>
-          <a:effectRef idx="0">
-            <a:schemeClr val="accent1"/>
-          </a:effectRef>
-          <a:fontRef idx="minor">
-            <a:schemeClr val="lt1"/>
-          </a:fontRef>
-        </p:style>
-        <p:txBody>
-          <a:bodyPr rtlCol="0" anchor="ctr"/>
-          <a:lstStyle/>
-          <a:p>
-            <a:pPr algn="ctr"/>
-            <a:r>
-              <a:rPr lang="en-NL" sz="1200" dirty="0"/>
-              <a:t>MPS with PROP language </a:t>
-            </a:r>
-          </a:p>
-        </p:txBody>
-      </p:sp>
-      <p:sp>
-        <p:nvSpPr>
-          <p:cNvPr id="15" name="Rectangle 14">
-            <a:extLst>
-              <a:ext uri="{FF2B5EF4-FFF2-40B4-BE49-F238E27FC236}">
-                <a16:creationId xmlns:a16="http://schemas.microsoft.com/office/drawing/2014/main" id="{6476EE8F-5948-2872-F91C-86DBDFBF8B5A}"/>
-              </a:ext>
-            </a:extLst>
-          </p:cNvPr>
-          <p:cNvSpPr/>
-          <p:nvPr/>
-        </p:nvSpPr>
-        <p:spPr>
-          <a:xfrm>
-            <a:off x="7125517" y="3146876"/>
-            <a:ext cx="1377309" cy="484193"/>
-          </a:xfrm>
-          <a:prstGeom prst="rect">
-            <a:avLst/>
-          </a:prstGeom>
-          <a:solidFill>
-            <a:srgbClr val="00B050"/>
-          </a:solidFill>
-          <a:ln>
-            <a:solidFill>
-              <a:schemeClr val="tx1"/>
-            </a:solidFill>
-          </a:ln>
-        </p:spPr>
-        <p:style>
-          <a:lnRef idx="2">
-            <a:schemeClr val="accent1">
-              <a:shade val="15000"/>
-            </a:schemeClr>
-          </a:lnRef>
-          <a:fillRef idx="1">
-            <a:schemeClr val="accent1"/>
-          </a:fillRef>
-          <a:effectRef idx="0">
-            <a:schemeClr val="accent1"/>
-          </a:effectRef>
-          <a:fontRef idx="minor">
-            <a:schemeClr val="lt1"/>
-          </a:fontRef>
-        </p:style>
-        <p:txBody>
-          <a:bodyPr rtlCol="0" anchor="ctr"/>
-          <a:lstStyle/>
-          <a:p>
-            <a:pPr algn="ctr"/>
-            <a:r>
-              <a:rPr lang="en-NL" sz="1200" dirty="0"/>
-              <a:t>Freon PROP Web Editor</a:t>
-            </a:r>
-          </a:p>
-        </p:txBody>
-      </p:sp>
-      <p:sp>
-        <p:nvSpPr>
-          <p:cNvPr id="16" name="Rectangle 15">
-            <a:extLst>
-              <a:ext uri="{FF2B5EF4-FFF2-40B4-BE49-F238E27FC236}">
-                <a16:creationId xmlns:a16="http://schemas.microsoft.com/office/drawing/2014/main" id="{A41D91F8-BC85-06C9-70E3-D5C3CAAA92E5}"/>
-              </a:ext>
-            </a:extLst>
-          </p:cNvPr>
-          <p:cNvSpPr/>
-          <p:nvPr/>
-        </p:nvSpPr>
-        <p:spPr>
-          <a:xfrm>
-            <a:off x="3408904" y="3156336"/>
-            <a:ext cx="1276283" cy="473232"/>
-          </a:xfrm>
-          <a:prstGeom prst="rect">
-            <a:avLst/>
-          </a:prstGeom>
-        </p:spPr>
-        <p:style>
-          <a:lnRef idx="2">
-            <a:schemeClr val="accent1">
-              <a:shade val="15000"/>
-            </a:schemeClr>
-          </a:lnRef>
-          <a:fillRef idx="1">
-            <a:schemeClr val="accent1"/>
-          </a:fillRef>
-          <a:effectRef idx="0">
-            <a:schemeClr val="accent1"/>
-          </a:effectRef>
-          <a:fontRef idx="minor">
-            <a:schemeClr val="lt1"/>
-          </a:fontRef>
-        </p:style>
-        <p:txBody>
-          <a:bodyPr rtlCol="0" anchor="ctr"/>
-          <a:lstStyle/>
-          <a:p>
-            <a:pPr algn="ctr"/>
-            <a:r>
-              <a:rPr lang="en-NL" sz="1200" dirty="0"/>
-              <a:t>Freon Converter</a:t>
-            </a:r>
-          </a:p>
-        </p:txBody>
-      </p:sp>
-      <p:sp>
-        <p:nvSpPr>
-          <p:cNvPr id="17" name="Document 16">
-            <a:extLst>
-              <a:ext uri="{FF2B5EF4-FFF2-40B4-BE49-F238E27FC236}">
-                <a16:creationId xmlns:a16="http://schemas.microsoft.com/office/drawing/2014/main" id="{B82677F6-B1A9-0DD7-6246-F9253ADCA636}"/>
-              </a:ext>
-            </a:extLst>
-          </p:cNvPr>
-          <p:cNvSpPr/>
-          <p:nvPr/>
-        </p:nvSpPr>
-        <p:spPr>
-          <a:xfrm>
-            <a:off x="5361840" y="3150856"/>
-            <a:ext cx="1188050" cy="484193"/>
-          </a:xfrm>
-          <a:prstGeom prst="flowChartDocument">
-            <a:avLst/>
-          </a:prstGeom>
-          <a:solidFill>
-            <a:schemeClr val="accent1">
-              <a:lumMod val="40000"/>
-              <a:lumOff val="60000"/>
-            </a:schemeClr>
-          </a:solidFill>
-          <a:ln w="6350"/>
-        </p:spPr>
-        <p:style>
-          <a:lnRef idx="2">
-            <a:schemeClr val="accent1">
-              <a:shade val="15000"/>
-            </a:schemeClr>
-          </a:lnRef>
-          <a:fillRef idx="1">
-            <a:schemeClr val="accent1"/>
-          </a:fillRef>
-          <a:effectRef idx="0">
-            <a:schemeClr val="accent1"/>
-          </a:effectRef>
-          <a:fontRef idx="minor">
-            <a:schemeClr val="lt1"/>
-          </a:fontRef>
-        </p:style>
-        <p:txBody>
-          <a:bodyPr rtlCol="0" anchor="ctr"/>
-          <a:lstStyle/>
-          <a:p>
-            <a:pPr algn="ctr"/>
-            <a:r>
-              <a:rPr lang="en-NL" sz="1200" dirty="0"/>
-              <a:t>Freon PROP language</a:t>
-            </a:r>
-          </a:p>
-        </p:txBody>
-      </p:sp>
-      <p:cxnSp>
-        <p:nvCxnSpPr>
-          <p:cNvPr id="19" name="Elbow Connector 18">
-            <a:extLst>
-              <a:ext uri="{FF2B5EF4-FFF2-40B4-BE49-F238E27FC236}">
-                <a16:creationId xmlns:a16="http://schemas.microsoft.com/office/drawing/2014/main" id="{0CCB45B1-12CF-BCF0-4C00-05E55ABA6CBA}"/>
-              </a:ext>
-            </a:extLst>
-          </p:cNvPr>
-          <p:cNvCxnSpPr>
-            <a:cxnSpLocks/>
-            <a:stCxn id="6" idx="2"/>
-            <a:endCxn id="16" idx="1"/>
-          </p:cNvCxnSpPr>
-          <p:nvPr/>
-        </p:nvCxnSpPr>
-        <p:spPr>
-          <a:xfrm rot="16200000" flipH="1">
-            <a:off x="2735713" y="2719760"/>
-            <a:ext cx="297223" cy="1049159"/>
-          </a:xfrm>
-          <a:prstGeom prst="bentConnector2">
-            <a:avLst/>
-          </a:prstGeom>
-          <a:ln w="25400">
-            <a:solidFill>
-              <a:schemeClr val="accent4">
-                <a:lumMod val="75000"/>
-              </a:schemeClr>
-            </a:solidFill>
-            <a:tailEnd type="triangle"/>
-          </a:ln>
-        </p:spPr>
-        <p:style>
-          <a:lnRef idx="1">
-            <a:schemeClr val="accent1"/>
-          </a:lnRef>
-          <a:fillRef idx="0">
-            <a:schemeClr val="accent1"/>
-          </a:fillRef>
-          <a:effectRef idx="0">
-            <a:schemeClr val="accent1"/>
-          </a:effectRef>
-          <a:fontRef idx="minor">
-            <a:schemeClr val="tx1"/>
-          </a:fontRef>
-        </p:style>
-      </p:cxnSp>
-      <p:cxnSp>
-        <p:nvCxnSpPr>
-          <p:cNvPr id="20" name="Elbow Connector 19">
-            <a:extLst>
-              <a:ext uri="{FF2B5EF4-FFF2-40B4-BE49-F238E27FC236}">
-                <a16:creationId xmlns:a16="http://schemas.microsoft.com/office/drawing/2014/main" id="{4DAF5F8F-56A5-0400-8EB6-D37AE9CA956F}"/>
-              </a:ext>
-            </a:extLst>
-          </p:cNvPr>
-          <p:cNvCxnSpPr>
-            <a:cxnSpLocks/>
-            <a:stCxn id="16" idx="3"/>
-            <a:endCxn id="17" idx="1"/>
-          </p:cNvCxnSpPr>
-          <p:nvPr/>
-        </p:nvCxnSpPr>
-        <p:spPr>
-          <a:xfrm>
-            <a:off x="4685187" y="3392952"/>
-            <a:ext cx="676653" cy="1"/>
-          </a:xfrm>
-          <a:prstGeom prst="bentConnector3">
-            <a:avLst>
-              <a:gd name="adj1" fmla="val 50000"/>
-            </a:avLst>
-          </a:prstGeom>
-          <a:ln>
-            <a:tailEnd type="triangle"/>
-          </a:ln>
-        </p:spPr>
-        <p:style>
-          <a:lnRef idx="1">
-            <a:schemeClr val="accent1"/>
-          </a:lnRef>
-          <a:fillRef idx="0">
-            <a:schemeClr val="accent1"/>
-          </a:fillRef>
-          <a:effectRef idx="0">
-            <a:schemeClr val="accent1"/>
-          </a:effectRef>
-          <a:fontRef idx="minor">
-            <a:schemeClr val="tx1"/>
-          </a:fontRef>
-        </p:style>
-      </p:cxnSp>
-      <p:cxnSp>
-        <p:nvCxnSpPr>
-          <p:cNvPr id="24" name="Elbow Connector 23">
-            <a:extLst>
-              <a:ext uri="{FF2B5EF4-FFF2-40B4-BE49-F238E27FC236}">
-                <a16:creationId xmlns:a16="http://schemas.microsoft.com/office/drawing/2014/main" id="{84ACB538-CB1E-E573-08BC-A5135851F242}"/>
-              </a:ext>
-            </a:extLst>
-          </p:cNvPr>
-          <p:cNvCxnSpPr>
-            <a:cxnSpLocks/>
-            <a:stCxn id="6" idx="0"/>
-            <a:endCxn id="10" idx="1"/>
-          </p:cNvCxnSpPr>
-          <p:nvPr/>
-        </p:nvCxnSpPr>
-        <p:spPr>
-          <a:xfrm rot="5400000" flipH="1" flipV="1">
-            <a:off x="2654412" y="1853471"/>
-            <a:ext cx="459826" cy="1049160"/>
-          </a:xfrm>
-          <a:prstGeom prst="bentConnector2">
-            <a:avLst/>
-          </a:prstGeom>
-          <a:ln w="25400">
-            <a:solidFill>
-              <a:schemeClr val="accent4">
-                <a:lumMod val="75000"/>
-              </a:schemeClr>
-            </a:solidFill>
-            <a:tailEnd type="triangle"/>
-          </a:ln>
-        </p:spPr>
-        <p:style>
-          <a:lnRef idx="1">
-            <a:schemeClr val="accent1"/>
-          </a:lnRef>
-          <a:fillRef idx="0">
-            <a:schemeClr val="accent1"/>
-          </a:fillRef>
-          <a:effectRef idx="0">
-            <a:schemeClr val="accent1"/>
-          </a:effectRef>
-          <a:fontRef idx="minor">
-            <a:schemeClr val="tx1"/>
-          </a:fontRef>
-        </p:style>
-      </p:cxnSp>
-      <p:cxnSp>
-        <p:nvCxnSpPr>
-          <p:cNvPr id="33" name="Elbow Connector 32">
-            <a:extLst>
-              <a:ext uri="{FF2B5EF4-FFF2-40B4-BE49-F238E27FC236}">
-                <a16:creationId xmlns:a16="http://schemas.microsoft.com/office/drawing/2014/main" id="{E0D642D1-D9B2-F072-36EA-81D4D075D8E6}"/>
-              </a:ext>
-            </a:extLst>
-          </p:cNvPr>
-          <p:cNvCxnSpPr>
-            <a:cxnSpLocks/>
-            <a:stCxn id="10" idx="3"/>
-            <a:endCxn id="11" idx="1"/>
-          </p:cNvCxnSpPr>
-          <p:nvPr/>
-        </p:nvCxnSpPr>
-        <p:spPr>
-          <a:xfrm>
-            <a:off x="4685186" y="2148138"/>
-            <a:ext cx="676654" cy="2708"/>
-          </a:xfrm>
-          <a:prstGeom prst="bentConnector3">
-            <a:avLst>
-              <a:gd name="adj1" fmla="val 50000"/>
-            </a:avLst>
-          </a:prstGeom>
-          <a:ln>
-            <a:tailEnd type="triangle"/>
-          </a:ln>
-        </p:spPr>
-        <p:style>
-          <a:lnRef idx="1">
-            <a:schemeClr val="accent1"/>
-          </a:lnRef>
-          <a:fillRef idx="0">
-            <a:schemeClr val="accent1"/>
-          </a:fillRef>
-          <a:effectRef idx="0">
-            <a:schemeClr val="accent1"/>
-          </a:effectRef>
-          <a:fontRef idx="minor">
-            <a:schemeClr val="tx1"/>
-          </a:fontRef>
-        </p:style>
-      </p:cxnSp>
-      <p:cxnSp>
-        <p:nvCxnSpPr>
-          <p:cNvPr id="34" name="Elbow Connector 33">
-            <a:extLst>
-              <a:ext uri="{FF2B5EF4-FFF2-40B4-BE49-F238E27FC236}">
-                <a16:creationId xmlns:a16="http://schemas.microsoft.com/office/drawing/2014/main" id="{19F48C25-F3B3-CE61-11BE-FE48DBAFC04A}"/>
-              </a:ext>
-            </a:extLst>
-          </p:cNvPr>
-          <p:cNvCxnSpPr>
-            <a:cxnSpLocks/>
-            <a:stCxn id="11" idx="3"/>
-            <a:endCxn id="12" idx="1"/>
-          </p:cNvCxnSpPr>
-          <p:nvPr/>
-        </p:nvCxnSpPr>
-        <p:spPr>
-          <a:xfrm>
-            <a:off x="6355603" y="2150846"/>
-            <a:ext cx="769914" cy="5922"/>
-          </a:xfrm>
-          <a:prstGeom prst="bentConnector3">
-            <a:avLst>
-              <a:gd name="adj1" fmla="val 50000"/>
-            </a:avLst>
-          </a:prstGeom>
-          <a:ln>
-            <a:tailEnd type="triangle"/>
-          </a:ln>
-        </p:spPr>
-        <p:style>
-          <a:lnRef idx="1">
-            <a:schemeClr val="accent1"/>
-          </a:lnRef>
-          <a:fillRef idx="0">
-            <a:schemeClr val="accent1"/>
-          </a:fillRef>
-          <a:effectRef idx="0">
-            <a:schemeClr val="accent1"/>
-          </a:effectRef>
-          <a:fontRef idx="minor">
-            <a:schemeClr val="tx1"/>
-          </a:fontRef>
-        </p:style>
-      </p:cxnSp>
-      <p:cxnSp>
-        <p:nvCxnSpPr>
-          <p:cNvPr id="41" name="Elbow Connector 40">
-            <a:extLst>
-              <a:ext uri="{FF2B5EF4-FFF2-40B4-BE49-F238E27FC236}">
-                <a16:creationId xmlns:a16="http://schemas.microsoft.com/office/drawing/2014/main" id="{86B3D4E2-0D68-6E3A-5794-54536088B4DC}"/>
-              </a:ext>
-            </a:extLst>
-          </p:cNvPr>
-          <p:cNvCxnSpPr>
-            <a:cxnSpLocks/>
-            <a:stCxn id="17" idx="3"/>
-            <a:endCxn id="15" idx="1"/>
-          </p:cNvCxnSpPr>
-          <p:nvPr/>
-        </p:nvCxnSpPr>
-        <p:spPr>
-          <a:xfrm flipV="1">
-            <a:off x="6549890" y="3388973"/>
-            <a:ext cx="575627" cy="3980"/>
-          </a:xfrm>
-          <a:prstGeom prst="bentConnector3">
-            <a:avLst>
-              <a:gd name="adj1" fmla="val 50000"/>
-            </a:avLst>
-          </a:prstGeom>
-          <a:ln>
-            <a:tailEnd type="triangle"/>
-          </a:ln>
-        </p:spPr>
-        <p:style>
-          <a:lnRef idx="1">
-            <a:schemeClr val="accent1"/>
-          </a:lnRef>
-          <a:fillRef idx="0">
-            <a:schemeClr val="accent1"/>
-          </a:fillRef>
-          <a:effectRef idx="0">
-            <a:schemeClr val="accent1"/>
-          </a:effectRef>
-          <a:fontRef idx="minor">
-            <a:schemeClr val="tx1"/>
-          </a:fontRef>
-        </p:style>
-      </p:cxnSp>
-      <p:cxnSp>
-        <p:nvCxnSpPr>
-          <p:cNvPr id="44" name="Elbow Connector 43">
-            <a:extLst>
-              <a:ext uri="{FF2B5EF4-FFF2-40B4-BE49-F238E27FC236}">
-                <a16:creationId xmlns:a16="http://schemas.microsoft.com/office/drawing/2014/main" id="{06A5A56E-895B-8EF2-7B7A-938BBC1AE51A}"/>
-              </a:ext>
-            </a:extLst>
-          </p:cNvPr>
-          <p:cNvCxnSpPr>
-            <a:cxnSpLocks/>
-            <a:stCxn id="64" idx="3"/>
-            <a:endCxn id="77" idx="1"/>
-          </p:cNvCxnSpPr>
-          <p:nvPr/>
-        </p:nvCxnSpPr>
-        <p:spPr>
-          <a:xfrm flipV="1">
-            <a:off x="4691434" y="1247655"/>
-            <a:ext cx="670406" cy="291"/>
-          </a:xfrm>
-          <a:prstGeom prst="bentConnector3">
-            <a:avLst>
-              <a:gd name="adj1" fmla="val 50000"/>
-            </a:avLst>
-          </a:prstGeom>
-          <a:ln>
-            <a:tailEnd type="triangle"/>
-          </a:ln>
-        </p:spPr>
-        <p:style>
-          <a:lnRef idx="1">
-            <a:schemeClr val="accent1"/>
-          </a:lnRef>
-          <a:fillRef idx="0">
-            <a:schemeClr val="accent1"/>
-          </a:fillRef>
-          <a:effectRef idx="0">
-            <a:schemeClr val="accent1"/>
-          </a:effectRef>
-          <a:fontRef idx="minor">
-            <a:schemeClr val="tx1"/>
-          </a:fontRef>
-        </p:style>
-      </p:cxnSp>
-      <p:cxnSp>
-        <p:nvCxnSpPr>
-          <p:cNvPr id="50" name="Elbow Connector 49">
-            <a:extLst>
-              <a:ext uri="{FF2B5EF4-FFF2-40B4-BE49-F238E27FC236}">
-                <a16:creationId xmlns:a16="http://schemas.microsoft.com/office/drawing/2014/main" id="{F588712D-EBC6-4706-879C-60461F986250}"/>
-              </a:ext>
-            </a:extLst>
-          </p:cNvPr>
-          <p:cNvCxnSpPr>
-            <a:cxnSpLocks/>
-            <a:stCxn id="4" idx="3"/>
-            <a:endCxn id="6" idx="1"/>
-          </p:cNvCxnSpPr>
-          <p:nvPr/>
-        </p:nvCxnSpPr>
-        <p:spPr>
-          <a:xfrm>
-            <a:off x="1195514" y="2869111"/>
-            <a:ext cx="516232" cy="12700"/>
-          </a:xfrm>
-          <a:prstGeom prst="bentConnector3">
-            <a:avLst>
-              <a:gd name="adj1" fmla="val 50000"/>
-            </a:avLst>
-          </a:prstGeom>
-          <a:ln w="25400">
-            <a:solidFill>
-              <a:schemeClr val="accent4">
-                <a:lumMod val="75000"/>
-              </a:schemeClr>
-            </a:solidFill>
-            <a:headEnd type="triangle"/>
-            <a:tailEnd type="triangle"/>
-          </a:ln>
-        </p:spPr>
-        <p:style>
-          <a:lnRef idx="1">
-            <a:schemeClr val="accent1"/>
-          </a:lnRef>
-          <a:fillRef idx="0">
-            <a:schemeClr val="accent1"/>
-          </a:fillRef>
-          <a:effectRef idx="0">
-            <a:schemeClr val="accent1"/>
-          </a:effectRef>
-          <a:fontRef idx="minor">
-            <a:schemeClr val="tx1"/>
-          </a:fontRef>
-        </p:style>
-      </p:cxnSp>
-      <p:sp>
-        <p:nvSpPr>
-          <p:cNvPr id="64" name="Rectangle 63">
-            <a:extLst>
-              <a:ext uri="{FF2B5EF4-FFF2-40B4-BE49-F238E27FC236}">
-                <a16:creationId xmlns:a16="http://schemas.microsoft.com/office/drawing/2014/main" id="{6705475E-CCFD-AE6C-1ECD-6FC35B7C0755}"/>
-              </a:ext>
-            </a:extLst>
-          </p:cNvPr>
-          <p:cNvSpPr/>
-          <p:nvPr/>
-        </p:nvSpPr>
-        <p:spPr>
-          <a:xfrm>
-            <a:off x="3408905" y="1003826"/>
-            <a:ext cx="1282529" cy="488239"/>
-          </a:xfrm>
-          <a:prstGeom prst="rect">
-            <a:avLst/>
-          </a:prstGeom>
-        </p:spPr>
-        <p:style>
-          <a:lnRef idx="2">
-            <a:schemeClr val="accent1">
-              <a:shade val="15000"/>
-            </a:schemeClr>
-          </a:lnRef>
-          <a:fillRef idx="1">
-            <a:schemeClr val="accent1"/>
-          </a:fillRef>
-          <a:effectRef idx="0">
-            <a:schemeClr val="accent1"/>
-          </a:effectRef>
-          <a:fontRef idx="minor">
-            <a:schemeClr val="lt1"/>
-          </a:fontRef>
-        </p:style>
-        <p:txBody>
-          <a:bodyPr rtlCol="0" anchor="ctr"/>
-          <a:lstStyle/>
-          <a:p>
-            <a:pPr algn="ctr"/>
-            <a:r>
-              <a:rPr lang="en-NL" sz="1200" dirty="0"/>
-              <a:t>Kotlin Converter</a:t>
-            </a:r>
-          </a:p>
-        </p:txBody>
-      </p:sp>
-      <p:cxnSp>
-        <p:nvCxnSpPr>
-          <p:cNvPr id="65" name="Elbow Connector 64">
-            <a:extLst>
-              <a:ext uri="{FF2B5EF4-FFF2-40B4-BE49-F238E27FC236}">
-                <a16:creationId xmlns:a16="http://schemas.microsoft.com/office/drawing/2014/main" id="{FF0EDB14-00DF-EF8D-5349-4873297EC50B}"/>
-              </a:ext>
-            </a:extLst>
-          </p:cNvPr>
-          <p:cNvCxnSpPr>
-            <a:cxnSpLocks/>
-            <a:stCxn id="6" idx="0"/>
-            <a:endCxn id="64" idx="1"/>
-          </p:cNvCxnSpPr>
-          <p:nvPr/>
-        </p:nvCxnSpPr>
-        <p:spPr>
-          <a:xfrm rot="5400000" flipH="1" flipV="1">
-            <a:off x="2204316" y="1403375"/>
-            <a:ext cx="1360018" cy="1049160"/>
-          </a:xfrm>
-          <a:prstGeom prst="bentConnector2">
-            <a:avLst/>
-          </a:prstGeom>
-          <a:ln w="25400">
-            <a:solidFill>
-              <a:schemeClr val="accent4">
-                <a:lumMod val="75000"/>
-              </a:schemeClr>
-            </a:solidFill>
-            <a:tailEnd type="triangle"/>
-          </a:ln>
-        </p:spPr>
-        <p:style>
-          <a:lnRef idx="1">
-            <a:schemeClr val="accent1"/>
-          </a:lnRef>
-          <a:fillRef idx="0">
-            <a:schemeClr val="accent1"/>
-          </a:fillRef>
-          <a:effectRef idx="0">
-            <a:schemeClr val="accent1"/>
-          </a:effectRef>
-          <a:fontRef idx="minor">
-            <a:schemeClr val="tx1"/>
-          </a:fontRef>
-        </p:style>
-      </p:cxnSp>
-      <p:sp>
-        <p:nvSpPr>
-          <p:cNvPr id="76" name="Rectangle 75">
-            <a:extLst>
-              <a:ext uri="{FF2B5EF4-FFF2-40B4-BE49-F238E27FC236}">
-                <a16:creationId xmlns:a16="http://schemas.microsoft.com/office/drawing/2014/main" id="{766D6B29-A506-16DB-74B6-332165A54504}"/>
-              </a:ext>
-            </a:extLst>
-          </p:cNvPr>
-          <p:cNvSpPr/>
-          <p:nvPr/>
-        </p:nvSpPr>
-        <p:spPr>
-          <a:xfrm>
-            <a:off x="7125517" y="1003914"/>
-            <a:ext cx="1341880" cy="484193"/>
-          </a:xfrm>
-          <a:prstGeom prst="rect">
-            <a:avLst/>
-          </a:prstGeom>
-          <a:solidFill>
-            <a:srgbClr val="00B050"/>
-          </a:solidFill>
-          <a:ln>
-            <a:solidFill>
-              <a:schemeClr val="tx1"/>
-            </a:solidFill>
-          </a:ln>
-        </p:spPr>
-        <p:style>
-          <a:lnRef idx="2">
-            <a:schemeClr val="accent1">
-              <a:shade val="15000"/>
-            </a:schemeClr>
-          </a:lnRef>
-          <a:fillRef idx="1">
-            <a:schemeClr val="accent1"/>
-          </a:fillRef>
-          <a:effectRef idx="0">
-            <a:schemeClr val="accent1"/>
-          </a:effectRef>
-          <a:fontRef idx="minor">
-            <a:schemeClr val="lt1"/>
-          </a:fontRef>
-        </p:style>
-        <p:txBody>
-          <a:bodyPr rtlCol="0" anchor="ctr"/>
-          <a:lstStyle/>
-          <a:p>
-            <a:pPr algn="ctr"/>
-            <a:r>
-              <a:rPr lang="en-NL" sz="1200" dirty="0"/>
-              <a:t>Kotlin PROP Application</a:t>
-            </a:r>
-          </a:p>
-        </p:txBody>
-      </p:sp>
-      <p:sp>
-        <p:nvSpPr>
-          <p:cNvPr id="77" name="Document 76">
-            <a:extLst>
-              <a:ext uri="{FF2B5EF4-FFF2-40B4-BE49-F238E27FC236}">
-                <a16:creationId xmlns:a16="http://schemas.microsoft.com/office/drawing/2014/main" id="{A3CD0AEC-CB34-8A15-8447-BC53088EA0AE}"/>
-              </a:ext>
-            </a:extLst>
-          </p:cNvPr>
-          <p:cNvSpPr/>
-          <p:nvPr/>
-        </p:nvSpPr>
-        <p:spPr>
-          <a:xfrm>
-            <a:off x="5361840" y="1003535"/>
-            <a:ext cx="1045679" cy="488240"/>
-          </a:xfrm>
-          <a:prstGeom prst="flowChartDocument">
-            <a:avLst/>
-          </a:prstGeom>
-          <a:solidFill>
-            <a:schemeClr val="accent1">
-              <a:lumMod val="40000"/>
-              <a:lumOff val="60000"/>
-            </a:schemeClr>
-          </a:solidFill>
-          <a:ln w="6350"/>
-        </p:spPr>
-        <p:style>
-          <a:lnRef idx="2">
-            <a:schemeClr val="accent1">
-              <a:shade val="15000"/>
-            </a:schemeClr>
-          </a:lnRef>
-          <a:fillRef idx="1">
-            <a:schemeClr val="accent1"/>
-          </a:fillRef>
-          <a:effectRef idx="0">
-            <a:schemeClr val="accent1"/>
-          </a:effectRef>
-          <a:fontRef idx="minor">
-            <a:schemeClr val="lt1"/>
-          </a:fontRef>
-        </p:style>
-        <p:txBody>
-          <a:bodyPr rtlCol="0" anchor="ctr"/>
-          <a:lstStyle/>
-          <a:p>
-            <a:pPr algn="ctr"/>
-            <a:r>
-              <a:rPr lang="en-NL" sz="1200" dirty="0"/>
-              <a:t>Kotlin PROP</a:t>
-            </a:r>
-          </a:p>
-          <a:p>
-            <a:pPr algn="ctr"/>
-            <a:r>
-              <a:rPr lang="en-NL" sz="1200" dirty="0"/>
-              <a:t>classes</a:t>
-            </a:r>
-          </a:p>
-        </p:txBody>
-      </p:sp>
-      <p:cxnSp>
-        <p:nvCxnSpPr>
-          <p:cNvPr id="99" name="Elbow Connector 98">
-            <a:extLst>
-              <a:ext uri="{FF2B5EF4-FFF2-40B4-BE49-F238E27FC236}">
-                <a16:creationId xmlns:a16="http://schemas.microsoft.com/office/drawing/2014/main" id="{D89FB09C-3DBA-BD58-D9EC-6D5498E02EA6}"/>
-              </a:ext>
-            </a:extLst>
-          </p:cNvPr>
-          <p:cNvCxnSpPr>
-            <a:cxnSpLocks/>
-            <a:stCxn id="77" idx="3"/>
-            <a:endCxn id="76" idx="1"/>
-          </p:cNvCxnSpPr>
-          <p:nvPr/>
-        </p:nvCxnSpPr>
-        <p:spPr>
-          <a:xfrm flipV="1">
-            <a:off x="6407519" y="1246011"/>
-            <a:ext cx="717998" cy="1644"/>
-          </a:xfrm>
-          <a:prstGeom prst="bentConnector3">
-            <a:avLst>
-              <a:gd name="adj1" fmla="val 50000"/>
-            </a:avLst>
-          </a:prstGeom>
-          <a:ln>
-            <a:tailEnd type="triangle"/>
-          </a:ln>
-        </p:spPr>
-        <p:style>
-          <a:lnRef idx="1">
-            <a:schemeClr val="accent1"/>
-          </a:lnRef>
-          <a:fillRef idx="0">
-            <a:schemeClr val="accent1"/>
-          </a:fillRef>
-          <a:effectRef idx="0">
-            <a:schemeClr val="accent1"/>
-          </a:effectRef>
-          <a:fontRef idx="minor">
-            <a:schemeClr val="tx1"/>
-          </a:fontRef>
-        </p:style>
-      </p:cxnSp>
-      <p:sp>
-        <p:nvSpPr>
-          <p:cNvPr id="398" name="TextBox 397">
-            <a:extLst>
-              <a:ext uri="{FF2B5EF4-FFF2-40B4-BE49-F238E27FC236}">
-                <a16:creationId xmlns:a16="http://schemas.microsoft.com/office/drawing/2014/main" id="{8270848E-3003-81CB-EDFD-8BE37DC07659}"/>
-              </a:ext>
-            </a:extLst>
-          </p:cNvPr>
-          <p:cNvSpPr txBox="1"/>
-          <p:nvPr/>
-        </p:nvSpPr>
-        <p:spPr>
-          <a:xfrm>
-            <a:off x="2197495" y="227791"/>
-            <a:ext cx="2422458" cy="307777"/>
-          </a:xfrm>
-          <a:prstGeom prst="rect">
-            <a:avLst/>
-          </a:prstGeom>
-          <a:noFill/>
-        </p:spPr>
-        <p:txBody>
-          <a:bodyPr wrap="none" rtlCol="0">
-            <a:spAutoFit/>
-          </a:bodyPr>
-          <a:lstStyle/>
-          <a:p>
-            <a:r>
-              <a:rPr lang="en-NL" dirty="0"/>
-              <a:t>Meta / Language Demo flow</a:t>
-            </a:r>
-          </a:p>
-        </p:txBody>
-      </p:sp>
-      <p:sp>
-        <p:nvSpPr>
-          <p:cNvPr id="46" name="Rectangle 45">
-            <a:extLst>
-              <a:ext uri="{FF2B5EF4-FFF2-40B4-BE49-F238E27FC236}">
-                <a16:creationId xmlns:a16="http://schemas.microsoft.com/office/drawing/2014/main" id="{AA73C12B-80B8-F837-7584-51F0C7D32F1B}"/>
-              </a:ext>
-            </a:extLst>
-          </p:cNvPr>
-          <p:cNvSpPr/>
-          <p:nvPr/>
-        </p:nvSpPr>
-        <p:spPr>
-          <a:xfrm>
-            <a:off x="3408904" y="4255727"/>
-            <a:ext cx="1276281" cy="473232"/>
-          </a:xfrm>
-          <a:prstGeom prst="rect">
-            <a:avLst/>
-          </a:prstGeom>
-        </p:spPr>
-        <p:style>
-          <a:lnRef idx="2">
-            <a:schemeClr val="accent1">
-              <a:shade val="15000"/>
-            </a:schemeClr>
-          </a:lnRef>
-          <a:fillRef idx="1">
-            <a:schemeClr val="accent1"/>
-          </a:fillRef>
-          <a:effectRef idx="0">
-            <a:schemeClr val="accent1"/>
-          </a:effectRef>
-          <a:fontRef idx="minor">
-            <a:schemeClr val="lt1"/>
-          </a:fontRef>
-        </p:style>
-        <p:txBody>
-          <a:bodyPr rtlCol="0" anchor="ctr"/>
-          <a:lstStyle/>
-          <a:p>
-            <a:pPr algn="ctr"/>
-            <a:r>
-              <a:rPr lang="en-NL" sz="1200" dirty="0"/>
-              <a:t>Ecore Converter</a:t>
-            </a:r>
-          </a:p>
-        </p:txBody>
-      </p:sp>
-      <p:cxnSp>
-        <p:nvCxnSpPr>
-          <p:cNvPr id="47" name="Elbow Connector 46">
-            <a:extLst>
-              <a:ext uri="{FF2B5EF4-FFF2-40B4-BE49-F238E27FC236}">
-                <a16:creationId xmlns:a16="http://schemas.microsoft.com/office/drawing/2014/main" id="{E3A7F403-8899-CAE9-05EF-DDEB53E533C1}"/>
-              </a:ext>
-            </a:extLst>
-          </p:cNvPr>
-          <p:cNvCxnSpPr>
-            <a:cxnSpLocks/>
-            <a:stCxn id="6" idx="2"/>
-            <a:endCxn id="46" idx="1"/>
-          </p:cNvCxnSpPr>
-          <p:nvPr/>
-        </p:nvCxnSpPr>
-        <p:spPr>
-          <a:xfrm rot="16200000" flipH="1">
-            <a:off x="2186017" y="3269456"/>
-            <a:ext cx="1396614" cy="1049159"/>
-          </a:xfrm>
-          <a:prstGeom prst="bentConnector2">
-            <a:avLst/>
-          </a:prstGeom>
-          <a:ln w="25400">
-            <a:solidFill>
-              <a:schemeClr val="accent4">
-                <a:lumMod val="75000"/>
-              </a:schemeClr>
-            </a:solidFill>
-            <a:tailEnd type="triangle"/>
-          </a:ln>
-        </p:spPr>
-        <p:style>
-          <a:lnRef idx="1">
-            <a:schemeClr val="accent1"/>
-          </a:lnRef>
-          <a:fillRef idx="0">
-            <a:schemeClr val="accent1"/>
-          </a:fillRef>
-          <a:effectRef idx="0">
-            <a:schemeClr val="accent1"/>
-          </a:effectRef>
-          <a:fontRef idx="minor">
-            <a:schemeClr val="tx1"/>
-          </a:fontRef>
-        </p:style>
-      </p:cxnSp>
-      <p:sp>
-        <p:nvSpPr>
-          <p:cNvPr id="52" name="Document 51">
-            <a:extLst>
-              <a:ext uri="{FF2B5EF4-FFF2-40B4-BE49-F238E27FC236}">
-                <a16:creationId xmlns:a16="http://schemas.microsoft.com/office/drawing/2014/main" id="{979515C3-8F71-0A2E-793A-0AE0E1136EBF}"/>
-              </a:ext>
-            </a:extLst>
-          </p:cNvPr>
-          <p:cNvSpPr/>
-          <p:nvPr/>
-        </p:nvSpPr>
-        <p:spPr>
-          <a:xfrm>
-            <a:off x="5361840" y="4250247"/>
-            <a:ext cx="1188050" cy="484193"/>
-          </a:xfrm>
-          <a:prstGeom prst="flowChartDocument">
-            <a:avLst/>
-          </a:prstGeom>
-          <a:solidFill>
-            <a:schemeClr val="accent1">
-              <a:lumMod val="40000"/>
-              <a:lumOff val="60000"/>
-            </a:schemeClr>
-          </a:solidFill>
-          <a:ln w="6350"/>
-        </p:spPr>
-        <p:style>
-          <a:lnRef idx="2">
-            <a:schemeClr val="accent1">
-              <a:shade val="15000"/>
-            </a:schemeClr>
-          </a:lnRef>
-          <a:fillRef idx="1">
-            <a:schemeClr val="accent1"/>
-          </a:fillRef>
-          <a:effectRef idx="0">
-            <a:schemeClr val="accent1"/>
-          </a:effectRef>
-          <a:fontRef idx="minor">
-            <a:schemeClr val="lt1"/>
-          </a:fontRef>
-        </p:style>
-        <p:txBody>
-          <a:bodyPr rtlCol="0" anchor="ctr"/>
-          <a:lstStyle/>
-          <a:p>
-            <a:pPr algn="ctr"/>
-            <a:r>
-              <a:rPr lang="en-NL" sz="1200" dirty="0"/>
-              <a:t>Ecore PROP language</a:t>
-            </a:r>
-          </a:p>
-        </p:txBody>
-      </p:sp>
-      <p:cxnSp>
-        <p:nvCxnSpPr>
-          <p:cNvPr id="53" name="Elbow Connector 52">
-            <a:extLst>
-              <a:ext uri="{FF2B5EF4-FFF2-40B4-BE49-F238E27FC236}">
-                <a16:creationId xmlns:a16="http://schemas.microsoft.com/office/drawing/2014/main" id="{74DA4026-19AA-EE30-36C5-332924085E6A}"/>
-              </a:ext>
-            </a:extLst>
-          </p:cNvPr>
-          <p:cNvCxnSpPr>
-            <a:cxnSpLocks/>
-            <a:stCxn id="46" idx="3"/>
-            <a:endCxn id="52" idx="1"/>
-          </p:cNvCxnSpPr>
-          <p:nvPr/>
-        </p:nvCxnSpPr>
-        <p:spPr>
-          <a:xfrm>
-            <a:off x="4685185" y="4492343"/>
-            <a:ext cx="676655" cy="1"/>
-          </a:xfrm>
-          <a:prstGeom prst="bentConnector3">
-            <a:avLst>
-              <a:gd name="adj1" fmla="val 50000"/>
-            </a:avLst>
-          </a:prstGeom>
-          <a:ln>
-            <a:tailEnd type="triangle"/>
-          </a:ln>
-        </p:spPr>
-        <p:style>
-          <a:lnRef idx="1">
-            <a:schemeClr val="accent1"/>
-          </a:lnRef>
-          <a:fillRef idx="0">
-            <a:schemeClr val="accent1"/>
-          </a:fillRef>
-          <a:effectRef idx="0">
-            <a:schemeClr val="accent1"/>
-          </a:effectRef>
-          <a:fontRef idx="minor">
-            <a:schemeClr val="tx1"/>
-          </a:fontRef>
-        </p:style>
-      </p:cxnSp>
-      <p:sp>
-        <p:nvSpPr>
-          <p:cNvPr id="94" name="Rectangle 93">
-            <a:extLst>
-              <a:ext uri="{FF2B5EF4-FFF2-40B4-BE49-F238E27FC236}">
-                <a16:creationId xmlns:a16="http://schemas.microsoft.com/office/drawing/2014/main" id="{16117E77-8C08-1B36-60F3-F51560150462}"/>
-              </a:ext>
-            </a:extLst>
-          </p:cNvPr>
-          <p:cNvSpPr/>
-          <p:nvPr/>
-        </p:nvSpPr>
-        <p:spPr>
-          <a:xfrm>
-            <a:off x="7125517" y="4215243"/>
-            <a:ext cx="1377309" cy="553037"/>
-          </a:xfrm>
-          <a:prstGeom prst="rect">
-            <a:avLst/>
-          </a:prstGeom>
-          <a:solidFill>
-            <a:srgbClr val="00B050"/>
-          </a:solidFill>
-          <a:ln>
-            <a:solidFill>
-              <a:schemeClr val="tx1"/>
-            </a:solidFill>
-          </a:ln>
-        </p:spPr>
-        <p:style>
-          <a:lnRef idx="2">
-            <a:schemeClr val="accent1">
-              <a:shade val="15000"/>
-            </a:schemeClr>
-          </a:lnRef>
-          <a:fillRef idx="1">
-            <a:schemeClr val="accent1"/>
-          </a:fillRef>
-          <a:effectRef idx="0">
-            <a:schemeClr val="accent1"/>
-          </a:effectRef>
-          <a:fontRef idx="minor">
-            <a:schemeClr val="lt1"/>
-          </a:fontRef>
-        </p:style>
-        <p:txBody>
-          <a:bodyPr rtlCol="0" anchor="ctr"/>
-          <a:lstStyle/>
-          <a:p>
-            <a:pPr algn="ctr"/>
-            <a:r>
-              <a:rPr lang="en-NL" sz="1200" dirty="0"/>
-              <a:t>Ecore PROP language + Xtend</a:t>
-            </a:r>
-          </a:p>
-        </p:txBody>
-      </p:sp>
-      <p:cxnSp>
-        <p:nvCxnSpPr>
-          <p:cNvPr id="124" name="Elbow Connector 123">
-            <a:extLst>
-              <a:ext uri="{FF2B5EF4-FFF2-40B4-BE49-F238E27FC236}">
-                <a16:creationId xmlns:a16="http://schemas.microsoft.com/office/drawing/2014/main" id="{A6790ECB-F987-27DB-F55E-C2D37B81A365}"/>
-              </a:ext>
-            </a:extLst>
-          </p:cNvPr>
-          <p:cNvCxnSpPr>
-            <a:cxnSpLocks/>
-            <a:stCxn id="52" idx="3"/>
-            <a:endCxn id="94" idx="1"/>
-          </p:cNvCxnSpPr>
-          <p:nvPr/>
-        </p:nvCxnSpPr>
-        <p:spPr>
-          <a:xfrm flipV="1">
-            <a:off x="6549890" y="4491762"/>
-            <a:ext cx="575627" cy="582"/>
-          </a:xfrm>
-          <a:prstGeom prst="bentConnector3">
-            <a:avLst>
-              <a:gd name="adj1" fmla="val 50000"/>
-            </a:avLst>
-          </a:prstGeom>
-          <a:ln>
-            <a:tailEnd type="triangle"/>
-          </a:ln>
-        </p:spPr>
-        <p:style>
-          <a:lnRef idx="1">
-            <a:schemeClr val="accent1"/>
-          </a:lnRef>
-          <a:fillRef idx="0">
-            <a:schemeClr val="accent1"/>
-          </a:fillRef>
-          <a:effectRef idx="0">
-            <a:schemeClr val="accent1"/>
-          </a:effectRef>
-          <a:fontRef idx="minor">
-            <a:schemeClr val="tx1"/>
-          </a:fontRef>
-        </p:style>
-      </p:cxnSp>
-    </p:spTree>
-    <p:extLst>
-      <p:ext uri="{BB962C8B-B14F-4D97-AF65-F5344CB8AC3E}">
-        <p14:creationId xmlns:p14="http://schemas.microsoft.com/office/powerpoint/2010/main" val="3497109949"/>
-      </p:ext>
-    </p:extLst>
-  </p:cSld>
-  <p:clrMapOvr>
-    <a:masterClrMapping/>
-  </p:clrMapOvr>
-</p:sld>
-</file>
-
-<file path=ppt/slides/slide16.xml><?xml version="1.0" encoding="utf-8"?>
-<p:sld xmlns:a="http://schemas.openxmlformats.org/drawingml/2006/main" xmlns:r="http://schemas.openxmlformats.org/officeDocument/2006/relationships" xmlns:p="http://schemas.openxmlformats.org/presentationml/2006/main">
-  <p:cSld>
-    <p:spTree>
-      <p:nvGrpSpPr>
-        <p:cNvPr id="1" name=""/>
-        <p:cNvGrpSpPr/>
-        <p:nvPr/>
-      </p:nvGrpSpPr>
-      <p:grpSpPr>
-        <a:xfrm>
-          <a:off x="0" y="0"/>
-          <a:ext cx="0" cy="0"/>
-          <a:chOff x="0" y="0"/>
-          <a:chExt cx="0" cy="0"/>
-        </a:xfrm>
-      </p:grpSpPr>
-      <p:sp>
-        <p:nvSpPr>
           <p:cNvPr id="4" name="Rectangle 3">
             <a:extLst>
               <a:ext uri="{FF2B5EF4-FFF2-40B4-BE49-F238E27FC236}">
@@ -25708,7 +21442,7 @@
         </p:nvSpPr>
         <p:spPr>
           <a:xfrm>
-            <a:off x="3931042" y="1016950"/>
+            <a:off x="3938243" y="1138155"/>
             <a:ext cx="1295998" cy="522294"/>
           </a:xfrm>
           <a:prstGeom prst="flowChartDocument">
@@ -25764,8 +21498,8 @@
         </p:nvSpPr>
         <p:spPr>
           <a:xfrm>
-            <a:off x="3016355" y="2335472"/>
-            <a:ext cx="1276281" cy="373096"/>
+            <a:off x="3016355" y="2334797"/>
+            <a:ext cx="1276281" cy="488238"/>
           </a:xfrm>
           <a:prstGeom prst="rect">
             <a:avLst/>
@@ -25871,7 +21605,7 @@
         <p:spPr>
           <a:xfrm>
             <a:off x="2961979" y="4138029"/>
-            <a:ext cx="1377309" cy="553037"/>
+            <a:ext cx="1377309" cy="484193"/>
           </a:xfrm>
           <a:prstGeom prst="rect">
             <a:avLst/>
@@ -25985,7 +21719,7 @@
         <p:spPr>
           <a:xfrm>
             <a:off x="5050191" y="2335472"/>
-            <a:ext cx="1276283" cy="473232"/>
+            <a:ext cx="1276283" cy="484192"/>
           </a:xfrm>
           <a:prstGeom prst="rect">
             <a:avLst/>
@@ -26093,8 +21827,8 @@
         </p:nvCxnSpPr>
         <p:spPr>
           <a:xfrm rot="16200000" flipH="1">
-            <a:off x="4718309" y="1365447"/>
-            <a:ext cx="830757" cy="1109292"/>
+            <a:off x="4782511" y="1429650"/>
+            <a:ext cx="709552" cy="1102091"/>
           </a:xfrm>
           <a:prstGeom prst="bentConnector3">
             <a:avLst>
@@ -26143,8 +21877,8 @@
         </p:nvCxnSpPr>
         <p:spPr>
           <a:xfrm rot="16200000" flipH="1">
-            <a:off x="5490336" y="3006701"/>
-            <a:ext cx="400129" cy="4134"/>
+            <a:off x="5495816" y="3012181"/>
+            <a:ext cx="389169" cy="4134"/>
           </a:xfrm>
           <a:prstGeom prst="bentConnector3">
             <a:avLst>
@@ -26188,8 +21922,8 @@
         </p:nvCxnSpPr>
         <p:spPr>
           <a:xfrm rot="5400000">
-            <a:off x="3701391" y="1457821"/>
-            <a:ext cx="830757" cy="924545"/>
+            <a:off x="3765931" y="1514485"/>
+            <a:ext cx="708877" cy="931746"/>
           </a:xfrm>
           <a:prstGeom prst="bentConnector3">
             <a:avLst>
@@ -26238,8 +21972,8 @@
         </p:nvCxnSpPr>
         <p:spPr>
           <a:xfrm rot="5400000">
-            <a:off x="3403946" y="2958282"/>
-            <a:ext cx="500265" cy="837"/>
+            <a:off x="3461179" y="3015516"/>
+            <a:ext cx="385798" cy="837"/>
           </a:xfrm>
           <a:prstGeom prst="bentConnector3">
             <a:avLst>
@@ -26417,9 +22151,9 @@
           <p:nvPr/>
         </p:nvCxnSpPr>
         <p:spPr>
-          <a:xfrm rot="5400000">
-            <a:off x="4449636" y="881763"/>
-            <a:ext cx="264593" cy="5781"/>
+          <a:xfrm rot="16200000" flipH="1">
+            <a:off x="4392633" y="944546"/>
+            <a:ext cx="385798" cy="1420"/>
           </a:xfrm>
           <a:prstGeom prst="bentConnector3">
             <a:avLst>
@@ -26518,8 +22252,8 @@
         </p:nvCxnSpPr>
         <p:spPr>
           <a:xfrm rot="5400000">
-            <a:off x="2694165" y="450595"/>
-            <a:ext cx="830757" cy="2938996"/>
+            <a:off x="2758368" y="507598"/>
+            <a:ext cx="709552" cy="2946197"/>
           </a:xfrm>
           <a:prstGeom prst="bentConnector3">
             <a:avLst>
@@ -26765,7 +22499,7 @@
         <p:spPr>
           <a:xfrm>
             <a:off x="7084029" y="2335472"/>
-            <a:ext cx="1276281" cy="473232"/>
+            <a:ext cx="1276281" cy="473231"/>
           </a:xfrm>
           <a:prstGeom prst="rect">
             <a:avLst/>
@@ -26817,8 +22551,8 @@
         </p:nvCxnSpPr>
         <p:spPr>
           <a:xfrm rot="16200000" flipH="1">
-            <a:off x="5735227" y="348528"/>
-            <a:ext cx="830757" cy="3143129"/>
+            <a:off x="5799430" y="412732"/>
+            <a:ext cx="709552" cy="3135928"/>
           </a:xfrm>
           <a:prstGeom prst="bentConnector3">
             <a:avLst>
@@ -26923,8 +22657,8 @@
         </p:nvCxnSpPr>
         <p:spPr>
           <a:xfrm rot="16200000" flipH="1">
-            <a:off x="7522795" y="3008078"/>
-            <a:ext cx="400129" cy="1379"/>
+            <a:off x="7522794" y="3008078"/>
+            <a:ext cx="400130" cy="1379"/>
           </a:xfrm>
           <a:prstGeom prst="bentConnector3">
             <a:avLst>
@@ -26965,7 +22699,7 @@
         <p:spPr>
           <a:xfrm>
             <a:off x="7034956" y="4138029"/>
-            <a:ext cx="1377309" cy="553037"/>
+            <a:ext cx="1377309" cy="484193"/>
           </a:xfrm>
           <a:prstGeom prst="rect">
             <a:avLst/>
@@ -27065,7 +22799,7 @@
 </p:sld>
 </file>
 
-<file path=ppt/slides/slide17.xml><?xml version="1.0" encoding="utf-8"?>
+<file path=ppt/slides/slide15.xml><?xml version="1.0" encoding="utf-8"?>
 <p:sld xmlns:a="http://schemas.openxmlformats.org/drawingml/2006/main" xmlns:r="http://schemas.openxmlformats.org/officeDocument/2006/relationships" xmlns:p="http://schemas.openxmlformats.org/presentationml/2006/main">
   <p:cSld>
     <p:spTree>
@@ -27210,7 +22944,7 @@
         </p:nvSpPr>
         <p:spPr>
           <a:xfrm>
-            <a:off x="3275585" y="1886736"/>
+            <a:off x="3275585" y="2016355"/>
             <a:ext cx="1283251" cy="603294"/>
           </a:xfrm>
           <a:prstGeom prst="flowChartDocument">
@@ -27280,7 +23014,7 @@
         </p:nvSpPr>
         <p:spPr>
           <a:xfrm>
-            <a:off x="3243699" y="695911"/>
+            <a:off x="3243698" y="784428"/>
             <a:ext cx="1341880" cy="484193"/>
           </a:xfrm>
           <a:prstGeom prst="rect">
@@ -27337,7 +23071,7 @@
         </p:nvSpPr>
         <p:spPr>
           <a:xfrm>
-            <a:off x="432166" y="197966"/>
+            <a:off x="962403" y="236108"/>
             <a:ext cx="1136376" cy="414485"/>
           </a:xfrm>
           <a:prstGeom prst="flowChartDocument">
@@ -27401,8 +23135,8 @@
         </p:nvCxnSpPr>
         <p:spPr>
           <a:xfrm>
-            <a:off x="1568542" y="405209"/>
-            <a:ext cx="2346097" cy="290702"/>
+            <a:off x="2098779" y="443351"/>
+            <a:ext cx="1815859" cy="341077"/>
           </a:xfrm>
           <a:prstGeom prst="bentConnector2">
             <a:avLst/>
@@ -27447,8 +23181,8 @@
         </p:nvCxnSpPr>
         <p:spPr>
           <a:xfrm rot="16200000" flipH="1">
-            <a:off x="3562609" y="1532134"/>
-            <a:ext cx="706632" cy="2572"/>
+            <a:off x="3542057" y="1641201"/>
+            <a:ext cx="747734" cy="2573"/>
           </a:xfrm>
           <a:prstGeom prst="bentConnector3">
             <a:avLst>
@@ -27497,8 +23231,8 @@
         </p:nvCxnSpPr>
         <p:spPr>
           <a:xfrm rot="5400000">
-            <a:off x="3491728" y="2873057"/>
-            <a:ext cx="848395" cy="2572"/>
+            <a:off x="3556537" y="2937867"/>
+            <a:ext cx="718776" cy="2572"/>
           </a:xfrm>
           <a:prstGeom prst="bentConnector3">
             <a:avLst>
@@ -27709,12 +23443,12 @@
         </p:nvCxnSpPr>
         <p:spPr>
           <a:xfrm rot="10800000" flipH="1">
-            <a:off x="3225983" y="938008"/>
-            <a:ext cx="17715" cy="2637052"/>
+            <a:off x="3225984" y="1026526"/>
+            <a:ext cx="17714" cy="2548535"/>
           </a:xfrm>
           <a:prstGeom prst="bentConnector3">
             <a:avLst>
-              <a:gd name="adj1" fmla="val -1290432"/>
+              <a:gd name="adj1" fmla="val -1290505"/>
             </a:avLst>
           </a:prstGeom>
           <a:ln w="25400">
@@ -27755,7 +23489,7 @@
         </p:nvSpPr>
         <p:spPr>
           <a:xfrm>
-            <a:off x="5541087" y="702077"/>
+            <a:off x="5541086" y="790594"/>
             <a:ext cx="1136376" cy="473232"/>
           </a:xfrm>
           <a:prstGeom prst="flowChartDocument">
@@ -27826,7 +23560,7 @@
         </p:nvCxnSpPr>
         <p:spPr>
           <a:xfrm>
-            <a:off x="4585579" y="938008"/>
+            <a:off x="4585578" y="1026525"/>
             <a:ext cx="955508" cy="685"/>
           </a:xfrm>
           <a:prstGeom prst="bentConnector3">
@@ -27870,7 +23604,7 @@
         </p:nvSpPr>
         <p:spPr>
           <a:xfrm flipH="1">
-            <a:off x="2741590" y="59466"/>
+            <a:off x="2689994" y="172430"/>
             <a:ext cx="269626" cy="276999"/>
           </a:xfrm>
           <a:prstGeom prst="rect">
@@ -28285,7 +24019,7 @@
         </p:nvSpPr>
         <p:spPr>
           <a:xfrm>
-            <a:off x="4978319" y="607394"/>
+            <a:off x="4978318" y="695911"/>
             <a:ext cx="269626" cy="276999"/>
           </a:xfrm>
           <a:prstGeom prst="rect">
@@ -28323,7 +24057,7 @@
 </p:sld>
 </file>
 
-<file path=ppt/slides/slide18.xml><?xml version="1.0" encoding="utf-8"?>
+<file path=ppt/slides/slide16.xml><?xml version="1.0" encoding="utf-8"?>
 <p:sld xmlns:a="http://schemas.openxmlformats.org/drawingml/2006/main" xmlns:r="http://schemas.openxmlformats.org/officeDocument/2006/relationships" xmlns:p="http://schemas.openxmlformats.org/presentationml/2006/main">
   <p:cSld>
     <p:spTree>
@@ -28519,1568 +24253,7 @@
 </p:sld>
 </file>
 
-<file path=ppt/slides/slide19.xml><?xml version="1.0" encoding="utf-8"?>
-<p:sld xmlns:a="http://schemas.openxmlformats.org/drawingml/2006/main" xmlns:r="http://schemas.openxmlformats.org/officeDocument/2006/relationships" xmlns:p="http://schemas.openxmlformats.org/presentationml/2006/main">
-  <p:cSld>
-    <p:spTree>
-      <p:nvGrpSpPr>
-        <p:cNvPr id="1" name=""/>
-        <p:cNvGrpSpPr/>
-        <p:nvPr/>
-      </p:nvGrpSpPr>
-      <p:grpSpPr>
-        <a:xfrm>
-          <a:off x="0" y="0"/>
-          <a:ext cx="0" cy="0"/>
-          <a:chOff x="0" y="0"/>
-          <a:chExt cx="0" cy="0"/>
-        </a:xfrm>
-      </p:grpSpPr>
-      <p:sp>
-        <p:nvSpPr>
-          <p:cNvPr id="2" name="Title 1">
-            <a:extLst>
-              <a:ext uri="{FF2B5EF4-FFF2-40B4-BE49-F238E27FC236}">
-                <a16:creationId xmlns:a16="http://schemas.microsoft.com/office/drawing/2014/main" id="{33A34B4C-F534-3570-0087-64460DB01FB9}"/>
-              </a:ext>
-            </a:extLst>
-          </p:cNvPr>
-          <p:cNvSpPr>
-            <a:spLocks noGrp="1"/>
-          </p:cNvSpPr>
-          <p:nvPr>
-            <p:ph type="title"/>
-          </p:nvPr>
-        </p:nvSpPr>
-        <p:spPr>
-          <a:xfrm>
-            <a:off x="309489" y="150446"/>
-            <a:ext cx="8520600" cy="572700"/>
-          </a:xfrm>
-        </p:spPr>
-        <p:txBody>
-          <a:bodyPr>
-            <a:normAutofit fontScale="90000"/>
-          </a:bodyPr>
-          <a:lstStyle/>
-          <a:p>
-            <a:r>
-              <a:rPr lang="en-US" dirty="0"/>
-              <a:t>Who – Participation</a:t>
-            </a:r>
-          </a:p>
-        </p:txBody>
-      </p:sp>
-      <p:graphicFrame>
-        <p:nvGraphicFramePr>
-          <p:cNvPr id="9" name="Table 8">
-            <a:extLst>
-              <a:ext uri="{FF2B5EF4-FFF2-40B4-BE49-F238E27FC236}">
-                <a16:creationId xmlns:a16="http://schemas.microsoft.com/office/drawing/2014/main" id="{EADF5896-790E-F0A1-6589-F126054F352A}"/>
-              </a:ext>
-            </a:extLst>
-          </p:cNvPr>
-          <p:cNvGraphicFramePr>
-            <a:graphicFrameLocks noGrp="1"/>
-          </p:cNvGraphicFramePr>
-          <p:nvPr>
-            <p:extLst>
-              <p:ext uri="{D42A27DB-BD31-4B8C-83A1-F6EECF244321}">
-                <p14:modId xmlns:p14="http://schemas.microsoft.com/office/powerpoint/2010/main" val="2735083494"/>
-              </p:ext>
-            </p:extLst>
-          </p:nvPr>
-        </p:nvGraphicFramePr>
-        <p:xfrm>
-          <a:off x="313911" y="769024"/>
-          <a:ext cx="3888860" cy="3048000"/>
-        </p:xfrm>
-        <a:graphic>
-          <a:graphicData uri="http://schemas.openxmlformats.org/drawingml/2006/table">
-            <a:tbl>
-              <a:tblPr firstRow="1" bandRow="1">
-                <a:tableStyleId>{C4B1156A-380E-4F78-BDF5-A606A8083BF9}</a:tableStyleId>
-              </a:tblPr>
-              <a:tblGrid>
-                <a:gridCol w="1803277">
-                  <a:extLst>
-                    <a:ext uri="{9D8B030D-6E8A-4147-A177-3AD203B41FA5}">
-                      <a16:colId xmlns:a16="http://schemas.microsoft.com/office/drawing/2014/main" val="1652515754"/>
-                    </a:ext>
-                  </a:extLst>
-                </a:gridCol>
-                <a:gridCol w="2085583">
-                  <a:extLst>
-                    <a:ext uri="{9D8B030D-6E8A-4147-A177-3AD203B41FA5}">
-                      <a16:colId xmlns:a16="http://schemas.microsoft.com/office/drawing/2014/main" val="1008339923"/>
-                    </a:ext>
-                  </a:extLst>
-                </a:gridCol>
-              </a:tblGrid>
-              <a:tr h="270000">
-                <a:tc>
-                  <a:txBody>
-                    <a:bodyPr/>
-                    <a:lstStyle/>
-                    <a:p>
-                      <a:r>
-                        <a:rPr lang="en-US" sz="1400" b="0" dirty="0">
-                          <a:solidFill>
-                            <a:schemeClr val="tx1"/>
-                          </a:solidFill>
-                          <a:uFill>
-                            <a:noFill/>
-                          </a:uFill>
-                          <a:hlinkClick r:id="rId2">
-                            <a:extLst>
-                              <a:ext uri="{A12FA001-AC4F-418D-AE19-62706E023703}">
-                                <ahyp:hlinkClr xmlns:ahyp="http://schemas.microsoft.com/office/drawing/2018/hyperlinkcolor" val="tx"/>
-                              </a:ext>
-                            </a:extLst>
-                          </a:hlinkClick>
-                        </a:rPr>
-                        <a:t>Meinte Boersma</a:t>
-                      </a:r>
-                      <a:endParaRPr lang="en-NL" b="0" dirty="0">
-                        <a:solidFill>
-                          <a:schemeClr val="tx1"/>
-                        </a:solidFill>
-                      </a:endParaRPr>
-                    </a:p>
-                  </a:txBody>
-                  <a:tcPr>
-                    <a:lnL w="12700" cmpd="sng">
-                      <a:noFill/>
-                    </a:lnL>
-                    <a:lnR w="12700" cmpd="sng">
-                      <a:noFill/>
-                    </a:lnR>
-                    <a:lnT w="12700" cmpd="sng">
-                      <a:noFill/>
-                    </a:lnT>
-                    <a:lnB w="12700" cmpd="sng">
-                      <a:noFill/>
-                    </a:lnB>
-                    <a:lnTlToBr w="12700" cmpd="sng">
-                      <a:noFill/>
-                      <a:prstDash val="solid"/>
-                    </a:lnTlToBr>
-                    <a:lnBlToTr w="12700" cmpd="sng">
-                      <a:noFill/>
-                      <a:prstDash val="solid"/>
-                    </a:lnBlToTr>
-                  </a:tcPr>
-                </a:tc>
-                <a:tc>
-                  <a:txBody>
-                    <a:bodyPr/>
-                    <a:lstStyle/>
-                    <a:p>
-                      <a:r>
-                        <a:rPr lang="en-US" sz="1400" b="0" i="0" u="none" strike="noStrike" cap="none" dirty="0">
-                          <a:solidFill>
-                            <a:schemeClr val="hlink"/>
-                          </a:solidFill>
-                          <a:uFill>
-                            <a:noFill/>
-                          </a:uFill>
-                          <a:latin typeface="+mn-lt"/>
-                          <a:ea typeface="+mn-ea"/>
-                          <a:cs typeface="+mn-cs"/>
-                          <a:sym typeface="Arial"/>
-                        </a:rPr>
-                        <a:t>Freelancer</a:t>
-                      </a:r>
-                      <a:endParaRPr lang="en-NL" sz="1400" b="0" i="0" u="none" strike="noStrike" cap="none" dirty="0">
-                        <a:solidFill>
-                          <a:schemeClr val="hlink"/>
-                        </a:solidFill>
-                        <a:uFill>
-                          <a:noFill/>
-                        </a:uFill>
-                        <a:latin typeface="+mn-lt"/>
-                        <a:ea typeface="+mn-ea"/>
-                        <a:cs typeface="+mn-cs"/>
-                        <a:sym typeface="Arial"/>
-                      </a:endParaRPr>
-                    </a:p>
-                  </a:txBody>
-                  <a:tcPr>
-                    <a:lnL w="12700" cmpd="sng">
-                      <a:noFill/>
-                    </a:lnL>
-                    <a:lnR w="12700" cmpd="sng">
-                      <a:noFill/>
-                    </a:lnR>
-                    <a:lnT w="12700" cmpd="sng">
-                      <a:noFill/>
-                    </a:lnT>
-                    <a:lnB w="12700" cmpd="sng">
-                      <a:noFill/>
-                    </a:lnB>
-                    <a:lnTlToBr w="12700" cmpd="sng">
-                      <a:noFill/>
-                      <a:prstDash val="solid"/>
-                    </a:lnTlToBr>
-                    <a:lnBlToTr w="12700" cmpd="sng">
-                      <a:noFill/>
-                      <a:prstDash val="solid"/>
-                    </a:lnBlToTr>
-                  </a:tcPr>
-                </a:tc>
-                <a:extLst>
-                  <a:ext uri="{0D108BD9-81ED-4DB2-BD59-A6C34878D82A}">
-                    <a16:rowId xmlns:a16="http://schemas.microsoft.com/office/drawing/2014/main" val="166877664"/>
-                  </a:ext>
-                </a:extLst>
-              </a:tr>
-              <a:tr h="270000">
-                <a:tc>
-                  <a:txBody>
-                    <a:bodyPr/>
-                    <a:lstStyle/>
-                    <a:p>
-                      <a:r>
-                        <a:rPr lang="en-US" sz="1400" dirty="0">
-                          <a:solidFill>
-                            <a:schemeClr val="tx1"/>
-                          </a:solidFill>
-                        </a:rPr>
-                        <a:t>Norman Koester</a:t>
-                      </a:r>
-                      <a:endParaRPr lang="en-NL" dirty="0">
-                        <a:solidFill>
-                          <a:schemeClr val="tx1"/>
-                        </a:solidFill>
-                      </a:endParaRPr>
-                    </a:p>
-                  </a:txBody>
-                  <a:tcPr>
-                    <a:lnL w="12700" cmpd="sng">
-                      <a:noFill/>
-                    </a:lnL>
-                    <a:lnR w="12700" cmpd="sng">
-                      <a:noFill/>
-                    </a:lnR>
-                    <a:lnT w="12700" cmpd="sng">
-                      <a:noFill/>
-                    </a:lnT>
-                    <a:lnB w="12700" cmpd="sng">
-                      <a:noFill/>
-                    </a:lnB>
-                    <a:lnTlToBr w="12700" cmpd="sng">
-                      <a:noFill/>
-                      <a:prstDash val="solid"/>
-                    </a:lnTlToBr>
-                    <a:lnBlToTr w="12700" cmpd="sng">
-                      <a:noFill/>
-                      <a:prstDash val="solid"/>
-                    </a:lnBlToTr>
-                  </a:tcPr>
-                </a:tc>
-                <a:tc>
-                  <a:txBody>
-                    <a:bodyPr/>
-                    <a:lstStyle/>
-                    <a:p>
-                      <a:pPr marL="0" marR="0" lvl="0" indent="0" algn="l" defTabSz="914400" rtl="0" eaLnBrk="1" fontAlgn="auto" latinLnBrk="0" hangingPunct="1">
-                        <a:lnSpc>
-                          <a:spcPct val="100000"/>
-                        </a:lnSpc>
-                        <a:spcBef>
-                          <a:spcPts val="0"/>
-                        </a:spcBef>
-                        <a:spcAft>
-                          <a:spcPts val="0"/>
-                        </a:spcAft>
-                        <a:buClr>
-                          <a:srgbClr val="000000"/>
-                        </a:buClr>
-                        <a:buSzTx/>
-                        <a:buFont typeface="Arial"/>
-                        <a:buNone/>
-                        <a:tabLst/>
-                        <a:defRPr/>
-                      </a:pPr>
-                      <a:r>
-                        <a:rPr lang="en-US" sz="1400" dirty="0">
-                          <a:solidFill>
-                            <a:schemeClr val="hlink"/>
-                          </a:solidFill>
-                          <a:uFill>
-                            <a:noFill/>
-                          </a:uFill>
-                          <a:hlinkClick r:id="rId3"/>
-                        </a:rPr>
-                        <a:t>itemis (modelix)</a:t>
-                      </a:r>
-                      <a:endParaRPr lang="en-NL" dirty="0"/>
-                    </a:p>
-                  </a:txBody>
-                  <a:tcPr>
-                    <a:lnL w="12700" cmpd="sng">
-                      <a:noFill/>
-                    </a:lnL>
-                    <a:lnR w="12700" cmpd="sng">
-                      <a:noFill/>
-                    </a:lnR>
-                    <a:lnT w="12700" cmpd="sng">
-                      <a:noFill/>
-                    </a:lnT>
-                    <a:lnB w="12700" cmpd="sng">
-                      <a:noFill/>
-                    </a:lnB>
-                    <a:lnTlToBr w="12700" cmpd="sng">
-                      <a:noFill/>
-                      <a:prstDash val="solid"/>
-                    </a:lnTlToBr>
-                    <a:lnBlToTr w="12700" cmpd="sng">
-                      <a:noFill/>
-                      <a:prstDash val="solid"/>
-                    </a:lnBlToTr>
-                  </a:tcPr>
-                </a:tc>
-                <a:extLst>
-                  <a:ext uri="{0D108BD9-81ED-4DB2-BD59-A6C34878D82A}">
-                    <a16:rowId xmlns:a16="http://schemas.microsoft.com/office/drawing/2014/main" val="987260111"/>
-                  </a:ext>
-                </a:extLst>
-              </a:tr>
-              <a:tr h="270000">
-                <a:tc>
-                  <a:txBody>
-                    <a:bodyPr/>
-                    <a:lstStyle/>
-                    <a:p>
-                      <a:r>
-                        <a:rPr lang="en-US" sz="1400" dirty="0">
-                          <a:solidFill>
-                            <a:schemeClr val="tx1"/>
-                          </a:solidFill>
-                          <a:uFill>
-                            <a:noFill/>
-                          </a:uFill>
-                          <a:hlinkClick r:id="rId4">
-                            <a:extLst>
-                              <a:ext uri="{A12FA001-AC4F-418D-AE19-62706E023703}">
-                                <ahyp:hlinkClr xmlns:ahyp="http://schemas.microsoft.com/office/drawing/2018/hyperlinkcolor" val="tx"/>
-                              </a:ext>
-                            </a:extLst>
-                          </a:hlinkClick>
-                        </a:rPr>
-                        <a:t>Sergej Koscejev</a:t>
-                      </a:r>
-                      <a:endParaRPr lang="en-NL" dirty="0">
-                        <a:solidFill>
-                          <a:schemeClr val="tx1"/>
-                        </a:solidFill>
-                      </a:endParaRPr>
-                    </a:p>
-                  </a:txBody>
-                  <a:tcPr>
-                    <a:lnL w="12700" cmpd="sng">
-                      <a:noFill/>
-                    </a:lnL>
-                    <a:lnR w="12700" cmpd="sng">
-                      <a:noFill/>
-                    </a:lnR>
-                    <a:lnT w="12700" cmpd="sng">
-                      <a:noFill/>
-                    </a:lnT>
-                    <a:lnB w="12700" cmpd="sng">
-                      <a:noFill/>
-                    </a:lnB>
-                    <a:lnTlToBr w="12700" cmpd="sng">
-                      <a:noFill/>
-                      <a:prstDash val="solid"/>
-                    </a:lnTlToBr>
-                    <a:lnBlToTr w="12700" cmpd="sng">
-                      <a:noFill/>
-                      <a:prstDash val="solid"/>
-                    </a:lnBlToTr>
-                  </a:tcPr>
-                </a:tc>
-                <a:tc>
-                  <a:txBody>
-                    <a:bodyPr/>
-                    <a:lstStyle/>
-                    <a:p>
-                      <a:r>
-                        <a:rPr lang="en-US" sz="1400" b="0" i="0" u="none" strike="noStrike" cap="none" dirty="0">
-                          <a:solidFill>
-                            <a:schemeClr val="hlink"/>
-                          </a:solidFill>
-                          <a:uFill>
-                            <a:noFill/>
-                          </a:uFill>
-                          <a:latin typeface="+mn-lt"/>
-                          <a:ea typeface="+mn-ea"/>
-                          <a:cs typeface="+mn-cs"/>
-                          <a:sym typeface="Arial"/>
-                        </a:rPr>
-                        <a:t>Freelancer</a:t>
-                      </a:r>
-                      <a:endParaRPr lang="en-NL" sz="1400" b="0" i="0" u="none" strike="noStrike" cap="none" dirty="0">
-                        <a:solidFill>
-                          <a:schemeClr val="hlink"/>
-                        </a:solidFill>
-                        <a:uFill>
-                          <a:noFill/>
-                        </a:uFill>
-                        <a:latin typeface="+mn-lt"/>
-                        <a:ea typeface="+mn-ea"/>
-                        <a:cs typeface="+mn-cs"/>
-                        <a:sym typeface="Arial"/>
-                      </a:endParaRPr>
-                    </a:p>
-                  </a:txBody>
-                  <a:tcPr>
-                    <a:lnL w="12700" cmpd="sng">
-                      <a:noFill/>
-                    </a:lnL>
-                    <a:lnR w="12700" cmpd="sng">
-                      <a:noFill/>
-                    </a:lnR>
-                    <a:lnT w="12700" cmpd="sng">
-                      <a:noFill/>
-                    </a:lnT>
-                    <a:lnB w="12700" cmpd="sng">
-                      <a:noFill/>
-                    </a:lnB>
-                    <a:lnTlToBr w="12700" cmpd="sng">
-                      <a:noFill/>
-                      <a:prstDash val="solid"/>
-                    </a:lnTlToBr>
-                    <a:lnBlToTr w="12700" cmpd="sng">
-                      <a:noFill/>
-                      <a:prstDash val="solid"/>
-                    </a:lnBlToTr>
-                  </a:tcPr>
-                </a:tc>
-                <a:extLst>
-                  <a:ext uri="{0D108BD9-81ED-4DB2-BD59-A6C34878D82A}">
-                    <a16:rowId xmlns:a16="http://schemas.microsoft.com/office/drawing/2014/main" val="4143041428"/>
-                  </a:ext>
-                </a:extLst>
-              </a:tr>
-              <a:tr h="270000">
-                <a:tc>
-                  <a:txBody>
-                    <a:bodyPr/>
-                    <a:lstStyle/>
-                    <a:p>
-                      <a:r>
-                        <a:rPr lang="en-US" sz="1400" dirty="0">
-                          <a:solidFill>
-                            <a:schemeClr val="tx1"/>
-                          </a:solidFill>
-                        </a:rPr>
-                        <a:t>Sascha </a:t>
-                      </a:r>
-                      <a:r>
-                        <a:rPr lang="en-US" sz="1400" dirty="0" err="1">
-                          <a:solidFill>
-                            <a:schemeClr val="tx1"/>
-                          </a:solidFill>
-                        </a:rPr>
-                        <a:t>Lisson</a:t>
-                      </a:r>
-                      <a:endParaRPr lang="en-NL" dirty="0">
-                        <a:solidFill>
-                          <a:schemeClr val="tx1"/>
-                        </a:solidFill>
-                      </a:endParaRPr>
-                    </a:p>
-                  </a:txBody>
-                  <a:tcPr>
-                    <a:lnL w="12700" cmpd="sng">
-                      <a:noFill/>
-                    </a:lnL>
-                    <a:lnR w="12700" cmpd="sng">
-                      <a:noFill/>
-                    </a:lnR>
-                    <a:lnT w="12700" cmpd="sng">
-                      <a:noFill/>
-                    </a:lnT>
-                    <a:lnB w="12700" cmpd="sng">
-                      <a:noFill/>
-                    </a:lnB>
-                    <a:lnTlToBr w="12700" cmpd="sng">
-                      <a:noFill/>
-                      <a:prstDash val="solid"/>
-                    </a:lnTlToBr>
-                    <a:lnBlToTr w="12700" cmpd="sng">
-                      <a:noFill/>
-                      <a:prstDash val="solid"/>
-                    </a:lnBlToTr>
-                  </a:tcPr>
-                </a:tc>
-                <a:tc>
-                  <a:txBody>
-                    <a:bodyPr/>
-                    <a:lstStyle/>
-                    <a:p>
-                      <a:pPr marL="0" marR="0" lvl="0" indent="0" algn="l" defTabSz="914400" rtl="0" eaLnBrk="1" fontAlgn="auto" latinLnBrk="0" hangingPunct="1">
-                        <a:lnSpc>
-                          <a:spcPct val="100000"/>
-                        </a:lnSpc>
-                        <a:spcBef>
-                          <a:spcPts val="0"/>
-                        </a:spcBef>
-                        <a:spcAft>
-                          <a:spcPts val="0"/>
-                        </a:spcAft>
-                        <a:buClr>
-                          <a:srgbClr val="000000"/>
-                        </a:buClr>
-                        <a:buSzTx/>
-                        <a:buFont typeface="Arial"/>
-                        <a:buNone/>
-                        <a:tabLst/>
-                        <a:defRPr/>
-                      </a:pPr>
-                      <a:r>
-                        <a:rPr lang="en-US" sz="1400" dirty="0">
-                          <a:solidFill>
-                            <a:schemeClr val="hlink"/>
-                          </a:solidFill>
-                          <a:uFill>
-                            <a:noFill/>
-                          </a:uFill>
-                          <a:hlinkClick r:id="rId3"/>
-                        </a:rPr>
-                        <a:t>itemis (modelix)</a:t>
-                      </a:r>
-                      <a:endParaRPr lang="en-US" sz="1400" dirty="0">
-                        <a:solidFill>
-                          <a:srgbClr val="1F2328"/>
-                        </a:solidFill>
-                      </a:endParaRPr>
-                    </a:p>
-                  </a:txBody>
-                  <a:tcPr>
-                    <a:lnL w="12700" cmpd="sng">
-                      <a:noFill/>
-                    </a:lnL>
-                    <a:lnR w="12700" cmpd="sng">
-                      <a:noFill/>
-                    </a:lnR>
-                    <a:lnT w="12700" cmpd="sng">
-                      <a:noFill/>
-                    </a:lnT>
-                    <a:lnB w="12700" cmpd="sng">
-                      <a:noFill/>
-                    </a:lnB>
-                    <a:lnTlToBr w="12700" cmpd="sng">
-                      <a:noFill/>
-                      <a:prstDash val="solid"/>
-                    </a:lnTlToBr>
-                    <a:lnBlToTr w="12700" cmpd="sng">
-                      <a:noFill/>
-                      <a:prstDash val="solid"/>
-                    </a:lnBlToTr>
-                  </a:tcPr>
-                </a:tc>
-                <a:extLst>
-                  <a:ext uri="{0D108BD9-81ED-4DB2-BD59-A6C34878D82A}">
-                    <a16:rowId xmlns:a16="http://schemas.microsoft.com/office/drawing/2014/main" val="3847135438"/>
-                  </a:ext>
-                </a:extLst>
-              </a:tr>
-              <a:tr h="270000">
-                <a:tc>
-                  <a:txBody>
-                    <a:bodyPr/>
-                    <a:lstStyle/>
-                    <a:p>
-                      <a:r>
-                        <a:rPr lang="en-US" sz="1400" dirty="0">
-                          <a:solidFill>
-                            <a:schemeClr val="tx1"/>
-                          </a:solidFill>
-                        </a:rPr>
-                        <a:t>Eugen Schindler</a:t>
-                      </a:r>
-                      <a:endParaRPr lang="en-NL" dirty="0">
-                        <a:solidFill>
-                          <a:schemeClr val="tx1"/>
-                        </a:solidFill>
-                      </a:endParaRPr>
-                    </a:p>
-                  </a:txBody>
-                  <a:tcPr>
-                    <a:lnL w="12700" cmpd="sng">
-                      <a:noFill/>
-                    </a:lnL>
-                    <a:lnR w="12700" cmpd="sng">
-                      <a:noFill/>
-                    </a:lnR>
-                    <a:lnT w="12700" cmpd="sng">
-                      <a:noFill/>
-                    </a:lnT>
-                    <a:lnB w="12700" cmpd="sng">
-                      <a:noFill/>
-                    </a:lnB>
-                    <a:lnTlToBr w="12700" cmpd="sng">
-                      <a:noFill/>
-                      <a:prstDash val="solid"/>
-                    </a:lnTlToBr>
-                    <a:lnBlToTr w="12700" cmpd="sng">
-                      <a:noFill/>
-                      <a:prstDash val="solid"/>
-                    </a:lnBlToTr>
-                  </a:tcPr>
-                </a:tc>
-                <a:tc>
-                  <a:txBody>
-                    <a:bodyPr/>
-                    <a:lstStyle/>
-                    <a:p>
-                      <a:r>
-                        <a:rPr lang="en-US" sz="1400" dirty="0">
-                          <a:solidFill>
-                            <a:schemeClr val="hlink"/>
-                          </a:solidFill>
-                          <a:uFill>
-                            <a:noFill/>
-                          </a:uFill>
-                          <a:hlinkClick r:id="rId5"/>
-                        </a:rPr>
-                        <a:t>Canon Production </a:t>
-                      </a:r>
-                      <a:endParaRPr lang="en-NL" dirty="0"/>
-                    </a:p>
-                  </a:txBody>
-                  <a:tcPr>
-                    <a:lnL w="12700" cmpd="sng">
-                      <a:noFill/>
-                    </a:lnL>
-                    <a:lnR w="12700" cmpd="sng">
-                      <a:noFill/>
-                    </a:lnR>
-                    <a:lnT w="12700" cmpd="sng">
-                      <a:noFill/>
-                    </a:lnT>
-                    <a:lnB w="12700" cmpd="sng">
-                      <a:noFill/>
-                    </a:lnB>
-                    <a:lnTlToBr w="12700" cmpd="sng">
-                      <a:noFill/>
-                      <a:prstDash val="solid"/>
-                    </a:lnTlToBr>
-                    <a:lnBlToTr w="12700" cmpd="sng">
-                      <a:noFill/>
-                      <a:prstDash val="solid"/>
-                    </a:lnBlToTr>
-                  </a:tcPr>
-                </a:tc>
-                <a:extLst>
-                  <a:ext uri="{0D108BD9-81ED-4DB2-BD59-A6C34878D82A}">
-                    <a16:rowId xmlns:a16="http://schemas.microsoft.com/office/drawing/2014/main" val="2666032650"/>
-                  </a:ext>
-                </a:extLst>
-              </a:tr>
-              <a:tr h="270000">
-                <a:tc>
-                  <a:txBody>
-                    <a:bodyPr/>
-                    <a:lstStyle/>
-                    <a:p>
-                      <a:r>
-                        <a:rPr lang="en-US" sz="1400" b="0" dirty="0">
-                          <a:solidFill>
-                            <a:srgbClr val="1F2328"/>
-                          </a:solidFill>
-                        </a:rPr>
-                        <a:t>Alex </a:t>
-                      </a:r>
-                      <a:r>
-                        <a:rPr lang="en-US" sz="1400" b="0" dirty="0" err="1">
-                          <a:solidFill>
-                            <a:srgbClr val="1F2328"/>
-                          </a:solidFill>
-                        </a:rPr>
-                        <a:t>Shatalin</a:t>
-                      </a:r>
-                      <a:endParaRPr lang="en-NL" b="0" dirty="0">
-                        <a:solidFill>
-                          <a:schemeClr val="tx1"/>
-                        </a:solidFill>
-                      </a:endParaRPr>
-                    </a:p>
-                  </a:txBody>
-                  <a:tcPr>
-                    <a:lnL w="12700" cmpd="sng">
-                      <a:noFill/>
-                    </a:lnL>
-                    <a:lnR w="12700" cmpd="sng">
-                      <a:noFill/>
-                    </a:lnR>
-                    <a:lnT w="12700" cmpd="sng">
-                      <a:noFill/>
-                    </a:lnT>
-                    <a:lnB w="12700" cmpd="sng">
-                      <a:noFill/>
-                    </a:lnB>
-                    <a:lnTlToBr w="12700" cmpd="sng">
-                      <a:noFill/>
-                      <a:prstDash val="solid"/>
-                    </a:lnTlToBr>
-                    <a:lnBlToTr w="12700" cmpd="sng">
-                      <a:noFill/>
-                      <a:prstDash val="solid"/>
-                    </a:lnBlToTr>
-                  </a:tcPr>
-                </a:tc>
-                <a:tc>
-                  <a:txBody>
-                    <a:bodyPr/>
-                    <a:lstStyle/>
-                    <a:p>
-                      <a:pPr marL="0" marR="0" lvl="0" indent="0" algn="l" defTabSz="914400" rtl="0" eaLnBrk="1" fontAlgn="auto" latinLnBrk="0" hangingPunct="1">
-                        <a:lnSpc>
-                          <a:spcPct val="100000"/>
-                        </a:lnSpc>
-                        <a:spcBef>
-                          <a:spcPts val="0"/>
-                        </a:spcBef>
-                        <a:spcAft>
-                          <a:spcPts val="0"/>
-                        </a:spcAft>
-                        <a:buClr>
-                          <a:srgbClr val="000000"/>
-                        </a:buClr>
-                        <a:buSzTx/>
-                        <a:buFont typeface="Arial"/>
-                        <a:buNone/>
-                        <a:tabLst/>
-                        <a:defRPr/>
-                      </a:pPr>
-                      <a:r>
-                        <a:rPr lang="en-US" sz="1400" b="0" dirty="0">
-                          <a:solidFill>
-                            <a:schemeClr val="hlink"/>
-                          </a:solidFill>
-                          <a:uFill>
-                            <a:noFill/>
-                          </a:uFill>
-                          <a:hlinkClick r:id="rId6"/>
-                        </a:rPr>
-                        <a:t>Jetbrains (MPS)</a:t>
-                      </a:r>
-                      <a:endParaRPr lang="en-US" sz="1400" b="0" dirty="0">
-                        <a:solidFill>
-                          <a:srgbClr val="1F2328"/>
-                        </a:solidFill>
-                      </a:endParaRPr>
-                    </a:p>
-                  </a:txBody>
-                  <a:tcPr>
-                    <a:lnL w="12700" cmpd="sng">
-                      <a:noFill/>
-                    </a:lnL>
-                    <a:lnR w="12700" cmpd="sng">
-                      <a:noFill/>
-                    </a:lnR>
-                    <a:lnT w="12700" cmpd="sng">
-                      <a:noFill/>
-                    </a:lnT>
-                    <a:lnB w="12700" cmpd="sng">
-                      <a:noFill/>
-                    </a:lnB>
-                    <a:lnTlToBr w="12700" cmpd="sng">
-                      <a:noFill/>
-                      <a:prstDash val="solid"/>
-                    </a:lnTlToBr>
-                    <a:lnBlToTr w="12700" cmpd="sng">
-                      <a:noFill/>
-                      <a:prstDash val="solid"/>
-                    </a:lnBlToTr>
-                  </a:tcPr>
-                </a:tc>
-                <a:extLst>
-                  <a:ext uri="{0D108BD9-81ED-4DB2-BD59-A6C34878D82A}">
-                    <a16:rowId xmlns:a16="http://schemas.microsoft.com/office/drawing/2014/main" val="2655669620"/>
-                  </a:ext>
-                </a:extLst>
-              </a:tr>
-              <a:tr h="270000">
-                <a:tc>
-                  <a:txBody>
-                    <a:bodyPr/>
-                    <a:lstStyle/>
-                    <a:p>
-                      <a:r>
-                        <a:rPr lang="en-US" sz="1400" dirty="0">
-                          <a:solidFill>
-                            <a:srgbClr val="1F2328"/>
-                          </a:solidFill>
-                        </a:rPr>
-                        <a:t>Niko </a:t>
-                      </a:r>
-                      <a:r>
-                        <a:rPr lang="en-US" sz="1400" dirty="0" err="1">
-                          <a:solidFill>
-                            <a:srgbClr val="1F2328"/>
-                          </a:solidFill>
-                        </a:rPr>
-                        <a:t>Stotz</a:t>
-                      </a:r>
-                      <a:endParaRPr lang="en-NL" dirty="0">
-                        <a:solidFill>
-                          <a:schemeClr val="tx1"/>
-                        </a:solidFill>
-                      </a:endParaRPr>
-                    </a:p>
-                  </a:txBody>
-                  <a:tcPr>
-                    <a:lnL w="12700" cmpd="sng">
-                      <a:noFill/>
-                    </a:lnL>
-                    <a:lnR w="12700" cmpd="sng">
-                      <a:noFill/>
-                    </a:lnR>
-                    <a:lnT w="12700" cmpd="sng">
-                      <a:noFill/>
-                    </a:lnT>
-                    <a:lnB w="12700" cmpd="sng">
-                      <a:noFill/>
-                    </a:lnB>
-                    <a:lnTlToBr w="12700" cmpd="sng">
-                      <a:noFill/>
-                      <a:prstDash val="solid"/>
-                    </a:lnTlToBr>
-                    <a:lnBlToTr w="12700" cmpd="sng">
-                      <a:noFill/>
-                      <a:prstDash val="solid"/>
-                    </a:lnBlToTr>
-                  </a:tcPr>
-                </a:tc>
-                <a:tc>
-                  <a:txBody>
-                    <a:bodyPr/>
-                    <a:lstStyle/>
-                    <a:p>
-                      <a:pPr marL="0" marR="0" lvl="0" indent="0" algn="l" defTabSz="914400" rtl="0" eaLnBrk="1" fontAlgn="auto" latinLnBrk="0" hangingPunct="1">
-                        <a:lnSpc>
-                          <a:spcPct val="100000"/>
-                        </a:lnSpc>
-                        <a:spcBef>
-                          <a:spcPts val="0"/>
-                        </a:spcBef>
-                        <a:spcAft>
-                          <a:spcPts val="0"/>
-                        </a:spcAft>
-                        <a:buClr>
-                          <a:srgbClr val="000000"/>
-                        </a:buClr>
-                        <a:buSzTx/>
-                        <a:buFont typeface="Arial"/>
-                        <a:buNone/>
-                        <a:tabLst/>
-                        <a:defRPr/>
-                      </a:pPr>
-                      <a:r>
-                        <a:rPr lang="en-US" sz="1400" dirty="0">
-                          <a:solidFill>
-                            <a:schemeClr val="hlink"/>
-                          </a:solidFill>
-                          <a:uFill>
-                            <a:noFill/>
-                          </a:uFill>
-                          <a:hlinkClick r:id="rId7"/>
-                        </a:rPr>
-                        <a:t>F1RE</a:t>
-                      </a:r>
-                      <a:endParaRPr lang="en-NL" dirty="0"/>
-                    </a:p>
-                  </a:txBody>
-                  <a:tcPr>
-                    <a:lnL w="12700" cmpd="sng">
-                      <a:noFill/>
-                    </a:lnL>
-                    <a:lnR w="12700" cmpd="sng">
-                      <a:noFill/>
-                    </a:lnR>
-                    <a:lnT w="12700" cmpd="sng">
-                      <a:noFill/>
-                    </a:lnT>
-                    <a:lnB w="12700" cmpd="sng">
-                      <a:noFill/>
-                    </a:lnB>
-                    <a:lnTlToBr w="12700" cmpd="sng">
-                      <a:noFill/>
-                      <a:prstDash val="solid"/>
-                    </a:lnTlToBr>
-                    <a:lnBlToTr w="12700" cmpd="sng">
-                      <a:noFill/>
-                      <a:prstDash val="solid"/>
-                    </a:lnBlToTr>
-                  </a:tcPr>
-                </a:tc>
-                <a:extLst>
-                  <a:ext uri="{0D108BD9-81ED-4DB2-BD59-A6C34878D82A}">
-                    <a16:rowId xmlns:a16="http://schemas.microsoft.com/office/drawing/2014/main" val="2509869414"/>
-                  </a:ext>
-                </a:extLst>
-              </a:tr>
-              <a:tr h="270000">
-                <a:tc>
-                  <a:txBody>
-                    <a:bodyPr/>
-                    <a:lstStyle/>
-                    <a:p>
-                      <a:r>
-                        <a:rPr lang="en-US" sz="1400" dirty="0">
-                          <a:solidFill>
-                            <a:srgbClr val="1F2328"/>
-                          </a:solidFill>
-                        </a:rPr>
-                        <a:t>Federico </a:t>
-                      </a:r>
-                      <a:r>
-                        <a:rPr lang="en-US" sz="1400" dirty="0" err="1">
-                          <a:solidFill>
-                            <a:srgbClr val="1F2328"/>
-                          </a:solidFill>
-                        </a:rPr>
-                        <a:t>Tomassetti</a:t>
-                      </a:r>
-                      <a:endParaRPr lang="en-NL" dirty="0">
-                        <a:solidFill>
-                          <a:schemeClr val="tx1"/>
-                        </a:solidFill>
-                      </a:endParaRPr>
-                    </a:p>
-                  </a:txBody>
-                  <a:tcPr>
-                    <a:lnL w="12700" cmpd="sng">
-                      <a:noFill/>
-                    </a:lnL>
-                    <a:lnR w="12700" cmpd="sng">
-                      <a:noFill/>
-                    </a:lnR>
-                    <a:lnT w="12700" cmpd="sng">
-                      <a:noFill/>
-                    </a:lnT>
-                    <a:lnB w="12700" cmpd="sng">
-                      <a:noFill/>
-                    </a:lnB>
-                    <a:lnTlToBr w="12700" cmpd="sng">
-                      <a:noFill/>
-                      <a:prstDash val="solid"/>
-                    </a:lnTlToBr>
-                    <a:lnBlToTr w="12700" cmpd="sng">
-                      <a:noFill/>
-                      <a:prstDash val="solid"/>
-                    </a:lnBlToTr>
-                  </a:tcPr>
-                </a:tc>
-                <a:tc>
-                  <a:txBody>
-                    <a:bodyPr/>
-                    <a:lstStyle/>
-                    <a:p>
-                      <a:r>
-                        <a:rPr lang="en-US" sz="1400" dirty="0">
-                          <a:solidFill>
-                            <a:schemeClr val="hlink"/>
-                          </a:solidFill>
-                          <a:uFill>
-                            <a:noFill/>
-                          </a:uFill>
-                          <a:hlinkClick r:id="rId8"/>
-                        </a:rPr>
-                        <a:t>Strumenta</a:t>
-                      </a:r>
-                      <a:r>
-                        <a:rPr lang="en-US" sz="1400" dirty="0">
-                          <a:solidFill>
-                            <a:schemeClr val="hlink"/>
-                          </a:solidFill>
-                          <a:uFill>
-                            <a:noFill/>
-                          </a:uFill>
-                        </a:rPr>
-                        <a:t> (</a:t>
-                      </a:r>
-                      <a:r>
-                        <a:rPr lang="en-US" sz="1400" dirty="0" err="1">
-                          <a:solidFill>
-                            <a:schemeClr val="hlink"/>
-                          </a:solidFill>
-                          <a:uFill>
-                            <a:noFill/>
-                          </a:uFill>
-                        </a:rPr>
-                        <a:t>Starlasu</a:t>
-                      </a:r>
-                      <a:r>
-                        <a:rPr lang="en-US" sz="1400" dirty="0">
-                          <a:solidFill>
-                            <a:schemeClr val="hlink"/>
-                          </a:solidFill>
-                          <a:uFill>
-                            <a:noFill/>
-                          </a:uFill>
-                        </a:rPr>
-                        <a:t>)</a:t>
-                      </a:r>
-                      <a:endParaRPr lang="en-NL" sz="1400" b="0" i="0" u="none" strike="noStrike" cap="none" dirty="0">
-                        <a:solidFill>
-                          <a:schemeClr val="hlink"/>
-                        </a:solidFill>
-                        <a:uFill>
-                          <a:noFill/>
-                        </a:uFill>
-                        <a:latin typeface="+mn-lt"/>
-                        <a:ea typeface="+mn-ea"/>
-                        <a:cs typeface="+mn-cs"/>
-                        <a:sym typeface="Arial"/>
-                      </a:endParaRPr>
-                    </a:p>
-                  </a:txBody>
-                  <a:tcPr>
-                    <a:lnL w="12700" cmpd="sng">
-                      <a:noFill/>
-                    </a:lnL>
-                    <a:lnR w="12700" cmpd="sng">
-                      <a:noFill/>
-                    </a:lnR>
-                    <a:lnT w="12700" cmpd="sng">
-                      <a:noFill/>
-                    </a:lnT>
-                    <a:lnB w="12700" cmpd="sng">
-                      <a:noFill/>
-                    </a:lnB>
-                    <a:lnTlToBr w="12700" cmpd="sng">
-                      <a:noFill/>
-                      <a:prstDash val="solid"/>
-                    </a:lnTlToBr>
-                    <a:lnBlToTr w="12700" cmpd="sng">
-                      <a:noFill/>
-                      <a:prstDash val="solid"/>
-                    </a:lnBlToTr>
-                  </a:tcPr>
-                </a:tc>
-                <a:extLst>
-                  <a:ext uri="{0D108BD9-81ED-4DB2-BD59-A6C34878D82A}">
-                    <a16:rowId xmlns:a16="http://schemas.microsoft.com/office/drawing/2014/main" val="2448693175"/>
-                  </a:ext>
-                </a:extLst>
-              </a:tr>
-              <a:tr h="270000">
-                <a:tc>
-                  <a:txBody>
-                    <a:bodyPr/>
-                    <a:lstStyle/>
-                    <a:p>
-                      <a:r>
-                        <a:rPr lang="en-US" sz="1400" b="0" i="0" u="none" strike="noStrike" cap="none" dirty="0">
-                          <a:solidFill>
-                            <a:schemeClr val="tx1"/>
-                          </a:solidFill>
-                          <a:uFill>
-                            <a:noFill/>
-                          </a:uFill>
-                          <a:latin typeface="+mn-lt"/>
-                          <a:ea typeface="+mn-ea"/>
-                          <a:cs typeface="+mn-cs"/>
-                          <a:sym typeface="Arial"/>
-                          <a:hlinkClick r:id="rId9">
-                            <a:extLst>
-                              <a:ext uri="{A12FA001-AC4F-418D-AE19-62706E023703}">
-                                <ahyp:hlinkClr xmlns:ahyp="http://schemas.microsoft.com/office/drawing/2018/hyperlinkcolor" val="tx"/>
-                              </a:ext>
-                            </a:extLst>
-                          </a:hlinkClick>
-                        </a:rPr>
-                        <a:t>Markus Voelter</a:t>
-                      </a:r>
-                      <a:endParaRPr lang="en-NL" sz="1400" b="0" i="0" u="none" strike="noStrike" cap="none" dirty="0">
-                        <a:solidFill>
-                          <a:schemeClr val="tx1"/>
-                        </a:solidFill>
-                        <a:uFill>
-                          <a:noFill/>
-                        </a:uFill>
-                        <a:latin typeface="+mn-lt"/>
-                        <a:ea typeface="+mn-ea"/>
-                        <a:cs typeface="+mn-cs"/>
-                        <a:sym typeface="Arial"/>
-                      </a:endParaRPr>
-                    </a:p>
-                  </a:txBody>
-                  <a:tcPr>
-                    <a:lnL w="12700" cmpd="sng">
-                      <a:noFill/>
-                    </a:lnL>
-                    <a:lnR w="12700" cmpd="sng">
-                      <a:noFill/>
-                    </a:lnR>
-                    <a:lnT w="12700" cmpd="sng">
-                      <a:noFill/>
-                    </a:lnT>
-                    <a:lnB w="12700" cmpd="sng">
-                      <a:noFill/>
-                    </a:lnB>
-                    <a:lnTlToBr w="12700" cmpd="sng">
-                      <a:noFill/>
-                      <a:prstDash val="solid"/>
-                    </a:lnTlToBr>
-                    <a:lnBlToTr w="12700" cmpd="sng">
-                      <a:noFill/>
-                      <a:prstDash val="solid"/>
-                    </a:lnBlToTr>
-                  </a:tcPr>
-                </a:tc>
-                <a:tc>
-                  <a:txBody>
-                    <a:bodyPr/>
-                    <a:lstStyle/>
-                    <a:p>
-                      <a:pPr marL="0" marR="0" lvl="0" indent="0" algn="l" defTabSz="914400" rtl="0" eaLnBrk="1" fontAlgn="auto" latinLnBrk="0" hangingPunct="1">
-                        <a:lnSpc>
-                          <a:spcPct val="100000"/>
-                        </a:lnSpc>
-                        <a:spcBef>
-                          <a:spcPts val="0"/>
-                        </a:spcBef>
-                        <a:spcAft>
-                          <a:spcPts val="0"/>
-                        </a:spcAft>
-                        <a:buClr>
-                          <a:srgbClr val="000000"/>
-                        </a:buClr>
-                        <a:buSzTx/>
-                        <a:buFont typeface="Arial"/>
-                        <a:buNone/>
-                        <a:tabLst/>
-                        <a:defRPr/>
-                      </a:pPr>
-                      <a:r>
-                        <a:rPr lang="en-US" sz="1400" dirty="0">
-                          <a:solidFill>
-                            <a:schemeClr val="hlink"/>
-                          </a:solidFill>
-                          <a:uFill>
-                            <a:noFill/>
-                          </a:uFill>
-                          <a:hlinkClick r:id="rId3"/>
-                        </a:rPr>
-                        <a:t>itemis (modelix)</a:t>
-                      </a:r>
-                      <a:endParaRPr lang="en-US" sz="1400" dirty="0">
-                        <a:solidFill>
-                          <a:srgbClr val="1F2328"/>
-                        </a:solidFill>
-                      </a:endParaRPr>
-                    </a:p>
-                  </a:txBody>
-                  <a:tcPr>
-                    <a:lnL w="12700" cmpd="sng">
-                      <a:noFill/>
-                    </a:lnL>
-                    <a:lnR w="12700" cmpd="sng">
-                      <a:noFill/>
-                    </a:lnR>
-                    <a:lnT w="12700" cmpd="sng">
-                      <a:noFill/>
-                    </a:lnT>
-                    <a:lnB w="12700" cmpd="sng">
-                      <a:noFill/>
-                    </a:lnB>
-                    <a:lnTlToBr w="12700" cmpd="sng">
-                      <a:noFill/>
-                      <a:prstDash val="solid"/>
-                    </a:lnTlToBr>
-                    <a:lnBlToTr w="12700" cmpd="sng">
-                      <a:noFill/>
-                      <a:prstDash val="solid"/>
-                    </a:lnBlToTr>
-                  </a:tcPr>
-                </a:tc>
-                <a:extLst>
-                  <a:ext uri="{0D108BD9-81ED-4DB2-BD59-A6C34878D82A}">
-                    <a16:rowId xmlns:a16="http://schemas.microsoft.com/office/drawing/2014/main" val="2887582602"/>
-                  </a:ext>
-                </a:extLst>
-              </a:tr>
-              <a:tr h="270000">
-                <a:tc>
-                  <a:txBody>
-                    <a:bodyPr/>
-                    <a:lstStyle/>
-                    <a:p>
-                      <a:r>
-                        <a:rPr lang="en-US" sz="1400" dirty="0">
-                          <a:solidFill>
-                            <a:srgbClr val="1F2328"/>
-                          </a:solidFill>
-                        </a:rPr>
-                        <a:t>Jos Warmer</a:t>
-                      </a:r>
-                      <a:endParaRPr lang="en-NL" dirty="0">
-                        <a:solidFill>
-                          <a:schemeClr val="tx1"/>
-                        </a:solidFill>
-                      </a:endParaRPr>
-                    </a:p>
-                  </a:txBody>
-                  <a:tcPr>
-                    <a:lnL w="12700" cmpd="sng">
-                      <a:noFill/>
-                    </a:lnL>
-                    <a:lnR w="12700" cmpd="sng">
-                      <a:noFill/>
-                    </a:lnR>
-                    <a:lnT w="12700" cmpd="sng">
-                      <a:noFill/>
-                    </a:lnT>
-                    <a:lnB w="12700" cmpd="sng">
-                      <a:noFill/>
-                    </a:lnB>
-                    <a:lnTlToBr w="12700" cmpd="sng">
-                      <a:noFill/>
-                      <a:prstDash val="solid"/>
-                    </a:lnTlToBr>
-                    <a:lnBlToTr w="12700" cmpd="sng">
-                      <a:noFill/>
-                      <a:prstDash val="solid"/>
-                    </a:lnBlToTr>
-                  </a:tcPr>
-                </a:tc>
-                <a:tc>
-                  <a:txBody>
-                    <a:bodyPr/>
-                    <a:lstStyle/>
-                    <a:p>
-                      <a:pPr marL="0" marR="0" lvl="0" indent="0" algn="l" defTabSz="914400" rtl="0" eaLnBrk="1" fontAlgn="auto" latinLnBrk="0" hangingPunct="1">
-                        <a:lnSpc>
-                          <a:spcPct val="100000"/>
-                        </a:lnSpc>
-                        <a:spcBef>
-                          <a:spcPts val="0"/>
-                        </a:spcBef>
-                        <a:spcAft>
-                          <a:spcPts val="0"/>
-                        </a:spcAft>
-                        <a:buClr>
-                          <a:srgbClr val="000000"/>
-                        </a:buClr>
-                        <a:buSzTx/>
-                        <a:buFont typeface="Arial"/>
-                        <a:buNone/>
-                        <a:tabLst/>
-                        <a:defRPr/>
-                      </a:pPr>
-                      <a:r>
-                        <a:rPr lang="en-US" sz="1400" dirty="0">
-                          <a:solidFill>
-                            <a:schemeClr val="hlink"/>
-                          </a:solidFill>
-                          <a:uFill>
-                            <a:noFill/>
-                          </a:uFill>
-                        </a:rPr>
-                        <a:t>Freelancer </a:t>
-                      </a:r>
-                      <a:r>
-                        <a:rPr lang="en-US" sz="1400" dirty="0">
-                          <a:solidFill>
-                            <a:schemeClr val="accent5"/>
-                          </a:solidFill>
-                          <a:uFill>
-                            <a:noFill/>
-                          </a:uFill>
-                          <a:hlinkClick r:id="rId6">
-                            <a:extLst>
-                              <a:ext uri="{A12FA001-AC4F-418D-AE19-62706E023703}">
-                                <ahyp:hlinkClr xmlns:ahyp="http://schemas.microsoft.com/office/drawing/2018/hyperlinkcolor" val="tx"/>
-                              </a:ext>
-                            </a:extLst>
-                          </a:hlinkClick>
-                        </a:rPr>
-                        <a:t>(Freon)</a:t>
-                      </a:r>
-                      <a:endParaRPr lang="en-US" sz="1400" dirty="0">
-                        <a:solidFill>
-                          <a:srgbClr val="1F2328"/>
-                        </a:solidFill>
-                      </a:endParaRPr>
-                    </a:p>
-                  </a:txBody>
-                  <a:tcPr>
-                    <a:lnL w="12700" cmpd="sng">
-                      <a:noFill/>
-                    </a:lnL>
-                    <a:lnR w="12700" cmpd="sng">
-                      <a:noFill/>
-                    </a:lnR>
-                    <a:lnT w="12700" cmpd="sng">
-                      <a:noFill/>
-                    </a:lnT>
-                    <a:lnB w="12700" cmpd="sng">
-                      <a:noFill/>
-                    </a:lnB>
-                    <a:lnTlToBr w="12700" cmpd="sng">
-                      <a:noFill/>
-                      <a:prstDash val="solid"/>
-                    </a:lnTlToBr>
-                    <a:lnBlToTr w="12700" cmpd="sng">
-                      <a:noFill/>
-                      <a:prstDash val="solid"/>
-                    </a:lnBlToTr>
-                  </a:tcPr>
-                </a:tc>
-                <a:extLst>
-                  <a:ext uri="{0D108BD9-81ED-4DB2-BD59-A6C34878D82A}">
-                    <a16:rowId xmlns:a16="http://schemas.microsoft.com/office/drawing/2014/main" val="251011219"/>
-                  </a:ext>
-                </a:extLst>
-              </a:tr>
-            </a:tbl>
-          </a:graphicData>
-        </a:graphic>
-      </p:graphicFrame>
-      <p:pic>
-        <p:nvPicPr>
-          <p:cNvPr id="14" name="Graphic 13">
-            <a:extLst>
-              <a:ext uri="{FF2B5EF4-FFF2-40B4-BE49-F238E27FC236}">
-                <a16:creationId xmlns:a16="http://schemas.microsoft.com/office/drawing/2014/main" id="{EABA3922-9059-2A35-A208-D9960805AD86}"/>
-              </a:ext>
-            </a:extLst>
-          </p:cNvPr>
-          <p:cNvPicPr>
-            <a:picLocks noChangeAspect="1"/>
-          </p:cNvPicPr>
-          <p:nvPr/>
-        </p:nvPicPr>
-        <p:blipFill>
-          <a:blip r:embed="rId10">
-            <a:extLst>
-              <a:ext uri="{96DAC541-7B7A-43D3-8B79-37D633B846F1}">
-                <asvg:svgBlip xmlns:asvg="http://schemas.microsoft.com/office/drawing/2016/SVG/main" r:embed="rId11"/>
-              </a:ext>
-            </a:extLst>
-          </a:blip>
-          <a:stretch>
-            <a:fillRect/>
-          </a:stretch>
-        </p:blipFill>
-        <p:spPr>
-          <a:xfrm>
-            <a:off x="4721430" y="506493"/>
-            <a:ext cx="4108659" cy="4130514"/>
-          </a:xfrm>
-          <a:prstGeom prst="rect">
-            <a:avLst/>
-          </a:prstGeom>
-        </p:spPr>
-      </p:pic>
-      <p:sp>
-        <p:nvSpPr>
-          <p:cNvPr id="17" name="TextBox 16">
-            <a:extLst>
-              <a:ext uri="{FF2B5EF4-FFF2-40B4-BE49-F238E27FC236}">
-                <a16:creationId xmlns:a16="http://schemas.microsoft.com/office/drawing/2014/main" id="{32A4FFEA-200A-482E-DED6-12492E34F736}"/>
-              </a:ext>
-            </a:extLst>
-          </p:cNvPr>
-          <p:cNvSpPr txBox="1"/>
-          <p:nvPr/>
-        </p:nvSpPr>
-        <p:spPr>
-          <a:xfrm>
-            <a:off x="325756" y="4592861"/>
-            <a:ext cx="1568548" cy="307777"/>
-          </a:xfrm>
-          <a:prstGeom prst="rect">
-            <a:avLst/>
-          </a:prstGeom>
-          <a:noFill/>
-        </p:spPr>
-        <p:txBody>
-          <a:bodyPr wrap="square">
-            <a:spAutoFit/>
-          </a:bodyPr>
-          <a:lstStyle/>
-          <a:p>
-            <a:r>
-              <a:rPr lang="en" sz="1400" dirty="0">
-                <a:solidFill>
-                  <a:schemeClr val="hlink"/>
-                </a:solidFill>
-                <a:hlinkClick r:id="rId12"/>
-              </a:rPr>
-              <a:t>info@lionweb.io</a:t>
-            </a:r>
-            <a:endParaRPr lang="en-NL" dirty="0"/>
-          </a:p>
-        </p:txBody>
-      </p:sp>
-      <p:sp>
-        <p:nvSpPr>
-          <p:cNvPr id="19" name="TextBox 18">
-            <a:extLst>
-              <a:ext uri="{FF2B5EF4-FFF2-40B4-BE49-F238E27FC236}">
-                <a16:creationId xmlns:a16="http://schemas.microsoft.com/office/drawing/2014/main" id="{D1686068-496A-90B9-7D10-A4B20FFF0EAB}"/>
-              </a:ext>
-            </a:extLst>
-          </p:cNvPr>
-          <p:cNvSpPr txBox="1"/>
-          <p:nvPr/>
-        </p:nvSpPr>
-        <p:spPr>
-          <a:xfrm>
-            <a:off x="325756" y="3973165"/>
-            <a:ext cx="4572000" cy="523220"/>
-          </a:xfrm>
-          <a:prstGeom prst="rect">
-            <a:avLst/>
-          </a:prstGeom>
-          <a:noFill/>
-        </p:spPr>
-        <p:txBody>
-          <a:bodyPr wrap="square">
-            <a:spAutoFit/>
-          </a:bodyPr>
-          <a:lstStyle/>
-          <a:p>
-            <a:pPr marL="0" lvl="0" indent="0" algn="l" rtl="0">
-              <a:spcBef>
-                <a:spcPts val="0"/>
-              </a:spcBef>
-              <a:spcAft>
-                <a:spcPts val="0"/>
-              </a:spcAft>
-              <a:buNone/>
-            </a:pPr>
-            <a:r>
-              <a:rPr lang="en-GB" sz="1400" u="sng" dirty="0">
-                <a:solidFill>
-                  <a:schemeClr val="hlink"/>
-                </a:solidFill>
-                <a:hlinkClick r:id="rId13"/>
-              </a:rPr>
-              <a:t>https://join.slack.com/t/lionweb/shared_invite/zt-1uvaly9eb-z529c694OIN5oBh9FH1vhQ</a:t>
-            </a:r>
-            <a:endParaRPr lang="en-GB" sz="1400" u="sng" dirty="0"/>
-          </a:p>
-        </p:txBody>
-      </p:sp>
-      <p:pic>
-        <p:nvPicPr>
-          <p:cNvPr id="3" name="Google Shape;206;p22">
-            <a:extLst>
-              <a:ext uri="{FF2B5EF4-FFF2-40B4-BE49-F238E27FC236}">
-                <a16:creationId xmlns:a16="http://schemas.microsoft.com/office/drawing/2014/main" id="{045389CF-31B6-3E9B-F179-76011312398C}"/>
-              </a:ext>
-            </a:extLst>
-          </p:cNvPr>
-          <p:cNvPicPr preferRelativeResize="0"/>
-          <p:nvPr/>
-        </p:nvPicPr>
-        <p:blipFill>
-          <a:blip r:embed="rId14">
-            <a:alphaModFix/>
-          </a:blip>
-          <a:stretch>
-            <a:fillRect/>
-          </a:stretch>
-        </p:blipFill>
-        <p:spPr>
-          <a:xfrm>
-            <a:off x="3604915" y="4229075"/>
-            <a:ext cx="908875" cy="914425"/>
-          </a:xfrm>
-          <a:prstGeom prst="rect">
-            <a:avLst/>
-          </a:prstGeom>
-          <a:noFill/>
-          <a:ln>
-            <a:noFill/>
-          </a:ln>
-        </p:spPr>
-      </p:pic>
-    </p:spTree>
-    <p:extLst>
-      <p:ext uri="{BB962C8B-B14F-4D97-AF65-F5344CB8AC3E}">
-        <p14:creationId xmlns:p14="http://schemas.microsoft.com/office/powerpoint/2010/main" val="3263832804"/>
-      </p:ext>
-    </p:extLst>
-  </p:cSld>
-  <p:clrMapOvr>
-    <a:masterClrMapping/>
-  </p:clrMapOvr>
-</p:sld>
-</file>
-
-<file path=ppt/slides/slide2.xml><?xml version="1.0" encoding="utf-8"?>
-<p:sld xmlns:a="http://schemas.openxmlformats.org/drawingml/2006/main" xmlns:r="http://schemas.openxmlformats.org/officeDocument/2006/relationships" xmlns:p="http://schemas.openxmlformats.org/presentationml/2006/main">
-  <p:cSld>
-    <p:spTree>
-      <p:nvGrpSpPr>
-        <p:cNvPr id="1" name=""/>
-        <p:cNvGrpSpPr/>
-        <p:nvPr/>
-      </p:nvGrpSpPr>
-      <p:grpSpPr>
-        <a:xfrm>
-          <a:off x="0" y="0"/>
-          <a:ext cx="0" cy="0"/>
-          <a:chOff x="0" y="0"/>
-          <a:chExt cx="0" cy="0"/>
-        </a:xfrm>
-      </p:grpSpPr>
-      <p:sp>
-        <p:nvSpPr>
-          <p:cNvPr id="3" name="Title 2">
-            <a:extLst>
-              <a:ext uri="{FF2B5EF4-FFF2-40B4-BE49-F238E27FC236}">
-                <a16:creationId xmlns:a16="http://schemas.microsoft.com/office/drawing/2014/main" id="{ED1CB88A-BB8F-4F89-3FF6-B591EA38D3F6}"/>
-              </a:ext>
-            </a:extLst>
-          </p:cNvPr>
-          <p:cNvSpPr>
-            <a:spLocks noGrp="1"/>
-          </p:cNvSpPr>
-          <p:nvPr>
-            <p:ph type="title"/>
-          </p:nvPr>
-        </p:nvSpPr>
-        <p:spPr>
-          <a:xfrm>
-            <a:off x="311700" y="2150850"/>
-            <a:ext cx="8520600" cy="841800"/>
-          </a:xfrm>
-        </p:spPr>
-        <p:txBody>
-          <a:bodyPr/>
-          <a:lstStyle/>
-          <a:p>
-            <a:r>
-              <a:rPr lang="en-US" dirty="0"/>
-              <a:t>Project Overview</a:t>
-            </a:r>
-          </a:p>
-        </p:txBody>
-      </p:sp>
-    </p:spTree>
-    <p:extLst>
-      <p:ext uri="{BB962C8B-B14F-4D97-AF65-F5344CB8AC3E}">
-        <p14:creationId xmlns:p14="http://schemas.microsoft.com/office/powerpoint/2010/main" val="3239961873"/>
-      </p:ext>
-    </p:extLst>
-  </p:cSld>
-  <p:clrMapOvr>
-    <a:masterClrMapping/>
-  </p:clrMapOvr>
-</p:sld>
-</file>
-
-<file path=ppt/slides/slide20.xml><?xml version="1.0" encoding="utf-8"?>
+<file path=ppt/slides/slide17.xml><?xml version="1.0" encoding="utf-8"?>
 <p:sld xmlns:a="http://schemas.openxmlformats.org/drawingml/2006/main" xmlns:r="http://schemas.openxmlformats.org/officeDocument/2006/relationships" xmlns:p="http://schemas.openxmlformats.org/presentationml/2006/main">
   <p:cSld>
     <p:spTree>
@@ -32019,7 +26192,7 @@
 </p:sld>
 </file>
 
-<file path=ppt/slides/slide21.xml><?xml version="1.0" encoding="utf-8"?>
+<file path=ppt/slides/slide18.xml><?xml version="1.0" encoding="utf-8"?>
 <p:sld xmlns:a="http://schemas.openxmlformats.org/drawingml/2006/main" xmlns:r="http://schemas.openxmlformats.org/officeDocument/2006/relationships" xmlns:p="http://schemas.openxmlformats.org/presentationml/2006/main">
   <p:cSld>
     <p:spTree>
@@ -32249,6 +26422,69 @@
         </p:txBody>
       </p:sp>
     </p:spTree>
+  </p:cSld>
+  <p:clrMapOvr>
+    <a:masterClrMapping/>
+  </p:clrMapOvr>
+</p:sld>
+</file>
+
+<file path=ppt/slides/slide2.xml><?xml version="1.0" encoding="utf-8"?>
+<p:sld xmlns:a="http://schemas.openxmlformats.org/drawingml/2006/main" xmlns:r="http://schemas.openxmlformats.org/officeDocument/2006/relationships" xmlns:p="http://schemas.openxmlformats.org/presentationml/2006/main">
+  <p:cSld>
+    <p:spTree>
+      <p:nvGrpSpPr>
+        <p:cNvPr id="1" name=""/>
+        <p:cNvGrpSpPr/>
+        <p:nvPr/>
+      </p:nvGrpSpPr>
+      <p:grpSpPr>
+        <a:xfrm>
+          <a:off x="0" y="0"/>
+          <a:ext cx="0" cy="0"/>
+          <a:chOff x="0" y="0"/>
+          <a:chExt cx="0" cy="0"/>
+        </a:xfrm>
+      </p:grpSpPr>
+      <p:sp>
+        <p:nvSpPr>
+          <p:cNvPr id="3" name="Title 2">
+            <a:extLst>
+              <a:ext uri="{FF2B5EF4-FFF2-40B4-BE49-F238E27FC236}">
+                <a16:creationId xmlns:a16="http://schemas.microsoft.com/office/drawing/2014/main" id="{ED1CB88A-BB8F-4F89-3FF6-B591EA38D3F6}"/>
+              </a:ext>
+            </a:extLst>
+          </p:cNvPr>
+          <p:cNvSpPr>
+            <a:spLocks noGrp="1"/>
+          </p:cNvSpPr>
+          <p:nvPr>
+            <p:ph type="title"/>
+          </p:nvPr>
+        </p:nvSpPr>
+        <p:spPr>
+          <a:xfrm>
+            <a:off x="311700" y="2150850"/>
+            <a:ext cx="8520600" cy="841800"/>
+          </a:xfrm>
+        </p:spPr>
+        <p:txBody>
+          <a:bodyPr/>
+          <a:lstStyle/>
+          <a:p>
+            <a:r>
+              <a:rPr lang="en-US" dirty="0"/>
+              <a:t>Project Overview</a:t>
+            </a:r>
+          </a:p>
+        </p:txBody>
+      </p:sp>
+    </p:spTree>
+    <p:extLst>
+      <p:ext uri="{BB962C8B-B14F-4D97-AF65-F5344CB8AC3E}">
+        <p14:creationId xmlns:p14="http://schemas.microsoft.com/office/powerpoint/2010/main" val="3239961873"/>
+      </p:ext>
+    </p:extLst>
   </p:cSld>
   <p:clrMapOvr>
     <a:masterClrMapping/>
@@ -32652,7 +26888,7 @@
         </p:spPr>
         <p:txBody>
           <a:bodyPr>
-            <a:normAutofit/>
+            <a:normAutofit fontScale="92500" lnSpcReduction="10000"/>
           </a:bodyPr>
           <a:lstStyle/>
           <a:p>
@@ -32663,18 +26899,6 @@
           </a:p>
           <a:p>
             <a:pPr lvl="1"/>
-            <a:r>
-              <a:rPr lang="en-US" dirty="0">
-                <a:sym typeface="Wingdings" panose="05000000000000000000" pitchFamily="2" charset="2"/>
-              </a:rPr>
-              <a:t>Long history</a:t>
-            </a:r>
-            <a:endParaRPr lang="en-US" dirty="0"/>
-          </a:p>
-          <a:p>
-            <a:endParaRPr lang="en-US" dirty="0"/>
-          </a:p>
-          <a:p>
             <a:r>
               <a:rPr lang="en-US" dirty="0"/>
               <a:t>Everything needs to be web</a:t>
@@ -32690,25 +26914,50 @@
             </a:r>
           </a:p>
           <a:p>
-            <a:endParaRPr lang="en-US" dirty="0">
-              <a:sym typeface="Wingdings" panose="05000000000000000000" pitchFamily="2" charset="2"/>
-            </a:endParaRPr>
-          </a:p>
-          <a:p>
+            <a:pPr>
+              <a:lnSpc>
+                <a:spcPct val="160000"/>
+              </a:lnSpc>
+            </a:pPr>
             <a:r>
-              <a:rPr lang="en-US" dirty="0">
-                <a:sym typeface="Wingdings" panose="05000000000000000000" pitchFamily="2" charset="2"/>
-              </a:rPr>
-              <a:t>Don’t re-invent the wheel for each LWB</a:t>
+              <a:rPr lang="en-US" dirty="0"/>
+              <a:t>Language Engineering landscape is fragmented</a:t>
             </a:r>
           </a:p>
           <a:p>
             <a:pPr lvl="1"/>
             <a:r>
+              <a:rPr lang="en-US" dirty="0"/>
+              <a:t>Strong tool lock-in</a:t>
+            </a:r>
+          </a:p>
+          <a:p>
+            <a:pPr lvl="1"/>
+            <a:r>
+              <a:rPr lang="en-US" dirty="0"/>
+              <a:t>Many interesting tools/component that you would like to use … but …  you cannot</a:t>
+            </a:r>
+          </a:p>
+          <a:p>
+            <a:pPr lvl="1"/>
+            <a:r>
+              <a:rPr lang="en-US" dirty="0"/>
+              <a:t>Everybody has to keep reinventing the wheel</a:t>
+            </a:r>
+          </a:p>
+          <a:p>
+            <a:endParaRPr lang="en-US" dirty="0"/>
+          </a:p>
+          <a:p>
+            <a:r>
+              <a:rPr lang="en-US" dirty="0"/>
+              <a:t>Our community is too small to afford this, w</a:t>
+            </a:r>
+            <a:r>
               <a:rPr lang="en-US" dirty="0">
                 <a:sym typeface="Wingdings" panose="05000000000000000000" pitchFamily="2" charset="2"/>
               </a:rPr>
-              <a:t>Focus on strengths, reuse other parts</a:t>
+              <a:t>e can only grow if we can benefit from each others work</a:t>
             </a:r>
           </a:p>
           <a:p>
@@ -32717,20 +26966,182 @@
             </a:endParaRPr>
           </a:p>
           <a:p>
-            <a:r>
-              <a:rPr lang="en-US" dirty="0"/>
-              <a:t>Shared effort &amp; multiple providers</a:t>
-            </a:r>
+            <a:endParaRPr lang="en-US" dirty="0">
+              <a:sym typeface="Wingdings" panose="05000000000000000000" pitchFamily="2" charset="2"/>
+            </a:endParaRPr>
           </a:p>
           <a:p>
-            <a:pPr lvl="1"/>
+            <a:pPr marL="114300" indent="0">
+              <a:buNone/>
+            </a:pPr>
+            <a:r>
+              <a:rPr lang="en-US" b="1" dirty="0">
+                <a:sym typeface="Wingdings" panose="05000000000000000000" pitchFamily="2" charset="2"/>
+              </a:rPr>
+              <a:t></a:t>
+            </a:r>
             <a:r>
               <a:rPr lang="en-US" dirty="0">
                 <a:sym typeface="Wingdings" panose="05000000000000000000" pitchFamily="2" charset="2"/>
               </a:rPr>
-              <a:t>better commercial acceptance</a:t>
+              <a:t> LionWeb: Language                               on the Web</a:t>
             </a:r>
             <a:endParaRPr lang="en-US" dirty="0"/>
+          </a:p>
+        </p:txBody>
+      </p:sp>
+      <p:sp>
+        <p:nvSpPr>
+          <p:cNvPr id="6" name="TextBox 5">
+            <a:extLst>
+              <a:ext uri="{FF2B5EF4-FFF2-40B4-BE49-F238E27FC236}">
+                <a16:creationId xmlns:a16="http://schemas.microsoft.com/office/drawing/2014/main" id="{B41C0990-0C7C-C648-ADE9-7CAED3EDBFEB}"/>
+              </a:ext>
+            </a:extLst>
+          </p:cNvPr>
+          <p:cNvSpPr txBox="1"/>
+          <p:nvPr/>
+        </p:nvSpPr>
+        <p:spPr>
+          <a:xfrm>
+            <a:off x="5013806" y="4020628"/>
+            <a:ext cx="1529586" cy="830997"/>
+          </a:xfrm>
+          <a:prstGeom prst="rect">
+            <a:avLst/>
+          </a:prstGeom>
+          <a:noFill/>
+        </p:spPr>
+        <p:txBody>
+          <a:bodyPr wrap="none" rtlCol="0">
+            <a:spAutoFit/>
+          </a:bodyPr>
+          <a:lstStyle/>
+          <a:p>
+            <a:r>
+              <a:rPr lang="en-NL" sz="1600" dirty="0"/>
+              <a:t>Interfaces</a:t>
+            </a:r>
+          </a:p>
+          <a:p>
+            <a:r>
+              <a:rPr lang="en-NL" sz="1600" dirty="0"/>
+              <a:t>Interoperability</a:t>
+            </a:r>
+          </a:p>
+          <a:p>
+            <a:r>
+              <a:rPr lang="en-NL" sz="1600" dirty="0"/>
+              <a:t>Integration</a:t>
+            </a:r>
+          </a:p>
+        </p:txBody>
+      </p:sp>
+      <p:sp>
+        <p:nvSpPr>
+          <p:cNvPr id="7" name="Left Brace 6">
+            <a:extLst>
+              <a:ext uri="{FF2B5EF4-FFF2-40B4-BE49-F238E27FC236}">
+                <a16:creationId xmlns:a16="http://schemas.microsoft.com/office/drawing/2014/main" id="{C3425EB1-3154-E123-A1A7-A2F3E5229519}"/>
+              </a:ext>
+            </a:extLst>
+          </p:cNvPr>
+          <p:cNvSpPr/>
+          <p:nvPr/>
+        </p:nvSpPr>
+        <p:spPr>
+          <a:xfrm>
+            <a:off x="4884847" y="4101109"/>
+            <a:ext cx="155448" cy="674457"/>
+          </a:xfrm>
+          <a:prstGeom prst="leftBrace">
+            <a:avLst>
+              <a:gd name="adj1" fmla="val 89469"/>
+              <a:gd name="adj2" fmla="val 50000"/>
+            </a:avLst>
+          </a:prstGeom>
+          <a:ln>
+            <a:solidFill>
+              <a:schemeClr val="accent4">
+                <a:lumMod val="75000"/>
+              </a:schemeClr>
+            </a:solidFill>
+          </a:ln>
+        </p:spPr>
+        <p:style>
+          <a:lnRef idx="1">
+            <a:schemeClr val="accent1"/>
+          </a:lnRef>
+          <a:fillRef idx="0">
+            <a:schemeClr val="accent1"/>
+          </a:fillRef>
+          <a:effectRef idx="0">
+            <a:schemeClr val="accent1"/>
+          </a:effectRef>
+          <a:fontRef idx="minor">
+            <a:schemeClr val="tx1"/>
+          </a:fontRef>
+        </p:style>
+        <p:txBody>
+          <a:bodyPr rtlCol="0" anchor="ctr"/>
+          <a:lstStyle/>
+          <a:p>
+            <a:pPr algn="ctr"/>
+            <a:endParaRPr lang="en-NL"/>
+          </a:p>
+        </p:txBody>
+      </p:sp>
+      <p:sp>
+        <p:nvSpPr>
+          <p:cNvPr id="8" name="Left Brace 7">
+            <a:extLst>
+              <a:ext uri="{FF2B5EF4-FFF2-40B4-BE49-F238E27FC236}">
+                <a16:creationId xmlns:a16="http://schemas.microsoft.com/office/drawing/2014/main" id="{264B54F3-EB09-97B2-C7AB-348BD248BF24}"/>
+              </a:ext>
+            </a:extLst>
+          </p:cNvPr>
+          <p:cNvSpPr/>
+          <p:nvPr/>
+        </p:nvSpPr>
+        <p:spPr>
+          <a:xfrm rot="10800000">
+            <a:off x="6436437" y="4098897"/>
+            <a:ext cx="155448" cy="674457"/>
+          </a:xfrm>
+          <a:prstGeom prst="leftBrace">
+            <a:avLst>
+              <a:gd name="adj1" fmla="val 89469"/>
+              <a:gd name="adj2" fmla="val 50000"/>
+            </a:avLst>
+          </a:prstGeom>
+          <a:ln>
+            <a:solidFill>
+              <a:schemeClr val="accent4">
+                <a:lumMod val="75000"/>
+              </a:schemeClr>
+            </a:solidFill>
+          </a:ln>
+        </p:spPr>
+        <p:style>
+          <a:lnRef idx="1">
+            <a:schemeClr val="accent1"/>
+          </a:lnRef>
+          <a:fillRef idx="0">
+            <a:schemeClr val="accent1"/>
+          </a:fillRef>
+          <a:effectRef idx="0">
+            <a:schemeClr val="accent1"/>
+          </a:effectRef>
+          <a:fontRef idx="minor">
+            <a:schemeClr val="tx1"/>
+          </a:fontRef>
+        </p:style>
+        <p:txBody>
+          <a:bodyPr rtlCol="0" anchor="ctr"/>
+          <a:lstStyle/>
+          <a:p>
+            <a:pPr algn="ctr"/>
+            <a:endParaRPr lang="en-NL"/>
           </a:p>
         </p:txBody>
       </p:sp>
@@ -32892,14 +27303,14 @@
           <a:p>
             <a:r>
               <a:rPr lang="en-US" dirty="0"/>
-              <a:t>Rough consensus and running code</a:t>
+              <a:t>Rough consensus &amp;&amp; Running code</a:t>
             </a:r>
           </a:p>
           <a:p>
             <a:pPr lvl="1"/>
             <a:r>
               <a:rPr lang="en-US" dirty="0"/>
-              <a:t>Adopt IEEE approach</a:t>
+              <a:t>Yoyo approach</a:t>
             </a:r>
           </a:p>
           <a:p>
@@ -33056,7 +27467,7 @@
         </p:nvSpPr>
         <p:spPr>
           <a:xfrm>
-            <a:off x="5808625" y="1363071"/>
+            <a:off x="5307500" y="1331357"/>
             <a:ext cx="1457450" cy="307777"/>
           </a:xfrm>
           <a:prstGeom prst="rect">
@@ -33097,8 +27508,8 @@
         </p:nvSpPr>
         <p:spPr>
           <a:xfrm>
-            <a:off x="5557538" y="1316227"/>
-            <a:ext cx="155448" cy="401466"/>
+            <a:off x="5055839" y="1252800"/>
+            <a:ext cx="149761" cy="464892"/>
           </a:xfrm>
           <a:prstGeom prst="rightBrace">
             <a:avLst>
@@ -33144,7 +27555,7 @@
         </p:nvSpPr>
         <p:spPr>
           <a:xfrm>
-            <a:off x="5808625" y="1722152"/>
+            <a:off x="5307500" y="1731290"/>
             <a:ext cx="1239442" cy="307777"/>
           </a:xfrm>
           <a:prstGeom prst="rect">
@@ -33185,7 +27596,7 @@
         </p:nvSpPr>
         <p:spPr>
           <a:xfrm>
-            <a:off x="5557538" y="1761299"/>
+            <a:off x="5050152" y="1781879"/>
             <a:ext cx="155448" cy="229485"/>
           </a:xfrm>
           <a:prstGeom prst="rightBrace">

--- a/resources/LangDev Talk.pptx
+++ b/resources/LangDev Talk.pptx
@@ -22867,7 +22867,9 @@
           <a:p>
             <a:pPr algn="ctr"/>
             <a:r>
-              <a:rPr lang="en-NL" sz="1200" dirty="0"/>
+              <a:rPr lang="en-NL" sz="1200" dirty="0">
+                <a:latin typeface="Gill Sans MT" panose="020B0502020104020203" pitchFamily="34" charset="77"/>
+              </a:rPr>
               <a:t>MPS with PROP language </a:t>
             </a:r>
           </a:p>
@@ -22924,7 +22926,9 @@
           <a:p>
             <a:pPr algn="ctr"/>
             <a:r>
-              <a:rPr lang="en-NL" sz="1200" dirty="0"/>
+              <a:rPr lang="en-NL" sz="1200" dirty="0">
+                <a:latin typeface="Gill Sans MT" panose="020B0502020104020203" pitchFamily="34" charset="77"/>
+              </a:rPr>
               <a:t>Freon PROP Web Editor</a:t>
             </a:r>
           </a:p>
@@ -22986,17 +22990,23 @@
           <a:p>
             <a:pPr algn="ctr"/>
             <a:r>
-              <a:rPr lang="en-US" sz="1200" dirty="0"/>
+              <a:rPr lang="en-US" sz="1200" dirty="0">
+                <a:latin typeface="Gill Sans MT" panose="020B0502020104020203" pitchFamily="34" charset="77"/>
+              </a:rPr>
               <a:t>PROP LionWeb</a:t>
             </a:r>
           </a:p>
           <a:p>
             <a:pPr algn="ctr"/>
             <a:r>
-              <a:rPr lang="en-US" sz="1200" dirty="0" err="1"/>
+              <a:rPr lang="en-US" sz="1200" dirty="0" err="1">
+                <a:latin typeface="Gill Sans MT" panose="020B0502020104020203" pitchFamily="34" charset="77"/>
+              </a:rPr>
               <a:t>Instance.json</a:t>
             </a:r>
-            <a:endParaRPr lang="en-NL" sz="1200" dirty="0"/>
+            <a:endParaRPr lang="en-NL" sz="1200" dirty="0">
+              <a:latin typeface="Gill Sans MT" panose="020B0502020104020203" pitchFamily="34" charset="77"/>
+            </a:endParaRPr>
           </a:p>
         </p:txBody>
       </p:sp>
@@ -23051,7 +23061,9 @@
           <a:p>
             <a:pPr algn="ctr"/>
             <a:r>
-              <a:rPr lang="en-NL" sz="1200" dirty="0"/>
+              <a:rPr lang="en-NL" sz="1200" dirty="0">
+                <a:latin typeface="Gill Sans MT" panose="020B0502020104020203" pitchFamily="34" charset="77"/>
+              </a:rPr>
               <a:t>Kotlin PROP Application</a:t>
             </a:r>
           </a:p>
@@ -23110,10 +23122,14 @@
           <a:p>
             <a:pPr algn="ctr"/>
             <a:r>
-              <a:rPr lang="en-US" sz="1200" dirty="0"/>
+              <a:rPr lang="en-US" sz="1200" dirty="0">
+                <a:latin typeface="Gill Sans MT" panose="020B0502020104020203" pitchFamily="34" charset="77"/>
+              </a:rPr>
               <a:t>Properties file</a:t>
             </a:r>
-            <a:endParaRPr lang="en-NL" sz="1200" dirty="0"/>
+            <a:endParaRPr lang="en-NL" sz="1200" dirty="0">
+              <a:latin typeface="Gill Sans MT" panose="020B0502020104020203" pitchFamily="34" charset="77"/>
+            </a:endParaRPr>
           </a:p>
         </p:txBody>
       </p:sp>
@@ -23363,17 +23379,23 @@
           <a:p>
             <a:pPr algn="ctr"/>
             <a:r>
-              <a:rPr lang="en-US" sz="1200" dirty="0"/>
+              <a:rPr lang="en-US" sz="1200" dirty="0">
+                <a:latin typeface="Gill Sans MT" panose="020B0502020104020203" pitchFamily="34" charset="77"/>
+              </a:rPr>
               <a:t>HTML Page</a:t>
             </a:r>
           </a:p>
           <a:p>
             <a:pPr algn="ctr"/>
             <a:r>
-              <a:rPr lang="en-US" sz="1200" dirty="0"/>
+              <a:rPr lang="en-US" sz="1200" dirty="0">
+                <a:latin typeface="Gill Sans MT" panose="020B0502020104020203" pitchFamily="34" charset="77"/>
+              </a:rPr>
               <a:t>with PROP instance</a:t>
             </a:r>
-            <a:endParaRPr lang="en-NL" sz="1200" dirty="0"/>
+            <a:endParaRPr lang="en-NL" sz="1200" dirty="0">
+              <a:latin typeface="Gill Sans MT" panose="020B0502020104020203" pitchFamily="34" charset="77"/>
+            </a:endParaRPr>
           </a:p>
         </p:txBody>
       </p:sp>
@@ -23528,17 +23550,23 @@
           <a:p>
             <a:pPr algn="ctr"/>
             <a:r>
-              <a:rPr lang="en-US" sz="1200" dirty="0"/>
+              <a:rPr lang="en-US" sz="1200" dirty="0">
+                <a:latin typeface="Gill Sans MT" panose="020B0502020104020203" pitchFamily="34" charset="77"/>
+              </a:rPr>
               <a:t>Changed</a:t>
             </a:r>
           </a:p>
           <a:p>
             <a:pPr algn="ctr"/>
             <a:r>
-              <a:rPr lang="en-US" sz="1200" dirty="0"/>
+              <a:rPr lang="en-US" sz="1200" dirty="0">
+                <a:latin typeface="Gill Sans MT" panose="020B0502020104020203" pitchFamily="34" charset="77"/>
+              </a:rPr>
               <a:t>Properties file</a:t>
             </a:r>
-            <a:endParaRPr lang="en-NL" sz="1200" dirty="0"/>
+            <a:endParaRPr lang="en-NL" sz="1200" dirty="0">
+              <a:latin typeface="Gill Sans MT" panose="020B0502020104020203" pitchFamily="34" charset="77"/>
+            </a:endParaRPr>
           </a:p>
         </p:txBody>
       </p:sp>
@@ -23623,6 +23651,7 @@
                 <a:solidFill>
                   <a:srgbClr val="00B050"/>
                 </a:solidFill>
+                <a:latin typeface="Gill Sans MT" panose="020B0502020104020203" pitchFamily="34" charset="77"/>
               </a:rPr>
               <a:t>1</a:t>
             </a:r>
@@ -23662,6 +23691,7 @@
                 <a:solidFill>
                   <a:srgbClr val="00B050"/>
                 </a:solidFill>
+                <a:latin typeface="Gill Sans MT" panose="020B0502020104020203" pitchFamily="34" charset="77"/>
               </a:rPr>
               <a:t>2</a:t>
             </a:r>
@@ -23701,6 +23731,7 @@
                 <a:solidFill>
                   <a:srgbClr val="00B050"/>
                 </a:solidFill>
+                <a:latin typeface="Gill Sans MT" panose="020B0502020104020203" pitchFamily="34" charset="77"/>
               </a:rPr>
               <a:t>3</a:t>
             </a:r>
@@ -23740,6 +23771,7 @@
                 <a:solidFill>
                   <a:srgbClr val="00B050"/>
                 </a:solidFill>
+                <a:latin typeface="Gill Sans MT" panose="020B0502020104020203" pitchFamily="34" charset="77"/>
               </a:rPr>
               <a:t>6</a:t>
             </a:r>
@@ -23779,6 +23811,7 @@
                 <a:solidFill>
                   <a:srgbClr val="00B050"/>
                 </a:solidFill>
+                <a:latin typeface="Gill Sans MT" panose="020B0502020104020203" pitchFamily="34" charset="77"/>
               </a:rPr>
               <a:t>5</a:t>
             </a:r>
@@ -23818,6 +23851,7 @@
                 <a:solidFill>
                   <a:srgbClr val="00B050"/>
                 </a:solidFill>
+                <a:latin typeface="Gill Sans MT" panose="020B0502020104020203" pitchFamily="34" charset="77"/>
               </a:rPr>
               <a:t>4</a:t>
             </a:r>
@@ -23857,6 +23891,7 @@
                 <a:solidFill>
                   <a:srgbClr val="00B050"/>
                 </a:solidFill>
+                <a:latin typeface="Gill Sans MT" panose="020B0502020104020203" pitchFamily="34" charset="77"/>
               </a:rPr>
               <a:t>7</a:t>
             </a:r>
@@ -23914,7 +23949,9 @@
           <a:p>
             <a:pPr algn="ctr"/>
             <a:r>
-              <a:rPr lang="en-NL" sz="1200" dirty="0"/>
+              <a:rPr lang="en-NL" sz="1200" dirty="0">
+                <a:latin typeface="Gill Sans MT" panose="020B0502020104020203" pitchFamily="34" charset="77"/>
+              </a:rPr>
               <a:t>Ecore PROP language</a:t>
             </a:r>
           </a:p>
@@ -23999,7 +24036,9 @@
           <a:lstStyle/>
           <a:p>
             <a:r>
-              <a:rPr lang="en-NL" dirty="0"/>
+              <a:rPr lang="en-NL" dirty="0">
+                <a:latin typeface="Gill Sans MT" panose="020B0502020104020203" pitchFamily="34" charset="77"/>
+              </a:rPr>
               <a:t>Model Demo flow</a:t>
             </a:r>
           </a:p>
@@ -24038,6 +24077,7 @@
                 <a:solidFill>
                   <a:srgbClr val="00B050"/>
                 </a:solidFill>
+                <a:latin typeface="Gill Sans MT" panose="020B0502020104020203" pitchFamily="34" charset="77"/>
               </a:rPr>
               <a:t>8</a:t>
             </a:r>
@@ -24137,111 +24177,128 @@
           <a:p>
             <a:pPr lvl="0"/>
             <a:r>
-              <a:rPr lang="en-GB" dirty="0"/>
-              <a:t>Generate </a:t>
-            </a:r>
-            <a:r>
-              <a:rPr lang="en-GB" dirty="0" err="1"/>
-              <a:t>LIonWeb</a:t>
-            </a:r>
-            <a:r>
-              <a:rPr lang="en-GB" dirty="0"/>
-              <a:t> metamodel from Kotlin classes</a:t>
+              <a:rPr lang="en-GB" dirty="0">
+                <a:latin typeface="Gill Sans MT" panose="020B0502020104020203" pitchFamily="34" charset="77"/>
+              </a:rPr>
+              <a:t>Generate LionWeb metamodel from Kotlin classes</a:t>
             </a:r>
           </a:p>
           <a:p>
             <a:pPr lvl="0"/>
             <a:r>
-              <a:rPr lang="en-GB" dirty="0"/>
-              <a:t>Parse properties file and store as </a:t>
-            </a:r>
-            <a:r>
-              <a:rPr lang="en-GB" dirty="0" err="1"/>
-              <a:t>LIonWeb</a:t>
-            </a:r>
-            <a:r>
-              <a:rPr lang="en-GB" dirty="0"/>
-              <a:t> instance model</a:t>
+              <a:rPr lang="en-GB" dirty="0">
+                <a:latin typeface="Gill Sans MT" panose="020B0502020104020203" pitchFamily="34" charset="77"/>
+              </a:rPr>
+              <a:t>Parse properties file and store as LionWeb instance model</a:t>
             </a:r>
             <a:endParaRPr lang="en-GB" dirty="0">
+              <a:latin typeface="Gill Sans MT" panose="020B0502020104020203" pitchFamily="34" charset="77"/>
               <a:sym typeface="Roboto Mono"/>
             </a:endParaRPr>
           </a:p>
           <a:p>
             <a:pPr lvl="0"/>
             <a:r>
-              <a:rPr lang="en-GB" dirty="0"/>
+              <a:rPr lang="en-GB" dirty="0">
+                <a:latin typeface="Gill Sans MT" panose="020B0502020104020203" pitchFamily="34" charset="77"/>
+              </a:rPr>
               <a:t>Import metamodel into MPS</a:t>
             </a:r>
           </a:p>
           <a:p>
             <a:pPr lvl="0"/>
             <a:r>
-              <a:rPr lang="en-GB" dirty="0"/>
+              <a:rPr lang="en-GB" dirty="0">
+                <a:latin typeface="Gill Sans MT" panose="020B0502020104020203" pitchFamily="34" charset="77"/>
+              </a:rPr>
               <a:t>Convert to MPS languages</a:t>
             </a:r>
           </a:p>
           <a:p>
             <a:pPr lvl="0"/>
             <a:r>
-              <a:rPr lang="en-GB" dirty="0"/>
+              <a:rPr lang="en-GB" dirty="0">
+                <a:latin typeface="Gill Sans MT" panose="020B0502020104020203" pitchFamily="34" charset="77"/>
+              </a:rPr>
               <a:t>Import properties instance model into MPS</a:t>
             </a:r>
           </a:p>
           <a:p>
             <a:pPr lvl="0"/>
             <a:r>
-              <a:rPr lang="en-GB" dirty="0"/>
+              <a:rPr lang="en-GB" dirty="0">
+                <a:latin typeface="Gill Sans MT" panose="020B0502020104020203" pitchFamily="34" charset="77"/>
+              </a:rPr>
               <a:t>Show instance model in Freon web editor, served from MPS via </a:t>
             </a:r>
             <a:r>
-              <a:rPr lang="en-GB" dirty="0" err="1"/>
+              <a:rPr lang="en-GB" dirty="0" err="1">
+                <a:latin typeface="Gill Sans MT" panose="020B0502020104020203" pitchFamily="34" charset="77"/>
+              </a:rPr>
               <a:t>LIonWeb</a:t>
             </a:r>
             <a:r>
-              <a:rPr lang="en-GB" dirty="0"/>
+              <a:rPr lang="en-GB" dirty="0">
+                <a:latin typeface="Gill Sans MT" panose="020B0502020104020203" pitchFamily="34" charset="77"/>
+              </a:rPr>
               <a:t> protocol</a:t>
             </a:r>
           </a:p>
           <a:p>
             <a:pPr lvl="0"/>
             <a:r>
-              <a:rPr lang="en-GB" dirty="0"/>
+              <a:rPr lang="en-GB" dirty="0">
+                <a:latin typeface="Gill Sans MT" panose="020B0502020104020203" pitchFamily="34" charset="77"/>
+              </a:rPr>
               <a:t>Change some values in Freon</a:t>
             </a:r>
           </a:p>
           <a:p>
             <a:pPr lvl="0"/>
             <a:r>
-              <a:rPr lang="en-GB" dirty="0"/>
+              <a:rPr lang="en-GB" dirty="0">
+                <a:latin typeface="Gill Sans MT" panose="020B0502020104020203" pitchFamily="34" charset="77"/>
+              </a:rPr>
               <a:t>Store changes back to MPS</a:t>
             </a:r>
           </a:p>
           <a:p>
             <a:pPr lvl="0"/>
             <a:r>
-              <a:rPr lang="en-GB" dirty="0"/>
+              <a:rPr lang="en-GB" dirty="0">
+                <a:latin typeface="Gill Sans MT" panose="020B0502020104020203" pitchFamily="34" charset="77"/>
+              </a:rPr>
               <a:t>Export example instance from MPS to </a:t>
             </a:r>
             <a:r>
-              <a:rPr lang="en-GB" dirty="0" err="1"/>
+              <a:rPr lang="en-GB" dirty="0" err="1">
+                <a:latin typeface="Gill Sans MT" panose="020B0502020104020203" pitchFamily="34" charset="77"/>
+              </a:rPr>
               <a:t>LIonWeb</a:t>
             </a:r>
-            <a:endParaRPr lang="en-GB" dirty="0"/>
+            <a:endParaRPr lang="en-GB" dirty="0">
+              <a:latin typeface="Gill Sans MT" panose="020B0502020104020203" pitchFamily="34" charset="77"/>
+            </a:endParaRPr>
           </a:p>
           <a:p>
             <a:pPr lvl="0"/>
             <a:r>
-              <a:rPr lang="en-GB" dirty="0" err="1"/>
+              <a:rPr lang="en-GB" dirty="0" err="1">
+                <a:latin typeface="Gill Sans MT" panose="020B0502020104020203" pitchFamily="34" charset="77"/>
+              </a:rPr>
               <a:t>Unparse</a:t>
             </a:r>
             <a:r>
-              <a:rPr lang="en-GB" dirty="0"/>
+              <a:rPr lang="en-GB" dirty="0">
+                <a:latin typeface="Gill Sans MT" panose="020B0502020104020203" pitchFamily="34" charset="77"/>
+              </a:rPr>
               <a:t> example instance</a:t>
             </a:r>
           </a:p>
           <a:p>
-            <a:endParaRPr lang="en-NL" dirty="0"/>
+            <a:endParaRPr lang="en-NL" dirty="0">
+              <a:latin typeface="Gill Sans MT" panose="020B0502020104020203" pitchFamily="34" charset="77"/>
+            </a:endParaRPr>
           </a:p>
         </p:txBody>
       </p:sp>

--- a/resources/LangDev Talk.pptx
+++ b/resources/LangDev Talk.pptx
@@ -277,7 +277,7 @@
   <p:extLst>
     <p:ext uri="{EFAFB233-063F-42B5-8137-9DF3F51BA10A}">
       <p15:sldGuideLst xmlns:p15="http://schemas.microsoft.com/office/powerpoint/2012/main">
-        <p15:guide id="1" orient="horz" pos="1620">
+        <p15:guide id="1" orient="horz" pos="1597" userDrawn="1">
           <p15:clr>
             <a:srgbClr val="747775"/>
           </p15:clr>
@@ -2560,6 +2560,7 @@
                 <a:solidFill>
                   <a:schemeClr val="tx1"/>
                 </a:solidFill>
+                <a:latin typeface="Gill Sans MT" panose="020B0502020104020203" pitchFamily="34" charset="77"/>
               </a:defRPr>
             </a:lvl1pPr>
             <a:lvl2pPr marL="914400" lvl="1" indent="-317500">
@@ -5651,6 +5652,12 @@
             </a:lvl9pPr>
           </a:lstStyle>
           <a:p>
+            <a:endParaRPr lang="en-US" dirty="0">
+              <a:latin typeface="Gill Sans MT" panose="020B0502020104020203" pitchFamily="34" charset="77"/>
+            </a:endParaRPr>
+          </a:p>
+          <a:p>
+            <a:pPr lvl="1"/>
             <a:endParaRPr lang="en-US" dirty="0"/>
           </a:p>
         </p:txBody>
@@ -6034,7 +6041,7 @@
           <a:spcPts val="0"/>
         </a:spcAft>
       </a:defPPr>
-      <a:lvl1pPr marR="0" lvl="0" algn="l" rtl="0">
+      <a:lvl1pPr marL="114300" marR="0" lvl="0" indent="0" algn="l" rtl="0">
         <a:lnSpc>
           <a:spcPct val="100000"/>
         </a:lnSpc>
@@ -6048,17 +6055,18 @@
           <a:srgbClr val="000000"/>
         </a:buClr>
         <a:buFont typeface="Arial"/>
+        <a:buNone/>
         <a:defRPr sz="1400" b="0" i="0" u="none" strike="noStrike" cap="none">
           <a:solidFill>
             <a:schemeClr val="tx1"/>
           </a:solidFill>
-          <a:latin typeface="Arial"/>
-          <a:ea typeface="Arial"/>
+          <a:latin typeface="Gill Sans MT" panose="020B0502020104020203" pitchFamily="34" charset="77"/>
+          <a:ea typeface="Gill Sans MT" panose="020B0502020104020203" pitchFamily="34" charset="77"/>
           <a:cs typeface="Arial"/>
           <a:sym typeface="Arial"/>
         </a:defRPr>
       </a:lvl1pPr>
-      <a:lvl2pPr marR="0" lvl="1" algn="l" rtl="0">
+      <a:lvl2pPr marL="596900" marR="0" lvl="1" indent="0" algn="l" rtl="0">
         <a:lnSpc>
           <a:spcPct val="100000"/>
         </a:lnSpc>
@@ -6072,6 +6080,7 @@
           <a:srgbClr val="000000"/>
         </a:buClr>
         <a:buFont typeface="Arial"/>
+        <a:buNone/>
         <a:defRPr sz="1400" b="0" i="0" u="none" strike="noStrike" cap="none">
           <a:solidFill>
             <a:srgbClr val="000000"/>
@@ -11034,7 +11043,9 @@
           <a:bodyPr rtlCol="0" anchor="ctr"/>
           <a:lstStyle/>
           <a:p>
-            <a:endParaRPr lang="en-US"/>
+            <a:endParaRPr lang="en-US">
+              <a:latin typeface="Gill Sans MT" panose="020B0502020104020203" pitchFamily="34" charset="77"/>
+            </a:endParaRPr>
           </a:p>
         </p:txBody>
       </p:sp>
@@ -11097,7 +11108,9 @@
           <a:bodyPr rtlCol="0" anchor="ctr"/>
           <a:lstStyle/>
           <a:p>
-            <a:endParaRPr lang="en-US"/>
+            <a:endParaRPr lang="en-US">
+              <a:latin typeface="Gill Sans MT" panose="020B0502020104020203" pitchFamily="34" charset="77"/>
+            </a:endParaRPr>
           </a:p>
         </p:txBody>
       </p:sp>
@@ -11160,7 +11173,9 @@
           <a:bodyPr rtlCol="0" anchor="ctr"/>
           <a:lstStyle/>
           <a:p>
-            <a:endParaRPr lang="en-US"/>
+            <a:endParaRPr lang="en-US">
+              <a:latin typeface="Gill Sans MT" panose="020B0502020104020203" pitchFamily="34" charset="77"/>
+            </a:endParaRPr>
           </a:p>
         </p:txBody>
       </p:sp>
@@ -11223,7 +11238,9 @@
           <a:bodyPr rtlCol="0" anchor="ctr"/>
           <a:lstStyle/>
           <a:p>
-            <a:endParaRPr lang="en-US"/>
+            <a:endParaRPr lang="en-US">
+              <a:latin typeface="Gill Sans MT" panose="020B0502020104020203" pitchFamily="34" charset="77"/>
+            </a:endParaRPr>
           </a:p>
         </p:txBody>
       </p:sp>
@@ -11286,7 +11303,9 @@
           <a:bodyPr rtlCol="0" anchor="ctr"/>
           <a:lstStyle/>
           <a:p>
-            <a:endParaRPr lang="en-US"/>
+            <a:endParaRPr lang="en-US">
+              <a:latin typeface="Gill Sans MT" panose="020B0502020104020203" pitchFamily="34" charset="77"/>
+            </a:endParaRPr>
           </a:p>
         </p:txBody>
       </p:sp>
@@ -11382,7 +11401,9 @@
           <a:bodyPr rtlCol="0" anchor="ctr"/>
           <a:lstStyle/>
           <a:p>
-            <a:endParaRPr lang="en-US"/>
+            <a:endParaRPr lang="en-US">
+              <a:latin typeface="Gill Sans MT" panose="020B0502020104020203" pitchFamily="34" charset="77"/>
+            </a:endParaRPr>
           </a:p>
         </p:txBody>
       </p:sp>
@@ -11504,7 +11525,9 @@
           <a:bodyPr rtlCol="0" anchor="ctr"/>
           <a:lstStyle/>
           <a:p>
-            <a:endParaRPr lang="en-US"/>
+            <a:endParaRPr lang="en-US">
+              <a:latin typeface="Gill Sans MT" panose="020B0502020104020203" pitchFamily="34" charset="77"/>
+            </a:endParaRPr>
           </a:p>
         </p:txBody>
       </p:sp>
@@ -11626,7 +11649,9 @@
           <a:bodyPr rtlCol="0" anchor="ctr"/>
           <a:lstStyle/>
           <a:p>
-            <a:endParaRPr lang="en-US"/>
+            <a:endParaRPr lang="en-US">
+              <a:latin typeface="Gill Sans MT" panose="020B0502020104020203" pitchFamily="34" charset="77"/>
+            </a:endParaRPr>
           </a:p>
         </p:txBody>
       </p:sp>
@@ -11748,7 +11773,9 @@
           <a:bodyPr rtlCol="0" anchor="ctr"/>
           <a:lstStyle/>
           <a:p>
-            <a:endParaRPr lang="en-US"/>
+            <a:endParaRPr lang="en-US">
+              <a:latin typeface="Gill Sans MT" panose="020B0502020104020203" pitchFamily="34" charset="77"/>
+            </a:endParaRPr>
           </a:p>
         </p:txBody>
       </p:sp>
@@ -11870,7 +11897,9 @@
           <a:bodyPr rtlCol="0" anchor="ctr"/>
           <a:lstStyle/>
           <a:p>
-            <a:endParaRPr lang="en-US"/>
+            <a:endParaRPr lang="en-US">
+              <a:latin typeface="Gill Sans MT" panose="020B0502020104020203" pitchFamily="34" charset="77"/>
+            </a:endParaRPr>
           </a:p>
         </p:txBody>
       </p:sp>
@@ -11992,7 +12021,9 @@
           <a:bodyPr rtlCol="0" anchor="ctr"/>
           <a:lstStyle/>
           <a:p>
-            <a:endParaRPr lang="en-US"/>
+            <a:endParaRPr lang="en-US">
+              <a:latin typeface="Gill Sans MT" panose="020B0502020104020203" pitchFamily="34" charset="77"/>
+            </a:endParaRPr>
           </a:p>
         </p:txBody>
       </p:sp>
@@ -12114,7 +12145,9 @@
           <a:bodyPr rtlCol="0" anchor="ctr"/>
           <a:lstStyle/>
           <a:p>
-            <a:endParaRPr lang="en-US"/>
+            <a:endParaRPr lang="en-US">
+              <a:latin typeface="Gill Sans MT" panose="020B0502020104020203" pitchFamily="34" charset="77"/>
+            </a:endParaRPr>
           </a:p>
         </p:txBody>
       </p:sp>
@@ -12236,7 +12269,9 @@
           <a:bodyPr rtlCol="0" anchor="ctr"/>
           <a:lstStyle/>
           <a:p>
-            <a:endParaRPr lang="en-US"/>
+            <a:endParaRPr lang="en-US">
+              <a:latin typeface="Gill Sans MT" panose="020B0502020104020203" pitchFamily="34" charset="77"/>
+            </a:endParaRPr>
           </a:p>
         </p:txBody>
       </p:sp>
@@ -12299,7 +12334,9 @@
           <a:bodyPr rtlCol="0" anchor="ctr"/>
           <a:lstStyle/>
           <a:p>
-            <a:endParaRPr lang="en-US"/>
+            <a:endParaRPr lang="en-US">
+              <a:latin typeface="Gill Sans MT" panose="020B0502020104020203" pitchFamily="34" charset="77"/>
+            </a:endParaRPr>
           </a:p>
         </p:txBody>
       </p:sp>
@@ -12362,7 +12399,9 @@
           <a:bodyPr rtlCol="0" anchor="ctr"/>
           <a:lstStyle/>
           <a:p>
-            <a:endParaRPr lang="en-US"/>
+            <a:endParaRPr lang="en-US">
+              <a:latin typeface="Gill Sans MT" panose="020B0502020104020203" pitchFamily="34" charset="77"/>
+            </a:endParaRPr>
           </a:p>
         </p:txBody>
       </p:sp>
@@ -12425,7 +12464,9 @@
           <a:bodyPr rtlCol="0" anchor="ctr"/>
           <a:lstStyle/>
           <a:p>
-            <a:endParaRPr lang="en-US"/>
+            <a:endParaRPr lang="en-US">
+              <a:latin typeface="Gill Sans MT" panose="020B0502020104020203" pitchFamily="34" charset="77"/>
+            </a:endParaRPr>
           </a:p>
         </p:txBody>
       </p:sp>
@@ -12488,7 +12529,9 @@
           <a:bodyPr rtlCol="0" anchor="ctr"/>
           <a:lstStyle/>
           <a:p>
-            <a:endParaRPr lang="en-US"/>
+            <a:endParaRPr lang="en-US">
+              <a:latin typeface="Gill Sans MT" panose="020B0502020104020203" pitchFamily="34" charset="77"/>
+            </a:endParaRPr>
           </a:p>
         </p:txBody>
       </p:sp>
@@ -12592,7 +12635,9 @@
           <a:bodyPr rtlCol="0" anchor="ctr"/>
           <a:lstStyle/>
           <a:p>
-            <a:endParaRPr lang="en-US"/>
+            <a:endParaRPr lang="en-US">
+              <a:latin typeface="Gill Sans MT" panose="020B0502020104020203" pitchFamily="34" charset="77"/>
+            </a:endParaRPr>
           </a:p>
         </p:txBody>
       </p:sp>
@@ -12696,7 +12741,9 @@
           <a:bodyPr rtlCol="0" anchor="ctr"/>
           <a:lstStyle/>
           <a:p>
-            <a:endParaRPr lang="en-US"/>
+            <a:endParaRPr lang="en-US">
+              <a:latin typeface="Gill Sans MT" panose="020B0502020104020203" pitchFamily="34" charset="77"/>
+            </a:endParaRPr>
           </a:p>
         </p:txBody>
       </p:sp>
@@ -12818,7 +12865,9 @@
           <a:bodyPr rtlCol="0" anchor="ctr"/>
           <a:lstStyle/>
           <a:p>
-            <a:endParaRPr lang="en-US"/>
+            <a:endParaRPr lang="en-US">
+              <a:latin typeface="Gill Sans MT" panose="020B0502020104020203" pitchFamily="34" charset="77"/>
+            </a:endParaRPr>
           </a:p>
         </p:txBody>
       </p:sp>
@@ -12940,7 +12989,9 @@
           <a:bodyPr rtlCol="0" anchor="ctr"/>
           <a:lstStyle/>
           <a:p>
-            <a:endParaRPr lang="en-US"/>
+            <a:endParaRPr lang="en-US">
+              <a:latin typeface="Gill Sans MT" panose="020B0502020104020203" pitchFamily="34" charset="77"/>
+            </a:endParaRPr>
           </a:p>
         </p:txBody>
       </p:sp>
@@ -12981,7 +13032,7 @@
                 <a:solidFill>
                   <a:srgbClr val="FFFFFF"/>
                 </a:solidFill>
-                <a:latin typeface="Calibri"/>
+                <a:latin typeface="Gill Sans MT" panose="020B0502020104020203" pitchFamily="34" charset="77"/>
                 <a:cs typeface="Calibri"/>
                 <a:sym typeface="Calibri"/>
                 <a:rtl val="0"/>
@@ -13028,7 +13079,7 @@
                 <a:solidFill>
                   <a:srgbClr val="FFFFFF"/>
                 </a:solidFill>
-                <a:latin typeface="Calibri"/>
+                <a:latin typeface="Gill Sans MT" panose="020B0502020104020203" pitchFamily="34" charset="77"/>
                 <a:cs typeface="Calibri"/>
                 <a:sym typeface="Calibri"/>
                 <a:rtl val="0"/>
@@ -13144,7 +13195,9 @@
             <a:bodyPr rtlCol="0" anchor="ctr"/>
             <a:lstStyle/>
             <a:p>
-              <a:endParaRPr lang="en-US"/>
+              <a:endParaRPr lang="en-US">
+                <a:latin typeface="Gill Sans MT" panose="020B0502020104020203" pitchFamily="34" charset="77"/>
+              </a:endParaRPr>
             </a:p>
           </p:txBody>
         </p:sp>
@@ -13234,7 +13287,9 @@
             <a:bodyPr rtlCol="0" anchor="ctr"/>
             <a:lstStyle/>
             <a:p>
-              <a:endParaRPr lang="en-US"/>
+              <a:endParaRPr lang="en-US">
+                <a:latin typeface="Gill Sans MT" panose="020B0502020104020203" pitchFamily="34" charset="77"/>
+              </a:endParaRPr>
             </a:p>
           </p:txBody>
         </p:sp>
@@ -13305,7 +13360,9 @@
             <a:bodyPr rtlCol="0" anchor="ctr"/>
             <a:lstStyle/>
             <a:p>
-              <a:endParaRPr lang="en-US"/>
+              <a:endParaRPr lang="en-US">
+                <a:latin typeface="Gill Sans MT" panose="020B0502020104020203" pitchFamily="34" charset="77"/>
+              </a:endParaRPr>
             </a:p>
           </p:txBody>
         </p:sp>
@@ -13368,7 +13425,9 @@
             <a:bodyPr rtlCol="0" anchor="ctr"/>
             <a:lstStyle/>
             <a:p>
-              <a:endParaRPr lang="en-US"/>
+              <a:endParaRPr lang="en-US">
+                <a:latin typeface="Gill Sans MT" panose="020B0502020104020203" pitchFamily="34" charset="77"/>
+              </a:endParaRPr>
             </a:p>
           </p:txBody>
         </p:sp>
@@ -13431,7 +13490,9 @@
             <a:bodyPr rtlCol="0" anchor="ctr"/>
             <a:lstStyle/>
             <a:p>
-              <a:endParaRPr lang="en-US"/>
+              <a:endParaRPr lang="en-US">
+                <a:latin typeface="Gill Sans MT" panose="020B0502020104020203" pitchFamily="34" charset="77"/>
+              </a:endParaRPr>
             </a:p>
           </p:txBody>
         </p:sp>
@@ -13510,7 +13571,9 @@
             <a:bodyPr rtlCol="0" anchor="ctr"/>
             <a:lstStyle/>
             <a:p>
-              <a:endParaRPr lang="en-US"/>
+              <a:endParaRPr lang="en-US">
+                <a:latin typeface="Gill Sans MT" panose="020B0502020104020203" pitchFamily="34" charset="77"/>
+              </a:endParaRPr>
             </a:p>
           </p:txBody>
         </p:sp>
@@ -13573,7 +13636,9 @@
             <a:bodyPr rtlCol="0" anchor="ctr"/>
             <a:lstStyle/>
             <a:p>
-              <a:endParaRPr lang="en-US"/>
+              <a:endParaRPr lang="en-US">
+                <a:latin typeface="Gill Sans MT" panose="020B0502020104020203" pitchFamily="34" charset="77"/>
+              </a:endParaRPr>
             </a:p>
           </p:txBody>
         </p:sp>
@@ -13674,7 +13739,9 @@
             <a:bodyPr rtlCol="0" anchor="ctr"/>
             <a:lstStyle/>
             <a:p>
-              <a:endParaRPr lang="en-US"/>
+              <a:endParaRPr lang="en-US">
+                <a:latin typeface="Gill Sans MT" panose="020B0502020104020203" pitchFamily="34" charset="77"/>
+              </a:endParaRPr>
             </a:p>
           </p:txBody>
         </p:sp>
@@ -13754,7 +13821,9 @@
             <a:bodyPr rtlCol="0" anchor="ctr"/>
             <a:lstStyle/>
             <a:p>
-              <a:endParaRPr lang="en-US"/>
+              <a:endParaRPr lang="en-US">
+                <a:latin typeface="Gill Sans MT" panose="020B0502020104020203" pitchFamily="34" charset="77"/>
+              </a:endParaRPr>
             </a:p>
           </p:txBody>
         </p:sp>
@@ -13834,7 +13903,9 @@
             <a:bodyPr rtlCol="0" anchor="ctr"/>
             <a:lstStyle/>
             <a:p>
-              <a:endParaRPr lang="en-US"/>
+              <a:endParaRPr lang="en-US">
+                <a:latin typeface="Gill Sans MT" panose="020B0502020104020203" pitchFamily="34" charset="77"/>
+              </a:endParaRPr>
             </a:p>
           </p:txBody>
         </p:sp>
@@ -13897,7 +13968,9 @@
             <a:bodyPr rtlCol="0" anchor="ctr"/>
             <a:lstStyle/>
             <a:p>
-              <a:endParaRPr lang="en-US"/>
+              <a:endParaRPr lang="en-US">
+                <a:latin typeface="Gill Sans MT" panose="020B0502020104020203" pitchFamily="34" charset="77"/>
+              </a:endParaRPr>
             </a:p>
           </p:txBody>
         </p:sp>
@@ -13977,7 +14050,9 @@
             <a:bodyPr rtlCol="0" anchor="ctr"/>
             <a:lstStyle/>
             <a:p>
-              <a:endParaRPr lang="en-US"/>
+              <a:endParaRPr lang="en-US">
+                <a:latin typeface="Gill Sans MT" panose="020B0502020104020203" pitchFamily="34" charset="77"/>
+              </a:endParaRPr>
             </a:p>
           </p:txBody>
         </p:sp>
@@ -14048,7 +14123,9 @@
             <a:bodyPr rtlCol="0" anchor="ctr"/>
             <a:lstStyle/>
             <a:p>
-              <a:endParaRPr lang="en-US"/>
+              <a:endParaRPr lang="en-US">
+                <a:latin typeface="Gill Sans MT" panose="020B0502020104020203" pitchFamily="34" charset="77"/>
+              </a:endParaRPr>
             </a:p>
           </p:txBody>
         </p:sp>
@@ -14119,7 +14196,9 @@
             <a:bodyPr rtlCol="0" anchor="ctr"/>
             <a:lstStyle/>
             <a:p>
-              <a:endParaRPr lang="en-US"/>
+              <a:endParaRPr lang="en-US">
+                <a:latin typeface="Gill Sans MT" panose="020B0502020104020203" pitchFamily="34" charset="77"/>
+              </a:endParaRPr>
             </a:p>
           </p:txBody>
         </p:sp>
@@ -14199,7 +14278,9 @@
             <a:bodyPr rtlCol="0" anchor="ctr"/>
             <a:lstStyle/>
             <a:p>
-              <a:endParaRPr lang="en-US"/>
+              <a:endParaRPr lang="en-US">
+                <a:latin typeface="Gill Sans MT" panose="020B0502020104020203" pitchFamily="34" charset="77"/>
+              </a:endParaRPr>
             </a:p>
           </p:txBody>
         </p:sp>
@@ -14279,7 +14360,9 @@
             <a:bodyPr rtlCol="0" anchor="ctr"/>
             <a:lstStyle/>
             <a:p>
-              <a:endParaRPr lang="en-US"/>
+              <a:endParaRPr lang="en-US">
+                <a:latin typeface="Gill Sans MT" panose="020B0502020104020203" pitchFamily="34" charset="77"/>
+              </a:endParaRPr>
             </a:p>
           </p:txBody>
         </p:sp>
@@ -14350,7 +14433,9 @@
             <a:bodyPr rtlCol="0" anchor="ctr"/>
             <a:lstStyle/>
             <a:p>
-              <a:endParaRPr lang="en-US"/>
+              <a:endParaRPr lang="en-US">
+                <a:latin typeface="Gill Sans MT" panose="020B0502020104020203" pitchFamily="34" charset="77"/>
+              </a:endParaRPr>
             </a:p>
           </p:txBody>
         </p:sp>
@@ -14421,7 +14506,9 @@
             <a:bodyPr rtlCol="0" anchor="ctr"/>
             <a:lstStyle/>
             <a:p>
-              <a:endParaRPr lang="en-US"/>
+              <a:endParaRPr lang="en-US">
+                <a:latin typeface="Gill Sans MT" panose="020B0502020104020203" pitchFamily="34" charset="77"/>
+              </a:endParaRPr>
             </a:p>
           </p:txBody>
         </p:sp>
@@ -14484,7 +14571,9 @@
             <a:bodyPr rtlCol="0" anchor="ctr"/>
             <a:lstStyle/>
             <a:p>
-              <a:endParaRPr lang="en-US"/>
+              <a:endParaRPr lang="en-US">
+                <a:latin typeface="Gill Sans MT" panose="020B0502020104020203" pitchFamily="34" charset="77"/>
+              </a:endParaRPr>
             </a:p>
           </p:txBody>
         </p:sp>
@@ -14587,7 +14676,9 @@
             <a:bodyPr rtlCol="0" anchor="ctr"/>
             <a:lstStyle/>
             <a:p>
-              <a:endParaRPr lang="en-US"/>
+              <a:endParaRPr lang="en-US">
+                <a:latin typeface="Gill Sans MT" panose="020B0502020104020203" pitchFamily="34" charset="77"/>
+              </a:endParaRPr>
             </a:p>
           </p:txBody>
         </p:sp>
@@ -14685,7 +14776,9 @@
             <a:bodyPr rtlCol="0" anchor="ctr"/>
             <a:lstStyle/>
             <a:p>
-              <a:endParaRPr lang="en-US"/>
+              <a:endParaRPr lang="en-US">
+                <a:latin typeface="Gill Sans MT" panose="020B0502020104020203" pitchFamily="34" charset="77"/>
+              </a:endParaRPr>
             </a:p>
           </p:txBody>
         </p:sp>
@@ -14783,7 +14876,9 @@
             <a:bodyPr rtlCol="0" anchor="ctr"/>
             <a:lstStyle/>
             <a:p>
-              <a:endParaRPr lang="en-US"/>
+              <a:endParaRPr lang="en-US">
+                <a:latin typeface="Gill Sans MT" panose="020B0502020104020203" pitchFamily="34" charset="77"/>
+              </a:endParaRPr>
             </a:p>
           </p:txBody>
         </p:sp>
@@ -14881,7 +14976,9 @@
             <a:bodyPr rtlCol="0" anchor="ctr"/>
             <a:lstStyle/>
             <a:p>
-              <a:endParaRPr lang="en-US"/>
+              <a:endParaRPr lang="en-US">
+                <a:latin typeface="Gill Sans MT" panose="020B0502020104020203" pitchFamily="34" charset="77"/>
+              </a:endParaRPr>
             </a:p>
           </p:txBody>
         </p:sp>
@@ -14963,7 +15060,9 @@
             <a:bodyPr rtlCol="0" anchor="ctr"/>
             <a:lstStyle/>
             <a:p>
-              <a:endParaRPr lang="en-US"/>
+              <a:endParaRPr lang="en-US">
+                <a:latin typeface="Gill Sans MT" panose="020B0502020104020203" pitchFamily="34" charset="77"/>
+              </a:endParaRPr>
             </a:p>
           </p:txBody>
         </p:sp>
@@ -15026,7 +15125,9 @@
             <a:bodyPr rtlCol="0" anchor="ctr"/>
             <a:lstStyle/>
             <a:p>
-              <a:endParaRPr lang="en-US"/>
+              <a:endParaRPr lang="en-US">
+                <a:latin typeface="Gill Sans MT" panose="020B0502020104020203" pitchFamily="34" charset="77"/>
+              </a:endParaRPr>
             </a:p>
           </p:txBody>
         </p:sp>
@@ -15089,7 +15190,9 @@
             <a:bodyPr rtlCol="0" anchor="ctr"/>
             <a:lstStyle/>
             <a:p>
-              <a:endParaRPr lang="en-US"/>
+              <a:endParaRPr lang="en-US">
+                <a:latin typeface="Gill Sans MT" panose="020B0502020104020203" pitchFamily="34" charset="77"/>
+              </a:endParaRPr>
             </a:p>
           </p:txBody>
         </p:sp>
@@ -15152,7 +15255,9 @@
             <a:bodyPr rtlCol="0" anchor="ctr"/>
             <a:lstStyle/>
             <a:p>
-              <a:endParaRPr lang="en-US"/>
+              <a:endParaRPr lang="en-US">
+                <a:latin typeface="Gill Sans MT" panose="020B0502020104020203" pitchFamily="34" charset="77"/>
+              </a:endParaRPr>
             </a:p>
           </p:txBody>
         </p:sp>
@@ -15340,7 +15445,9 @@
             <a:bodyPr rtlCol="0" anchor="ctr"/>
             <a:lstStyle/>
             <a:p>
-              <a:endParaRPr lang="en-US"/>
+              <a:endParaRPr lang="en-US">
+                <a:latin typeface="Gill Sans MT" panose="020B0502020104020203" pitchFamily="34" charset="77"/>
+              </a:endParaRPr>
             </a:p>
           </p:txBody>
         </p:sp>
@@ -15428,7 +15535,9 @@
             <a:bodyPr rtlCol="0" anchor="ctr"/>
             <a:lstStyle/>
             <a:p>
-              <a:endParaRPr lang="en-US"/>
+              <a:endParaRPr lang="en-US">
+                <a:latin typeface="Gill Sans MT" panose="020B0502020104020203" pitchFamily="34" charset="77"/>
+              </a:endParaRPr>
             </a:p>
           </p:txBody>
         </p:sp>
@@ -15531,7 +15640,9 @@
             <a:bodyPr rtlCol="0" anchor="ctr"/>
             <a:lstStyle/>
             <a:p>
-              <a:endParaRPr lang="en-US"/>
+              <a:endParaRPr lang="en-US">
+                <a:latin typeface="Gill Sans MT" panose="020B0502020104020203" pitchFamily="34" charset="77"/>
+              </a:endParaRPr>
             </a:p>
           </p:txBody>
         </p:sp>
@@ -15629,7 +15740,9 @@
             <a:bodyPr rtlCol="0" anchor="ctr"/>
             <a:lstStyle/>
             <a:p>
-              <a:endParaRPr lang="en-US"/>
+              <a:endParaRPr lang="en-US">
+                <a:latin typeface="Gill Sans MT" panose="020B0502020104020203" pitchFamily="34" charset="77"/>
+              </a:endParaRPr>
             </a:p>
           </p:txBody>
         </p:sp>
@@ -15727,7 +15840,9 @@
             <a:bodyPr rtlCol="0" anchor="ctr"/>
             <a:lstStyle/>
             <a:p>
-              <a:endParaRPr lang="en-US"/>
+              <a:endParaRPr lang="en-US">
+                <a:latin typeface="Gill Sans MT" panose="020B0502020104020203" pitchFamily="34" charset="77"/>
+              </a:endParaRPr>
             </a:p>
           </p:txBody>
         </p:sp>
@@ -15825,7 +15940,9 @@
             <a:bodyPr rtlCol="0" anchor="ctr"/>
             <a:lstStyle/>
             <a:p>
-              <a:endParaRPr lang="en-US"/>
+              <a:endParaRPr lang="en-US">
+                <a:latin typeface="Gill Sans MT" panose="020B0502020104020203" pitchFamily="34" charset="77"/>
+              </a:endParaRPr>
             </a:p>
           </p:txBody>
         </p:sp>
@@ -15907,7 +16024,9 @@
             <a:bodyPr rtlCol="0" anchor="ctr"/>
             <a:lstStyle/>
             <a:p>
-              <a:endParaRPr lang="en-US"/>
+              <a:endParaRPr lang="en-US">
+                <a:latin typeface="Gill Sans MT" panose="020B0502020104020203" pitchFamily="34" charset="77"/>
+              </a:endParaRPr>
             </a:p>
           </p:txBody>
         </p:sp>
@@ -15970,7 +16089,9 @@
             <a:bodyPr rtlCol="0" anchor="ctr"/>
             <a:lstStyle/>
             <a:p>
-              <a:endParaRPr lang="en-US"/>
+              <a:endParaRPr lang="en-US">
+                <a:latin typeface="Gill Sans MT" panose="020B0502020104020203" pitchFamily="34" charset="77"/>
+              </a:endParaRPr>
             </a:p>
           </p:txBody>
         </p:sp>
@@ -16033,7 +16154,9 @@
             <a:bodyPr rtlCol="0" anchor="ctr"/>
             <a:lstStyle/>
             <a:p>
-              <a:endParaRPr lang="en-US"/>
+              <a:endParaRPr lang="en-US">
+                <a:latin typeface="Gill Sans MT" panose="020B0502020104020203" pitchFamily="34" charset="77"/>
+              </a:endParaRPr>
             </a:p>
           </p:txBody>
         </p:sp>
@@ -16096,7 +16219,9 @@
             <a:bodyPr rtlCol="0" anchor="ctr"/>
             <a:lstStyle/>
             <a:p>
-              <a:endParaRPr lang="en-US"/>
+              <a:endParaRPr lang="en-US">
+                <a:latin typeface="Gill Sans MT" panose="020B0502020104020203" pitchFamily="34" charset="77"/>
+              </a:endParaRPr>
             </a:p>
           </p:txBody>
         </p:sp>
@@ -16284,7 +16409,9 @@
             <a:bodyPr rtlCol="0" anchor="ctr"/>
             <a:lstStyle/>
             <a:p>
-              <a:endParaRPr lang="en-US"/>
+              <a:endParaRPr lang="en-US">
+                <a:latin typeface="Gill Sans MT" panose="020B0502020104020203" pitchFamily="34" charset="77"/>
+              </a:endParaRPr>
             </a:p>
           </p:txBody>
         </p:sp>
@@ -16372,7 +16499,9 @@
             <a:bodyPr rtlCol="0" anchor="ctr"/>
             <a:lstStyle/>
             <a:p>
-              <a:endParaRPr lang="en-US"/>
+              <a:endParaRPr lang="en-US">
+                <a:latin typeface="Gill Sans MT" panose="020B0502020104020203" pitchFamily="34" charset="77"/>
+              </a:endParaRPr>
             </a:p>
           </p:txBody>
         </p:sp>
@@ -16475,7 +16604,9 @@
             <a:bodyPr rtlCol="0" anchor="ctr"/>
             <a:lstStyle/>
             <a:p>
-              <a:endParaRPr lang="en-US"/>
+              <a:endParaRPr lang="en-US">
+                <a:latin typeface="Gill Sans MT" panose="020B0502020104020203" pitchFamily="34" charset="77"/>
+              </a:endParaRPr>
             </a:p>
           </p:txBody>
         </p:sp>
@@ -16571,7 +16702,9 @@
             <a:bodyPr rtlCol="0" anchor="ctr"/>
             <a:lstStyle/>
             <a:p>
-              <a:endParaRPr lang="en-US"/>
+              <a:endParaRPr lang="en-US">
+                <a:latin typeface="Gill Sans MT" panose="020B0502020104020203" pitchFamily="34" charset="77"/>
+              </a:endParaRPr>
             </a:p>
           </p:txBody>
         </p:sp>
@@ -16667,7 +16800,9 @@
             <a:bodyPr rtlCol="0" anchor="ctr"/>
             <a:lstStyle/>
             <a:p>
-              <a:endParaRPr lang="en-US"/>
+              <a:endParaRPr lang="en-US">
+                <a:latin typeface="Gill Sans MT" panose="020B0502020104020203" pitchFamily="34" charset="77"/>
+              </a:endParaRPr>
             </a:p>
           </p:txBody>
         </p:sp>
@@ -16747,7 +16882,9 @@
             <a:bodyPr rtlCol="0" anchor="ctr"/>
             <a:lstStyle/>
             <a:p>
-              <a:endParaRPr lang="en-US"/>
+              <a:endParaRPr lang="en-US">
+                <a:latin typeface="Gill Sans MT" panose="020B0502020104020203" pitchFamily="34" charset="77"/>
+              </a:endParaRPr>
             </a:p>
           </p:txBody>
         </p:sp>
@@ -16827,7 +16964,9 @@
             <a:bodyPr rtlCol="0" anchor="ctr"/>
             <a:lstStyle/>
             <a:p>
-              <a:endParaRPr lang="en-US"/>
+              <a:endParaRPr lang="en-US">
+                <a:latin typeface="Gill Sans MT" panose="020B0502020104020203" pitchFamily="34" charset="77"/>
+              </a:endParaRPr>
             </a:p>
           </p:txBody>
         </p:sp>
@@ -16907,7 +17046,9 @@
             <a:bodyPr rtlCol="0" anchor="ctr"/>
             <a:lstStyle/>
             <a:p>
-              <a:endParaRPr lang="en-US"/>
+              <a:endParaRPr lang="en-US">
+                <a:latin typeface="Gill Sans MT" panose="020B0502020104020203" pitchFamily="34" charset="77"/>
+              </a:endParaRPr>
             </a:p>
           </p:txBody>
         </p:sp>
@@ -16987,7 +17128,9 @@
             <a:bodyPr rtlCol="0" anchor="ctr"/>
             <a:lstStyle/>
             <a:p>
-              <a:endParaRPr lang="en-US"/>
+              <a:endParaRPr lang="en-US">
+                <a:latin typeface="Gill Sans MT" panose="020B0502020104020203" pitchFamily="34" charset="77"/>
+              </a:endParaRPr>
             </a:p>
           </p:txBody>
         </p:sp>
@@ -17067,7 +17210,9 @@
             <a:bodyPr rtlCol="0" anchor="ctr"/>
             <a:lstStyle/>
             <a:p>
-              <a:endParaRPr lang="en-US"/>
+              <a:endParaRPr lang="en-US">
+                <a:latin typeface="Gill Sans MT" panose="020B0502020104020203" pitchFamily="34" charset="77"/>
+              </a:endParaRPr>
             </a:p>
           </p:txBody>
         </p:sp>
@@ -17147,7 +17292,9 @@
             <a:bodyPr rtlCol="0" anchor="ctr"/>
             <a:lstStyle/>
             <a:p>
-              <a:endParaRPr lang="en-US"/>
+              <a:endParaRPr lang="en-US">
+                <a:latin typeface="Gill Sans MT" panose="020B0502020104020203" pitchFamily="34" charset="77"/>
+              </a:endParaRPr>
             </a:p>
           </p:txBody>
         </p:sp>
@@ -17227,7 +17374,9 @@
             <a:bodyPr rtlCol="0" anchor="ctr"/>
             <a:lstStyle/>
             <a:p>
-              <a:endParaRPr lang="en-US"/>
+              <a:endParaRPr lang="en-US">
+                <a:latin typeface="Gill Sans MT" panose="020B0502020104020203" pitchFamily="34" charset="77"/>
+              </a:endParaRPr>
             </a:p>
           </p:txBody>
         </p:sp>
@@ -17307,7 +17456,9 @@
             <a:bodyPr rtlCol="0" anchor="ctr"/>
             <a:lstStyle/>
             <a:p>
-              <a:endParaRPr lang="en-US"/>
+              <a:endParaRPr lang="en-US">
+                <a:latin typeface="Gill Sans MT" panose="020B0502020104020203" pitchFamily="34" charset="77"/>
+              </a:endParaRPr>
             </a:p>
           </p:txBody>
         </p:sp>
@@ -17410,7 +17561,9 @@
             <a:bodyPr rtlCol="0" anchor="ctr"/>
             <a:lstStyle/>
             <a:p>
-              <a:endParaRPr lang="en-US"/>
+              <a:endParaRPr lang="en-US">
+                <a:latin typeface="Gill Sans MT" panose="020B0502020104020203" pitchFamily="34" charset="77"/>
+              </a:endParaRPr>
             </a:p>
           </p:txBody>
         </p:sp>
@@ -17506,7 +17659,9 @@
             <a:bodyPr rtlCol="0" anchor="ctr"/>
             <a:lstStyle/>
             <a:p>
-              <a:endParaRPr lang="en-US"/>
+              <a:endParaRPr lang="en-US">
+                <a:latin typeface="Gill Sans MT" panose="020B0502020104020203" pitchFamily="34" charset="77"/>
+              </a:endParaRPr>
             </a:p>
           </p:txBody>
         </p:sp>
@@ -17602,7 +17757,9 @@
             <a:bodyPr rtlCol="0" anchor="ctr"/>
             <a:lstStyle/>
             <a:p>
-              <a:endParaRPr lang="en-US"/>
+              <a:endParaRPr lang="en-US">
+                <a:latin typeface="Gill Sans MT" panose="020B0502020104020203" pitchFamily="34" charset="77"/>
+              </a:endParaRPr>
             </a:p>
           </p:txBody>
         </p:sp>
@@ -17682,7 +17839,9 @@
             <a:bodyPr rtlCol="0" anchor="ctr"/>
             <a:lstStyle/>
             <a:p>
-              <a:endParaRPr lang="en-US"/>
+              <a:endParaRPr lang="en-US">
+                <a:latin typeface="Gill Sans MT" panose="020B0502020104020203" pitchFamily="34" charset="77"/>
+              </a:endParaRPr>
             </a:p>
           </p:txBody>
         </p:sp>
@@ -17762,7 +17921,9 @@
             <a:bodyPr rtlCol="0" anchor="ctr"/>
             <a:lstStyle/>
             <a:p>
-              <a:endParaRPr lang="en-US"/>
+              <a:endParaRPr lang="en-US">
+                <a:latin typeface="Gill Sans MT" panose="020B0502020104020203" pitchFamily="34" charset="77"/>
+              </a:endParaRPr>
             </a:p>
           </p:txBody>
         </p:sp>
@@ -17842,7 +18003,9 @@
             <a:bodyPr rtlCol="0" anchor="ctr"/>
             <a:lstStyle/>
             <a:p>
-              <a:endParaRPr lang="en-US"/>
+              <a:endParaRPr lang="en-US">
+                <a:latin typeface="Gill Sans MT" panose="020B0502020104020203" pitchFamily="34" charset="77"/>
+              </a:endParaRPr>
             </a:p>
           </p:txBody>
         </p:sp>
@@ -17922,7 +18085,9 @@
             <a:bodyPr rtlCol="0" anchor="ctr"/>
             <a:lstStyle/>
             <a:p>
-              <a:endParaRPr lang="en-US"/>
+              <a:endParaRPr lang="en-US">
+                <a:latin typeface="Gill Sans MT" panose="020B0502020104020203" pitchFamily="34" charset="77"/>
+              </a:endParaRPr>
             </a:p>
           </p:txBody>
         </p:sp>
@@ -18002,7 +18167,9 @@
             <a:bodyPr rtlCol="0" anchor="ctr"/>
             <a:lstStyle/>
             <a:p>
-              <a:endParaRPr lang="en-US"/>
+              <a:endParaRPr lang="en-US">
+                <a:latin typeface="Gill Sans MT" panose="020B0502020104020203" pitchFamily="34" charset="77"/>
+              </a:endParaRPr>
             </a:p>
           </p:txBody>
         </p:sp>
@@ -18082,7 +18249,9 @@
             <a:bodyPr rtlCol="0" anchor="ctr"/>
             <a:lstStyle/>
             <a:p>
-              <a:endParaRPr lang="en-US"/>
+              <a:endParaRPr lang="en-US">
+                <a:latin typeface="Gill Sans MT" panose="020B0502020104020203" pitchFamily="34" charset="77"/>
+              </a:endParaRPr>
             </a:p>
           </p:txBody>
         </p:sp>
@@ -18162,7 +18331,9 @@
             <a:bodyPr rtlCol="0" anchor="ctr"/>
             <a:lstStyle/>
             <a:p>
-              <a:endParaRPr lang="en-US"/>
+              <a:endParaRPr lang="en-US">
+                <a:latin typeface="Gill Sans MT" panose="020B0502020104020203" pitchFamily="34" charset="77"/>
+              </a:endParaRPr>
             </a:p>
           </p:txBody>
         </p:sp>
@@ -18242,7 +18413,9 @@
             <a:bodyPr rtlCol="0" anchor="ctr"/>
             <a:lstStyle/>
             <a:p>
-              <a:endParaRPr lang="en-US"/>
+              <a:endParaRPr lang="en-US">
+                <a:latin typeface="Gill Sans MT" panose="020B0502020104020203" pitchFamily="34" charset="77"/>
+              </a:endParaRPr>
             </a:p>
           </p:txBody>
         </p:sp>
@@ -18345,7 +18518,9 @@
             <a:bodyPr rtlCol="0" anchor="ctr"/>
             <a:lstStyle/>
             <a:p>
-              <a:endParaRPr lang="en-US"/>
+              <a:endParaRPr lang="en-US">
+                <a:latin typeface="Gill Sans MT" panose="020B0502020104020203" pitchFamily="34" charset="77"/>
+              </a:endParaRPr>
             </a:p>
           </p:txBody>
         </p:sp>
@@ -18441,7 +18616,9 @@
             <a:bodyPr rtlCol="0" anchor="ctr"/>
             <a:lstStyle/>
             <a:p>
-              <a:endParaRPr lang="en-US"/>
+              <a:endParaRPr lang="en-US">
+                <a:latin typeface="Gill Sans MT" panose="020B0502020104020203" pitchFamily="34" charset="77"/>
+              </a:endParaRPr>
             </a:p>
           </p:txBody>
         </p:sp>
@@ -18537,7 +18714,9 @@
             <a:bodyPr rtlCol="0" anchor="ctr"/>
             <a:lstStyle/>
             <a:p>
-              <a:endParaRPr lang="en-US"/>
+              <a:endParaRPr lang="en-US">
+                <a:latin typeface="Gill Sans MT" panose="020B0502020104020203" pitchFamily="34" charset="77"/>
+              </a:endParaRPr>
             </a:p>
           </p:txBody>
         </p:sp>
@@ -18617,7 +18796,9 @@
             <a:bodyPr rtlCol="0" anchor="ctr"/>
             <a:lstStyle/>
             <a:p>
-              <a:endParaRPr lang="en-US"/>
+              <a:endParaRPr lang="en-US">
+                <a:latin typeface="Gill Sans MT" panose="020B0502020104020203" pitchFamily="34" charset="77"/>
+              </a:endParaRPr>
             </a:p>
           </p:txBody>
         </p:sp>
@@ -18697,7 +18878,9 @@
             <a:bodyPr rtlCol="0" anchor="ctr"/>
             <a:lstStyle/>
             <a:p>
-              <a:endParaRPr lang="en-US"/>
+              <a:endParaRPr lang="en-US">
+                <a:latin typeface="Gill Sans MT" panose="020B0502020104020203" pitchFamily="34" charset="77"/>
+              </a:endParaRPr>
             </a:p>
           </p:txBody>
         </p:sp>
@@ -18777,7 +18960,9 @@
             <a:bodyPr rtlCol="0" anchor="ctr"/>
             <a:lstStyle/>
             <a:p>
-              <a:endParaRPr lang="en-US"/>
+              <a:endParaRPr lang="en-US">
+                <a:latin typeface="Gill Sans MT" panose="020B0502020104020203" pitchFamily="34" charset="77"/>
+              </a:endParaRPr>
             </a:p>
           </p:txBody>
         </p:sp>
@@ -18857,7 +19042,9 @@
             <a:bodyPr rtlCol="0" anchor="ctr"/>
             <a:lstStyle/>
             <a:p>
-              <a:endParaRPr lang="en-US"/>
+              <a:endParaRPr lang="en-US">
+                <a:latin typeface="Gill Sans MT" panose="020B0502020104020203" pitchFamily="34" charset="77"/>
+              </a:endParaRPr>
             </a:p>
           </p:txBody>
         </p:sp>
@@ -18937,7 +19124,9 @@
             <a:bodyPr rtlCol="0" anchor="ctr"/>
             <a:lstStyle/>
             <a:p>
-              <a:endParaRPr lang="en-US"/>
+              <a:endParaRPr lang="en-US">
+                <a:latin typeface="Gill Sans MT" panose="020B0502020104020203" pitchFamily="34" charset="77"/>
+              </a:endParaRPr>
             </a:p>
           </p:txBody>
         </p:sp>
@@ -19017,7 +19206,9 @@
             <a:bodyPr rtlCol="0" anchor="ctr"/>
             <a:lstStyle/>
             <a:p>
-              <a:endParaRPr lang="en-US"/>
+              <a:endParaRPr lang="en-US">
+                <a:latin typeface="Gill Sans MT" panose="020B0502020104020203" pitchFamily="34" charset="77"/>
+              </a:endParaRPr>
             </a:p>
           </p:txBody>
         </p:sp>
@@ -19097,7 +19288,9 @@
             <a:bodyPr rtlCol="0" anchor="ctr"/>
             <a:lstStyle/>
             <a:p>
-              <a:endParaRPr lang="en-US"/>
+              <a:endParaRPr lang="en-US">
+                <a:latin typeface="Gill Sans MT" panose="020B0502020104020203" pitchFamily="34" charset="77"/>
+              </a:endParaRPr>
             </a:p>
           </p:txBody>
         </p:sp>
@@ -19177,7 +19370,9 @@
             <a:bodyPr rtlCol="0" anchor="ctr"/>
             <a:lstStyle/>
             <a:p>
-              <a:endParaRPr lang="en-US"/>
+              <a:endParaRPr lang="en-US">
+                <a:latin typeface="Gill Sans MT" panose="020B0502020104020203" pitchFamily="34" charset="77"/>
+              </a:endParaRPr>
             </a:p>
           </p:txBody>
         </p:sp>
@@ -19288,7 +19483,9 @@
             <a:bodyPr rtlCol="0" anchor="ctr"/>
             <a:lstStyle/>
             <a:p>
-              <a:endParaRPr lang="en-US"/>
+              <a:endParaRPr lang="en-US">
+                <a:latin typeface="Gill Sans MT" panose="020B0502020104020203" pitchFamily="34" charset="77"/>
+              </a:endParaRPr>
             </a:p>
           </p:txBody>
         </p:sp>
@@ -19378,7 +19575,9 @@
             <a:bodyPr rtlCol="0" anchor="ctr"/>
             <a:lstStyle/>
             <a:p>
-              <a:endParaRPr lang="en-US"/>
+              <a:endParaRPr lang="en-US">
+                <a:latin typeface="Gill Sans MT" panose="020B0502020104020203" pitchFamily="34" charset="77"/>
+              </a:endParaRPr>
             </a:p>
           </p:txBody>
         </p:sp>
@@ -19449,7 +19648,9 @@
             <a:bodyPr rtlCol="0" anchor="ctr"/>
             <a:lstStyle/>
             <a:p>
-              <a:endParaRPr lang="en-US"/>
+              <a:endParaRPr lang="en-US">
+                <a:latin typeface="Gill Sans MT" panose="020B0502020104020203" pitchFamily="34" charset="77"/>
+              </a:endParaRPr>
             </a:p>
           </p:txBody>
         </p:sp>
@@ -19512,7 +19713,9 @@
             <a:bodyPr rtlCol="0" anchor="ctr"/>
             <a:lstStyle/>
             <a:p>
-              <a:endParaRPr lang="en-US"/>
+              <a:endParaRPr lang="en-US">
+                <a:latin typeface="Gill Sans MT" panose="020B0502020104020203" pitchFamily="34" charset="77"/>
+              </a:endParaRPr>
             </a:p>
           </p:txBody>
         </p:sp>
@@ -19575,7 +19778,9 @@
             <a:bodyPr rtlCol="0" anchor="ctr"/>
             <a:lstStyle/>
             <a:p>
-              <a:endParaRPr lang="en-US"/>
+              <a:endParaRPr lang="en-US">
+                <a:latin typeface="Gill Sans MT" panose="020B0502020104020203" pitchFamily="34" charset="77"/>
+              </a:endParaRPr>
             </a:p>
           </p:txBody>
         </p:sp>
@@ -19654,7 +19859,9 @@
             <a:bodyPr rtlCol="0" anchor="ctr"/>
             <a:lstStyle/>
             <a:p>
-              <a:endParaRPr lang="en-US"/>
+              <a:endParaRPr lang="en-US">
+                <a:latin typeface="Gill Sans MT" panose="020B0502020104020203" pitchFamily="34" charset="77"/>
+              </a:endParaRPr>
             </a:p>
           </p:txBody>
         </p:sp>
@@ -19717,7 +19924,9 @@
             <a:bodyPr rtlCol="0" anchor="ctr"/>
             <a:lstStyle/>
             <a:p>
-              <a:endParaRPr lang="en-US"/>
+              <a:endParaRPr lang="en-US">
+                <a:latin typeface="Gill Sans MT" panose="020B0502020104020203" pitchFamily="34" charset="77"/>
+              </a:endParaRPr>
             </a:p>
           </p:txBody>
         </p:sp>
@@ -19828,7 +20037,9 @@
             <a:bodyPr rtlCol="0" anchor="ctr"/>
             <a:lstStyle/>
             <a:p>
-              <a:endParaRPr lang="en-US"/>
+              <a:endParaRPr lang="en-US">
+                <a:latin typeface="Gill Sans MT" panose="020B0502020104020203" pitchFamily="34" charset="77"/>
+              </a:endParaRPr>
             </a:p>
           </p:txBody>
         </p:sp>
@@ -19918,7 +20129,9 @@
             <a:bodyPr rtlCol="0" anchor="ctr"/>
             <a:lstStyle/>
             <a:p>
-              <a:endParaRPr lang="en-US"/>
+              <a:endParaRPr lang="en-US">
+                <a:latin typeface="Gill Sans MT" panose="020B0502020104020203" pitchFamily="34" charset="77"/>
+              </a:endParaRPr>
             </a:p>
           </p:txBody>
         </p:sp>
@@ -19989,7 +20202,9 @@
             <a:bodyPr rtlCol="0" anchor="ctr"/>
             <a:lstStyle/>
             <a:p>
-              <a:endParaRPr lang="en-US"/>
+              <a:endParaRPr lang="en-US">
+                <a:latin typeface="Gill Sans MT" panose="020B0502020104020203" pitchFamily="34" charset="77"/>
+              </a:endParaRPr>
             </a:p>
           </p:txBody>
         </p:sp>
@@ -20052,7 +20267,9 @@
             <a:bodyPr rtlCol="0" anchor="ctr"/>
             <a:lstStyle/>
             <a:p>
-              <a:endParaRPr lang="en-US"/>
+              <a:endParaRPr lang="en-US">
+                <a:latin typeface="Gill Sans MT" panose="020B0502020104020203" pitchFamily="34" charset="77"/>
+              </a:endParaRPr>
             </a:p>
           </p:txBody>
         </p:sp>
@@ -20115,7 +20332,9 @@
             <a:bodyPr rtlCol="0" anchor="ctr"/>
             <a:lstStyle/>
             <a:p>
-              <a:endParaRPr lang="en-US"/>
+              <a:endParaRPr lang="en-US">
+                <a:latin typeface="Gill Sans MT" panose="020B0502020104020203" pitchFamily="34" charset="77"/>
+              </a:endParaRPr>
             </a:p>
           </p:txBody>
         </p:sp>
@@ -20194,7 +20413,9 @@
             <a:bodyPr rtlCol="0" anchor="ctr"/>
             <a:lstStyle/>
             <a:p>
-              <a:endParaRPr lang="en-US"/>
+              <a:endParaRPr lang="en-US">
+                <a:latin typeface="Gill Sans MT" panose="020B0502020104020203" pitchFamily="34" charset="77"/>
+              </a:endParaRPr>
             </a:p>
           </p:txBody>
         </p:sp>
@@ -20257,7 +20478,9 @@
             <a:bodyPr rtlCol="0" anchor="ctr"/>
             <a:lstStyle/>
             <a:p>
-              <a:endParaRPr lang="en-US"/>
+              <a:endParaRPr lang="en-US">
+                <a:latin typeface="Gill Sans MT" panose="020B0502020104020203" pitchFamily="34" charset="77"/>
+              </a:endParaRPr>
             </a:p>
           </p:txBody>
         </p:sp>
@@ -20328,6 +20551,7 @@
                 <a:solidFill>
                   <a:srgbClr val="1F2328"/>
                 </a:solidFill>
+                <a:latin typeface="Gill Sans MT" panose="020B0502020104020203" pitchFamily="34" charset="77"/>
               </a:rPr>
               <a:t>Load model, modify, store it back</a:t>
             </a:r>
@@ -20345,6 +20569,7 @@
                 <a:solidFill>
                   <a:srgbClr val="1F2328"/>
                 </a:solidFill>
+                <a:latin typeface="Gill Sans MT" panose="020B0502020104020203" pitchFamily="34" charset="77"/>
               </a:rPr>
               <a:t>Load, derive something else</a:t>
             </a:r>
@@ -20643,6 +20868,7 @@
                 <a:solidFill>
                   <a:srgbClr val="1F2328"/>
                 </a:solidFill>
+                <a:latin typeface="Gill Sans MT" panose="020B0502020104020203" pitchFamily="34" charset="77"/>
               </a:rPr>
               <a:t>Delta</a:t>
             </a:r>
@@ -20660,6 +20886,7 @@
                 <a:solidFill>
                   <a:srgbClr val="1F2328"/>
                 </a:solidFill>
+                <a:latin typeface="Gill Sans MT" panose="020B0502020104020203" pitchFamily="34" charset="77"/>
               </a:rPr>
               <a:t>Initialise with model,</a:t>
             </a:r>
@@ -20668,6 +20895,7 @@
                 <a:solidFill>
                   <a:srgbClr val="1F2328"/>
                 </a:solidFill>
+                <a:latin typeface="Gill Sans MT" panose="020B0502020104020203" pitchFamily="34" charset="77"/>
               </a:rPr>
             </a:br>
             <a:r>
@@ -20675,10 +20903,13 @@
                 <a:solidFill>
                   <a:srgbClr val="1F2328"/>
                 </a:solidFill>
+                <a:latin typeface="Gill Sans MT" panose="020B0502020104020203" pitchFamily="34" charset="77"/>
               </a:rPr>
               <a:t>get notified of changes, write back changes continuously</a:t>
             </a:r>
-            <a:endParaRPr lang="en-US" dirty="0"/>
+            <a:endParaRPr lang="en-US" dirty="0">
+              <a:latin typeface="Gill Sans MT" panose="020B0502020104020203" pitchFamily="34" charset="77"/>
+            </a:endParaRPr>
           </a:p>
         </p:txBody>
       </p:sp>
@@ -20719,7 +20950,7 @@
                 <a:solidFill>
                   <a:srgbClr val="FFFFFF"/>
                 </a:solidFill>
-                <a:latin typeface="Calibri"/>
+                <a:latin typeface="Gill Sans MT" panose="020B0502020104020203" pitchFamily="34" charset="77"/>
                 <a:cs typeface="Calibri"/>
                 <a:sym typeface="Calibri"/>
                 <a:rtl val="0"/>
@@ -20766,7 +20997,7 @@
                 <a:solidFill>
                   <a:srgbClr val="FFFFFF"/>
                 </a:solidFill>
-                <a:latin typeface="Calibri"/>
+                <a:latin typeface="Gill Sans MT" panose="020B0502020104020203" pitchFamily="34" charset="77"/>
                 <a:cs typeface="Calibri"/>
                 <a:sym typeface="Calibri"/>
                 <a:rtl val="0"/>
@@ -20813,7 +21044,7 @@
                 <a:solidFill>
                   <a:srgbClr val="FFFFFF"/>
                 </a:solidFill>
-                <a:latin typeface="Calibri"/>
+                <a:latin typeface="Gill Sans MT" panose="020B0502020104020203" pitchFamily="34" charset="77"/>
                 <a:cs typeface="Calibri"/>
                 <a:sym typeface="Calibri"/>
                 <a:rtl val="0"/>
@@ -20860,7 +21091,7 @@
                 <a:solidFill>
                   <a:srgbClr val="FFFFFF"/>
                 </a:solidFill>
-                <a:latin typeface="Calibri"/>
+                <a:latin typeface="Gill Sans MT" panose="020B0502020104020203" pitchFamily="34" charset="77"/>
                 <a:cs typeface="Calibri"/>
                 <a:sym typeface="Calibri"/>
                 <a:rtl val="0"/>
@@ -20907,7 +21138,7 @@
                 <a:solidFill>
                   <a:srgbClr val="FFFFFF"/>
                 </a:solidFill>
-                <a:latin typeface="Calibri"/>
+                <a:latin typeface="Gill Sans MT" panose="020B0502020104020203" pitchFamily="34" charset="77"/>
                 <a:cs typeface="Calibri"/>
                 <a:sym typeface="Calibri"/>
                 <a:rtl val="0"/>
@@ -20954,7 +21185,7 @@
                 <a:solidFill>
                   <a:srgbClr val="FFFFFF"/>
                 </a:solidFill>
-                <a:latin typeface="Calibri"/>
+                <a:latin typeface="Gill Sans MT" panose="020B0502020104020203" pitchFamily="34" charset="77"/>
                 <a:cs typeface="Calibri"/>
                 <a:sym typeface="Calibri"/>
                 <a:rtl val="0"/>
@@ -21001,7 +21232,7 @@
                 <a:solidFill>
                   <a:srgbClr val="FFFFFF"/>
                 </a:solidFill>
-                <a:latin typeface="Calibri"/>
+                <a:latin typeface="Gill Sans MT" panose="020B0502020104020203" pitchFamily="34" charset="77"/>
                 <a:cs typeface="Calibri"/>
                 <a:sym typeface="Calibri"/>
                 <a:rtl val="0"/>
@@ -21048,7 +21279,7 @@
                 <a:solidFill>
                   <a:srgbClr val="FFFFFF"/>
                 </a:solidFill>
-                <a:latin typeface="Calibri"/>
+                <a:latin typeface="Gill Sans MT" panose="020B0502020104020203" pitchFamily="34" charset="77"/>
                 <a:cs typeface="Calibri"/>
                 <a:sym typeface="Calibri"/>
                 <a:rtl val="0"/>
@@ -21151,7 +21382,7 @@
         </p:blipFill>
         <p:spPr>
           <a:xfrm>
-            <a:off x="7534497" y="4390442"/>
+            <a:off x="1608710" y="665511"/>
             <a:ext cx="581347" cy="597496"/>
           </a:xfrm>
           <a:prstGeom prst="rect">
@@ -21187,7 +21418,7 @@
         </p:blipFill>
         <p:spPr>
           <a:xfrm>
-            <a:off x="3208653" y="683324"/>
+            <a:off x="2118404" y="665511"/>
             <a:ext cx="4907191" cy="4390644"/>
           </a:xfrm>
           <a:prstGeom prst="rect">
@@ -21283,7 +21514,7 @@
         </p:blipFill>
         <p:spPr>
           <a:xfrm>
-            <a:off x="2860653" y="1557337"/>
+            <a:off x="1904689" y="1604838"/>
             <a:ext cx="5591175" cy="2028825"/>
           </a:xfrm>
           <a:prstGeom prst="rect">
@@ -21422,7 +21653,9 @@
           <a:p>
             <a:pPr algn="ctr"/>
             <a:r>
-              <a:rPr lang="en-NL" sz="1200" dirty="0"/>
+              <a:rPr lang="en-NL" sz="1200" dirty="0">
+                <a:latin typeface="Gill Sans MT" panose="020B0502020104020203" pitchFamily="34" charset="77"/>
+              </a:rPr>
               <a:t>Freon Editor for LionWeb MetaModels</a:t>
             </a:r>
           </a:p>
@@ -21478,7 +21711,9 @@
           <a:p>
             <a:pPr algn="ctr"/>
             <a:r>
-              <a:rPr lang="en-NL" sz="1200" dirty="0"/>
+              <a:rPr lang="en-NL" sz="1200" dirty="0">
+                <a:latin typeface="Gill Sans MT" panose="020B0502020104020203" pitchFamily="34" charset="77"/>
+              </a:rPr>
               <a:t>LionWeb PROP metamodel</a:t>
             </a:r>
           </a:p>
@@ -21527,7 +21762,9 @@
           <a:p>
             <a:pPr algn="ctr"/>
             <a:r>
-              <a:rPr lang="en-NL" sz="1200" dirty="0"/>
+              <a:rPr lang="en-NL" sz="1200" dirty="0">
+                <a:latin typeface="Gill Sans MT" panose="020B0502020104020203" pitchFamily="34" charset="77"/>
+              </a:rPr>
               <a:t>MPS Converter </a:t>
             </a:r>
           </a:p>
@@ -21583,10 +21820,14 @@
           <a:p>
             <a:pPr algn="ctr"/>
             <a:r>
-              <a:rPr lang="en-US" sz="1200" dirty="0"/>
+              <a:rPr lang="en-US" sz="1200" dirty="0">
+                <a:latin typeface="Gill Sans MT" panose="020B0502020104020203" pitchFamily="34" charset="77"/>
+              </a:rPr>
               <a:t>MPS PROP Language</a:t>
             </a:r>
-            <a:endParaRPr lang="en-NL" sz="1200" dirty="0"/>
+            <a:endParaRPr lang="en-NL" sz="1200" dirty="0">
+              <a:latin typeface="Gill Sans MT" panose="020B0502020104020203" pitchFamily="34" charset="77"/>
+            </a:endParaRPr>
           </a:p>
         </p:txBody>
       </p:sp>
@@ -21641,7 +21882,9 @@
           <a:p>
             <a:pPr algn="ctr"/>
             <a:r>
-              <a:rPr lang="en-NL" sz="1200" dirty="0"/>
+              <a:rPr lang="en-NL" sz="1200" dirty="0">
+                <a:latin typeface="Gill Sans MT" panose="020B0502020104020203" pitchFamily="34" charset="77"/>
+              </a:rPr>
               <a:t>MPS with PROP language </a:t>
             </a:r>
           </a:p>
@@ -21698,7 +21941,9 @@
           <a:p>
             <a:pPr algn="ctr"/>
             <a:r>
-              <a:rPr lang="en-NL" sz="1200" dirty="0"/>
+              <a:rPr lang="en-NL" sz="1200" dirty="0">
+                <a:latin typeface="Gill Sans MT" panose="020B0502020104020203" pitchFamily="34" charset="77"/>
+              </a:rPr>
               <a:t>Freon PROP Web Editor</a:t>
             </a:r>
           </a:p>
@@ -21747,7 +21992,9 @@
           <a:p>
             <a:pPr algn="ctr"/>
             <a:r>
-              <a:rPr lang="en-NL" sz="1200" dirty="0"/>
+              <a:rPr lang="en-NL" sz="1200" dirty="0">
+                <a:latin typeface="Gill Sans MT" panose="020B0502020104020203" pitchFamily="34" charset="77"/>
+              </a:rPr>
               <a:t>Freon Converter</a:t>
             </a:r>
           </a:p>
@@ -21803,7 +22050,9 @@
           <a:p>
             <a:pPr algn="ctr"/>
             <a:r>
-              <a:rPr lang="en-NL" sz="1200" dirty="0"/>
+              <a:rPr lang="en-NL" sz="1200" dirty="0">
+                <a:latin typeface="Gill Sans MT" panose="020B0502020104020203" pitchFamily="34" charset="77"/>
+              </a:rPr>
               <a:t>Freon PROP language</a:t>
             </a:r>
           </a:p>
@@ -22228,7 +22477,9 @@
           <a:p>
             <a:pPr algn="ctr"/>
             <a:r>
-              <a:rPr lang="en-NL" sz="1200" dirty="0"/>
+              <a:rPr lang="en-NL" sz="1200" dirty="0">
+                <a:latin typeface="Gill Sans MT" panose="020B0502020104020203" pitchFamily="34" charset="77"/>
+              </a:rPr>
               <a:t>Kotlin Converter</a:t>
             </a:r>
           </a:p>
@@ -22335,7 +22586,9 @@
           <a:p>
             <a:pPr algn="ctr"/>
             <a:r>
-              <a:rPr lang="en-NL" sz="1200" dirty="0"/>
+              <a:rPr lang="en-NL" sz="1200" dirty="0">
+                <a:latin typeface="Gill Sans MT" panose="020B0502020104020203" pitchFamily="34" charset="77"/>
+              </a:rPr>
               <a:t>Kotlin PROP Application</a:t>
             </a:r>
           </a:p>
@@ -22391,14 +22644,18 @@
           <a:p>
             <a:pPr algn="ctr"/>
             <a:r>
-              <a:rPr lang="en-NL" sz="1200" dirty="0"/>
+              <a:rPr lang="en-NL" sz="1200" dirty="0">
+                <a:latin typeface="Gill Sans MT" panose="020B0502020104020203" pitchFamily="34" charset="77"/>
+              </a:rPr>
               <a:t>Kotlin PROP</a:t>
             </a:r>
           </a:p>
           <a:p>
             <a:pPr algn="ctr"/>
             <a:r>
-              <a:rPr lang="en-NL" sz="1200" dirty="0"/>
+              <a:rPr lang="en-NL" sz="1200" dirty="0">
+                <a:latin typeface="Gill Sans MT" panose="020B0502020104020203" pitchFamily="34" charset="77"/>
+              </a:rPr>
               <a:t>classes</a:t>
             </a:r>
           </a:p>
@@ -22464,7 +22721,7 @@
         <p:spPr>
           <a:xfrm>
             <a:off x="6393164" y="287423"/>
-            <a:ext cx="2422458" cy="307777"/>
+            <a:ext cx="2230098" cy="307777"/>
           </a:xfrm>
           <a:prstGeom prst="rect">
             <a:avLst/>
@@ -22478,7 +22735,9 @@
           <a:lstStyle/>
           <a:p>
             <a:r>
-              <a:rPr lang="en-NL" dirty="0"/>
+              <a:rPr lang="en-NL" dirty="0">
+                <a:latin typeface="Gill Sans MT" panose="020B0502020104020203" pitchFamily="34" charset="77"/>
+              </a:rPr>
               <a:t>Meta / Language Demo flow</a:t>
             </a:r>
           </a:p>
@@ -22527,7 +22786,9 @@
           <a:p>
             <a:pPr algn="ctr"/>
             <a:r>
-              <a:rPr lang="en-NL" sz="1200" dirty="0"/>
+              <a:rPr lang="en-NL" sz="1200" dirty="0">
+                <a:latin typeface="Gill Sans MT" panose="020B0502020104020203" pitchFamily="34" charset="77"/>
+              </a:rPr>
               <a:t>Ecore Converter</a:t>
             </a:r>
           </a:p>
@@ -22633,7 +22894,9 @@
           <a:p>
             <a:pPr algn="ctr"/>
             <a:r>
-              <a:rPr lang="en-NL" sz="1200" dirty="0"/>
+              <a:rPr lang="en-NL" sz="1200" dirty="0">
+                <a:latin typeface="Gill Sans MT" panose="020B0502020104020203" pitchFamily="34" charset="77"/>
+              </a:rPr>
               <a:t>Ecore PROP language</a:t>
             </a:r>
           </a:p>
@@ -22735,7 +22998,9 @@
           <a:p>
             <a:pPr algn="ctr"/>
             <a:r>
-              <a:rPr lang="en-NL" sz="1200" dirty="0"/>
+              <a:rPr lang="en-NL" sz="1200" dirty="0">
+                <a:latin typeface="Gill Sans MT" panose="020B0502020104020203" pitchFamily="34" charset="77"/>
+              </a:rPr>
               <a:t>Ecore PROP language + Xtend</a:t>
             </a:r>
           </a:p>
@@ -26668,7 +26933,7 @@
         <p:spPr>
           <a:xfrm>
             <a:off x="2410691" y="943675"/>
-            <a:ext cx="6337084" cy="1046878"/>
+            <a:ext cx="5106390" cy="1176070"/>
           </a:xfrm>
           <a:prstGeom prst="rect">
             <a:avLst/>
@@ -26845,6 +27110,7 @@
                 <a:solidFill>
                   <a:schemeClr val="tx1"/>
                 </a:solidFill>
+                <a:latin typeface="Gill Sans MT" panose="020B0502020104020203" pitchFamily="34" charset="77"/>
               </a:rPr>
               <a:t>To create an ecosystem of interoperable components for building language-oriented modeling tools on the web.</a:t>
             </a:r>
@@ -26852,6 +27118,7 @@
               <a:solidFill>
                 <a:schemeClr val="tx1"/>
               </a:solidFill>
+              <a:latin typeface="Gill Sans MT" panose="020B0502020104020203" pitchFamily="34" charset="77"/>
             </a:endParaRPr>
           </a:p>
         </p:txBody>
@@ -26915,9 +27182,10 @@
           <a:lstStyle/>
           <a:p>
             <a:r>
-              <a:rPr lang="en-US" dirty="0"/>
+              <a:rPr lang="en-US"/>
               <a:t>Why – Rationale</a:t>
             </a:r>
+            <a:endParaRPr lang="en-US" dirty="0"/>
           </a:p>
         </p:txBody>
       </p:sp>
@@ -26950,21 +27218,24 @@
           <a:lstStyle/>
           <a:p>
             <a:r>
-              <a:rPr lang="en-US" dirty="0"/>
+              <a:rPr lang="en-US"/>
               <a:t>Most mature LWBs desktop-based</a:t>
             </a:r>
           </a:p>
           <a:p>
             <a:pPr lvl="1"/>
             <a:r>
-              <a:rPr lang="en-US" dirty="0"/>
+              <a:rPr lang="en-US">
+                <a:latin typeface="Gill Sans MT" panose="020B0502020104020203" pitchFamily="34" charset="77"/>
+              </a:rPr>
               <a:t>Everything needs to be web</a:t>
             </a:r>
           </a:p>
           <a:p>
             <a:pPr lvl="1"/>
             <a:r>
-              <a:rPr lang="en-US" dirty="0">
+              <a:rPr lang="en-US">
+                <a:latin typeface="Gill Sans MT" panose="020B0502020104020203" pitchFamily="34" charset="77"/>
                 <a:sym typeface="Wingdings" panose="05000000000000000000" pitchFamily="2" charset="2"/>
               </a:rPr>
               <a:t>Huge re-engineering effort</a:t>
@@ -26977,53 +27248,59 @@
               </a:lnSpc>
             </a:pPr>
             <a:r>
-              <a:rPr lang="en-US" dirty="0"/>
+              <a:rPr lang="en-US"/>
               <a:t>Language Engineering landscape is fragmented</a:t>
             </a:r>
           </a:p>
           <a:p>
             <a:pPr lvl="1"/>
             <a:r>
-              <a:rPr lang="en-US" dirty="0"/>
+              <a:rPr lang="en-US">
+                <a:latin typeface="Gill Sans MT" panose="020B0502020104020203" pitchFamily="34" charset="77"/>
+              </a:rPr>
               <a:t>Strong tool lock-in</a:t>
             </a:r>
           </a:p>
           <a:p>
             <a:pPr lvl="1"/>
             <a:r>
-              <a:rPr lang="en-US" dirty="0"/>
+              <a:rPr lang="en-US">
+                <a:latin typeface="Gill Sans MT" panose="020B0502020104020203" pitchFamily="34" charset="77"/>
+              </a:rPr>
               <a:t>Many interesting tools/component that you would like to use … but …  you cannot</a:t>
             </a:r>
           </a:p>
           <a:p>
             <a:pPr lvl="1"/>
             <a:r>
-              <a:rPr lang="en-US" dirty="0"/>
+              <a:rPr lang="en-US">
+                <a:latin typeface="Gill Sans MT" panose="020B0502020104020203" pitchFamily="34" charset="77"/>
+              </a:rPr>
               <a:t>Everybody has to keep reinventing the wheel</a:t>
             </a:r>
           </a:p>
           <a:p>
-            <a:endParaRPr lang="en-US" dirty="0"/>
+            <a:endParaRPr lang="en-US"/>
           </a:p>
           <a:p>
             <a:r>
-              <a:rPr lang="en-US" dirty="0"/>
+              <a:rPr lang="en-US"/>
               <a:t>Our community is too small to afford this, w</a:t>
             </a:r>
             <a:r>
-              <a:rPr lang="en-US" dirty="0">
+              <a:rPr lang="en-US">
                 <a:sym typeface="Wingdings" panose="05000000000000000000" pitchFamily="2" charset="2"/>
               </a:rPr>
               <a:t>e can only grow if we can benefit from each others work</a:t>
             </a:r>
           </a:p>
           <a:p>
-            <a:endParaRPr lang="en-US" dirty="0">
+            <a:endParaRPr lang="en-US">
               <a:sym typeface="Wingdings" panose="05000000000000000000" pitchFamily="2" charset="2"/>
             </a:endParaRPr>
           </a:p>
           <a:p>
-            <a:endParaRPr lang="en-US" dirty="0">
+            <a:endParaRPr lang="en-US">
               <a:sym typeface="Wingdings" panose="05000000000000000000" pitchFamily="2" charset="2"/>
             </a:endParaRPr>
           </a:p>
@@ -27032,13 +27309,13 @@
               <a:buNone/>
             </a:pPr>
             <a:r>
-              <a:rPr lang="en-US" b="1" dirty="0">
+              <a:rPr lang="en-US" b="1">
                 <a:sym typeface="Wingdings" panose="05000000000000000000" pitchFamily="2" charset="2"/>
               </a:rPr>
               <a:t></a:t>
             </a:r>
             <a:r>
-              <a:rPr lang="en-US" dirty="0">
+              <a:rPr lang="en-US">
                 <a:sym typeface="Wingdings" panose="05000000000000000000" pitchFamily="2" charset="2"/>
               </a:rPr>
               <a:t> LionWeb: Language                               on the Web</a:t>
@@ -27062,7 +27339,7 @@
         <p:spPr>
           <a:xfrm>
             <a:off x="5013806" y="4020628"/>
-            <a:ext cx="1529586" cy="830997"/>
+            <a:ext cx="1467068" cy="830997"/>
           </a:xfrm>
           <a:prstGeom prst="rect">
             <a:avLst/>
@@ -27076,19 +27353,25 @@
           <a:lstStyle/>
           <a:p>
             <a:r>
-              <a:rPr lang="en-NL" sz="1600" dirty="0"/>
+              <a:rPr lang="en-NL" sz="1600" dirty="0">
+                <a:latin typeface="Gill Sans MT" panose="020B0502020104020203" pitchFamily="34" charset="77"/>
+              </a:rPr>
               <a:t>Interfaces</a:t>
             </a:r>
           </a:p>
           <a:p>
             <a:r>
-              <a:rPr lang="en-NL" sz="1600" dirty="0"/>
+              <a:rPr lang="en-NL" sz="1600" dirty="0">
+                <a:latin typeface="Gill Sans MT" panose="020B0502020104020203" pitchFamily="34" charset="77"/>
+              </a:rPr>
               <a:t>Interoperability</a:t>
             </a:r>
           </a:p>
           <a:p>
             <a:r>
-              <a:rPr lang="en-NL" sz="1600" dirty="0"/>
+              <a:rPr lang="en-NL" sz="1600" dirty="0">
+                <a:latin typeface="Gill Sans MT" panose="020B0502020104020203" pitchFamily="34" charset="77"/>
+              </a:rPr>
               <a:t>Integration</a:t>
             </a:r>
           </a:p>
@@ -27144,7 +27427,9 @@
           <a:lstStyle/>
           <a:p>
             <a:pPr algn="ctr"/>
-            <a:endParaRPr lang="en-NL"/>
+            <a:endParaRPr lang="en-NL">
+              <a:latin typeface="Gill Sans MT" panose="020B0502020104020203" pitchFamily="34" charset="77"/>
+            </a:endParaRPr>
           </a:p>
         </p:txBody>
       </p:sp>
@@ -27198,7 +27483,9 @@
           <a:lstStyle/>
           <a:p>
             <a:pPr algn="ctr"/>
-            <a:endParaRPr lang="en-NL"/>
+            <a:endParaRPr lang="en-NL">
+              <a:latin typeface="Gill Sans MT" panose="020B0502020104020203" pitchFamily="34" charset="77"/>
+            </a:endParaRPr>
           </a:p>
         </p:txBody>
       </p:sp>
@@ -27285,8 +27572,8 @@
         </p:nvSpPr>
         <p:spPr>
           <a:xfrm>
-            <a:off x="2377440" y="943674"/>
-            <a:ext cx="6454860" cy="3791959"/>
+            <a:off x="2315770" y="943674"/>
+            <a:ext cx="6516530" cy="3791959"/>
           </a:xfrm>
         </p:spPr>
         <p:txBody>
@@ -27305,51 +27592,10 @@
           <a:p>
             <a:pPr lvl="1"/>
             <a:r>
-              <a:rPr lang="en-US" dirty="0"/>
+              <a:rPr lang="en-US" dirty="0">
+                <a:latin typeface="Gill Sans MT" panose="020B0502020104020203" pitchFamily="34" charset="77"/>
+              </a:rPr>
               <a:t>Innovate on top</a:t>
-            </a:r>
-          </a:p>
-          <a:p>
-            <a:endParaRPr lang="en-US" dirty="0"/>
-          </a:p>
-          <a:p>
-            <a:r>
-              <a:rPr lang="en-US" dirty="0"/>
-              <a:t>Everything is a model</a:t>
-            </a:r>
-          </a:p>
-          <a:p>
-            <a:pPr lvl="1"/>
-            <a:r>
-              <a:rPr lang="en-US" dirty="0">
-                <a:sym typeface="Wingdings" panose="05000000000000000000" pitchFamily="2" charset="2"/>
-              </a:rPr>
-              <a:t>Markus </a:t>
-            </a:r>
-            <a:r>
-              <a:rPr lang="en-US" dirty="0" err="1">
-                <a:sym typeface="Wingdings" panose="05000000000000000000" pitchFamily="2" charset="2"/>
-              </a:rPr>
-              <a:t>Voelter’s</a:t>
-            </a:r>
-            <a:r>
-              <a:rPr lang="en-US" dirty="0">
-                <a:sym typeface="Wingdings" panose="05000000000000000000" pitchFamily="2" charset="2"/>
-              </a:rPr>
-              <a:t> </a:t>
-            </a:r>
-            <a:r>
-              <a:rPr lang="en-US" dirty="0">
-                <a:sym typeface="Wingdings" panose="05000000000000000000" pitchFamily="2" charset="2"/>
-                <a:hlinkClick r:id="rId2"/>
-              </a:rPr>
-              <a:t>Whitepaper</a:t>
-            </a:r>
-            <a:r>
-              <a:rPr lang="en-US" dirty="0">
-                <a:sym typeface="Wingdings" panose="05000000000000000000" pitchFamily="2" charset="2"/>
-              </a:rPr>
-              <a:t> “A Platform for Systems and Business Modeling”</a:t>
             </a:r>
           </a:p>
           <a:p>
@@ -27366,8 +27612,58 @@
           <a:p>
             <a:pPr lvl="1"/>
             <a:r>
+              <a:rPr lang="en-US" dirty="0">
+                <a:latin typeface="Gill Sans MT" panose="020B0502020104020203" pitchFamily="34" charset="77"/>
+              </a:rPr>
+              <a:t>Yoyo approach</a:t>
+            </a:r>
+          </a:p>
+          <a:p>
+            <a:endParaRPr lang="en-US" dirty="0"/>
+          </a:p>
+          <a:p>
+            <a:r>
               <a:rPr lang="en-US" dirty="0"/>
-              <a:t>Yoyo approach</a:t>
+              <a:t>Everything is a model</a:t>
+            </a:r>
+          </a:p>
+          <a:p>
+            <a:pPr lvl="1"/>
+            <a:r>
+              <a:rPr lang="en-US" dirty="0">
+                <a:latin typeface="Gill Sans MT" panose="020B0502020104020203" pitchFamily="34" charset="77"/>
+                <a:sym typeface="Wingdings" panose="05000000000000000000" pitchFamily="2" charset="2"/>
+              </a:rPr>
+              <a:t>Markus </a:t>
+            </a:r>
+            <a:r>
+              <a:rPr lang="en-US" dirty="0" err="1">
+                <a:latin typeface="Gill Sans MT" panose="020B0502020104020203" pitchFamily="34" charset="77"/>
+                <a:sym typeface="Wingdings" panose="05000000000000000000" pitchFamily="2" charset="2"/>
+              </a:rPr>
+              <a:t>Voelter’s</a:t>
+            </a:r>
+            <a:r>
+              <a:rPr lang="en-US" dirty="0">
+                <a:latin typeface="Gill Sans MT" panose="020B0502020104020203" pitchFamily="34" charset="77"/>
+                <a:sym typeface="Wingdings" panose="05000000000000000000" pitchFamily="2" charset="2"/>
+              </a:rPr>
+              <a:t> </a:t>
+            </a:r>
+            <a:r>
+              <a:rPr lang="en-US" dirty="0">
+                <a:latin typeface="Gill Sans MT" panose="020B0502020104020203" pitchFamily="34" charset="77"/>
+                <a:sym typeface="Wingdings" panose="05000000000000000000" pitchFamily="2" charset="2"/>
+                <a:hlinkClick r:id="rId2"/>
+              </a:rPr>
+              <a:t>Whitepaper</a:t>
+            </a:r>
+            <a:r>
+              <a:rPr lang="en-US" dirty="0">
+                <a:latin typeface="Gill Sans MT" panose="020B0502020104020203" pitchFamily="34" charset="77"/>
+                <a:sym typeface="Wingdings" panose="05000000000000000000" pitchFamily="2" charset="2"/>
+              </a:rPr>
+              <a:t> “A Platform for Systems and Business Modeling”</a:t>
             </a:r>
           </a:p>
           <a:p>
@@ -27382,7 +27678,9 @@
           <a:p>
             <a:pPr lvl="1"/>
             <a:r>
-              <a:rPr lang="en-US" dirty="0"/>
+              <a:rPr lang="en-US" dirty="0">
+                <a:latin typeface="Gill Sans MT" panose="020B0502020104020203" pitchFamily="34" charset="77"/>
+              </a:rPr>
               <a:t>Apache 2.0 license</a:t>
             </a:r>
           </a:p>
@@ -27483,28 +27781,36 @@
           <a:p>
             <a:pPr lvl="0"/>
             <a:r>
-              <a:rPr lang="en-US" dirty="0"/>
+              <a:rPr lang="en-US" dirty="0">
+                <a:latin typeface="Gill Sans MT" panose="020B0502020104020203" pitchFamily="34" charset="77"/>
+              </a:rPr>
               <a:t>Interoperability</a:t>
             </a:r>
           </a:p>
           <a:p>
             <a:pPr lvl="1"/>
             <a:r>
-              <a:rPr lang="en-US" dirty="0"/>
+              <a:rPr lang="en-US" dirty="0">
+                <a:latin typeface="Gill Sans MT" panose="020B0502020104020203" pitchFamily="34" charset="77"/>
+              </a:rPr>
               <a:t>meta-metamodel</a:t>
             </a:r>
           </a:p>
           <a:p>
             <a:pPr lvl="1"/>
             <a:r>
-              <a:rPr lang="en-US" dirty="0"/>
+              <a:rPr lang="en-US" dirty="0">
+                <a:latin typeface="Gill Sans MT" panose="020B0502020104020203" pitchFamily="34" charset="77"/>
+              </a:rPr>
               <a:t>serialization format</a:t>
             </a:r>
           </a:p>
           <a:p>
             <a:pPr lvl="1"/>
             <a:r>
-              <a:rPr lang="en-US" dirty="0"/>
+              <a:rPr lang="en-US" dirty="0">
+                <a:latin typeface="Gill Sans MT" panose="020B0502020104020203" pitchFamily="34" charset="77"/>
+              </a:rPr>
               <a:t>protocols</a:t>
             </a:r>
           </a:p>
@@ -27545,6 +27851,7 @@
                     <a:lumMod val="75000"/>
                   </a:schemeClr>
                 </a:solidFill>
+                <a:latin typeface="Gill Sans MT" panose="020B0502020104020203" pitchFamily="34" charset="77"/>
               </a:rPr>
               <a:t>2023.1 Release</a:t>
             </a:r>
@@ -27594,7 +27901,9 @@
           <a:lstStyle/>
           <a:p>
             <a:pPr algn="ctr"/>
-            <a:endParaRPr lang="en-NL"/>
+            <a:endParaRPr lang="en-NL">
+              <a:latin typeface="Gill Sans MT" panose="020B0502020104020203" pitchFamily="34" charset="77"/>
+            </a:endParaRPr>
           </a:p>
         </p:txBody>
       </p:sp>
@@ -27613,7 +27922,7 @@
         <p:spPr>
           <a:xfrm>
             <a:off x="5307500" y="1731290"/>
-            <a:ext cx="1239442" cy="307777"/>
+            <a:ext cx="1255472" cy="307777"/>
           </a:xfrm>
           <a:prstGeom prst="rect">
             <a:avLst/>
@@ -27633,6 +27942,7 @@
                     <a:lumMod val="75000"/>
                   </a:schemeClr>
                 </a:solidFill>
+                <a:latin typeface="Gill Sans MT" panose="020B0502020104020203" pitchFamily="34" charset="77"/>
               </a:rPr>
               <a:t>Next release</a:t>
             </a:r>
@@ -27682,7 +27992,9 @@
           <a:lstStyle/>
           <a:p>
             <a:pPr algn="ctr"/>
-            <a:endParaRPr lang="en-NL"/>
+            <a:endParaRPr lang="en-NL">
+              <a:latin typeface="Gill Sans MT" panose="020B0502020104020203" pitchFamily="34" charset="77"/>
+            </a:endParaRPr>
           </a:p>
         </p:txBody>
       </p:sp>
@@ -27703,7 +28015,7 @@
         <p:spPr>
           <a:xfrm>
             <a:off x="2326354" y="3074581"/>
-            <a:ext cx="2807209" cy="1961876"/>
+            <a:ext cx="2807209" cy="1924931"/>
           </a:xfrm>
           <a:prstGeom prst="rect">
             <a:avLst/>
@@ -27966,47 +28278,61 @@
           </a:lstStyle>
           <a:p>
             <a:r>
-              <a:rPr lang="en-US" dirty="0"/>
+              <a:rPr lang="en-US" dirty="0">
+                <a:latin typeface="Gill Sans MT" panose="020B0502020104020203" pitchFamily="34" charset="77"/>
+              </a:rPr>
               <a:t>Programming APIs </a:t>
             </a:r>
           </a:p>
           <a:p>
             <a:pPr lvl="1"/>
             <a:r>
-              <a:rPr lang="en-US" dirty="0"/>
+              <a:rPr lang="en-US" dirty="0">
+                <a:latin typeface="Gill Sans MT" panose="020B0502020104020203" pitchFamily="34" charset="77"/>
+              </a:rPr>
               <a:t>Java</a:t>
             </a:r>
           </a:p>
           <a:p>
             <a:pPr lvl="1"/>
             <a:r>
-              <a:rPr lang="en-US" dirty="0"/>
+              <a:rPr lang="en-US" dirty="0">
+                <a:latin typeface="Gill Sans MT" panose="020B0502020104020203" pitchFamily="34" charset="77"/>
+              </a:rPr>
               <a:t>Kotlin</a:t>
             </a:r>
           </a:p>
           <a:p>
             <a:pPr lvl="1"/>
             <a:r>
-              <a:rPr lang="en-US" dirty="0"/>
+              <a:rPr lang="en-US" dirty="0">
+                <a:latin typeface="Gill Sans MT" panose="020B0502020104020203" pitchFamily="34" charset="77"/>
+              </a:rPr>
               <a:t>TypeScript</a:t>
             </a:r>
           </a:p>
           <a:p>
             <a:pPr lvl="1"/>
             <a:r>
-              <a:rPr lang="en-US" dirty="0"/>
+              <a:rPr lang="en-US" dirty="0">
+                <a:latin typeface="Gill Sans MT" panose="020B0502020104020203" pitchFamily="34" charset="77"/>
+              </a:rPr>
               <a:t>JavaScript</a:t>
             </a:r>
           </a:p>
           <a:p>
             <a:pPr lvl="1"/>
-            <a:endParaRPr lang="en-US" dirty="0"/>
+            <a:endParaRPr lang="en-US" dirty="0">
+              <a:latin typeface="Gill Sans MT" panose="020B0502020104020203" pitchFamily="34" charset="77"/>
+            </a:endParaRPr>
           </a:p>
           <a:p>
             <a:pPr marL="114300" indent="0">
               <a:buNone/>
             </a:pPr>
-            <a:endParaRPr lang="en-US" dirty="0"/>
+            <a:endParaRPr lang="en-US" dirty="0">
+              <a:latin typeface="Gill Sans MT" panose="020B0502020104020203" pitchFamily="34" charset="77"/>
+            </a:endParaRPr>
           </a:p>
         </p:txBody>
       </p:sp>
@@ -28290,46 +28616,62 @@
           </a:lstStyle>
           <a:p>
             <a:r>
-              <a:rPr lang="en-US" dirty="0"/>
+              <a:rPr lang="en-US" dirty="0">
+                <a:latin typeface="Gill Sans MT" panose="020B0502020104020203" pitchFamily="34" charset="77"/>
+              </a:rPr>
               <a:t>Tool integrations</a:t>
             </a:r>
           </a:p>
           <a:p>
             <a:pPr lvl="1"/>
             <a:r>
-              <a:rPr lang="en-US" dirty="0"/>
+              <a:rPr lang="en-US" dirty="0">
+                <a:latin typeface="Gill Sans MT" panose="020B0502020104020203" pitchFamily="34" charset="77"/>
+              </a:rPr>
               <a:t>MPS</a:t>
             </a:r>
           </a:p>
           <a:p>
             <a:pPr lvl="1"/>
             <a:r>
-              <a:rPr lang="en-US" dirty="0" err="1"/>
+              <a:rPr lang="en-US" dirty="0" err="1">
+                <a:latin typeface="Gill Sans MT" panose="020B0502020104020203" pitchFamily="34" charset="77"/>
+              </a:rPr>
               <a:t>Starlasa</a:t>
             </a:r>
-            <a:endParaRPr lang="en-US" dirty="0"/>
+            <a:endParaRPr lang="en-US" dirty="0">
+              <a:latin typeface="Gill Sans MT" panose="020B0502020104020203" pitchFamily="34" charset="77"/>
+            </a:endParaRPr>
           </a:p>
           <a:p>
             <a:pPr lvl="1"/>
             <a:r>
-              <a:rPr lang="en-US" dirty="0"/>
+              <a:rPr lang="en-US" dirty="0">
+                <a:latin typeface="Gill Sans MT" panose="020B0502020104020203" pitchFamily="34" charset="77"/>
+              </a:rPr>
               <a:t>Freon</a:t>
             </a:r>
           </a:p>
           <a:p>
             <a:pPr lvl="1"/>
             <a:r>
-              <a:rPr lang="en-US" dirty="0"/>
+              <a:rPr lang="en-US" dirty="0">
+                <a:latin typeface="Gill Sans MT" panose="020B0502020104020203" pitchFamily="34" charset="77"/>
+              </a:rPr>
               <a:t>Modelix</a:t>
             </a:r>
           </a:p>
           <a:p>
             <a:pPr lvl="1"/>
             <a:r>
-              <a:rPr lang="en-US" dirty="0" err="1"/>
+              <a:rPr lang="en-US" dirty="0" err="1">
+                <a:latin typeface="Gill Sans MT" panose="020B0502020104020203" pitchFamily="34" charset="77"/>
+              </a:rPr>
               <a:t>Ecore</a:t>
             </a:r>
-            <a:endParaRPr lang="en-US" dirty="0"/>
+            <a:endParaRPr lang="en-US" dirty="0">
+              <a:latin typeface="Gill Sans MT" panose="020B0502020104020203" pitchFamily="34" charset="77"/>
+            </a:endParaRPr>
           </a:p>
         </p:txBody>
       </p:sp>
@@ -30975,7 +31317,9 @@
             <a:bodyPr rtlCol="0" anchor="ctr"/>
             <a:lstStyle/>
             <a:p>
-              <a:endParaRPr lang="en-US"/>
+              <a:endParaRPr lang="en-US">
+                <a:latin typeface="Gill Sans MT" panose="020B0502020104020203" pitchFamily="34" charset="77"/>
+              </a:endParaRPr>
             </a:p>
           </p:txBody>
         </p:sp>
@@ -31038,7 +31382,9 @@
             <a:bodyPr rtlCol="0" anchor="ctr"/>
             <a:lstStyle/>
             <a:p>
-              <a:endParaRPr lang="en-US"/>
+              <a:endParaRPr lang="en-US">
+                <a:latin typeface="Gill Sans MT" panose="020B0502020104020203" pitchFamily="34" charset="77"/>
+              </a:endParaRPr>
             </a:p>
           </p:txBody>
         </p:sp>
@@ -31101,7 +31447,9 @@
             <a:bodyPr rtlCol="0" anchor="ctr"/>
             <a:lstStyle/>
             <a:p>
-              <a:endParaRPr lang="en-US"/>
+              <a:endParaRPr lang="en-US">
+                <a:latin typeface="Gill Sans MT" panose="020B0502020104020203" pitchFamily="34" charset="77"/>
+              </a:endParaRPr>
             </a:p>
           </p:txBody>
         </p:sp>
@@ -31164,7 +31512,9 @@
             <a:bodyPr rtlCol="0" anchor="ctr"/>
             <a:lstStyle/>
             <a:p>
-              <a:endParaRPr lang="en-US"/>
+              <a:endParaRPr lang="en-US">
+                <a:latin typeface="Gill Sans MT" panose="020B0502020104020203" pitchFamily="34" charset="77"/>
+              </a:endParaRPr>
             </a:p>
           </p:txBody>
         </p:sp>
@@ -31227,7 +31577,9 @@
             <a:bodyPr rtlCol="0" anchor="ctr"/>
             <a:lstStyle/>
             <a:p>
-              <a:endParaRPr lang="en-US"/>
+              <a:endParaRPr lang="en-US">
+                <a:latin typeface="Gill Sans MT" panose="020B0502020104020203" pitchFamily="34" charset="77"/>
+              </a:endParaRPr>
             </a:p>
           </p:txBody>
         </p:sp>
@@ -31300,6 +31652,7 @@
                       <a:lumMod val="75000"/>
                     </a:schemeClr>
                   </a:solidFill>
+                  <a:latin typeface="Gill Sans MT" panose="020B0502020104020203" pitchFamily="34" charset="77"/>
                 </a:rPr>
                 <a:t>JSON &amp;</a:t>
               </a:r>
@@ -31313,6 +31666,7 @@
                       <a:lumMod val="75000"/>
                     </a:schemeClr>
                   </a:solidFill>
+                  <a:latin typeface="Gill Sans MT" panose="020B0502020104020203" pitchFamily="34" charset="77"/>
                 </a:rPr>
                 <a:t>protocols</a:t>
               </a:r>
@@ -31436,7 +31790,9 @@
               <a:bodyPr rtlCol="0" anchor="ctr"/>
               <a:lstStyle/>
               <a:p>
-                <a:endParaRPr lang="en-US"/>
+                <a:endParaRPr lang="en-US">
+                  <a:latin typeface="Gill Sans MT" panose="020B0502020104020203" pitchFamily="34" charset="77"/>
+                </a:endParaRPr>
               </a:p>
             </p:txBody>
           </p:sp>
@@ -31501,7 +31857,9 @@
               <a:bodyPr rtlCol="0" anchor="ctr"/>
               <a:lstStyle/>
               <a:p>
-                <a:endParaRPr lang="en-US"/>
+                <a:endParaRPr lang="en-US">
+                  <a:latin typeface="Gill Sans MT" panose="020B0502020104020203" pitchFamily="34" charset="77"/>
+                </a:endParaRPr>
               </a:p>
             </p:txBody>
           </p:sp>
@@ -31566,7 +31924,9 @@
               <a:bodyPr rtlCol="0" anchor="ctr"/>
               <a:lstStyle/>
               <a:p>
-                <a:endParaRPr lang="en-US"/>
+                <a:endParaRPr lang="en-US">
+                  <a:latin typeface="Gill Sans MT" panose="020B0502020104020203" pitchFamily="34" charset="77"/>
+                </a:endParaRPr>
               </a:p>
             </p:txBody>
           </p:sp>
@@ -31631,7 +31991,9 @@
               <a:bodyPr rtlCol="0" anchor="ctr"/>
               <a:lstStyle/>
               <a:p>
-                <a:endParaRPr lang="en-US"/>
+                <a:endParaRPr lang="en-US">
+                  <a:latin typeface="Gill Sans MT" panose="020B0502020104020203" pitchFamily="34" charset="77"/>
+                </a:endParaRPr>
               </a:p>
             </p:txBody>
           </p:sp>
@@ -31696,7 +32058,9 @@
               <a:bodyPr rtlCol="0" anchor="ctr"/>
               <a:lstStyle/>
               <a:p>
-                <a:endParaRPr lang="en-US"/>
+                <a:endParaRPr lang="en-US">
+                  <a:latin typeface="Gill Sans MT" panose="020B0502020104020203" pitchFamily="34" charset="77"/>
+                </a:endParaRPr>
               </a:p>
             </p:txBody>
           </p:sp>
@@ -31939,6 +32303,7 @@
                 <a:solidFill>
                   <a:srgbClr val="1F2328"/>
                 </a:solidFill>
+                <a:latin typeface="Gill Sans MT" panose="020B0502020104020203" pitchFamily="34" charset="77"/>
               </a:rPr>
               <a:t>Original</a:t>
             </a:r>
@@ -31956,6 +32321,7 @@
                 <a:solidFill>
                   <a:srgbClr val="1F2328"/>
                 </a:solidFill>
+                <a:latin typeface="Gill Sans MT" panose="020B0502020104020203" pitchFamily="34" charset="77"/>
               </a:rPr>
               <a:t>Derived</a:t>
             </a:r>
@@ -32054,7 +32420,9 @@
           <a:bodyPr rtlCol="0" anchor="ctr"/>
           <a:lstStyle/>
           <a:p>
-            <a:endParaRPr lang="en-US"/>
+            <a:endParaRPr lang="en-US">
+              <a:latin typeface="Gill Sans MT" panose="020B0502020104020203" pitchFamily="34" charset="77"/>
+            </a:endParaRPr>
           </a:p>
         </p:txBody>
       </p:sp>
@@ -32176,7 +32544,9 @@
           <a:bodyPr rtlCol="0" anchor="ctr"/>
           <a:lstStyle/>
           <a:p>
-            <a:endParaRPr lang="en-US"/>
+            <a:endParaRPr lang="en-US">
+              <a:latin typeface="Gill Sans MT" panose="020B0502020104020203" pitchFamily="34" charset="77"/>
+            </a:endParaRPr>
           </a:p>
         </p:txBody>
       </p:sp>
@@ -32298,7 +32668,9 @@
           <a:bodyPr rtlCol="0" anchor="ctr"/>
           <a:lstStyle/>
           <a:p>
-            <a:endParaRPr lang="en-US"/>
+            <a:endParaRPr lang="en-US">
+              <a:latin typeface="Gill Sans MT" panose="020B0502020104020203" pitchFamily="34" charset="77"/>
+            </a:endParaRPr>
           </a:p>
         </p:txBody>
       </p:sp>
@@ -32420,7 +32792,9 @@
           <a:bodyPr rtlCol="0" anchor="ctr"/>
           <a:lstStyle/>
           <a:p>
-            <a:endParaRPr lang="en-US"/>
+            <a:endParaRPr lang="en-US">
+              <a:latin typeface="Gill Sans MT" panose="020B0502020104020203" pitchFamily="34" charset="77"/>
+            </a:endParaRPr>
           </a:p>
         </p:txBody>
       </p:sp>
@@ -32542,7 +32916,9 @@
           <a:bodyPr rtlCol="0" anchor="ctr"/>
           <a:lstStyle/>
           <a:p>
-            <a:endParaRPr lang="en-US"/>
+            <a:endParaRPr lang="en-US">
+              <a:latin typeface="Gill Sans MT" panose="020B0502020104020203" pitchFamily="34" charset="77"/>
+            </a:endParaRPr>
           </a:p>
         </p:txBody>
       </p:sp>
@@ -32664,7 +33040,9 @@
           <a:bodyPr rtlCol="0" anchor="ctr"/>
           <a:lstStyle/>
           <a:p>
-            <a:endParaRPr lang="en-US"/>
+            <a:endParaRPr lang="en-US">
+              <a:latin typeface="Gill Sans MT" panose="020B0502020104020203" pitchFamily="34" charset="77"/>
+            </a:endParaRPr>
           </a:p>
         </p:txBody>
       </p:sp>
@@ -32786,7 +33164,9 @@
           <a:bodyPr rtlCol="0" anchor="ctr"/>
           <a:lstStyle/>
           <a:p>
-            <a:endParaRPr lang="en-US"/>
+            <a:endParaRPr lang="en-US">
+              <a:latin typeface="Gill Sans MT" panose="020B0502020104020203" pitchFamily="34" charset="77"/>
+            </a:endParaRPr>
           </a:p>
         </p:txBody>
       </p:sp>
@@ -32908,7 +33288,9 @@
           <a:bodyPr rtlCol="0" anchor="ctr"/>
           <a:lstStyle/>
           <a:p>
-            <a:endParaRPr lang="en-US"/>
+            <a:endParaRPr lang="en-US">
+              <a:latin typeface="Gill Sans MT" panose="020B0502020104020203" pitchFamily="34" charset="77"/>
+            </a:endParaRPr>
           </a:p>
         </p:txBody>
       </p:sp>
@@ -32971,7 +33353,9 @@
           <a:bodyPr rtlCol="0" anchor="ctr"/>
           <a:lstStyle/>
           <a:p>
-            <a:endParaRPr lang="en-US"/>
+            <a:endParaRPr lang="en-US">
+              <a:latin typeface="Gill Sans MT" panose="020B0502020104020203" pitchFamily="34" charset="77"/>
+            </a:endParaRPr>
           </a:p>
         </p:txBody>
       </p:sp>
@@ -33034,7 +33418,9 @@
           <a:bodyPr rtlCol="0" anchor="ctr"/>
           <a:lstStyle/>
           <a:p>
-            <a:endParaRPr lang="en-US"/>
+            <a:endParaRPr lang="en-US">
+              <a:latin typeface="Gill Sans MT" panose="020B0502020104020203" pitchFamily="34" charset="77"/>
+            </a:endParaRPr>
           </a:p>
         </p:txBody>
       </p:sp>
@@ -33097,7 +33483,9 @@
           <a:bodyPr rtlCol="0" anchor="ctr"/>
           <a:lstStyle/>
           <a:p>
-            <a:endParaRPr lang="en-US"/>
+            <a:endParaRPr lang="en-US">
+              <a:latin typeface="Gill Sans MT" panose="020B0502020104020203" pitchFamily="34" charset="77"/>
+            </a:endParaRPr>
           </a:p>
         </p:txBody>
       </p:sp>
@@ -33160,7 +33548,9 @@
           <a:bodyPr rtlCol="0" anchor="ctr"/>
           <a:lstStyle/>
           <a:p>
-            <a:endParaRPr lang="en-US"/>
+            <a:endParaRPr lang="en-US">
+              <a:latin typeface="Gill Sans MT" panose="020B0502020104020203" pitchFamily="34" charset="77"/>
+            </a:endParaRPr>
           </a:p>
         </p:txBody>
       </p:sp>
@@ -33264,7 +33654,9 @@
           <a:bodyPr rtlCol="0" anchor="ctr"/>
           <a:lstStyle/>
           <a:p>
-            <a:endParaRPr lang="en-US"/>
+            <a:endParaRPr lang="en-US">
+              <a:latin typeface="Gill Sans MT" panose="020B0502020104020203" pitchFamily="34" charset="77"/>
+            </a:endParaRPr>
           </a:p>
         </p:txBody>
       </p:sp>
@@ -33368,7 +33760,9 @@
           <a:bodyPr rtlCol="0" anchor="ctr"/>
           <a:lstStyle/>
           <a:p>
-            <a:endParaRPr lang="en-US"/>
+            <a:endParaRPr lang="en-US">
+              <a:latin typeface="Gill Sans MT" panose="020B0502020104020203" pitchFamily="34" charset="77"/>
+            </a:endParaRPr>
           </a:p>
         </p:txBody>
       </p:sp>
@@ -33490,7 +33884,9 @@
           <a:bodyPr rtlCol="0" anchor="ctr"/>
           <a:lstStyle/>
           <a:p>
-            <a:endParaRPr lang="en-US"/>
+            <a:endParaRPr lang="en-US">
+              <a:latin typeface="Gill Sans MT" panose="020B0502020104020203" pitchFamily="34" charset="77"/>
+            </a:endParaRPr>
           </a:p>
         </p:txBody>
       </p:sp>
@@ -33612,7 +34008,9 @@
           <a:bodyPr rtlCol="0" anchor="ctr"/>
           <a:lstStyle/>
           <a:p>
-            <a:endParaRPr lang="en-US"/>
+            <a:endParaRPr lang="en-US">
+              <a:latin typeface="Gill Sans MT" panose="020B0502020104020203" pitchFamily="34" charset="77"/>
+            </a:endParaRPr>
           </a:p>
         </p:txBody>
       </p:sp>
@@ -33712,7 +34110,9 @@
             <a:bodyPr rtlCol="0" anchor="ctr"/>
             <a:lstStyle/>
             <a:p>
-              <a:endParaRPr lang="en-US"/>
+              <a:endParaRPr lang="en-US">
+                <a:latin typeface="Gill Sans MT" panose="020B0502020104020203" pitchFamily="34" charset="77"/>
+              </a:endParaRPr>
             </a:p>
           </p:txBody>
         </p:sp>
@@ -33740,7 +34140,7 @@
           </p:spPr>
           <p:txBody>
             <a:bodyPr wrap="none" lIns="0" tIns="0" rIns="0" bIns="0" rtlCol="0" anchor="b" anchorCtr="1">
-              <a:normAutofit fontScale="77500" lnSpcReduction="20000"/>
+              <a:normAutofit fontScale="85000" lnSpcReduction="20000"/>
             </a:bodyPr>
             <a:lstStyle/>
             <a:p>
@@ -33751,7 +34151,7 @@
                   <a:solidFill>
                     <a:srgbClr val="FFFFFF"/>
                   </a:solidFill>
-                  <a:latin typeface="Calibri"/>
+                  <a:latin typeface="Gill Sans MT" panose="020B0502020104020203" pitchFamily="34" charset="77"/>
                   <a:cs typeface="Calibri"/>
                   <a:sym typeface="Calibri"/>
                   <a:rtl val="0"/>
@@ -33858,7 +34258,9 @@
             <a:bodyPr rtlCol="0" anchor="ctr"/>
             <a:lstStyle/>
             <a:p>
-              <a:endParaRPr lang="en-US"/>
+              <a:endParaRPr lang="en-US">
+                <a:latin typeface="Gill Sans MT" panose="020B0502020104020203" pitchFamily="34" charset="77"/>
+              </a:endParaRPr>
             </a:p>
           </p:txBody>
         </p:sp>
@@ -33897,7 +34299,7 @@
                   <a:solidFill>
                     <a:srgbClr val="FFFFFF"/>
                   </a:solidFill>
-                  <a:latin typeface="Calibri"/>
+                  <a:latin typeface="Gill Sans MT" panose="020B0502020104020203" pitchFamily="34" charset="77"/>
                   <a:cs typeface="Calibri"/>
                   <a:sym typeface="Calibri"/>
                   <a:rtl val="0"/>
@@ -34004,7 +34406,9 @@
             <a:bodyPr rtlCol="0" anchor="ctr"/>
             <a:lstStyle/>
             <a:p>
-              <a:endParaRPr lang="en-US"/>
+              <a:endParaRPr lang="en-US">
+                <a:latin typeface="Gill Sans MT" panose="020B0502020104020203" pitchFamily="34" charset="77"/>
+              </a:endParaRPr>
             </a:p>
           </p:txBody>
         </p:sp>
@@ -34043,7 +34447,7 @@
                   <a:solidFill>
                     <a:srgbClr val="FFFFFF"/>
                   </a:solidFill>
-                  <a:latin typeface="Calibri"/>
+                  <a:latin typeface="Gill Sans MT" panose="020B0502020104020203" pitchFamily="34" charset="77"/>
                   <a:cs typeface="Calibri"/>
                   <a:sym typeface="Calibri"/>
                   <a:rtl val="0"/>
@@ -34150,7 +34554,9 @@
             <a:bodyPr rtlCol="0" anchor="ctr"/>
             <a:lstStyle/>
             <a:p>
-              <a:endParaRPr lang="en-US"/>
+              <a:endParaRPr lang="en-US">
+                <a:latin typeface="Gill Sans MT" panose="020B0502020104020203" pitchFamily="34" charset="77"/>
+              </a:endParaRPr>
             </a:p>
           </p:txBody>
         </p:sp>
@@ -34178,7 +34584,7 @@
           </p:spPr>
           <p:txBody>
             <a:bodyPr wrap="none" lIns="0" tIns="0" rIns="0" bIns="0" rtlCol="0" anchor="ctr" anchorCtr="0">
-              <a:normAutofit fontScale="70000" lnSpcReduction="20000"/>
+              <a:normAutofit fontScale="77500" lnSpcReduction="20000"/>
             </a:bodyPr>
             <a:lstStyle/>
             <a:p>
@@ -34189,7 +34595,7 @@
                   <a:solidFill>
                     <a:srgbClr val="FFFFFF"/>
                   </a:solidFill>
-                  <a:latin typeface="Calibri"/>
+                  <a:latin typeface="Gill Sans MT" panose="020B0502020104020203" pitchFamily="34" charset="77"/>
                   <a:cs typeface="Calibri"/>
                   <a:sym typeface="Calibri"/>
                   <a:rtl val="0"/>
@@ -34296,7 +34702,9 @@
             <a:bodyPr rtlCol="0" anchor="ctr"/>
             <a:lstStyle/>
             <a:p>
-              <a:endParaRPr lang="en-US"/>
+              <a:endParaRPr lang="en-US">
+                <a:latin typeface="Gill Sans MT" panose="020B0502020104020203" pitchFamily="34" charset="77"/>
+              </a:endParaRPr>
             </a:p>
           </p:txBody>
         </p:sp>
@@ -34335,7 +34743,7 @@
                   <a:solidFill>
                     <a:srgbClr val="FFFFFF"/>
                   </a:solidFill>
-                  <a:latin typeface="Calibri"/>
+                  <a:latin typeface="Gill Sans MT" panose="020B0502020104020203" pitchFamily="34" charset="77"/>
                   <a:cs typeface="Calibri"/>
                   <a:sym typeface="Calibri"/>
                   <a:rtl val="0"/>
@@ -34442,7 +34850,9 @@
             <a:bodyPr rtlCol="0" anchor="ctr"/>
             <a:lstStyle/>
             <a:p>
-              <a:endParaRPr lang="en-US"/>
+              <a:endParaRPr lang="en-US">
+                <a:latin typeface="Gill Sans MT" panose="020B0502020104020203" pitchFamily="34" charset="77"/>
+              </a:endParaRPr>
             </a:p>
           </p:txBody>
         </p:sp>
@@ -34470,7 +34880,7 @@
           </p:spPr>
           <p:txBody>
             <a:bodyPr wrap="none" lIns="0" tIns="0" rIns="0" bIns="0" rtlCol="0" anchor="ctr" anchorCtr="0">
-              <a:normAutofit fontScale="70000" lnSpcReduction="20000"/>
+              <a:normAutofit fontScale="77500" lnSpcReduction="20000"/>
             </a:bodyPr>
             <a:lstStyle/>
             <a:p>
@@ -34481,7 +34891,7 @@
                   <a:solidFill>
                     <a:srgbClr val="FFFFFF"/>
                   </a:solidFill>
-                  <a:latin typeface="Calibri"/>
+                  <a:latin typeface="Gill Sans MT" panose="020B0502020104020203" pitchFamily="34" charset="77"/>
                   <a:cs typeface="Calibri"/>
                   <a:sym typeface="Calibri"/>
                   <a:rtl val="0"/>
@@ -34588,7 +34998,9 @@
             <a:bodyPr rtlCol="0" anchor="ctr"/>
             <a:lstStyle/>
             <a:p>
-              <a:endParaRPr lang="en-US"/>
+              <a:endParaRPr lang="en-US">
+                <a:latin typeface="Gill Sans MT" panose="020B0502020104020203" pitchFamily="34" charset="77"/>
+              </a:endParaRPr>
             </a:p>
           </p:txBody>
         </p:sp>
@@ -34627,7 +35039,7 @@
                   <a:solidFill>
                     <a:srgbClr val="FFFFFF"/>
                   </a:solidFill>
-                  <a:latin typeface="Calibri"/>
+                  <a:latin typeface="Gill Sans MT" panose="020B0502020104020203" pitchFamily="34" charset="77"/>
                   <a:cs typeface="Calibri"/>
                   <a:sym typeface="Calibri"/>
                   <a:rtl val="0"/>
@@ -34653,7 +35065,7 @@
         <p:spPr>
           <a:xfrm>
             <a:off x="6076771" y="1653896"/>
-            <a:ext cx="169482" cy="193000"/>
+            <a:ext cx="300082" cy="369332"/>
           </a:xfrm>
           <a:prstGeom prst="rect">
             <a:avLst/>
@@ -34673,7 +35085,7 @@
                 <a:solidFill>
                   <a:srgbClr val="FFFFFF"/>
                 </a:solidFill>
-                <a:latin typeface="Calibri"/>
+                <a:latin typeface="Gill Sans MT" panose="020B0502020104020203" pitchFamily="34" charset="77"/>
                 <a:cs typeface="Calibri"/>
                 <a:sym typeface="Calibri"/>
                 <a:rtl val="0"/>
@@ -34698,7 +35110,7 @@
         <p:spPr>
           <a:xfrm>
             <a:off x="6092244" y="2174831"/>
-            <a:ext cx="169482" cy="193000"/>
+            <a:ext cx="300082" cy="369332"/>
           </a:xfrm>
           <a:prstGeom prst="rect">
             <a:avLst/>
@@ -34718,7 +35130,7 @@
                 <a:solidFill>
                   <a:srgbClr val="FFFFFF"/>
                 </a:solidFill>
-                <a:latin typeface="Calibri"/>
+                <a:latin typeface="Gill Sans MT" panose="020B0502020104020203" pitchFamily="34" charset="77"/>
                 <a:cs typeface="Calibri"/>
                 <a:sym typeface="Calibri"/>
                 <a:rtl val="0"/>
@@ -34834,7 +35246,9 @@
             <a:bodyPr rtlCol="0" anchor="ctr"/>
             <a:lstStyle/>
             <a:p>
-              <a:endParaRPr lang="en-US"/>
+              <a:endParaRPr lang="en-US">
+                <a:latin typeface="Gill Sans MT" panose="020B0502020104020203" pitchFamily="34" charset="77"/>
+              </a:endParaRPr>
             </a:p>
           </p:txBody>
         </p:sp>
@@ -34924,7 +35338,9 @@
             <a:bodyPr rtlCol="0" anchor="ctr"/>
             <a:lstStyle/>
             <a:p>
-              <a:endParaRPr lang="en-US"/>
+              <a:endParaRPr lang="en-US">
+                <a:latin typeface="Gill Sans MT" panose="020B0502020104020203" pitchFamily="34" charset="77"/>
+              </a:endParaRPr>
             </a:p>
           </p:txBody>
         </p:sp>
@@ -34995,7 +35411,9 @@
             <a:bodyPr rtlCol="0" anchor="ctr"/>
             <a:lstStyle/>
             <a:p>
-              <a:endParaRPr lang="en-US"/>
+              <a:endParaRPr lang="en-US">
+                <a:latin typeface="Gill Sans MT" panose="020B0502020104020203" pitchFamily="34" charset="77"/>
+              </a:endParaRPr>
             </a:p>
           </p:txBody>
         </p:sp>
@@ -35058,7 +35476,9 @@
             <a:bodyPr rtlCol="0" anchor="ctr"/>
             <a:lstStyle/>
             <a:p>
-              <a:endParaRPr lang="en-US"/>
+              <a:endParaRPr lang="en-US">
+                <a:latin typeface="Gill Sans MT" panose="020B0502020104020203" pitchFamily="34" charset="77"/>
+              </a:endParaRPr>
             </a:p>
           </p:txBody>
         </p:sp>
@@ -35121,7 +35541,9 @@
             <a:bodyPr rtlCol="0" anchor="ctr"/>
             <a:lstStyle/>
             <a:p>
-              <a:endParaRPr lang="en-US"/>
+              <a:endParaRPr lang="en-US">
+                <a:latin typeface="Gill Sans MT" panose="020B0502020104020203" pitchFamily="34" charset="77"/>
+              </a:endParaRPr>
             </a:p>
           </p:txBody>
         </p:sp>
@@ -35200,7 +35622,9 @@
             <a:bodyPr rtlCol="0" anchor="ctr"/>
             <a:lstStyle/>
             <a:p>
-              <a:endParaRPr lang="en-US"/>
+              <a:endParaRPr lang="en-US">
+                <a:latin typeface="Gill Sans MT" panose="020B0502020104020203" pitchFamily="34" charset="77"/>
+              </a:endParaRPr>
             </a:p>
           </p:txBody>
         </p:sp>
@@ -35263,7 +35687,9 @@
             <a:bodyPr rtlCol="0" anchor="ctr"/>
             <a:lstStyle/>
             <a:p>
-              <a:endParaRPr lang="en-US"/>
+              <a:endParaRPr lang="en-US">
+                <a:latin typeface="Gill Sans MT" panose="020B0502020104020203" pitchFamily="34" charset="77"/>
+              </a:endParaRPr>
             </a:p>
           </p:txBody>
         </p:sp>
@@ -35364,7 +35790,9 @@
             <a:bodyPr rtlCol="0" anchor="ctr"/>
             <a:lstStyle/>
             <a:p>
-              <a:endParaRPr lang="en-US"/>
+              <a:endParaRPr lang="en-US">
+                <a:latin typeface="Gill Sans MT" panose="020B0502020104020203" pitchFamily="34" charset="77"/>
+              </a:endParaRPr>
             </a:p>
           </p:txBody>
         </p:sp>
@@ -35444,7 +35872,9 @@
             <a:bodyPr rtlCol="0" anchor="ctr"/>
             <a:lstStyle/>
             <a:p>
-              <a:endParaRPr lang="en-US"/>
+              <a:endParaRPr lang="en-US">
+                <a:latin typeface="Gill Sans MT" panose="020B0502020104020203" pitchFamily="34" charset="77"/>
+              </a:endParaRPr>
             </a:p>
           </p:txBody>
         </p:sp>
@@ -35524,7 +35954,9 @@
             <a:bodyPr rtlCol="0" anchor="ctr"/>
             <a:lstStyle/>
             <a:p>
-              <a:endParaRPr lang="en-US"/>
+              <a:endParaRPr lang="en-US">
+                <a:latin typeface="Gill Sans MT" panose="020B0502020104020203" pitchFamily="34" charset="77"/>
+              </a:endParaRPr>
             </a:p>
           </p:txBody>
         </p:sp>
@@ -35587,7 +36019,9 @@
             <a:bodyPr rtlCol="0" anchor="ctr"/>
             <a:lstStyle/>
             <a:p>
-              <a:endParaRPr lang="en-US"/>
+              <a:endParaRPr lang="en-US">
+                <a:latin typeface="Gill Sans MT" panose="020B0502020104020203" pitchFamily="34" charset="77"/>
+              </a:endParaRPr>
             </a:p>
           </p:txBody>
         </p:sp>
@@ -35667,7 +36101,9 @@
             <a:bodyPr rtlCol="0" anchor="ctr"/>
             <a:lstStyle/>
             <a:p>
-              <a:endParaRPr lang="en-US"/>
+              <a:endParaRPr lang="en-US">
+                <a:latin typeface="Gill Sans MT" panose="020B0502020104020203" pitchFamily="34" charset="77"/>
+              </a:endParaRPr>
             </a:p>
           </p:txBody>
         </p:sp>
@@ -35738,7 +36174,9 @@
             <a:bodyPr rtlCol="0" anchor="ctr"/>
             <a:lstStyle/>
             <a:p>
-              <a:endParaRPr lang="en-US"/>
+              <a:endParaRPr lang="en-US">
+                <a:latin typeface="Gill Sans MT" panose="020B0502020104020203" pitchFamily="34" charset="77"/>
+              </a:endParaRPr>
             </a:p>
           </p:txBody>
         </p:sp>
@@ -35809,7 +36247,9 @@
             <a:bodyPr rtlCol="0" anchor="ctr"/>
             <a:lstStyle/>
             <a:p>
-              <a:endParaRPr lang="en-US"/>
+              <a:endParaRPr lang="en-US">
+                <a:latin typeface="Gill Sans MT" panose="020B0502020104020203" pitchFamily="34" charset="77"/>
+              </a:endParaRPr>
             </a:p>
           </p:txBody>
         </p:sp>
@@ -35889,7 +36329,9 @@
             <a:bodyPr rtlCol="0" anchor="ctr"/>
             <a:lstStyle/>
             <a:p>
-              <a:endParaRPr lang="en-US"/>
+              <a:endParaRPr lang="en-US">
+                <a:latin typeface="Gill Sans MT" panose="020B0502020104020203" pitchFamily="34" charset="77"/>
+              </a:endParaRPr>
             </a:p>
           </p:txBody>
         </p:sp>
@@ -35969,7 +36411,9 @@
             <a:bodyPr rtlCol="0" anchor="ctr"/>
             <a:lstStyle/>
             <a:p>
-              <a:endParaRPr lang="en-US"/>
+              <a:endParaRPr lang="en-US">
+                <a:latin typeface="Gill Sans MT" panose="020B0502020104020203" pitchFamily="34" charset="77"/>
+              </a:endParaRPr>
             </a:p>
           </p:txBody>
         </p:sp>
@@ -36040,7 +36484,9 @@
             <a:bodyPr rtlCol="0" anchor="ctr"/>
             <a:lstStyle/>
             <a:p>
-              <a:endParaRPr lang="en-US"/>
+              <a:endParaRPr lang="en-US">
+                <a:latin typeface="Gill Sans MT" panose="020B0502020104020203" pitchFamily="34" charset="77"/>
+              </a:endParaRPr>
             </a:p>
           </p:txBody>
         </p:sp>
@@ -36111,7 +36557,9 @@
             <a:bodyPr rtlCol="0" anchor="ctr"/>
             <a:lstStyle/>
             <a:p>
-              <a:endParaRPr lang="en-US"/>
+              <a:endParaRPr lang="en-US">
+                <a:latin typeface="Gill Sans MT" panose="020B0502020104020203" pitchFamily="34" charset="77"/>
+              </a:endParaRPr>
             </a:p>
           </p:txBody>
         </p:sp>
@@ -36174,7 +36622,9 @@
             <a:bodyPr rtlCol="0" anchor="ctr"/>
             <a:lstStyle/>
             <a:p>
-              <a:endParaRPr lang="en-US"/>
+              <a:endParaRPr lang="en-US">
+                <a:latin typeface="Gill Sans MT" panose="020B0502020104020203" pitchFamily="34" charset="77"/>
+              </a:endParaRPr>
             </a:p>
           </p:txBody>
         </p:sp>
@@ -36277,7 +36727,9 @@
             <a:bodyPr rtlCol="0" anchor="ctr"/>
             <a:lstStyle/>
             <a:p>
-              <a:endParaRPr lang="en-US"/>
+              <a:endParaRPr lang="en-US">
+                <a:latin typeface="Gill Sans MT" panose="020B0502020104020203" pitchFamily="34" charset="77"/>
+              </a:endParaRPr>
             </a:p>
           </p:txBody>
         </p:sp>
@@ -36375,7 +36827,9 @@
             <a:bodyPr rtlCol="0" anchor="ctr"/>
             <a:lstStyle/>
             <a:p>
-              <a:endParaRPr lang="en-US"/>
+              <a:endParaRPr lang="en-US">
+                <a:latin typeface="Gill Sans MT" panose="020B0502020104020203" pitchFamily="34" charset="77"/>
+              </a:endParaRPr>
             </a:p>
           </p:txBody>
         </p:sp>
@@ -36473,7 +36927,9 @@
             <a:bodyPr rtlCol="0" anchor="ctr"/>
             <a:lstStyle/>
             <a:p>
-              <a:endParaRPr lang="en-US"/>
+              <a:endParaRPr lang="en-US">
+                <a:latin typeface="Gill Sans MT" panose="020B0502020104020203" pitchFamily="34" charset="77"/>
+              </a:endParaRPr>
             </a:p>
           </p:txBody>
         </p:sp>
@@ -36571,7 +37027,9 @@
             <a:bodyPr rtlCol="0" anchor="ctr"/>
             <a:lstStyle/>
             <a:p>
-              <a:endParaRPr lang="en-US"/>
+              <a:endParaRPr lang="en-US">
+                <a:latin typeface="Gill Sans MT" panose="020B0502020104020203" pitchFamily="34" charset="77"/>
+              </a:endParaRPr>
             </a:p>
           </p:txBody>
         </p:sp>
@@ -36653,7 +37111,9 @@
             <a:bodyPr rtlCol="0" anchor="ctr"/>
             <a:lstStyle/>
             <a:p>
-              <a:endParaRPr lang="en-US"/>
+              <a:endParaRPr lang="en-US">
+                <a:latin typeface="Gill Sans MT" panose="020B0502020104020203" pitchFamily="34" charset="77"/>
+              </a:endParaRPr>
             </a:p>
           </p:txBody>
         </p:sp>
@@ -36716,7 +37176,9 @@
             <a:bodyPr rtlCol="0" anchor="ctr"/>
             <a:lstStyle/>
             <a:p>
-              <a:endParaRPr lang="en-US"/>
+              <a:endParaRPr lang="en-US">
+                <a:latin typeface="Gill Sans MT" panose="020B0502020104020203" pitchFamily="34" charset="77"/>
+              </a:endParaRPr>
             </a:p>
           </p:txBody>
         </p:sp>
@@ -36779,7 +37241,9 @@
             <a:bodyPr rtlCol="0" anchor="ctr"/>
             <a:lstStyle/>
             <a:p>
-              <a:endParaRPr lang="en-US"/>
+              <a:endParaRPr lang="en-US">
+                <a:latin typeface="Gill Sans MT" panose="020B0502020104020203" pitchFamily="34" charset="77"/>
+              </a:endParaRPr>
             </a:p>
           </p:txBody>
         </p:sp>
@@ -36842,7 +37306,9 @@
             <a:bodyPr rtlCol="0" anchor="ctr"/>
             <a:lstStyle/>
             <a:p>
-              <a:endParaRPr lang="en-US"/>
+              <a:endParaRPr lang="en-US">
+                <a:latin typeface="Gill Sans MT" panose="020B0502020104020203" pitchFamily="34" charset="77"/>
+              </a:endParaRPr>
             </a:p>
           </p:txBody>
         </p:sp>
@@ -37030,7 +37496,9 @@
             <a:bodyPr rtlCol="0" anchor="ctr"/>
             <a:lstStyle/>
             <a:p>
-              <a:endParaRPr lang="en-US"/>
+              <a:endParaRPr lang="en-US">
+                <a:latin typeface="Gill Sans MT" panose="020B0502020104020203" pitchFamily="34" charset="77"/>
+              </a:endParaRPr>
             </a:p>
           </p:txBody>
         </p:sp>
@@ -37118,7 +37586,9 @@
             <a:bodyPr rtlCol="0" anchor="ctr"/>
             <a:lstStyle/>
             <a:p>
-              <a:endParaRPr lang="en-US"/>
+              <a:endParaRPr lang="en-US">
+                <a:latin typeface="Gill Sans MT" panose="020B0502020104020203" pitchFamily="34" charset="77"/>
+              </a:endParaRPr>
             </a:p>
           </p:txBody>
         </p:sp>
@@ -37221,7 +37691,9 @@
             <a:bodyPr rtlCol="0" anchor="ctr"/>
             <a:lstStyle/>
             <a:p>
-              <a:endParaRPr lang="en-US"/>
+              <a:endParaRPr lang="en-US">
+                <a:latin typeface="Gill Sans MT" panose="020B0502020104020203" pitchFamily="34" charset="77"/>
+              </a:endParaRPr>
             </a:p>
           </p:txBody>
         </p:sp>
@@ -37319,7 +37791,9 @@
             <a:bodyPr rtlCol="0" anchor="ctr"/>
             <a:lstStyle/>
             <a:p>
-              <a:endParaRPr lang="en-US"/>
+              <a:endParaRPr lang="en-US">
+                <a:latin typeface="Gill Sans MT" panose="020B0502020104020203" pitchFamily="34" charset="77"/>
+              </a:endParaRPr>
             </a:p>
           </p:txBody>
         </p:sp>
@@ -37417,7 +37891,9 @@
             <a:bodyPr rtlCol="0" anchor="ctr"/>
             <a:lstStyle/>
             <a:p>
-              <a:endParaRPr lang="en-US"/>
+              <a:endParaRPr lang="en-US">
+                <a:latin typeface="Gill Sans MT" panose="020B0502020104020203" pitchFamily="34" charset="77"/>
+              </a:endParaRPr>
             </a:p>
           </p:txBody>
         </p:sp>
@@ -37515,7 +37991,9 @@
             <a:bodyPr rtlCol="0" anchor="ctr"/>
             <a:lstStyle/>
             <a:p>
-              <a:endParaRPr lang="en-US"/>
+              <a:endParaRPr lang="en-US">
+                <a:latin typeface="Gill Sans MT" panose="020B0502020104020203" pitchFamily="34" charset="77"/>
+              </a:endParaRPr>
             </a:p>
           </p:txBody>
         </p:sp>
@@ -37597,7 +38075,9 @@
             <a:bodyPr rtlCol="0" anchor="ctr"/>
             <a:lstStyle/>
             <a:p>
-              <a:endParaRPr lang="en-US"/>
+              <a:endParaRPr lang="en-US">
+                <a:latin typeface="Gill Sans MT" panose="020B0502020104020203" pitchFamily="34" charset="77"/>
+              </a:endParaRPr>
             </a:p>
           </p:txBody>
         </p:sp>
@@ -37660,7 +38140,9 @@
             <a:bodyPr rtlCol="0" anchor="ctr"/>
             <a:lstStyle/>
             <a:p>
-              <a:endParaRPr lang="en-US"/>
+              <a:endParaRPr lang="en-US">
+                <a:latin typeface="Gill Sans MT" panose="020B0502020104020203" pitchFamily="34" charset="77"/>
+              </a:endParaRPr>
             </a:p>
           </p:txBody>
         </p:sp>
@@ -37723,7 +38205,9 @@
             <a:bodyPr rtlCol="0" anchor="ctr"/>
             <a:lstStyle/>
             <a:p>
-              <a:endParaRPr lang="en-US"/>
+              <a:endParaRPr lang="en-US">
+                <a:latin typeface="Gill Sans MT" panose="020B0502020104020203" pitchFamily="34" charset="77"/>
+              </a:endParaRPr>
             </a:p>
           </p:txBody>
         </p:sp>
@@ -37786,7 +38270,9 @@
             <a:bodyPr rtlCol="0" anchor="ctr"/>
             <a:lstStyle/>
             <a:p>
-              <a:endParaRPr lang="en-US"/>
+              <a:endParaRPr lang="en-US">
+                <a:latin typeface="Gill Sans MT" panose="020B0502020104020203" pitchFamily="34" charset="77"/>
+              </a:endParaRPr>
             </a:p>
           </p:txBody>
         </p:sp>
@@ -37974,7 +38460,9 @@
             <a:bodyPr rtlCol="0" anchor="ctr"/>
             <a:lstStyle/>
             <a:p>
-              <a:endParaRPr lang="en-US"/>
+              <a:endParaRPr lang="en-US">
+                <a:latin typeface="Gill Sans MT" panose="020B0502020104020203" pitchFamily="34" charset="77"/>
+              </a:endParaRPr>
             </a:p>
           </p:txBody>
         </p:sp>
@@ -38062,7 +38550,9 @@
             <a:bodyPr rtlCol="0" anchor="ctr"/>
             <a:lstStyle/>
             <a:p>
-              <a:endParaRPr lang="en-US"/>
+              <a:endParaRPr lang="en-US">
+                <a:latin typeface="Gill Sans MT" panose="020B0502020104020203" pitchFamily="34" charset="77"/>
+              </a:endParaRPr>
             </a:p>
           </p:txBody>
         </p:sp>
@@ -38165,7 +38655,9 @@
             <a:bodyPr rtlCol="0" anchor="ctr"/>
             <a:lstStyle/>
             <a:p>
-              <a:endParaRPr lang="en-US"/>
+              <a:endParaRPr lang="en-US">
+                <a:latin typeface="Gill Sans MT" panose="020B0502020104020203" pitchFamily="34" charset="77"/>
+              </a:endParaRPr>
             </a:p>
           </p:txBody>
         </p:sp>
@@ -38261,7 +38753,9 @@
             <a:bodyPr rtlCol="0" anchor="ctr"/>
             <a:lstStyle/>
             <a:p>
-              <a:endParaRPr lang="en-US"/>
+              <a:endParaRPr lang="en-US">
+                <a:latin typeface="Gill Sans MT" panose="020B0502020104020203" pitchFamily="34" charset="77"/>
+              </a:endParaRPr>
             </a:p>
           </p:txBody>
         </p:sp>
@@ -38357,7 +38851,9 @@
             <a:bodyPr rtlCol="0" anchor="ctr"/>
             <a:lstStyle/>
             <a:p>
-              <a:endParaRPr lang="en-US"/>
+              <a:endParaRPr lang="en-US">
+                <a:latin typeface="Gill Sans MT" panose="020B0502020104020203" pitchFamily="34" charset="77"/>
+              </a:endParaRPr>
             </a:p>
           </p:txBody>
         </p:sp>
@@ -38437,7 +38933,9 @@
             <a:bodyPr rtlCol="0" anchor="ctr"/>
             <a:lstStyle/>
             <a:p>
-              <a:endParaRPr lang="en-US"/>
+              <a:endParaRPr lang="en-US">
+                <a:latin typeface="Gill Sans MT" panose="020B0502020104020203" pitchFamily="34" charset="77"/>
+              </a:endParaRPr>
             </a:p>
           </p:txBody>
         </p:sp>
@@ -38517,7 +39015,9 @@
             <a:bodyPr rtlCol="0" anchor="ctr"/>
             <a:lstStyle/>
             <a:p>
-              <a:endParaRPr lang="en-US"/>
+              <a:endParaRPr lang="en-US">
+                <a:latin typeface="Gill Sans MT" panose="020B0502020104020203" pitchFamily="34" charset="77"/>
+              </a:endParaRPr>
             </a:p>
           </p:txBody>
         </p:sp>
@@ -38597,7 +39097,9 @@
             <a:bodyPr rtlCol="0" anchor="ctr"/>
             <a:lstStyle/>
             <a:p>
-              <a:endParaRPr lang="en-US"/>
+              <a:endParaRPr lang="en-US">
+                <a:latin typeface="Gill Sans MT" panose="020B0502020104020203" pitchFamily="34" charset="77"/>
+              </a:endParaRPr>
             </a:p>
           </p:txBody>
         </p:sp>
@@ -38677,7 +39179,9 @@
             <a:bodyPr rtlCol="0" anchor="ctr"/>
             <a:lstStyle/>
             <a:p>
-              <a:endParaRPr lang="en-US"/>
+              <a:endParaRPr lang="en-US">
+                <a:latin typeface="Gill Sans MT" panose="020B0502020104020203" pitchFamily="34" charset="77"/>
+              </a:endParaRPr>
             </a:p>
           </p:txBody>
         </p:sp>
@@ -38757,7 +39261,9 @@
             <a:bodyPr rtlCol="0" anchor="ctr"/>
             <a:lstStyle/>
             <a:p>
-              <a:endParaRPr lang="en-US"/>
+              <a:endParaRPr lang="en-US">
+                <a:latin typeface="Gill Sans MT" panose="020B0502020104020203" pitchFamily="34" charset="77"/>
+              </a:endParaRPr>
             </a:p>
           </p:txBody>
         </p:sp>
@@ -38837,7 +39343,9 @@
             <a:bodyPr rtlCol="0" anchor="ctr"/>
             <a:lstStyle/>
             <a:p>
-              <a:endParaRPr lang="en-US"/>
+              <a:endParaRPr lang="en-US">
+                <a:latin typeface="Gill Sans MT" panose="020B0502020104020203" pitchFamily="34" charset="77"/>
+              </a:endParaRPr>
             </a:p>
           </p:txBody>
         </p:sp>
@@ -38917,7 +39425,9 @@
             <a:bodyPr rtlCol="0" anchor="ctr"/>
             <a:lstStyle/>
             <a:p>
-              <a:endParaRPr lang="en-US"/>
+              <a:endParaRPr lang="en-US">
+                <a:latin typeface="Gill Sans MT" panose="020B0502020104020203" pitchFamily="34" charset="77"/>
+              </a:endParaRPr>
             </a:p>
           </p:txBody>
         </p:sp>
@@ -38997,7 +39507,9 @@
             <a:bodyPr rtlCol="0" anchor="ctr"/>
             <a:lstStyle/>
             <a:p>
-              <a:endParaRPr lang="en-US"/>
+              <a:endParaRPr lang="en-US">
+                <a:latin typeface="Gill Sans MT" panose="020B0502020104020203" pitchFamily="34" charset="77"/>
+              </a:endParaRPr>
             </a:p>
           </p:txBody>
         </p:sp>
@@ -39100,7 +39612,9 @@
             <a:bodyPr rtlCol="0" anchor="ctr"/>
             <a:lstStyle/>
             <a:p>
-              <a:endParaRPr lang="en-US"/>
+              <a:endParaRPr lang="en-US">
+                <a:latin typeface="Gill Sans MT" panose="020B0502020104020203" pitchFamily="34" charset="77"/>
+              </a:endParaRPr>
             </a:p>
           </p:txBody>
         </p:sp>
@@ -39196,7 +39710,9 @@
             <a:bodyPr rtlCol="0" anchor="ctr"/>
             <a:lstStyle/>
             <a:p>
-              <a:endParaRPr lang="en-US"/>
+              <a:endParaRPr lang="en-US">
+                <a:latin typeface="Gill Sans MT" panose="020B0502020104020203" pitchFamily="34" charset="77"/>
+              </a:endParaRPr>
             </a:p>
           </p:txBody>
         </p:sp>
@@ -39292,7 +39808,9 @@
             <a:bodyPr rtlCol="0" anchor="ctr"/>
             <a:lstStyle/>
             <a:p>
-              <a:endParaRPr lang="en-US"/>
+              <a:endParaRPr lang="en-US">
+                <a:latin typeface="Gill Sans MT" panose="020B0502020104020203" pitchFamily="34" charset="77"/>
+              </a:endParaRPr>
             </a:p>
           </p:txBody>
         </p:sp>
@@ -39372,7 +39890,9 @@
             <a:bodyPr rtlCol="0" anchor="ctr"/>
             <a:lstStyle/>
             <a:p>
-              <a:endParaRPr lang="en-US"/>
+              <a:endParaRPr lang="en-US">
+                <a:latin typeface="Gill Sans MT" panose="020B0502020104020203" pitchFamily="34" charset="77"/>
+              </a:endParaRPr>
             </a:p>
           </p:txBody>
         </p:sp>
@@ -39452,7 +39972,9 @@
             <a:bodyPr rtlCol="0" anchor="ctr"/>
             <a:lstStyle/>
             <a:p>
-              <a:endParaRPr lang="en-US"/>
+              <a:endParaRPr lang="en-US">
+                <a:latin typeface="Gill Sans MT" panose="020B0502020104020203" pitchFamily="34" charset="77"/>
+              </a:endParaRPr>
             </a:p>
           </p:txBody>
         </p:sp>
@@ -39532,7 +40054,9 @@
             <a:bodyPr rtlCol="0" anchor="ctr"/>
             <a:lstStyle/>
             <a:p>
-              <a:endParaRPr lang="en-US"/>
+              <a:endParaRPr lang="en-US">
+                <a:latin typeface="Gill Sans MT" panose="020B0502020104020203" pitchFamily="34" charset="77"/>
+              </a:endParaRPr>
             </a:p>
           </p:txBody>
         </p:sp>
@@ -39612,7 +40136,9 @@
             <a:bodyPr rtlCol="0" anchor="ctr"/>
             <a:lstStyle/>
             <a:p>
-              <a:endParaRPr lang="en-US"/>
+              <a:endParaRPr lang="en-US">
+                <a:latin typeface="Gill Sans MT" panose="020B0502020104020203" pitchFamily="34" charset="77"/>
+              </a:endParaRPr>
             </a:p>
           </p:txBody>
         </p:sp>
@@ -39692,7 +40218,9 @@
             <a:bodyPr rtlCol="0" anchor="ctr"/>
             <a:lstStyle/>
             <a:p>
-              <a:endParaRPr lang="en-US"/>
+              <a:endParaRPr lang="en-US">
+                <a:latin typeface="Gill Sans MT" panose="020B0502020104020203" pitchFamily="34" charset="77"/>
+              </a:endParaRPr>
             </a:p>
           </p:txBody>
         </p:sp>
@@ -39772,7 +40300,9 @@
             <a:bodyPr rtlCol="0" anchor="ctr"/>
             <a:lstStyle/>
             <a:p>
-              <a:endParaRPr lang="en-US"/>
+              <a:endParaRPr lang="en-US">
+                <a:latin typeface="Gill Sans MT" panose="020B0502020104020203" pitchFamily="34" charset="77"/>
+              </a:endParaRPr>
             </a:p>
           </p:txBody>
         </p:sp>
@@ -39852,7 +40382,9 @@
             <a:bodyPr rtlCol="0" anchor="ctr"/>
             <a:lstStyle/>
             <a:p>
-              <a:endParaRPr lang="en-US"/>
+              <a:endParaRPr lang="en-US">
+                <a:latin typeface="Gill Sans MT" panose="020B0502020104020203" pitchFamily="34" charset="77"/>
+              </a:endParaRPr>
             </a:p>
           </p:txBody>
         </p:sp>
@@ -39932,7 +40464,9 @@
             <a:bodyPr rtlCol="0" anchor="ctr"/>
             <a:lstStyle/>
             <a:p>
-              <a:endParaRPr lang="en-US"/>
+              <a:endParaRPr lang="en-US">
+                <a:latin typeface="Gill Sans MT" panose="020B0502020104020203" pitchFamily="34" charset="77"/>
+              </a:endParaRPr>
             </a:p>
           </p:txBody>
         </p:sp>
@@ -40035,7 +40569,9 @@
             <a:bodyPr rtlCol="0" anchor="ctr"/>
             <a:lstStyle/>
             <a:p>
-              <a:endParaRPr lang="en-US"/>
+              <a:endParaRPr lang="en-US">
+                <a:latin typeface="Gill Sans MT" panose="020B0502020104020203" pitchFamily="34" charset="77"/>
+              </a:endParaRPr>
             </a:p>
           </p:txBody>
         </p:sp>
@@ -40131,7 +40667,9 @@
             <a:bodyPr rtlCol="0" anchor="ctr"/>
             <a:lstStyle/>
             <a:p>
-              <a:endParaRPr lang="en-US"/>
+              <a:endParaRPr lang="en-US">
+                <a:latin typeface="Gill Sans MT" panose="020B0502020104020203" pitchFamily="34" charset="77"/>
+              </a:endParaRPr>
             </a:p>
           </p:txBody>
         </p:sp>
@@ -40227,7 +40765,9 @@
             <a:bodyPr rtlCol="0" anchor="ctr"/>
             <a:lstStyle/>
             <a:p>
-              <a:endParaRPr lang="en-US"/>
+              <a:endParaRPr lang="en-US">
+                <a:latin typeface="Gill Sans MT" panose="020B0502020104020203" pitchFamily="34" charset="77"/>
+              </a:endParaRPr>
             </a:p>
           </p:txBody>
         </p:sp>
@@ -40307,7 +40847,9 @@
             <a:bodyPr rtlCol="0" anchor="ctr"/>
             <a:lstStyle/>
             <a:p>
-              <a:endParaRPr lang="en-US"/>
+              <a:endParaRPr lang="en-US">
+                <a:latin typeface="Gill Sans MT" panose="020B0502020104020203" pitchFamily="34" charset="77"/>
+              </a:endParaRPr>
             </a:p>
           </p:txBody>
         </p:sp>
@@ -40387,7 +40929,9 @@
             <a:bodyPr rtlCol="0" anchor="ctr"/>
             <a:lstStyle/>
             <a:p>
-              <a:endParaRPr lang="en-US"/>
+              <a:endParaRPr lang="en-US">
+                <a:latin typeface="Gill Sans MT" panose="020B0502020104020203" pitchFamily="34" charset="77"/>
+              </a:endParaRPr>
             </a:p>
           </p:txBody>
         </p:sp>
@@ -40467,7 +41011,9 @@
             <a:bodyPr rtlCol="0" anchor="ctr"/>
             <a:lstStyle/>
             <a:p>
-              <a:endParaRPr lang="en-US"/>
+              <a:endParaRPr lang="en-US">
+                <a:latin typeface="Gill Sans MT" panose="020B0502020104020203" pitchFamily="34" charset="77"/>
+              </a:endParaRPr>
             </a:p>
           </p:txBody>
         </p:sp>
@@ -40547,7 +41093,9 @@
             <a:bodyPr rtlCol="0" anchor="ctr"/>
             <a:lstStyle/>
             <a:p>
-              <a:endParaRPr lang="en-US"/>
+              <a:endParaRPr lang="en-US">
+                <a:latin typeface="Gill Sans MT" panose="020B0502020104020203" pitchFamily="34" charset="77"/>
+              </a:endParaRPr>
             </a:p>
           </p:txBody>
         </p:sp>
@@ -40627,7 +41175,9 @@
             <a:bodyPr rtlCol="0" anchor="ctr"/>
             <a:lstStyle/>
             <a:p>
-              <a:endParaRPr lang="en-US"/>
+              <a:endParaRPr lang="en-US">
+                <a:latin typeface="Gill Sans MT" panose="020B0502020104020203" pitchFamily="34" charset="77"/>
+              </a:endParaRPr>
             </a:p>
           </p:txBody>
         </p:sp>
@@ -40707,7 +41257,9 @@
             <a:bodyPr rtlCol="0" anchor="ctr"/>
             <a:lstStyle/>
             <a:p>
-              <a:endParaRPr lang="en-US"/>
+              <a:endParaRPr lang="en-US">
+                <a:latin typeface="Gill Sans MT" panose="020B0502020104020203" pitchFamily="34" charset="77"/>
+              </a:endParaRPr>
             </a:p>
           </p:txBody>
         </p:sp>
@@ -40787,7 +41339,9 @@
             <a:bodyPr rtlCol="0" anchor="ctr"/>
             <a:lstStyle/>
             <a:p>
-              <a:endParaRPr lang="en-US"/>
+              <a:endParaRPr lang="en-US">
+                <a:latin typeface="Gill Sans MT" panose="020B0502020104020203" pitchFamily="34" charset="77"/>
+              </a:endParaRPr>
             </a:p>
           </p:txBody>
         </p:sp>
@@ -40867,7 +41421,9 @@
             <a:bodyPr rtlCol="0" anchor="ctr"/>
             <a:lstStyle/>
             <a:p>
-              <a:endParaRPr lang="en-US"/>
+              <a:endParaRPr lang="en-US">
+                <a:latin typeface="Gill Sans MT" panose="020B0502020104020203" pitchFamily="34" charset="77"/>
+              </a:endParaRPr>
             </a:p>
           </p:txBody>
         </p:sp>
@@ -40978,7 +41534,9 @@
             <a:bodyPr rtlCol="0" anchor="ctr"/>
             <a:lstStyle/>
             <a:p>
-              <a:endParaRPr lang="en-US"/>
+              <a:endParaRPr lang="en-US">
+                <a:latin typeface="Gill Sans MT" panose="020B0502020104020203" pitchFamily="34" charset="77"/>
+              </a:endParaRPr>
             </a:p>
           </p:txBody>
         </p:sp>
@@ -41068,7 +41626,9 @@
             <a:bodyPr rtlCol="0" anchor="ctr"/>
             <a:lstStyle/>
             <a:p>
-              <a:endParaRPr lang="en-US"/>
+              <a:endParaRPr lang="en-US">
+                <a:latin typeface="Gill Sans MT" panose="020B0502020104020203" pitchFamily="34" charset="77"/>
+              </a:endParaRPr>
             </a:p>
           </p:txBody>
         </p:sp>
@@ -41139,7 +41699,9 @@
             <a:bodyPr rtlCol="0" anchor="ctr"/>
             <a:lstStyle/>
             <a:p>
-              <a:endParaRPr lang="en-US"/>
+              <a:endParaRPr lang="en-US">
+                <a:latin typeface="Gill Sans MT" panose="020B0502020104020203" pitchFamily="34" charset="77"/>
+              </a:endParaRPr>
             </a:p>
           </p:txBody>
         </p:sp>
@@ -41202,7 +41764,9 @@
             <a:bodyPr rtlCol="0" anchor="ctr"/>
             <a:lstStyle/>
             <a:p>
-              <a:endParaRPr lang="en-US"/>
+              <a:endParaRPr lang="en-US">
+                <a:latin typeface="Gill Sans MT" panose="020B0502020104020203" pitchFamily="34" charset="77"/>
+              </a:endParaRPr>
             </a:p>
           </p:txBody>
         </p:sp>
@@ -41265,7 +41829,9 @@
             <a:bodyPr rtlCol="0" anchor="ctr"/>
             <a:lstStyle/>
             <a:p>
-              <a:endParaRPr lang="en-US"/>
+              <a:endParaRPr lang="en-US">
+                <a:latin typeface="Gill Sans MT" panose="020B0502020104020203" pitchFamily="34" charset="77"/>
+              </a:endParaRPr>
             </a:p>
           </p:txBody>
         </p:sp>
@@ -41344,7 +41910,9 @@
             <a:bodyPr rtlCol="0" anchor="ctr"/>
             <a:lstStyle/>
             <a:p>
-              <a:endParaRPr lang="en-US"/>
+              <a:endParaRPr lang="en-US">
+                <a:latin typeface="Gill Sans MT" panose="020B0502020104020203" pitchFamily="34" charset="77"/>
+              </a:endParaRPr>
             </a:p>
           </p:txBody>
         </p:sp>
@@ -41407,7 +41975,9 @@
             <a:bodyPr rtlCol="0" anchor="ctr"/>
             <a:lstStyle/>
             <a:p>
-              <a:endParaRPr lang="en-US"/>
+              <a:endParaRPr lang="en-US">
+                <a:latin typeface="Gill Sans MT" panose="020B0502020104020203" pitchFamily="34" charset="77"/>
+              </a:endParaRPr>
             </a:p>
           </p:txBody>
         </p:sp>
@@ -41518,7 +42088,9 @@
             <a:bodyPr rtlCol="0" anchor="ctr"/>
             <a:lstStyle/>
             <a:p>
-              <a:endParaRPr lang="en-US"/>
+              <a:endParaRPr lang="en-US">
+                <a:latin typeface="Gill Sans MT" panose="020B0502020104020203" pitchFamily="34" charset="77"/>
+              </a:endParaRPr>
             </a:p>
           </p:txBody>
         </p:sp>
@@ -41608,7 +42180,9 @@
             <a:bodyPr rtlCol="0" anchor="ctr"/>
             <a:lstStyle/>
             <a:p>
-              <a:endParaRPr lang="en-US"/>
+              <a:endParaRPr lang="en-US">
+                <a:latin typeface="Gill Sans MT" panose="020B0502020104020203" pitchFamily="34" charset="77"/>
+              </a:endParaRPr>
             </a:p>
           </p:txBody>
         </p:sp>
@@ -41679,7 +42253,9 @@
             <a:bodyPr rtlCol="0" anchor="ctr"/>
             <a:lstStyle/>
             <a:p>
-              <a:endParaRPr lang="en-US"/>
+              <a:endParaRPr lang="en-US">
+                <a:latin typeface="Gill Sans MT" panose="020B0502020104020203" pitchFamily="34" charset="77"/>
+              </a:endParaRPr>
             </a:p>
           </p:txBody>
         </p:sp>
@@ -41742,7 +42318,9 @@
             <a:bodyPr rtlCol="0" anchor="ctr"/>
             <a:lstStyle/>
             <a:p>
-              <a:endParaRPr lang="en-US"/>
+              <a:endParaRPr lang="en-US">
+                <a:latin typeface="Gill Sans MT" panose="020B0502020104020203" pitchFamily="34" charset="77"/>
+              </a:endParaRPr>
             </a:p>
           </p:txBody>
         </p:sp>
@@ -41805,7 +42383,9 @@
             <a:bodyPr rtlCol="0" anchor="ctr"/>
             <a:lstStyle/>
             <a:p>
-              <a:endParaRPr lang="en-US"/>
+              <a:endParaRPr lang="en-US">
+                <a:latin typeface="Gill Sans MT" panose="020B0502020104020203" pitchFamily="34" charset="77"/>
+              </a:endParaRPr>
             </a:p>
           </p:txBody>
         </p:sp>
@@ -41884,7 +42464,9 @@
             <a:bodyPr rtlCol="0" anchor="ctr"/>
             <a:lstStyle/>
             <a:p>
-              <a:endParaRPr lang="en-US"/>
+              <a:endParaRPr lang="en-US">
+                <a:latin typeface="Gill Sans MT" panose="020B0502020104020203" pitchFamily="34" charset="77"/>
+              </a:endParaRPr>
             </a:p>
           </p:txBody>
         </p:sp>
@@ -41947,7 +42529,9 @@
             <a:bodyPr rtlCol="0" anchor="ctr"/>
             <a:lstStyle/>
             <a:p>
-              <a:endParaRPr lang="en-US"/>
+              <a:endParaRPr lang="en-US">
+                <a:latin typeface="Gill Sans MT" panose="020B0502020104020203" pitchFamily="34" charset="77"/>
+              </a:endParaRPr>
             </a:p>
           </p:txBody>
         </p:sp>
@@ -42244,6 +42828,7 @@
                 <a:solidFill>
                   <a:srgbClr val="1F2328"/>
                 </a:solidFill>
+                <a:latin typeface="Gill Sans MT" panose="020B0502020104020203" pitchFamily="34" charset="77"/>
               </a:rPr>
               <a:t>Clients</a:t>
             </a:r>
@@ -42262,6 +42847,7 @@
                 <a:solidFill>
                   <a:srgbClr val="1F2328"/>
                 </a:solidFill>
+                <a:latin typeface="Gill Sans MT" panose="020B0502020104020203" pitchFamily="34" charset="77"/>
               </a:rPr>
               <a:t>Editor</a:t>
             </a:r>
@@ -42279,6 +42865,7 @@
                 <a:solidFill>
                   <a:srgbClr val="1F2328"/>
                 </a:solidFill>
+                <a:latin typeface="Gill Sans MT" panose="020B0502020104020203" pitchFamily="34" charset="77"/>
               </a:rPr>
               <a:t>Processors</a:t>
             </a:r>
@@ -42286,6 +42873,7 @@
               <a:solidFill>
                 <a:srgbClr val="1F2328"/>
               </a:solidFill>
+              <a:latin typeface="Gill Sans MT" panose="020B0502020104020203" pitchFamily="34" charset="77"/>
             </a:endParaRPr>
           </a:p>
           <a:p>
@@ -42301,6 +42889,7 @@
                 <a:solidFill>
                   <a:srgbClr val="1F2328"/>
                 </a:solidFill>
+                <a:latin typeface="Gill Sans MT" panose="020B0502020104020203" pitchFamily="34" charset="77"/>
               </a:rPr>
               <a:t>Model checker</a:t>
             </a:r>
@@ -42318,6 +42907,7 @@
                 <a:solidFill>
                   <a:srgbClr val="1F2328"/>
                 </a:solidFill>
+                <a:latin typeface="Gill Sans MT" panose="020B0502020104020203" pitchFamily="34" charset="77"/>
               </a:rPr>
               <a:t>Importer</a:t>
             </a:r>
@@ -42335,10 +42925,13 @@
                 <a:solidFill>
                   <a:srgbClr val="1F2328"/>
                 </a:solidFill>
+                <a:latin typeface="Gill Sans MT" panose="020B0502020104020203" pitchFamily="34" charset="77"/>
               </a:rPr>
               <a:t>Generator</a:t>
             </a:r>
-            <a:endParaRPr lang="en-US" sz="1800" dirty="0"/>
+            <a:endParaRPr lang="en-US" sz="1800" dirty="0">
+              <a:latin typeface="Gill Sans MT" panose="020B0502020104020203" pitchFamily="34" charset="77"/>
+            </a:endParaRPr>
           </a:p>
         </p:txBody>
       </p:sp>
@@ -42438,7 +43031,9 @@
             <a:bodyPr rtlCol="0" anchor="ctr"/>
             <a:lstStyle/>
             <a:p>
-              <a:endParaRPr lang="en-US"/>
+              <a:endParaRPr lang="en-US">
+                <a:latin typeface="Gill Sans MT" panose="020B0502020104020203" pitchFamily="34" charset="77"/>
+              </a:endParaRPr>
             </a:p>
           </p:txBody>
         </p:sp>
@@ -42466,7 +43061,7 @@
           </p:spPr>
           <p:txBody>
             <a:bodyPr wrap="none" lIns="0" tIns="0" rIns="0" bIns="0" rtlCol="0" anchor="b" anchorCtr="1">
-              <a:normAutofit fontScale="77500" lnSpcReduction="20000"/>
+              <a:normAutofit fontScale="85000" lnSpcReduction="20000"/>
             </a:bodyPr>
             <a:lstStyle/>
             <a:p>
@@ -42477,7 +43072,7 @@
                   <a:solidFill>
                     <a:srgbClr val="FFFFFF"/>
                   </a:solidFill>
-                  <a:latin typeface="Calibri"/>
+                  <a:latin typeface="Gill Sans MT" panose="020B0502020104020203" pitchFamily="34" charset="77"/>
                   <a:cs typeface="Calibri"/>
                   <a:sym typeface="Calibri"/>
                   <a:rtl val="0"/>
@@ -42584,7 +43179,9 @@
             <a:bodyPr rtlCol="0" anchor="ctr"/>
             <a:lstStyle/>
             <a:p>
-              <a:endParaRPr lang="en-US"/>
+              <a:endParaRPr lang="en-US">
+                <a:latin typeface="Gill Sans MT" panose="020B0502020104020203" pitchFamily="34" charset="77"/>
+              </a:endParaRPr>
             </a:p>
           </p:txBody>
         </p:sp>
@@ -42623,7 +43220,7 @@
                   <a:solidFill>
                     <a:srgbClr val="FFFFFF"/>
                   </a:solidFill>
-                  <a:latin typeface="Calibri"/>
+                  <a:latin typeface="Gill Sans MT" panose="020B0502020104020203" pitchFamily="34" charset="77"/>
                   <a:cs typeface="Calibri"/>
                   <a:sym typeface="Calibri"/>
                   <a:rtl val="0"/>
@@ -42730,7 +43327,9 @@
             <a:bodyPr rtlCol="0" anchor="ctr"/>
             <a:lstStyle/>
             <a:p>
-              <a:endParaRPr lang="en-US"/>
+              <a:endParaRPr lang="en-US">
+                <a:latin typeface="Gill Sans MT" panose="020B0502020104020203" pitchFamily="34" charset="77"/>
+              </a:endParaRPr>
             </a:p>
           </p:txBody>
         </p:sp>
@@ -42769,7 +43368,7 @@
                   <a:solidFill>
                     <a:srgbClr val="FFFFFF"/>
                   </a:solidFill>
-                  <a:latin typeface="Calibri"/>
+                  <a:latin typeface="Gill Sans MT" panose="020B0502020104020203" pitchFamily="34" charset="77"/>
                   <a:cs typeface="Calibri"/>
                   <a:sym typeface="Calibri"/>
                   <a:rtl val="0"/>
@@ -42876,7 +43475,9 @@
             <a:bodyPr rtlCol="0" anchor="ctr"/>
             <a:lstStyle/>
             <a:p>
-              <a:endParaRPr lang="en-US"/>
+              <a:endParaRPr lang="en-US">
+                <a:latin typeface="Gill Sans MT" panose="020B0502020104020203" pitchFamily="34" charset="77"/>
+              </a:endParaRPr>
             </a:p>
           </p:txBody>
         </p:sp>
@@ -42904,7 +43505,7 @@
           </p:spPr>
           <p:txBody>
             <a:bodyPr wrap="none" lIns="0" tIns="0" rIns="0" bIns="0" rtlCol="0" anchor="ctr" anchorCtr="0">
-              <a:normAutofit fontScale="70000" lnSpcReduction="20000"/>
+              <a:normAutofit fontScale="77500" lnSpcReduction="20000"/>
             </a:bodyPr>
             <a:lstStyle/>
             <a:p>
@@ -42915,7 +43516,7 @@
                   <a:solidFill>
                     <a:srgbClr val="FFFFFF"/>
                   </a:solidFill>
-                  <a:latin typeface="Calibri"/>
+                  <a:latin typeface="Gill Sans MT" panose="020B0502020104020203" pitchFamily="34" charset="77"/>
                   <a:cs typeface="Calibri"/>
                   <a:sym typeface="Calibri"/>
                   <a:rtl val="0"/>
@@ -43022,7 +43623,9 @@
             <a:bodyPr rtlCol="0" anchor="ctr"/>
             <a:lstStyle/>
             <a:p>
-              <a:endParaRPr lang="en-US"/>
+              <a:endParaRPr lang="en-US">
+                <a:latin typeface="Gill Sans MT" panose="020B0502020104020203" pitchFamily="34" charset="77"/>
+              </a:endParaRPr>
             </a:p>
           </p:txBody>
         </p:sp>
@@ -43061,7 +43664,7 @@
                   <a:solidFill>
                     <a:srgbClr val="FFFFFF"/>
                   </a:solidFill>
-                  <a:latin typeface="Calibri"/>
+                  <a:latin typeface="Gill Sans MT" panose="020B0502020104020203" pitchFamily="34" charset="77"/>
                   <a:cs typeface="Calibri"/>
                   <a:sym typeface="Calibri"/>
                   <a:rtl val="0"/>
@@ -43168,7 +43771,9 @@
             <a:bodyPr rtlCol="0" anchor="ctr"/>
             <a:lstStyle/>
             <a:p>
-              <a:endParaRPr lang="en-US"/>
+              <a:endParaRPr lang="en-US">
+                <a:latin typeface="Gill Sans MT" panose="020B0502020104020203" pitchFamily="34" charset="77"/>
+              </a:endParaRPr>
             </a:p>
           </p:txBody>
         </p:sp>
@@ -43196,7 +43801,7 @@
           </p:spPr>
           <p:txBody>
             <a:bodyPr wrap="none" lIns="0" tIns="0" rIns="0" bIns="0" rtlCol="0" anchor="ctr" anchorCtr="0">
-              <a:normAutofit fontScale="70000" lnSpcReduction="20000"/>
+              <a:normAutofit fontScale="77500" lnSpcReduction="20000"/>
             </a:bodyPr>
             <a:lstStyle/>
             <a:p>
@@ -43207,7 +43812,7 @@
                   <a:solidFill>
                     <a:srgbClr val="FFFFFF"/>
                   </a:solidFill>
-                  <a:latin typeface="Calibri"/>
+                  <a:latin typeface="Gill Sans MT" panose="020B0502020104020203" pitchFamily="34" charset="77"/>
                   <a:cs typeface="Calibri"/>
                   <a:sym typeface="Calibri"/>
                   <a:rtl val="0"/>
@@ -43314,7 +43919,9 @@
             <a:bodyPr rtlCol="0" anchor="ctr"/>
             <a:lstStyle/>
             <a:p>
-              <a:endParaRPr lang="en-US"/>
+              <a:endParaRPr lang="en-US">
+                <a:latin typeface="Gill Sans MT" panose="020B0502020104020203" pitchFamily="34" charset="77"/>
+              </a:endParaRPr>
             </a:p>
           </p:txBody>
         </p:sp>
@@ -43353,7 +43960,7 @@
                   <a:solidFill>
                     <a:srgbClr val="FFFFFF"/>
                   </a:solidFill>
-                  <a:latin typeface="Calibri"/>
+                  <a:latin typeface="Gill Sans MT" panose="020B0502020104020203" pitchFamily="34" charset="77"/>
                   <a:cs typeface="Calibri"/>
                   <a:sym typeface="Calibri"/>
                   <a:rtl val="0"/>

--- a/resources/LangDev Talk.pptx
+++ b/resources/LangDev Talk.pptx
@@ -2869,11 +2869,14 @@
                 <a:solidFill>
                   <a:schemeClr val="hlink"/>
                 </a:solidFill>
+                <a:latin typeface="Gill Sans MT" panose="020B0502020104020203" pitchFamily="34" charset="77"/>
                 <a:hlinkClick r:id="rId4"/>
               </a:rPr>
               <a:t>http://lionweb.io</a:t>
             </a:r>
-            <a:endParaRPr sz="1800" b="1" dirty="0"/>
+            <a:endParaRPr sz="1800" b="1" dirty="0">
+              <a:latin typeface="Gill Sans MT" panose="020B0502020104020203" pitchFamily="34" charset="77"/>
+            </a:endParaRPr>
           </a:p>
           <a:p>
             <a:pPr marL="0" lvl="0" indent="0" algn="l" rtl="0">
@@ -2890,11 +2893,14 @@
                 <a:solidFill>
                   <a:schemeClr val="hlink"/>
                 </a:solidFill>
+                <a:latin typeface="Gill Sans MT" panose="020B0502020104020203" pitchFamily="34" charset="77"/>
                 <a:hlinkClick r:id="rId5"/>
               </a:rPr>
               <a:t>info@lionweb.io</a:t>
             </a:r>
-            <a:endParaRPr sz="1800" b="1" dirty="0"/>
+            <a:endParaRPr sz="1800" b="1" dirty="0">
+              <a:latin typeface="Gill Sans MT" panose="020B0502020104020203" pitchFamily="34" charset="77"/>
+            </a:endParaRPr>
           </a:p>
         </p:txBody>
       </p:sp>
@@ -10984,331 +10990,352 @@
           </a:p>
         </p:txBody>
       </p:sp>
-      <p:sp>
-        <p:nvSpPr>
-          <p:cNvPr id="404" name="Freeform: Shape 403">
+      <p:grpSp>
+        <p:nvGrpSpPr>
+          <p:cNvPr id="11" name="Group 10">
             <a:extLst>
               <a:ext uri="{FF2B5EF4-FFF2-40B4-BE49-F238E27FC236}">
-                <a16:creationId xmlns:a16="http://schemas.microsoft.com/office/drawing/2014/main" id="{18A237D0-9433-1699-B7C8-DD4F5557A92A}"/>
+                <a16:creationId xmlns:a16="http://schemas.microsoft.com/office/drawing/2014/main" id="{99FC44E7-7780-8636-B26C-07C0391E42AC}"/>
               </a:ext>
             </a:extLst>
           </p:cNvPr>
-          <p:cNvSpPr/>
+          <p:cNvGrpSpPr/>
           <p:nvPr/>
-        </p:nvSpPr>
-        <p:spPr>
+        </p:nvGrpSpPr>
+        <p:grpSpPr>
           <a:xfrm>
-            <a:off x="5717378" y="2486396"/>
-            <a:ext cx="262290" cy="248872"/>
+            <a:off x="4323153" y="1468423"/>
+            <a:ext cx="2231682" cy="1266845"/>
+            <a:chOff x="4323153" y="1468423"/>
+            <a:chExt cx="2231682" cy="1266845"/>
           </a:xfrm>
-          <a:custGeom>
-            <a:avLst/>
-            <a:gdLst>
-              <a:gd name="connsiteX0" fmla="*/ 432203 w 432202"/>
-              <a:gd name="connsiteY0" fmla="*/ 418306 h 418305"/>
-              <a:gd name="connsiteX1" fmla="*/ 0 w 432202"/>
-              <a:gd name="connsiteY1" fmla="*/ 0 h 418305"/>
-            </a:gdLst>
-            <a:ahLst/>
-            <a:cxnLst>
-              <a:cxn ang="0">
-                <a:pos x="connsiteX0" y="connsiteY0"/>
-              </a:cxn>
-              <a:cxn ang="0">
-                <a:pos x="connsiteX1" y="connsiteY1"/>
-              </a:cxn>
-            </a:cxnLst>
-            <a:rect l="l" t="t" r="r" b="b"/>
-            <a:pathLst>
-              <a:path w="432202" h="418305">
-                <a:moveTo>
-                  <a:pt x="432203" y="418306"/>
-                </a:moveTo>
-                <a:lnTo>
-                  <a:pt x="0" y="0"/>
-                </a:lnTo>
-              </a:path>
-            </a:pathLst>
-          </a:custGeom>
-          <a:noFill/>
-          <a:ln w="74961" cap="flat">
-            <a:solidFill>
-              <a:srgbClr val="000000"/>
-            </a:solidFill>
-            <a:prstDash val="solid"/>
-            <a:miter/>
-          </a:ln>
-        </p:spPr>
-        <p:txBody>
-          <a:bodyPr rtlCol="0" anchor="ctr"/>
-          <a:lstStyle/>
-          <a:p>
-            <a:endParaRPr lang="en-US">
-              <a:latin typeface="Gill Sans MT" panose="020B0502020104020203" pitchFamily="34" charset="77"/>
-            </a:endParaRPr>
-          </a:p>
-        </p:txBody>
-      </p:sp>
-      <p:sp>
-        <p:nvSpPr>
-          <p:cNvPr id="405" name="Freeform: Shape 404">
-            <a:extLst>
-              <a:ext uri="{FF2B5EF4-FFF2-40B4-BE49-F238E27FC236}">
-                <a16:creationId xmlns:a16="http://schemas.microsoft.com/office/drawing/2014/main" id="{0931D8CC-E6AD-DF10-8A26-59628C5959DF}"/>
-              </a:ext>
-            </a:extLst>
-          </p:cNvPr>
-          <p:cNvSpPr/>
-          <p:nvPr/>
-        </p:nvSpPr>
-        <p:spPr>
-          <a:xfrm>
-            <a:off x="5907500" y="2104058"/>
-            <a:ext cx="647335" cy="62712"/>
-          </a:xfrm>
-          <a:custGeom>
-            <a:avLst/>
-            <a:gdLst>
-              <a:gd name="connsiteX0" fmla="*/ 1066682 w 1066682"/>
-              <a:gd name="connsiteY0" fmla="*/ 105408 h 105407"/>
-              <a:gd name="connsiteX1" fmla="*/ 0 w 1066682"/>
-              <a:gd name="connsiteY1" fmla="*/ 0 h 105407"/>
-            </a:gdLst>
-            <a:ahLst/>
-            <a:cxnLst>
-              <a:cxn ang="0">
-                <a:pos x="connsiteX0" y="connsiteY0"/>
-              </a:cxn>
-              <a:cxn ang="0">
-                <a:pos x="connsiteX1" y="connsiteY1"/>
-              </a:cxn>
-            </a:cxnLst>
-            <a:rect l="l" t="t" r="r" b="b"/>
-            <a:pathLst>
-              <a:path w="1066682" h="105407">
-                <a:moveTo>
-                  <a:pt x="1066682" y="105408"/>
-                </a:moveTo>
-                <a:lnTo>
-                  <a:pt x="0" y="0"/>
-                </a:lnTo>
-              </a:path>
-            </a:pathLst>
-          </a:custGeom>
-          <a:noFill/>
-          <a:ln w="74961" cap="flat">
-            <a:solidFill>
-              <a:srgbClr val="000000"/>
-            </a:solidFill>
-            <a:prstDash val="solid"/>
-            <a:miter/>
-          </a:ln>
-        </p:spPr>
-        <p:txBody>
-          <a:bodyPr rtlCol="0" anchor="ctr"/>
-          <a:lstStyle/>
-          <a:p>
-            <a:endParaRPr lang="en-US">
-              <a:latin typeface="Gill Sans MT" panose="020B0502020104020203" pitchFamily="34" charset="77"/>
-            </a:endParaRPr>
-          </a:p>
-        </p:txBody>
-      </p:sp>
-      <p:sp>
-        <p:nvSpPr>
-          <p:cNvPr id="406" name="Freeform: Shape 405">
-            <a:extLst>
-              <a:ext uri="{FF2B5EF4-FFF2-40B4-BE49-F238E27FC236}">
-                <a16:creationId xmlns:a16="http://schemas.microsoft.com/office/drawing/2014/main" id="{D8ADD412-4360-65A4-D264-4C5D299725A7}"/>
-              </a:ext>
-            </a:extLst>
-          </p:cNvPr>
-          <p:cNvSpPr/>
-          <p:nvPr/>
-        </p:nvSpPr>
-        <p:spPr>
-          <a:xfrm>
-            <a:off x="5849001" y="1468423"/>
-            <a:ext cx="537191" cy="275651"/>
-          </a:xfrm>
-          <a:custGeom>
-            <a:avLst/>
-            <a:gdLst>
-              <a:gd name="connsiteX0" fmla="*/ 885187 w 885186"/>
-              <a:gd name="connsiteY0" fmla="*/ 0 h 463314"/>
-              <a:gd name="connsiteX1" fmla="*/ 0 w 885186"/>
-              <a:gd name="connsiteY1" fmla="*/ 463314 h 463314"/>
-            </a:gdLst>
-            <a:ahLst/>
-            <a:cxnLst>
-              <a:cxn ang="0">
-                <a:pos x="connsiteX0" y="connsiteY0"/>
-              </a:cxn>
-              <a:cxn ang="0">
-                <a:pos x="connsiteX1" y="connsiteY1"/>
-              </a:cxn>
-            </a:cxnLst>
-            <a:rect l="l" t="t" r="r" b="b"/>
-            <a:pathLst>
-              <a:path w="885186" h="463314">
-                <a:moveTo>
-                  <a:pt x="885187" y="0"/>
-                </a:moveTo>
-                <a:lnTo>
-                  <a:pt x="0" y="463314"/>
-                </a:lnTo>
-              </a:path>
-            </a:pathLst>
-          </a:custGeom>
-          <a:noFill/>
-          <a:ln w="74961" cap="flat">
-            <a:solidFill>
-              <a:srgbClr val="000000"/>
-            </a:solidFill>
-            <a:prstDash val="solid"/>
-            <a:miter/>
-          </a:ln>
-        </p:spPr>
-        <p:txBody>
-          <a:bodyPr rtlCol="0" anchor="ctr"/>
-          <a:lstStyle/>
-          <a:p>
-            <a:endParaRPr lang="en-US">
-              <a:latin typeface="Gill Sans MT" panose="020B0502020104020203" pitchFamily="34" charset="77"/>
-            </a:endParaRPr>
-          </a:p>
-        </p:txBody>
-      </p:sp>
-      <p:sp>
-        <p:nvSpPr>
-          <p:cNvPr id="407" name="Freeform: Shape 406">
-            <a:extLst>
-              <a:ext uri="{FF2B5EF4-FFF2-40B4-BE49-F238E27FC236}">
-                <a16:creationId xmlns:a16="http://schemas.microsoft.com/office/drawing/2014/main" id="{38A6097B-E5B3-A982-0A66-C2E870981CB1}"/>
-              </a:ext>
-            </a:extLst>
-          </p:cNvPr>
-          <p:cNvSpPr/>
-          <p:nvPr/>
-        </p:nvSpPr>
-        <p:spPr>
-          <a:xfrm>
-            <a:off x="4498650" y="2400370"/>
-            <a:ext cx="410399" cy="306725"/>
-          </a:xfrm>
-          <a:custGeom>
-            <a:avLst/>
-            <a:gdLst>
-              <a:gd name="connsiteX0" fmla="*/ 0 w 676258"/>
-              <a:gd name="connsiteY0" fmla="*/ 515544 h 515544"/>
-              <a:gd name="connsiteX1" fmla="*/ 676259 w 676258"/>
-              <a:gd name="connsiteY1" fmla="*/ 0 h 515544"/>
-            </a:gdLst>
-            <a:ahLst/>
-            <a:cxnLst>
-              <a:cxn ang="0">
-                <a:pos x="connsiteX0" y="connsiteY0"/>
-              </a:cxn>
-              <a:cxn ang="0">
-                <a:pos x="connsiteX1" y="connsiteY1"/>
-              </a:cxn>
-            </a:cxnLst>
-            <a:rect l="l" t="t" r="r" b="b"/>
-            <a:pathLst>
-              <a:path w="676258" h="515544">
-                <a:moveTo>
-                  <a:pt x="0" y="515544"/>
-                </a:moveTo>
-                <a:lnTo>
-                  <a:pt x="676259" y="0"/>
-                </a:lnTo>
-              </a:path>
-            </a:pathLst>
-          </a:custGeom>
-          <a:noFill/>
-          <a:ln w="74961" cap="flat">
-            <a:solidFill>
-              <a:srgbClr val="000000"/>
-            </a:solidFill>
-            <a:prstDash val="solid"/>
-            <a:miter/>
-          </a:ln>
-        </p:spPr>
-        <p:txBody>
-          <a:bodyPr rtlCol="0" anchor="ctr"/>
-          <a:lstStyle/>
-          <a:p>
-            <a:endParaRPr lang="en-US">
-              <a:latin typeface="Gill Sans MT" panose="020B0502020104020203" pitchFamily="34" charset="77"/>
-            </a:endParaRPr>
-          </a:p>
-        </p:txBody>
-      </p:sp>
-      <p:sp>
-        <p:nvSpPr>
-          <p:cNvPr id="408" name="Freeform: Shape 407">
-            <a:extLst>
-              <a:ext uri="{FF2B5EF4-FFF2-40B4-BE49-F238E27FC236}">
-                <a16:creationId xmlns:a16="http://schemas.microsoft.com/office/drawing/2014/main" id="{2915E348-99E5-B89D-6C69-8D5F0FD7A4C7}"/>
-              </a:ext>
-            </a:extLst>
-          </p:cNvPr>
-          <p:cNvSpPr/>
-          <p:nvPr/>
-        </p:nvSpPr>
-        <p:spPr>
-          <a:xfrm>
-            <a:off x="4323153" y="1884214"/>
-            <a:ext cx="482626" cy="67310"/>
-          </a:xfrm>
-          <a:custGeom>
-            <a:avLst/>
-            <a:gdLst>
-              <a:gd name="connsiteX0" fmla="*/ 0 w 795274"/>
-              <a:gd name="connsiteY0" fmla="*/ 0 h 113135"/>
-              <a:gd name="connsiteX1" fmla="*/ 795274 w 795274"/>
-              <a:gd name="connsiteY1" fmla="*/ 113136 h 113135"/>
-            </a:gdLst>
-            <a:ahLst/>
-            <a:cxnLst>
-              <a:cxn ang="0">
-                <a:pos x="connsiteX0" y="connsiteY0"/>
-              </a:cxn>
-              <a:cxn ang="0">
-                <a:pos x="connsiteX1" y="connsiteY1"/>
-              </a:cxn>
-            </a:cxnLst>
-            <a:rect l="l" t="t" r="r" b="b"/>
-            <a:pathLst>
-              <a:path w="795274" h="113135">
-                <a:moveTo>
-                  <a:pt x="0" y="0"/>
-                </a:moveTo>
-                <a:lnTo>
-                  <a:pt x="795274" y="113136"/>
-                </a:lnTo>
-              </a:path>
-            </a:pathLst>
-          </a:custGeom>
-          <a:noFill/>
-          <a:ln w="74961" cap="flat">
-            <a:solidFill>
-              <a:srgbClr val="000000"/>
-            </a:solidFill>
-            <a:prstDash val="solid"/>
-            <a:miter/>
-          </a:ln>
-        </p:spPr>
-        <p:txBody>
-          <a:bodyPr rtlCol="0" anchor="ctr"/>
-          <a:lstStyle/>
-          <a:p>
-            <a:endParaRPr lang="en-US">
-              <a:latin typeface="Gill Sans MT" panose="020B0502020104020203" pitchFamily="34" charset="77"/>
-            </a:endParaRPr>
-          </a:p>
-        </p:txBody>
-      </p:sp>
+        </p:grpSpPr>
+        <p:sp>
+          <p:nvSpPr>
+            <p:cNvPr id="404" name="Freeform: Shape 403">
+              <a:extLst>
+                <a:ext uri="{FF2B5EF4-FFF2-40B4-BE49-F238E27FC236}">
+                  <a16:creationId xmlns:a16="http://schemas.microsoft.com/office/drawing/2014/main" id="{18A237D0-9433-1699-B7C8-DD4F5557A92A}"/>
+                </a:ext>
+              </a:extLst>
+            </p:cNvPr>
+            <p:cNvSpPr/>
+            <p:nvPr/>
+          </p:nvSpPr>
+          <p:spPr>
+            <a:xfrm>
+              <a:off x="5717378" y="2486396"/>
+              <a:ext cx="262290" cy="248872"/>
+            </a:xfrm>
+            <a:custGeom>
+              <a:avLst/>
+              <a:gdLst>
+                <a:gd name="connsiteX0" fmla="*/ 432203 w 432202"/>
+                <a:gd name="connsiteY0" fmla="*/ 418306 h 418305"/>
+                <a:gd name="connsiteX1" fmla="*/ 0 w 432202"/>
+                <a:gd name="connsiteY1" fmla="*/ 0 h 418305"/>
+              </a:gdLst>
+              <a:ahLst/>
+              <a:cxnLst>
+                <a:cxn ang="0">
+                  <a:pos x="connsiteX0" y="connsiteY0"/>
+                </a:cxn>
+                <a:cxn ang="0">
+                  <a:pos x="connsiteX1" y="connsiteY1"/>
+                </a:cxn>
+              </a:cxnLst>
+              <a:rect l="l" t="t" r="r" b="b"/>
+              <a:pathLst>
+                <a:path w="432202" h="418305">
+                  <a:moveTo>
+                    <a:pt x="432203" y="418306"/>
+                  </a:moveTo>
+                  <a:lnTo>
+                    <a:pt x="0" y="0"/>
+                  </a:lnTo>
+                </a:path>
+              </a:pathLst>
+            </a:custGeom>
+            <a:noFill/>
+            <a:ln w="74961" cap="flat">
+              <a:solidFill>
+                <a:srgbClr val="000000"/>
+              </a:solidFill>
+              <a:prstDash val="solid"/>
+              <a:miter/>
+            </a:ln>
+          </p:spPr>
+          <p:txBody>
+            <a:bodyPr rtlCol="0" anchor="ctr"/>
+            <a:lstStyle/>
+            <a:p>
+              <a:endParaRPr lang="en-US">
+                <a:latin typeface="Gill Sans MT" panose="020B0502020104020203" pitchFamily="34" charset="77"/>
+              </a:endParaRPr>
+            </a:p>
+          </p:txBody>
+        </p:sp>
+        <p:sp>
+          <p:nvSpPr>
+            <p:cNvPr id="405" name="Freeform: Shape 404">
+              <a:extLst>
+                <a:ext uri="{FF2B5EF4-FFF2-40B4-BE49-F238E27FC236}">
+                  <a16:creationId xmlns:a16="http://schemas.microsoft.com/office/drawing/2014/main" id="{0931D8CC-E6AD-DF10-8A26-59628C5959DF}"/>
+                </a:ext>
+              </a:extLst>
+            </p:cNvPr>
+            <p:cNvSpPr/>
+            <p:nvPr/>
+          </p:nvSpPr>
+          <p:spPr>
+            <a:xfrm>
+              <a:off x="5907500" y="2104058"/>
+              <a:ext cx="647335" cy="62712"/>
+            </a:xfrm>
+            <a:custGeom>
+              <a:avLst/>
+              <a:gdLst>
+                <a:gd name="connsiteX0" fmla="*/ 1066682 w 1066682"/>
+                <a:gd name="connsiteY0" fmla="*/ 105408 h 105407"/>
+                <a:gd name="connsiteX1" fmla="*/ 0 w 1066682"/>
+                <a:gd name="connsiteY1" fmla="*/ 0 h 105407"/>
+              </a:gdLst>
+              <a:ahLst/>
+              <a:cxnLst>
+                <a:cxn ang="0">
+                  <a:pos x="connsiteX0" y="connsiteY0"/>
+                </a:cxn>
+                <a:cxn ang="0">
+                  <a:pos x="connsiteX1" y="connsiteY1"/>
+                </a:cxn>
+              </a:cxnLst>
+              <a:rect l="l" t="t" r="r" b="b"/>
+              <a:pathLst>
+                <a:path w="1066682" h="105407">
+                  <a:moveTo>
+                    <a:pt x="1066682" y="105408"/>
+                  </a:moveTo>
+                  <a:lnTo>
+                    <a:pt x="0" y="0"/>
+                  </a:lnTo>
+                </a:path>
+              </a:pathLst>
+            </a:custGeom>
+            <a:noFill/>
+            <a:ln w="74961" cap="flat">
+              <a:solidFill>
+                <a:srgbClr val="000000"/>
+              </a:solidFill>
+              <a:prstDash val="solid"/>
+              <a:miter/>
+            </a:ln>
+          </p:spPr>
+          <p:txBody>
+            <a:bodyPr rtlCol="0" anchor="ctr"/>
+            <a:lstStyle/>
+            <a:p>
+              <a:endParaRPr lang="en-US">
+                <a:latin typeface="Gill Sans MT" panose="020B0502020104020203" pitchFamily="34" charset="77"/>
+              </a:endParaRPr>
+            </a:p>
+          </p:txBody>
+        </p:sp>
+        <p:sp>
+          <p:nvSpPr>
+            <p:cNvPr id="406" name="Freeform: Shape 405">
+              <a:extLst>
+                <a:ext uri="{FF2B5EF4-FFF2-40B4-BE49-F238E27FC236}">
+                  <a16:creationId xmlns:a16="http://schemas.microsoft.com/office/drawing/2014/main" id="{D8ADD412-4360-65A4-D264-4C5D299725A7}"/>
+                </a:ext>
+              </a:extLst>
+            </p:cNvPr>
+            <p:cNvSpPr/>
+            <p:nvPr/>
+          </p:nvSpPr>
+          <p:spPr>
+            <a:xfrm>
+              <a:off x="5849001" y="1468423"/>
+              <a:ext cx="537191" cy="275651"/>
+            </a:xfrm>
+            <a:custGeom>
+              <a:avLst/>
+              <a:gdLst>
+                <a:gd name="connsiteX0" fmla="*/ 885187 w 885186"/>
+                <a:gd name="connsiteY0" fmla="*/ 0 h 463314"/>
+                <a:gd name="connsiteX1" fmla="*/ 0 w 885186"/>
+                <a:gd name="connsiteY1" fmla="*/ 463314 h 463314"/>
+              </a:gdLst>
+              <a:ahLst/>
+              <a:cxnLst>
+                <a:cxn ang="0">
+                  <a:pos x="connsiteX0" y="connsiteY0"/>
+                </a:cxn>
+                <a:cxn ang="0">
+                  <a:pos x="connsiteX1" y="connsiteY1"/>
+                </a:cxn>
+              </a:cxnLst>
+              <a:rect l="l" t="t" r="r" b="b"/>
+              <a:pathLst>
+                <a:path w="885186" h="463314">
+                  <a:moveTo>
+                    <a:pt x="885187" y="0"/>
+                  </a:moveTo>
+                  <a:lnTo>
+                    <a:pt x="0" y="463314"/>
+                  </a:lnTo>
+                </a:path>
+              </a:pathLst>
+            </a:custGeom>
+            <a:noFill/>
+            <a:ln w="74961" cap="flat">
+              <a:solidFill>
+                <a:srgbClr val="000000"/>
+              </a:solidFill>
+              <a:prstDash val="solid"/>
+              <a:miter/>
+            </a:ln>
+          </p:spPr>
+          <p:txBody>
+            <a:bodyPr rtlCol="0" anchor="ctr"/>
+            <a:lstStyle/>
+            <a:p>
+              <a:endParaRPr lang="en-US">
+                <a:latin typeface="Gill Sans MT" panose="020B0502020104020203" pitchFamily="34" charset="77"/>
+              </a:endParaRPr>
+            </a:p>
+          </p:txBody>
+        </p:sp>
+        <p:sp>
+          <p:nvSpPr>
+            <p:cNvPr id="407" name="Freeform: Shape 406">
+              <a:extLst>
+                <a:ext uri="{FF2B5EF4-FFF2-40B4-BE49-F238E27FC236}">
+                  <a16:creationId xmlns:a16="http://schemas.microsoft.com/office/drawing/2014/main" id="{38A6097B-E5B3-A982-0A66-C2E870981CB1}"/>
+                </a:ext>
+              </a:extLst>
+            </p:cNvPr>
+            <p:cNvSpPr/>
+            <p:nvPr/>
+          </p:nvSpPr>
+          <p:spPr>
+            <a:xfrm>
+              <a:off x="4498650" y="2400370"/>
+              <a:ext cx="410399" cy="306725"/>
+            </a:xfrm>
+            <a:custGeom>
+              <a:avLst/>
+              <a:gdLst>
+                <a:gd name="connsiteX0" fmla="*/ 0 w 676258"/>
+                <a:gd name="connsiteY0" fmla="*/ 515544 h 515544"/>
+                <a:gd name="connsiteX1" fmla="*/ 676259 w 676258"/>
+                <a:gd name="connsiteY1" fmla="*/ 0 h 515544"/>
+              </a:gdLst>
+              <a:ahLst/>
+              <a:cxnLst>
+                <a:cxn ang="0">
+                  <a:pos x="connsiteX0" y="connsiteY0"/>
+                </a:cxn>
+                <a:cxn ang="0">
+                  <a:pos x="connsiteX1" y="connsiteY1"/>
+                </a:cxn>
+              </a:cxnLst>
+              <a:rect l="l" t="t" r="r" b="b"/>
+              <a:pathLst>
+                <a:path w="676258" h="515544">
+                  <a:moveTo>
+                    <a:pt x="0" y="515544"/>
+                  </a:moveTo>
+                  <a:lnTo>
+                    <a:pt x="676259" y="0"/>
+                  </a:lnTo>
+                </a:path>
+              </a:pathLst>
+            </a:custGeom>
+            <a:noFill/>
+            <a:ln w="74961" cap="flat">
+              <a:solidFill>
+                <a:srgbClr val="000000"/>
+              </a:solidFill>
+              <a:prstDash val="solid"/>
+              <a:miter/>
+            </a:ln>
+          </p:spPr>
+          <p:txBody>
+            <a:bodyPr rtlCol="0" anchor="ctr"/>
+            <a:lstStyle/>
+            <a:p>
+              <a:endParaRPr lang="en-US">
+                <a:latin typeface="Gill Sans MT" panose="020B0502020104020203" pitchFamily="34" charset="77"/>
+              </a:endParaRPr>
+            </a:p>
+          </p:txBody>
+        </p:sp>
+        <p:sp>
+          <p:nvSpPr>
+            <p:cNvPr id="408" name="Freeform: Shape 407">
+              <a:extLst>
+                <a:ext uri="{FF2B5EF4-FFF2-40B4-BE49-F238E27FC236}">
+                  <a16:creationId xmlns:a16="http://schemas.microsoft.com/office/drawing/2014/main" id="{2915E348-99E5-B89D-6C69-8D5F0FD7A4C7}"/>
+                </a:ext>
+              </a:extLst>
+            </p:cNvPr>
+            <p:cNvSpPr/>
+            <p:nvPr/>
+          </p:nvSpPr>
+          <p:spPr>
+            <a:xfrm>
+              <a:off x="4323153" y="1884214"/>
+              <a:ext cx="482626" cy="67310"/>
+            </a:xfrm>
+            <a:custGeom>
+              <a:avLst/>
+              <a:gdLst>
+                <a:gd name="connsiteX0" fmla="*/ 0 w 795274"/>
+                <a:gd name="connsiteY0" fmla="*/ 0 h 113135"/>
+                <a:gd name="connsiteX1" fmla="*/ 795274 w 795274"/>
+                <a:gd name="connsiteY1" fmla="*/ 113136 h 113135"/>
+              </a:gdLst>
+              <a:ahLst/>
+              <a:cxnLst>
+                <a:cxn ang="0">
+                  <a:pos x="connsiteX0" y="connsiteY0"/>
+                </a:cxn>
+                <a:cxn ang="0">
+                  <a:pos x="connsiteX1" y="connsiteY1"/>
+                </a:cxn>
+              </a:cxnLst>
+              <a:rect l="l" t="t" r="r" b="b"/>
+              <a:pathLst>
+                <a:path w="795274" h="113135">
+                  <a:moveTo>
+                    <a:pt x="0" y="0"/>
+                  </a:moveTo>
+                  <a:lnTo>
+                    <a:pt x="795274" y="113136"/>
+                  </a:lnTo>
+                </a:path>
+              </a:pathLst>
+            </a:custGeom>
+            <a:noFill/>
+            <a:ln w="74961" cap="flat">
+              <a:solidFill>
+                <a:srgbClr val="000000"/>
+              </a:solidFill>
+              <a:prstDash val="solid"/>
+              <a:miter/>
+            </a:ln>
+          </p:spPr>
+          <p:txBody>
+            <a:bodyPr rtlCol="0" anchor="ctr"/>
+            <a:lstStyle/>
+            <a:p>
+              <a:endParaRPr lang="en-US">
+                <a:latin typeface="Gill Sans MT" panose="020B0502020104020203" pitchFamily="34" charset="77"/>
+              </a:endParaRPr>
+            </a:p>
+          </p:txBody>
+        </p:sp>
+      </p:grpSp>
       <p:sp>
         <p:nvSpPr>
           <p:cNvPr id="409" name="Freeform: Shape 408">
@@ -20509,7 +20536,7 @@
         </p:spPr>
         <p:txBody>
           <a:bodyPr wrap="square">
-            <a:spAutoFit/>
+            <a:noAutofit/>
           </a:bodyPr>
           <a:lstStyle/>
           <a:p>
@@ -20530,7 +20557,7 @@
               <a:buNone/>
             </a:pPr>
             <a:r>
-              <a:rPr lang="en-US" b="1" dirty="0">
+              <a:rPr lang="en-US" dirty="0">
                 <a:solidFill>
                   <a:srgbClr val="1F2328"/>
                 </a:solidFill>
@@ -20605,7 +20632,7 @@
         </p:spPr>
         <p:txBody>
           <a:bodyPr spcFirstLastPara="1" wrap="square" lIns="91425" tIns="91425" rIns="91425" bIns="91425" anchor="t" anchorCtr="0">
-            <a:spAutoFit/>
+            <a:noAutofit/>
           </a:bodyPr>
           <a:lstStyle>
             <a:defPPr marR="0" lvl="0" algn="l" rtl="0">
@@ -20864,7 +20891,7 @@
               <a:buNone/>
             </a:pPr>
             <a:r>
-              <a:rPr lang="en-US" b="1" dirty="0">
+              <a:rPr lang="en-US" dirty="0">
                 <a:solidFill>
                   <a:srgbClr val="1F2328"/>
                 </a:solidFill>
@@ -21289,6 +21316,362 @@
           </a:p>
         </p:txBody>
       </p:sp>
+      <p:grpSp>
+        <p:nvGrpSpPr>
+          <p:cNvPr id="12" name="Group 11">
+            <a:extLst>
+              <a:ext uri="{FF2B5EF4-FFF2-40B4-BE49-F238E27FC236}">
+                <a16:creationId xmlns:a16="http://schemas.microsoft.com/office/drawing/2014/main" id="{49644B4F-F6F8-8409-823F-1819772ED2DF}"/>
+              </a:ext>
+            </a:extLst>
+          </p:cNvPr>
+          <p:cNvGrpSpPr/>
+          <p:nvPr/>
+        </p:nvGrpSpPr>
+        <p:grpSpPr>
+          <a:xfrm>
+            <a:off x="4325118" y="1468019"/>
+            <a:ext cx="2231682" cy="1266845"/>
+            <a:chOff x="4323153" y="1468423"/>
+            <a:chExt cx="2231682" cy="1266845"/>
+          </a:xfrm>
+        </p:grpSpPr>
+        <p:sp>
+          <p:nvSpPr>
+            <p:cNvPr id="13" name="Freeform: Shape 403">
+              <a:extLst>
+                <a:ext uri="{FF2B5EF4-FFF2-40B4-BE49-F238E27FC236}">
+                  <a16:creationId xmlns:a16="http://schemas.microsoft.com/office/drawing/2014/main" id="{3D231CFF-2ABC-7761-4B6D-77C78C988D3E}"/>
+                </a:ext>
+              </a:extLst>
+            </p:cNvPr>
+            <p:cNvSpPr/>
+            <p:nvPr/>
+          </p:nvSpPr>
+          <p:spPr>
+            <a:xfrm>
+              <a:off x="5717378" y="2486396"/>
+              <a:ext cx="262290" cy="248872"/>
+            </a:xfrm>
+            <a:custGeom>
+              <a:avLst/>
+              <a:gdLst>
+                <a:gd name="connsiteX0" fmla="*/ 432203 w 432202"/>
+                <a:gd name="connsiteY0" fmla="*/ 418306 h 418305"/>
+                <a:gd name="connsiteX1" fmla="*/ 0 w 432202"/>
+                <a:gd name="connsiteY1" fmla="*/ 0 h 418305"/>
+              </a:gdLst>
+              <a:ahLst/>
+              <a:cxnLst>
+                <a:cxn ang="0">
+                  <a:pos x="connsiteX0" y="connsiteY0"/>
+                </a:cxn>
+                <a:cxn ang="0">
+                  <a:pos x="connsiteX1" y="connsiteY1"/>
+                </a:cxn>
+              </a:cxnLst>
+              <a:rect l="l" t="t" r="r" b="b"/>
+              <a:pathLst>
+                <a:path w="432202" h="418305">
+                  <a:moveTo>
+                    <a:pt x="432203" y="418306"/>
+                  </a:moveTo>
+                  <a:lnTo>
+                    <a:pt x="0" y="0"/>
+                  </a:lnTo>
+                </a:path>
+              </a:pathLst>
+            </a:custGeom>
+            <a:noFill/>
+            <a:ln w="74961" cap="flat">
+              <a:solidFill>
+                <a:schemeClr val="accent4">
+                  <a:lumMod val="75000"/>
+                </a:schemeClr>
+              </a:solidFill>
+              <a:prstDash val="solid"/>
+              <a:miter/>
+            </a:ln>
+          </p:spPr>
+          <p:txBody>
+            <a:bodyPr rtlCol="0" anchor="ctr"/>
+            <a:lstStyle/>
+            <a:p>
+              <a:endParaRPr lang="en-US">
+                <a:latin typeface="Gill Sans MT" panose="020B0502020104020203" pitchFamily="34" charset="77"/>
+              </a:endParaRPr>
+            </a:p>
+          </p:txBody>
+        </p:sp>
+        <p:sp>
+          <p:nvSpPr>
+            <p:cNvPr id="14" name="Freeform: Shape 404">
+              <a:extLst>
+                <a:ext uri="{FF2B5EF4-FFF2-40B4-BE49-F238E27FC236}">
+                  <a16:creationId xmlns:a16="http://schemas.microsoft.com/office/drawing/2014/main" id="{D8685F85-C0B2-4C33-C148-5CAC44DEE6EC}"/>
+                </a:ext>
+              </a:extLst>
+            </p:cNvPr>
+            <p:cNvSpPr/>
+            <p:nvPr/>
+          </p:nvSpPr>
+          <p:spPr>
+            <a:xfrm>
+              <a:off x="5907500" y="2104058"/>
+              <a:ext cx="647335" cy="62712"/>
+            </a:xfrm>
+            <a:custGeom>
+              <a:avLst/>
+              <a:gdLst>
+                <a:gd name="connsiteX0" fmla="*/ 1066682 w 1066682"/>
+                <a:gd name="connsiteY0" fmla="*/ 105408 h 105407"/>
+                <a:gd name="connsiteX1" fmla="*/ 0 w 1066682"/>
+                <a:gd name="connsiteY1" fmla="*/ 0 h 105407"/>
+              </a:gdLst>
+              <a:ahLst/>
+              <a:cxnLst>
+                <a:cxn ang="0">
+                  <a:pos x="connsiteX0" y="connsiteY0"/>
+                </a:cxn>
+                <a:cxn ang="0">
+                  <a:pos x="connsiteX1" y="connsiteY1"/>
+                </a:cxn>
+              </a:cxnLst>
+              <a:rect l="l" t="t" r="r" b="b"/>
+              <a:pathLst>
+                <a:path w="1066682" h="105407">
+                  <a:moveTo>
+                    <a:pt x="1066682" y="105408"/>
+                  </a:moveTo>
+                  <a:lnTo>
+                    <a:pt x="0" y="0"/>
+                  </a:lnTo>
+                </a:path>
+              </a:pathLst>
+            </a:custGeom>
+            <a:noFill/>
+            <a:ln w="74961" cap="flat">
+              <a:solidFill>
+                <a:schemeClr val="accent4">
+                  <a:lumMod val="75000"/>
+                </a:schemeClr>
+              </a:solidFill>
+              <a:prstDash val="solid"/>
+              <a:miter/>
+            </a:ln>
+          </p:spPr>
+          <p:txBody>
+            <a:bodyPr rtlCol="0" anchor="ctr"/>
+            <a:lstStyle/>
+            <a:p>
+              <a:endParaRPr lang="en-US">
+                <a:latin typeface="Gill Sans MT" panose="020B0502020104020203" pitchFamily="34" charset="77"/>
+              </a:endParaRPr>
+            </a:p>
+          </p:txBody>
+        </p:sp>
+        <p:sp>
+          <p:nvSpPr>
+            <p:cNvPr id="15" name="Freeform: Shape 405">
+              <a:extLst>
+                <a:ext uri="{FF2B5EF4-FFF2-40B4-BE49-F238E27FC236}">
+                  <a16:creationId xmlns:a16="http://schemas.microsoft.com/office/drawing/2014/main" id="{415E6964-4E4A-3633-327B-A3C41712E4B6}"/>
+                </a:ext>
+              </a:extLst>
+            </p:cNvPr>
+            <p:cNvSpPr/>
+            <p:nvPr/>
+          </p:nvSpPr>
+          <p:spPr>
+            <a:xfrm>
+              <a:off x="5849001" y="1468423"/>
+              <a:ext cx="537191" cy="275651"/>
+            </a:xfrm>
+            <a:custGeom>
+              <a:avLst/>
+              <a:gdLst>
+                <a:gd name="connsiteX0" fmla="*/ 885187 w 885186"/>
+                <a:gd name="connsiteY0" fmla="*/ 0 h 463314"/>
+                <a:gd name="connsiteX1" fmla="*/ 0 w 885186"/>
+                <a:gd name="connsiteY1" fmla="*/ 463314 h 463314"/>
+              </a:gdLst>
+              <a:ahLst/>
+              <a:cxnLst>
+                <a:cxn ang="0">
+                  <a:pos x="connsiteX0" y="connsiteY0"/>
+                </a:cxn>
+                <a:cxn ang="0">
+                  <a:pos x="connsiteX1" y="connsiteY1"/>
+                </a:cxn>
+              </a:cxnLst>
+              <a:rect l="l" t="t" r="r" b="b"/>
+              <a:pathLst>
+                <a:path w="885186" h="463314">
+                  <a:moveTo>
+                    <a:pt x="885187" y="0"/>
+                  </a:moveTo>
+                  <a:lnTo>
+                    <a:pt x="0" y="463314"/>
+                  </a:lnTo>
+                </a:path>
+              </a:pathLst>
+            </a:custGeom>
+            <a:noFill/>
+            <a:ln w="74961" cap="flat">
+              <a:solidFill>
+                <a:schemeClr val="accent4">
+                  <a:lumMod val="75000"/>
+                </a:schemeClr>
+              </a:solidFill>
+              <a:prstDash val="solid"/>
+              <a:miter/>
+            </a:ln>
+          </p:spPr>
+          <p:txBody>
+            <a:bodyPr rtlCol="0" anchor="ctr"/>
+            <a:lstStyle/>
+            <a:p>
+              <a:endParaRPr lang="en-US">
+                <a:latin typeface="Gill Sans MT" panose="020B0502020104020203" pitchFamily="34" charset="77"/>
+              </a:endParaRPr>
+            </a:p>
+          </p:txBody>
+        </p:sp>
+        <p:sp>
+          <p:nvSpPr>
+            <p:cNvPr id="16" name="Freeform: Shape 406">
+              <a:extLst>
+                <a:ext uri="{FF2B5EF4-FFF2-40B4-BE49-F238E27FC236}">
+                  <a16:creationId xmlns:a16="http://schemas.microsoft.com/office/drawing/2014/main" id="{5EC6F406-6704-9632-1E2C-2419E6FAF243}"/>
+                </a:ext>
+              </a:extLst>
+            </p:cNvPr>
+            <p:cNvSpPr/>
+            <p:nvPr/>
+          </p:nvSpPr>
+          <p:spPr>
+            <a:xfrm>
+              <a:off x="4498650" y="2400370"/>
+              <a:ext cx="410399" cy="306725"/>
+            </a:xfrm>
+            <a:custGeom>
+              <a:avLst/>
+              <a:gdLst>
+                <a:gd name="connsiteX0" fmla="*/ 0 w 676258"/>
+                <a:gd name="connsiteY0" fmla="*/ 515544 h 515544"/>
+                <a:gd name="connsiteX1" fmla="*/ 676259 w 676258"/>
+                <a:gd name="connsiteY1" fmla="*/ 0 h 515544"/>
+              </a:gdLst>
+              <a:ahLst/>
+              <a:cxnLst>
+                <a:cxn ang="0">
+                  <a:pos x="connsiteX0" y="connsiteY0"/>
+                </a:cxn>
+                <a:cxn ang="0">
+                  <a:pos x="connsiteX1" y="connsiteY1"/>
+                </a:cxn>
+              </a:cxnLst>
+              <a:rect l="l" t="t" r="r" b="b"/>
+              <a:pathLst>
+                <a:path w="676258" h="515544">
+                  <a:moveTo>
+                    <a:pt x="0" y="515544"/>
+                  </a:moveTo>
+                  <a:lnTo>
+                    <a:pt x="676259" y="0"/>
+                  </a:lnTo>
+                </a:path>
+              </a:pathLst>
+            </a:custGeom>
+            <a:noFill/>
+            <a:ln w="74961" cap="flat">
+              <a:solidFill>
+                <a:schemeClr val="accent4">
+                  <a:lumMod val="75000"/>
+                </a:schemeClr>
+              </a:solidFill>
+              <a:prstDash val="solid"/>
+              <a:miter/>
+            </a:ln>
+          </p:spPr>
+          <p:txBody>
+            <a:bodyPr rtlCol="0" anchor="ctr"/>
+            <a:lstStyle/>
+            <a:p>
+              <a:endParaRPr lang="en-US" dirty="0">
+                <a:latin typeface="Gill Sans MT" panose="020B0502020104020203" pitchFamily="34" charset="77"/>
+              </a:endParaRPr>
+            </a:p>
+          </p:txBody>
+        </p:sp>
+        <p:sp>
+          <p:nvSpPr>
+            <p:cNvPr id="17" name="Freeform: Shape 407">
+              <a:extLst>
+                <a:ext uri="{FF2B5EF4-FFF2-40B4-BE49-F238E27FC236}">
+                  <a16:creationId xmlns:a16="http://schemas.microsoft.com/office/drawing/2014/main" id="{BE938787-07A2-D7D4-F906-67A3C6557B78}"/>
+                </a:ext>
+              </a:extLst>
+            </p:cNvPr>
+            <p:cNvSpPr/>
+            <p:nvPr/>
+          </p:nvSpPr>
+          <p:spPr>
+            <a:xfrm>
+              <a:off x="4323153" y="1884214"/>
+              <a:ext cx="482626" cy="67310"/>
+            </a:xfrm>
+            <a:custGeom>
+              <a:avLst/>
+              <a:gdLst>
+                <a:gd name="connsiteX0" fmla="*/ 0 w 795274"/>
+                <a:gd name="connsiteY0" fmla="*/ 0 h 113135"/>
+                <a:gd name="connsiteX1" fmla="*/ 795274 w 795274"/>
+                <a:gd name="connsiteY1" fmla="*/ 113136 h 113135"/>
+              </a:gdLst>
+              <a:ahLst/>
+              <a:cxnLst>
+                <a:cxn ang="0">
+                  <a:pos x="connsiteX0" y="connsiteY0"/>
+                </a:cxn>
+                <a:cxn ang="0">
+                  <a:pos x="connsiteX1" y="connsiteY1"/>
+                </a:cxn>
+              </a:cxnLst>
+              <a:rect l="l" t="t" r="r" b="b"/>
+              <a:pathLst>
+                <a:path w="795274" h="113135">
+                  <a:moveTo>
+                    <a:pt x="0" y="0"/>
+                  </a:moveTo>
+                  <a:lnTo>
+                    <a:pt x="795274" y="113136"/>
+                  </a:lnTo>
+                </a:path>
+              </a:pathLst>
+            </a:custGeom>
+            <a:noFill/>
+            <a:ln w="74961" cap="flat">
+              <a:solidFill>
+                <a:schemeClr val="accent4">
+                  <a:lumMod val="75000"/>
+                </a:schemeClr>
+              </a:solidFill>
+              <a:prstDash val="solid"/>
+              <a:miter/>
+            </a:ln>
+          </p:spPr>
+          <p:txBody>
+            <a:bodyPr rtlCol="0" anchor="ctr"/>
+            <a:lstStyle/>
+            <a:p>
+              <a:endParaRPr lang="en-US">
+                <a:latin typeface="Gill Sans MT" panose="020B0502020104020203" pitchFamily="34" charset="77"/>
+              </a:endParaRPr>
+            </a:p>
+          </p:txBody>
+        </p:sp>
+      </p:grpSp>
     </p:spTree>
     <p:extLst>
       <p:ext uri="{BB962C8B-B14F-4D97-AF65-F5344CB8AC3E}">
@@ -21299,6 +21682,89 @@
   <p:clrMapOvr>
     <a:masterClrMapping/>
   </p:clrMapOvr>
+  <p:timing>
+    <p:tnLst>
+      <p:par>
+        <p:cTn id="1" dur="indefinite" restart="never" nodeType="tmRoot">
+          <p:childTnLst>
+            <p:seq concurrent="1" nextAc="seek">
+              <p:cTn id="2" dur="indefinite" nodeType="mainSeq">
+                <p:childTnLst>
+                  <p:par>
+                    <p:cTn id="3" fill="hold">
+                      <p:stCondLst>
+                        <p:cond delay="indefinite"/>
+                      </p:stCondLst>
+                      <p:childTnLst>
+                        <p:par>
+                          <p:cTn id="4" fill="hold">
+                            <p:stCondLst>
+                              <p:cond delay="0"/>
+                            </p:stCondLst>
+                            <p:childTnLst>
+                              <p:par>
+                                <p:cTn id="5" presetID="9" presetClass="entr" presetSubtype="0" fill="hold" nodeType="clickEffect">
+                                  <p:stCondLst>
+                                    <p:cond delay="0"/>
+                                  </p:stCondLst>
+                                  <p:childTnLst>
+                                    <p:set>
+                                      <p:cBhvr>
+                                        <p:cTn id="6" dur="1" fill="hold">
+                                          <p:stCondLst>
+                                            <p:cond delay="0"/>
+                                          </p:stCondLst>
+                                        </p:cTn>
+                                        <p:tgtEl>
+                                          <p:spTgt spid="12"/>
+                                        </p:tgtEl>
+                                        <p:attrNameLst>
+                                          <p:attrName>style.visibility</p:attrName>
+                                        </p:attrNameLst>
+                                      </p:cBhvr>
+                                      <p:to>
+                                        <p:strVal val="visible"/>
+                                      </p:to>
+                                    </p:set>
+                                    <p:animEffect transition="in" filter="dissolve">
+                                      <p:cBhvr>
+                                        <p:cTn id="7" dur="500"/>
+                                        <p:tgtEl>
+                                          <p:spTgt spid="12"/>
+                                        </p:tgtEl>
+                                      </p:cBhvr>
+                                    </p:animEffect>
+                                  </p:childTnLst>
+                                </p:cTn>
+                              </p:par>
+                            </p:childTnLst>
+                          </p:cTn>
+                        </p:par>
+                      </p:childTnLst>
+                    </p:cTn>
+                  </p:par>
+                </p:childTnLst>
+              </p:cTn>
+              <p:prevCondLst>
+                <p:cond evt="onPrev" delay="0">
+                  <p:tgtEl>
+                    <p:sldTgt/>
+                  </p:tgtEl>
+                </p:cond>
+              </p:prevCondLst>
+              <p:nextCondLst>
+                <p:cond evt="onNext" delay="0">
+                  <p:tgtEl>
+                    <p:sldTgt/>
+                  </p:tgtEl>
+                </p:cond>
+              </p:nextCondLst>
+            </p:seq>
+          </p:childTnLst>
+        </p:cTn>
+      </p:par>
+    </p:tnLst>
+  </p:timing>
 </p:sld>
 </file>
 
@@ -21706,7 +22172,7 @@
           </a:fontRef>
         </p:style>
         <p:txBody>
-          <a:bodyPr rtlCol="0" anchor="ctr"/>
+          <a:bodyPr tIns="72000" rtlCol="0" anchor="ctr"/>
           <a:lstStyle/>
           <a:p>
             <a:pPr algn="ctr"/>
@@ -21733,7 +22199,7 @@
         </p:nvSpPr>
         <p:spPr>
           <a:xfrm>
-            <a:off x="3016355" y="2334797"/>
+            <a:off x="3012493" y="2334797"/>
             <a:ext cx="1276281" cy="488238"/>
           </a:xfrm>
           <a:prstGeom prst="rect">
@@ -21784,8 +22250,8 @@
         </p:nvSpPr>
         <p:spPr>
           <a:xfrm>
-            <a:off x="3105783" y="3208833"/>
-            <a:ext cx="1095751" cy="488240"/>
+            <a:off x="3012494" y="3208833"/>
+            <a:ext cx="1273964" cy="488240"/>
           </a:xfrm>
           <a:prstGeom prst="flowChartDocument">
             <a:avLst/>
@@ -21815,7 +22281,7 @@
           </a:fontRef>
         </p:style>
         <p:txBody>
-          <a:bodyPr rtlCol="0" anchor="ctr"/>
+          <a:bodyPr tIns="72000" rtlCol="0" anchor="ctr"/>
           <a:lstStyle/>
           <a:p>
             <a:pPr algn="ctr"/>
@@ -21845,8 +22311,8 @@
         </p:nvSpPr>
         <p:spPr>
           <a:xfrm>
-            <a:off x="2961979" y="4138029"/>
-            <a:ext cx="1377309" cy="484193"/>
+            <a:off x="3010177" y="4138029"/>
+            <a:ext cx="1276281" cy="484193"/>
           </a:xfrm>
           <a:prstGeom prst="rect">
             <a:avLst/>
@@ -21904,8 +22370,8 @@
         </p:nvSpPr>
         <p:spPr>
           <a:xfrm>
-            <a:off x="5002655" y="4138029"/>
-            <a:ext cx="1377309" cy="484193"/>
+            <a:off x="5049708" y="4138029"/>
+            <a:ext cx="1271748" cy="484193"/>
           </a:xfrm>
           <a:prstGeom prst="rect">
             <a:avLst/>
@@ -22014,8 +22480,8 @@
         </p:nvSpPr>
         <p:spPr>
           <a:xfrm>
-            <a:off x="5098442" y="3208833"/>
-            <a:ext cx="1188050" cy="484193"/>
+            <a:off x="5050191" y="3208833"/>
+            <a:ext cx="1271748" cy="484193"/>
           </a:xfrm>
           <a:prstGeom prst="flowChartDocument">
             <a:avLst/>
@@ -22045,7 +22511,7 @@
           </a:fontRef>
         </p:style>
         <p:txBody>
-          <a:bodyPr rtlCol="0" anchor="ctr"/>
+          <a:bodyPr tIns="72000" rtlCol="0" anchor="ctr"/>
           <a:lstStyle/>
           <a:p>
             <a:pPr algn="ctr"/>
@@ -22125,9 +22591,9 @@
           <p:nvPr/>
         </p:nvCxnSpPr>
         <p:spPr>
-          <a:xfrm rot="16200000" flipH="1">
-            <a:off x="5495816" y="3012181"/>
-            <a:ext cx="389169" cy="4134"/>
+          <a:xfrm rot="5400000">
+            <a:off x="5492615" y="3013114"/>
+            <a:ext cx="389169" cy="2268"/>
           </a:xfrm>
           <a:prstGeom prst="bentConnector3">
             <a:avLst>
@@ -22171,8 +22637,8 @@
         </p:nvCxnSpPr>
         <p:spPr>
           <a:xfrm rot="5400000">
-            <a:off x="3765931" y="1514485"/>
-            <a:ext cx="708877" cy="931746"/>
+            <a:off x="3764000" y="1512554"/>
+            <a:ext cx="708877" cy="935608"/>
           </a:xfrm>
           <a:prstGeom prst="bentConnector3">
             <a:avLst>
@@ -22221,8 +22687,8 @@
         </p:nvCxnSpPr>
         <p:spPr>
           <a:xfrm rot="5400000">
-            <a:off x="3461179" y="3015516"/>
-            <a:ext cx="385798" cy="837"/>
+            <a:off x="3457156" y="3015355"/>
+            <a:ext cx="385798" cy="1158"/>
           </a:xfrm>
           <a:prstGeom prst="bentConnector3">
             <a:avLst>
@@ -22266,8 +22732,8 @@
         </p:nvCxnSpPr>
         <p:spPr>
           <a:xfrm rot="5400000">
-            <a:off x="3415530" y="3899900"/>
-            <a:ext cx="473234" cy="3025"/>
+            <a:off x="3412280" y="3900833"/>
+            <a:ext cx="473234" cy="1158"/>
           </a:xfrm>
           <a:prstGeom prst="bentConnector3">
             <a:avLst>
@@ -22311,8 +22777,8 @@
         </p:nvCxnSpPr>
         <p:spPr>
           <a:xfrm rot="5400000">
-            <a:off x="5453382" y="3898944"/>
-            <a:ext cx="477014" cy="1157"/>
+            <a:off x="5447317" y="3899281"/>
+            <a:ext cx="477014" cy="483"/>
           </a:xfrm>
           <a:prstGeom prst="bentConnector3">
             <a:avLst>
@@ -22356,8 +22822,8 @@
         </p:nvCxnSpPr>
         <p:spPr>
           <a:xfrm rot="5400000">
-            <a:off x="1445463" y="3014251"/>
-            <a:ext cx="385122" cy="4042"/>
+            <a:off x="1445861" y="3015848"/>
+            <a:ext cx="385122" cy="848"/>
           </a:xfrm>
           <a:prstGeom prst="bentConnector3">
             <a:avLst>
@@ -22448,7 +22914,7 @@
         </p:nvSpPr>
         <p:spPr>
           <a:xfrm>
-            <a:off x="1021290" y="2335472"/>
+            <a:off x="1020091" y="2335472"/>
             <a:ext cx="1237510" cy="488239"/>
           </a:xfrm>
           <a:prstGeom prst="rect">
@@ -22503,8 +22969,8 @@
         </p:nvCxnSpPr>
         <p:spPr>
           <a:xfrm rot="5400000">
-            <a:off x="2758368" y="507598"/>
-            <a:ext cx="709552" cy="2946197"/>
+            <a:off x="2757768" y="506998"/>
+            <a:ext cx="709552" cy="2947396"/>
           </a:xfrm>
           <a:prstGeom prst="bentConnector3">
             <a:avLst>
@@ -22608,8 +23074,8 @@
         </p:nvSpPr>
         <p:spPr>
           <a:xfrm>
-            <a:off x="1113163" y="3208833"/>
-            <a:ext cx="1045679" cy="488240"/>
+            <a:off x="1019243" y="3208833"/>
+            <a:ext cx="1237510" cy="488240"/>
           </a:xfrm>
           <a:prstGeom prst="flowChartDocument">
             <a:avLst/>
@@ -22639,7 +23105,7 @@
           </a:fontRef>
         </p:style>
         <p:txBody>
-          <a:bodyPr rtlCol="0" anchor="ctr"/>
+          <a:bodyPr tIns="72000" rtlCol="0" anchor="ctr"/>
           <a:lstStyle/>
           <a:p>
             <a:pPr algn="ctr"/>
@@ -22679,8 +23145,8 @@
         </p:nvCxnSpPr>
         <p:spPr>
           <a:xfrm rot="16200000" flipH="1">
-            <a:off x="1400807" y="3899990"/>
-            <a:ext cx="473234" cy="2843"/>
+            <a:off x="1401805" y="3900988"/>
+            <a:ext cx="473234" cy="848"/>
           </a:xfrm>
           <a:prstGeom prst="bentConnector3">
             <a:avLst>
@@ -22720,8 +23186,8 @@
         </p:nvSpPr>
         <p:spPr>
           <a:xfrm>
-            <a:off x="6393164" y="287423"/>
-            <a:ext cx="2230098" cy="307777"/>
+            <a:off x="6546338" y="213501"/>
+            <a:ext cx="2238113" cy="307777"/>
           </a:xfrm>
           <a:prstGeom prst="rect">
             <a:avLst/>
@@ -22735,10 +23201,10 @@
           <a:lstStyle/>
           <a:p>
             <a:r>
-              <a:rPr lang="en-NL" dirty="0">
+              <a:rPr lang="en-NL" b="1" dirty="0">
                 <a:latin typeface="Gill Sans MT" panose="020B0502020104020203" pitchFamily="34" charset="77"/>
               </a:rPr>
-              <a:t>Meta / Language Demo flow</a:t>
+              <a:t>Language Engineer Flow</a:t>
             </a:r>
           </a:p>
         </p:txBody>
@@ -22757,8 +23223,8 @@
         </p:nvSpPr>
         <p:spPr>
           <a:xfrm>
-            <a:off x="7084029" y="2335472"/>
-            <a:ext cx="1276281" cy="473231"/>
+            <a:off x="7079410" y="2335472"/>
+            <a:ext cx="1308843" cy="473231"/>
           </a:xfrm>
           <a:prstGeom prst="rect">
             <a:avLst/>
@@ -22812,8 +23278,8 @@
         </p:nvCxnSpPr>
         <p:spPr>
           <a:xfrm rot="16200000" flipH="1">
-            <a:off x="5799430" y="412732"/>
-            <a:ext cx="709552" cy="3135928"/>
+            <a:off x="5805261" y="406901"/>
+            <a:ext cx="709552" cy="3147590"/>
           </a:xfrm>
           <a:prstGeom prst="bentConnector3">
             <a:avLst>
@@ -22858,8 +23324,8 @@
         </p:nvSpPr>
         <p:spPr>
           <a:xfrm>
-            <a:off x="7129524" y="3208833"/>
-            <a:ext cx="1188050" cy="484193"/>
+            <a:off x="7084030" y="3208833"/>
+            <a:ext cx="1308843" cy="484193"/>
           </a:xfrm>
           <a:prstGeom prst="flowChartDocument">
             <a:avLst/>
@@ -22889,7 +23355,7 @@
           </a:fontRef>
         </p:style>
         <p:txBody>
-          <a:bodyPr rtlCol="0" anchor="ctr"/>
+          <a:bodyPr tIns="72000" rtlCol="0" anchor="ctr"/>
           <a:lstStyle/>
           <a:p>
             <a:pPr algn="ctr"/>
@@ -22902,51 +23368,6 @@
           </a:p>
         </p:txBody>
       </p:sp>
-      <p:cxnSp>
-        <p:nvCxnSpPr>
-          <p:cNvPr id="53" name="Elbow Connector 52">
-            <a:extLst>
-              <a:ext uri="{FF2B5EF4-FFF2-40B4-BE49-F238E27FC236}">
-                <a16:creationId xmlns:a16="http://schemas.microsoft.com/office/drawing/2014/main" id="{74DA4026-19AA-EE30-36C5-332924085E6A}"/>
-              </a:ext>
-            </a:extLst>
-          </p:cNvPr>
-          <p:cNvCxnSpPr>
-            <a:cxnSpLocks/>
-            <a:stCxn id="46" idx="2"/>
-            <a:endCxn id="52" idx="0"/>
-          </p:cNvCxnSpPr>
-          <p:nvPr/>
-        </p:nvCxnSpPr>
-        <p:spPr>
-          <a:xfrm rot="16200000" flipH="1">
-            <a:off x="7522794" y="3008078"/>
-            <a:ext cx="400130" cy="1379"/>
-          </a:xfrm>
-          <a:prstGeom prst="bentConnector3">
-            <a:avLst>
-              <a:gd name="adj1" fmla="val 50000"/>
-            </a:avLst>
-          </a:prstGeom>
-          <a:ln>
-            <a:tailEnd type="triangle"/>
-          </a:ln>
-        </p:spPr>
-        <p:style>
-          <a:lnRef idx="1">
-            <a:schemeClr val="accent1"/>
-          </a:lnRef>
-          <a:fillRef idx="0">
-            <a:schemeClr val="accent1"/>
-          </a:fillRef>
-          <a:effectRef idx="0">
-            <a:schemeClr val="accent1"/>
-          </a:effectRef>
-          <a:fontRef idx="minor">
-            <a:schemeClr val="tx1"/>
-          </a:fontRef>
-        </p:style>
-      </p:cxnSp>
       <p:sp>
         <p:nvSpPr>
           <p:cNvPr id="94" name="Rectangle 93">
@@ -22961,8 +23382,8 @@
         </p:nvSpPr>
         <p:spPr>
           <a:xfrm>
-            <a:off x="7034956" y="4138029"/>
-            <a:ext cx="1377309" cy="484193"/>
+            <a:off x="7084029" y="4138029"/>
+            <a:ext cx="1308844" cy="484193"/>
           </a:xfrm>
           <a:prstGeom prst="rect">
             <a:avLst/>
@@ -23017,15 +23438,92 @@
           </p:cNvPr>
           <p:cNvCxnSpPr>
             <a:cxnSpLocks/>
-            <a:stCxn id="52" idx="2"/>
-            <a:endCxn id="94" idx="0"/>
+          </p:cNvCxnSpPr>
+          <p:nvPr/>
+        </p:nvCxnSpPr>
+        <p:spPr>
+          <a:xfrm rot="5400000">
+            <a:off x="7483663" y="3899522"/>
+            <a:ext cx="477014" cy="1"/>
+          </a:xfrm>
+          <a:prstGeom prst="bentConnector3">
+            <a:avLst>
+              <a:gd name="adj1" fmla="val 50000"/>
+            </a:avLst>
+          </a:prstGeom>
+          <a:ln>
+            <a:tailEnd type="triangle"/>
+          </a:ln>
+        </p:spPr>
+        <p:style>
+          <a:lnRef idx="1">
+            <a:schemeClr val="accent1"/>
+          </a:lnRef>
+          <a:fillRef idx="0">
+            <a:schemeClr val="accent1"/>
+          </a:fillRef>
+          <a:effectRef idx="0">
+            <a:schemeClr val="accent1"/>
+          </a:effectRef>
+          <a:fontRef idx="minor">
+            <a:schemeClr val="tx1"/>
+          </a:fontRef>
+        </p:style>
+      </p:cxnSp>
+      <p:cxnSp>
+        <p:nvCxnSpPr>
+          <p:cNvPr id="21" name="Straight Connector 20">
+            <a:extLst>
+              <a:ext uri="{FF2B5EF4-FFF2-40B4-BE49-F238E27FC236}">
+                <a16:creationId xmlns:a16="http://schemas.microsoft.com/office/drawing/2014/main" id="{4BFEE445-9012-FBC2-6E22-C27DC10A66BE}"/>
+              </a:ext>
+            </a:extLst>
+          </p:cNvPr>
+          <p:cNvCxnSpPr/>
+          <p:nvPr/>
+        </p:nvCxnSpPr>
+        <p:spPr>
+          <a:xfrm>
+            <a:off x="2516909" y="1317508"/>
+            <a:ext cx="0" cy="3338367"/>
+          </a:xfrm>
+          <a:prstGeom prst="line">
+            <a:avLst/>
+          </a:prstGeom>
+        </p:spPr>
+        <p:style>
+          <a:lnRef idx="1">
+            <a:schemeClr val="accent1"/>
+          </a:lnRef>
+          <a:fillRef idx="0">
+            <a:schemeClr val="accent1"/>
+          </a:fillRef>
+          <a:effectRef idx="0">
+            <a:schemeClr val="accent1"/>
+          </a:effectRef>
+          <a:fontRef idx="minor">
+            <a:schemeClr val="tx1"/>
+          </a:fontRef>
+        </p:style>
+      </p:cxnSp>
+      <p:cxnSp>
+        <p:nvCxnSpPr>
+          <p:cNvPr id="58" name="Elbow Connector 57">
+            <a:extLst>
+              <a:ext uri="{FF2B5EF4-FFF2-40B4-BE49-F238E27FC236}">
+                <a16:creationId xmlns:a16="http://schemas.microsoft.com/office/drawing/2014/main" id="{2A8D4FB1-D141-7686-42AF-2E9478DECC51}"/>
+              </a:ext>
+            </a:extLst>
+          </p:cNvPr>
+          <p:cNvCxnSpPr>
+            <a:cxnSpLocks/>
           </p:cNvCxnSpPr>
           <p:nvPr/>
         </p:nvCxnSpPr>
         <p:spPr>
           <a:xfrm rot="16200000" flipH="1">
-            <a:off x="7485073" y="3899491"/>
-            <a:ext cx="477014" cy="62"/>
+            <a:off x="7533767" y="3008768"/>
+            <a:ext cx="400130" cy="0"/>
           </a:xfrm>
           <a:prstGeom prst="bentConnector3">
             <a:avLst>
@@ -24287,7 +24785,7 @@
         <p:spPr>
           <a:xfrm>
             <a:off x="7256750" y="228526"/>
-            <a:ext cx="1568058" cy="307777"/>
+            <a:ext cx="1414170" cy="307777"/>
           </a:xfrm>
           <a:prstGeom prst="rect">
             <a:avLst/>
@@ -24301,10 +24799,10 @@
           <a:lstStyle/>
           <a:p>
             <a:r>
-              <a:rPr lang="en-NL" dirty="0">
+              <a:rPr lang="en-NL" b="1" dirty="0">
                 <a:latin typeface="Gill Sans MT" panose="020B0502020104020203" pitchFamily="34" charset="77"/>
               </a:rPr>
-              <a:t>Model Demo flow</a:t>
+              <a:t>End User Flow</a:t>
             </a:r>
           </a:p>
         </p:txBody>
@@ -24363,7 +24861,7 @@
 </file>
 
 <file path=ppt/slides/slide16.xml><?xml version="1.0" encoding="utf-8"?>
-<p:sld xmlns:a="http://schemas.openxmlformats.org/drawingml/2006/main" xmlns:r="http://schemas.openxmlformats.org/officeDocument/2006/relationships" xmlns:p="http://schemas.openxmlformats.org/presentationml/2006/main">
+<p:sld xmlns:a="http://schemas.openxmlformats.org/drawingml/2006/main" xmlns:r="http://schemas.openxmlformats.org/officeDocument/2006/relationships" xmlns:p="http://schemas.openxmlformats.org/presentationml/2006/main" show="0">
   <p:cSld>
     <p:spTree>
       <p:nvGrpSpPr>
@@ -24607,14 +25105,14 @@
           <p:nvPr>
             <p:extLst>
               <p:ext uri="{D42A27DB-BD31-4B8C-83A1-F6EECF244321}">
-                <p14:modId xmlns:p14="http://schemas.microsoft.com/office/powerpoint/2010/main" val="2602967202"/>
+                <p14:modId xmlns:p14="http://schemas.microsoft.com/office/powerpoint/2010/main" val="2910350416"/>
               </p:ext>
             </p:extLst>
           </p:nvPr>
         </p:nvGraphicFramePr>
         <p:xfrm>
-          <a:off x="229505" y="299824"/>
-          <a:ext cx="3888860" cy="2961640"/>
+          <a:off x="229504" y="299824"/>
+          <a:ext cx="4017581" cy="2961640"/>
         </p:xfrm>
         <a:graphic>
           <a:graphicData uri="http://schemas.openxmlformats.org/drawingml/2006/table">
@@ -24623,14 +25121,14 @@
                 <a:tableStyleId>{C4B1156A-380E-4F78-BDF5-A606A8083BF9}</a:tableStyleId>
               </a:tblPr>
               <a:tblGrid>
-                <a:gridCol w="1803277">
+                <a:gridCol w="1862965">
                   <a:extLst>
                     <a:ext uri="{9D8B030D-6E8A-4147-A177-3AD203B41FA5}">
                       <a16:colId xmlns:a16="http://schemas.microsoft.com/office/drawing/2014/main" val="1652515754"/>
                     </a:ext>
                   </a:extLst>
                 </a:gridCol>
-                <a:gridCol w="2085583">
+                <a:gridCol w="2154616">
                   <a:extLst>
                     <a:ext uri="{9D8B030D-6E8A-4147-A177-3AD203B41FA5}">
                       <a16:colId xmlns:a16="http://schemas.microsoft.com/office/drawing/2014/main" val="1008339923"/>
@@ -25420,6 +25918,18 @@
                         </a:rPr>
                         <a:t>Canon Production </a:t>
                       </a:r>
+                      <a:r>
+                        <a:rPr lang="en-US" sz="1400" dirty="0">
+                          <a:solidFill>
+                            <a:schemeClr val="hlink"/>
+                          </a:solidFill>
+                          <a:uFill>
+                            <a:noFill/>
+                          </a:uFill>
+                          <a:latin typeface="Gill Sans MT" panose="020B0502020104020203" pitchFamily="34" charset="77"/>
+                        </a:rPr>
+                        <a:t>Printing</a:t>
+                      </a:r>
                       <a:endParaRPr lang="en-NL" dirty="0">
                         <a:latin typeface="Gill Sans MT" panose="020B0502020104020203" pitchFamily="34" charset="77"/>
                       </a:endParaRPr>
@@ -26048,9 +26558,8 @@
                             <a:noFill/>
                           </a:uFill>
                           <a:latin typeface="Gill Sans MT" panose="020B0502020104020203" pitchFamily="34" charset="77"/>
-                          <a:hlinkClick r:id="rId3"/>
                         </a:rPr>
-                        <a:t>itemis (modelix)</a:t>
+                        <a:t>Freelancer</a:t>
                       </a:r>
                       <a:endParaRPr lang="en-US" sz="1400" dirty="0">
                         <a:solidFill>
@@ -26423,8 +26932,8 @@
         </p:nvSpPr>
         <p:spPr>
           <a:xfrm>
-            <a:off x="229505" y="4159419"/>
-            <a:ext cx="2977929" cy="307777"/>
+            <a:off x="229504" y="4159419"/>
+            <a:ext cx="4147547" cy="307777"/>
           </a:xfrm>
           <a:prstGeom prst="rect">
             <a:avLst/>
@@ -26447,7 +26956,19 @@
               <a:rPr lang="en" sz="1400" dirty="0">
                 <a:latin typeface="Gill Sans MT" panose="020B0502020104020203" pitchFamily="34" charset="77"/>
               </a:rPr>
-              <a:t>ant to follow us or use LionWeb: </a:t>
+              <a:t>ant to follow us or use or </a:t>
+            </a:r>
+            <a:r>
+              <a:rPr lang="en" sz="1400" b="1" i="1" dirty="0">
+                <a:latin typeface="Gill Sans MT" panose="020B0502020104020203" pitchFamily="34" charset="77"/>
+              </a:rPr>
+              <a:t>implement</a:t>
+            </a:r>
+            <a:r>
+              <a:rPr lang="en" sz="1400" dirty="0">
+                <a:latin typeface="Gill Sans MT" panose="020B0502020104020203" pitchFamily="34" charset="77"/>
+              </a:rPr>
+              <a:t> LionWeb: </a:t>
             </a:r>
             <a:endParaRPr lang="en-NL" dirty="0">
               <a:latin typeface="Gill Sans MT" panose="020B0502020104020203" pitchFamily="34" charset="77"/>
@@ -26515,7 +27036,7 @@
 </file>
 
 <file path=ppt/slides/slide18.xml><?xml version="1.0" encoding="utf-8"?>
-<p:sld xmlns:a="http://schemas.openxmlformats.org/drawingml/2006/main" xmlns:r="http://schemas.openxmlformats.org/officeDocument/2006/relationships" xmlns:p="http://schemas.openxmlformats.org/presentationml/2006/main">
+<p:sld xmlns:a="http://schemas.openxmlformats.org/drawingml/2006/main" xmlns:r="http://schemas.openxmlformats.org/officeDocument/2006/relationships" xmlns:p="http://schemas.openxmlformats.org/presentationml/2006/main" show="0">
   <p:cSld>
     <p:spTree>
       <p:nvGrpSpPr>
@@ -26879,7 +27400,7 @@
         </p:nvSpPr>
         <p:spPr>
           <a:xfrm>
-            <a:off x="2831011" y="2647786"/>
+            <a:off x="2315771" y="2495386"/>
             <a:ext cx="5159625" cy="2336725"/>
           </a:xfrm>
           <a:noFill/>
@@ -26893,24 +27414,40 @@
           </a:bodyPr>
           <a:lstStyle/>
           <a:p>
+            <a:pPr marL="400050" indent="-285750">
+              <a:buFont typeface="Arial" panose="020B0604020202020204" pitchFamily="34" charset="0"/>
+              <a:buChar char="•"/>
+            </a:pPr>
             <a:r>
               <a:rPr lang="en-US" dirty="0"/>
               <a:t>Adopt language engineering</a:t>
             </a:r>
           </a:p>
           <a:p>
+            <a:pPr marL="400050" indent="-285750">
+              <a:buFont typeface="Arial" panose="020B0604020202020204" pitchFamily="34" charset="0"/>
+              <a:buChar char="•"/>
+            </a:pPr>
             <a:r>
               <a:rPr lang="en-US" dirty="0"/>
               <a:t>Reduce vendor lock-in</a:t>
             </a:r>
           </a:p>
           <a:p>
+            <a:pPr marL="400050" indent="-285750">
+              <a:buFont typeface="Arial" panose="020B0604020202020204" pitchFamily="34" charset="0"/>
+              <a:buChar char="•"/>
+            </a:pPr>
             <a:r>
               <a:rPr lang="en-US" dirty="0"/>
               <a:t>Mix and match components</a:t>
             </a:r>
           </a:p>
           <a:p>
+            <a:pPr marL="400050" indent="-285750">
+              <a:buFont typeface="Arial" panose="020B0604020202020204" pitchFamily="34" charset="0"/>
+              <a:buChar char="•"/>
+            </a:pPr>
             <a:r>
               <a:rPr lang="en-US" dirty="0"/>
               <a:t>Foster innovation and incremental improvements</a:t>
@@ -27218,14 +27755,14 @@
           <a:lstStyle/>
           <a:p>
             <a:r>
-              <a:rPr lang="en-US"/>
+              <a:rPr lang="en-US" dirty="0"/>
               <a:t>Most mature LWBs desktop-based</a:t>
             </a:r>
           </a:p>
           <a:p>
             <a:pPr lvl="1"/>
             <a:r>
-              <a:rPr lang="en-US">
+              <a:rPr lang="en-US" dirty="0">
                 <a:latin typeface="Gill Sans MT" panose="020B0502020104020203" pitchFamily="34" charset="77"/>
               </a:rPr>
               <a:t>Everything needs to be web</a:t>
@@ -27234,7 +27771,7 @@
           <a:p>
             <a:pPr lvl="1"/>
             <a:r>
-              <a:rPr lang="en-US">
+              <a:rPr lang="en-US" dirty="0">
                 <a:latin typeface="Gill Sans MT" panose="020B0502020104020203" pitchFamily="34" charset="77"/>
                 <a:sym typeface="Wingdings" panose="05000000000000000000" pitchFamily="2" charset="2"/>
               </a:rPr>
@@ -27248,14 +27785,14 @@
               </a:lnSpc>
             </a:pPr>
             <a:r>
-              <a:rPr lang="en-US"/>
+              <a:rPr lang="en-US" dirty="0"/>
               <a:t>Language Engineering landscape is fragmented</a:t>
             </a:r>
           </a:p>
           <a:p>
             <a:pPr lvl="1"/>
             <a:r>
-              <a:rPr lang="en-US">
+              <a:rPr lang="en-US" dirty="0">
                 <a:latin typeface="Gill Sans MT" panose="020B0502020104020203" pitchFamily="34" charset="77"/>
               </a:rPr>
               <a:t>Strong tool lock-in</a:t>
@@ -27264,61 +27801,63 @@
           <a:p>
             <a:pPr lvl="1"/>
             <a:r>
-              <a:rPr lang="en-US">
+              <a:rPr lang="en-US" dirty="0">
                 <a:latin typeface="Gill Sans MT" panose="020B0502020104020203" pitchFamily="34" charset="77"/>
               </a:rPr>
-              <a:t>Many interesting tools/component that you would like to use … but …  you cannot</a:t>
+              <a:t>Many interesting tools/component that you would like to use</a:t>
+            </a:r>
+          </a:p>
+          <a:p>
+            <a:pPr marL="596900" lvl="1" indent="0">
+              <a:buNone/>
+            </a:pPr>
+            <a:r>
+              <a:rPr lang="en-US" dirty="0">
+                <a:latin typeface="Gill Sans MT" panose="020B0502020104020203" pitchFamily="34" charset="77"/>
+              </a:rPr>
+              <a:t>	… but …  you cannot</a:t>
             </a:r>
           </a:p>
           <a:p>
             <a:pPr lvl="1"/>
             <a:r>
-              <a:rPr lang="en-US">
+              <a:rPr lang="en-US" dirty="0">
                 <a:latin typeface="Gill Sans MT" panose="020B0502020104020203" pitchFamily="34" charset="77"/>
               </a:rPr>
               <a:t>Everybody has to keep reinventing the wheel</a:t>
             </a:r>
           </a:p>
           <a:p>
-            <a:endParaRPr lang="en-US"/>
+            <a:endParaRPr lang="en-US" dirty="0"/>
           </a:p>
           <a:p>
             <a:r>
-              <a:rPr lang="en-US"/>
+              <a:rPr lang="en-US" dirty="0"/>
               <a:t>Our community is too small to afford this, w</a:t>
             </a:r>
             <a:r>
-              <a:rPr lang="en-US">
+              <a:rPr lang="en-US" dirty="0">
                 <a:sym typeface="Wingdings" panose="05000000000000000000" pitchFamily="2" charset="2"/>
               </a:rPr>
               <a:t>e can only grow if we can benefit from each others work</a:t>
             </a:r>
           </a:p>
           <a:p>
-            <a:endParaRPr lang="en-US">
+            <a:endParaRPr lang="en-US" dirty="0">
               <a:sym typeface="Wingdings" panose="05000000000000000000" pitchFamily="2" charset="2"/>
             </a:endParaRPr>
           </a:p>
           <a:p>
-            <a:endParaRPr lang="en-US">
+            <a:endParaRPr lang="en-US" dirty="0">
               <a:sym typeface="Wingdings" panose="05000000000000000000" pitchFamily="2" charset="2"/>
             </a:endParaRPr>
           </a:p>
           <a:p>
-            <a:pPr marL="114300" indent="0">
-              <a:buNone/>
-            </a:pPr>
             <a:r>
-              <a:rPr lang="en-US" b="1">
+              <a:rPr lang="en-US" dirty="0">
                 <a:sym typeface="Wingdings" panose="05000000000000000000" pitchFamily="2" charset="2"/>
               </a:rPr>
-              <a:t></a:t>
-            </a:r>
-            <a:r>
-              <a:rPr lang="en-US">
-                <a:sym typeface="Wingdings" panose="05000000000000000000" pitchFamily="2" charset="2"/>
-              </a:rPr>
-              <a:t> LionWeb: Language                               on the Web</a:t>
+              <a:t>LionWeb: Language                               on the Web</a:t>
             </a:r>
             <a:endParaRPr lang="en-US" dirty="0"/>
           </a:p>
@@ -27338,7 +27877,7 @@
         </p:nvSpPr>
         <p:spPr>
           <a:xfrm>
-            <a:off x="5013806" y="4020628"/>
+            <a:off x="4515044" y="4043718"/>
             <a:ext cx="1467068" cy="830997"/>
           </a:xfrm>
           <a:prstGeom prst="rect">
@@ -27391,7 +27930,7 @@
         </p:nvSpPr>
         <p:spPr>
           <a:xfrm>
-            <a:off x="4884847" y="4101109"/>
+            <a:off x="4386085" y="4124199"/>
             <a:ext cx="155448" cy="674457"/>
           </a:xfrm>
           <a:prstGeom prst="leftBrace">
@@ -27447,7 +27986,7 @@
         </p:nvSpPr>
         <p:spPr>
           <a:xfrm rot="10800000">
-            <a:off x="6436437" y="4098897"/>
+            <a:off x="5937675" y="4121987"/>
             <a:ext cx="155448" cy="674457"/>
           </a:xfrm>
           <a:prstGeom prst="leftBrace">
@@ -27606,7 +28145,7 @@
           <a:p>
             <a:r>
               <a:rPr lang="en-US" dirty="0"/>
-              <a:t>Rough consensus &amp;&amp; Running code</a:t>
+              <a:t>Rough consensus &amp; Running code</a:t>
             </a:r>
           </a:p>
           <a:p>
@@ -27663,7 +28202,33 @@
                 <a:latin typeface="Gill Sans MT" panose="020B0502020104020203" pitchFamily="34" charset="77"/>
                 <a:sym typeface="Wingdings" panose="05000000000000000000" pitchFamily="2" charset="2"/>
               </a:rPr>
-              <a:t> “A Platform for Systems and Business Modeling”</a:t>
+              <a:t> </a:t>
+            </a:r>
+          </a:p>
+          <a:p>
+            <a:pPr marL="596900" lvl="1" indent="0">
+              <a:buNone/>
+            </a:pPr>
+            <a:r>
+              <a:rPr lang="en-US" dirty="0">
+                <a:latin typeface="Gill Sans MT" panose="020B0502020104020203" pitchFamily="34" charset="77"/>
+                <a:sym typeface="Wingdings" panose="05000000000000000000" pitchFamily="2" charset="2"/>
+              </a:rPr>
+              <a:t>	“</a:t>
+            </a:r>
+            <a:r>
+              <a:rPr lang="en-US" i="1" dirty="0">
+                <a:latin typeface="Gill Sans MT" panose="020B0502020104020203" pitchFamily="34" charset="77"/>
+                <a:sym typeface="Wingdings" panose="05000000000000000000" pitchFamily="2" charset="2"/>
+              </a:rPr>
+              <a:t>A Platform for Systems and Business Modeling</a:t>
+            </a:r>
+            <a:r>
+              <a:rPr lang="en-US" dirty="0">
+                <a:latin typeface="Gill Sans MT" panose="020B0502020104020203" pitchFamily="34" charset="77"/>
+                <a:sym typeface="Wingdings" panose="05000000000000000000" pitchFamily="2" charset="2"/>
+              </a:rPr>
+              <a:t>”</a:t>
             </a:r>
           </a:p>
           <a:p>
@@ -27734,8 +28299,8 @@
         </p:nvSpPr>
         <p:spPr>
           <a:xfrm>
-            <a:off x="2794438" y="29000"/>
-            <a:ext cx="6283522" cy="572700"/>
+            <a:off x="2326354" y="29000"/>
+            <a:ext cx="6751606" cy="572700"/>
           </a:xfrm>
         </p:spPr>
         <p:txBody>
@@ -27769,13 +28334,13 @@
         </p:nvSpPr>
         <p:spPr>
           <a:xfrm>
-            <a:off x="2326354" y="833766"/>
+            <a:off x="2326354" y="937059"/>
             <a:ext cx="5997946" cy="1366386"/>
           </a:xfrm>
         </p:spPr>
         <p:txBody>
           <a:bodyPr>
-            <a:normAutofit/>
+            <a:noAutofit/>
           </a:bodyPr>
           <a:lstStyle/>
           <a:p>
@@ -27830,7 +28395,7 @@
         </p:nvSpPr>
         <p:spPr>
           <a:xfrm>
-            <a:off x="5307500" y="1331357"/>
+            <a:off x="5074421" y="1434431"/>
             <a:ext cx="1457450" cy="307777"/>
           </a:xfrm>
           <a:prstGeom prst="rect">
@@ -27872,7 +28437,7 @@
         </p:nvSpPr>
         <p:spPr>
           <a:xfrm>
-            <a:off x="5055839" y="1252800"/>
+            <a:off x="4822760" y="1355874"/>
             <a:ext cx="149761" cy="464892"/>
           </a:xfrm>
           <a:prstGeom prst="rightBrace">
@@ -27921,7 +28486,7 @@
         </p:nvSpPr>
         <p:spPr>
           <a:xfrm>
-            <a:off x="5307500" y="1731290"/>
+            <a:off x="5074421" y="1834364"/>
             <a:ext cx="1255472" cy="307777"/>
           </a:xfrm>
           <a:prstGeom prst="rect">
@@ -27963,7 +28528,7 @@
         </p:nvSpPr>
         <p:spPr>
           <a:xfrm>
-            <a:off x="5050152" y="1781879"/>
+            <a:off x="4817073" y="1884953"/>
             <a:ext cx="155448" cy="229485"/>
           </a:xfrm>
           <a:prstGeom prst="rightBrace">
@@ -28027,7 +28592,7 @@
         </p:spPr>
         <p:txBody>
           <a:bodyPr spcFirstLastPara="1" wrap="square" lIns="91425" tIns="91425" rIns="91425" bIns="91425" numCol="1" anchor="t" anchorCtr="0">
-            <a:normAutofit/>
+            <a:noAutofit/>
           </a:bodyPr>
           <a:lstStyle>
             <a:defPPr marR="0" lvl="0" algn="l" rtl="0">
@@ -28365,7 +28930,7 @@
         </p:spPr>
         <p:txBody>
           <a:bodyPr spcFirstLastPara="1" wrap="square" lIns="91425" tIns="91425" rIns="91425" bIns="91425" numCol="1" anchor="t" anchorCtr="0">
-            <a:normAutofit/>
+            <a:noAutofit/>
           </a:bodyPr>
           <a:lstStyle>
             <a:defPPr marR="0" lvl="0" algn="l" rtl="0">
@@ -28637,7 +29202,7 @@
               <a:rPr lang="en-US" dirty="0" err="1">
                 <a:latin typeface="Gill Sans MT" panose="020B0502020104020203" pitchFamily="34" charset="77"/>
               </a:rPr>
-              <a:t>Starlasa</a:t>
+              <a:t>Starlasu</a:t>
             </a:r>
             <a:endParaRPr lang="en-US" dirty="0">
               <a:latin typeface="Gill Sans MT" panose="020B0502020104020203" pitchFamily="34" charset="77"/>
@@ -28650,15 +29215,6 @@
                 <a:latin typeface="Gill Sans MT" panose="020B0502020104020203" pitchFamily="34" charset="77"/>
               </a:rPr>
               <a:t>Freon</a:t>
-            </a:r>
-          </a:p>
-          <a:p>
-            <a:pPr lvl="1"/>
-            <a:r>
-              <a:rPr lang="en-US" dirty="0">
-                <a:latin typeface="Gill Sans MT" panose="020B0502020104020203" pitchFamily="34" charset="77"/>
-              </a:rPr>
-              <a:t>Modelix</a:t>
             </a:r>
           </a:p>
           <a:p>
@@ -31066,7 +31622,7 @@
         </p:blipFill>
         <p:spPr>
           <a:xfrm>
-            <a:off x="3033481" y="858466"/>
+            <a:off x="3051894" y="890256"/>
             <a:ext cx="3694952" cy="3694952"/>
           </a:xfrm>
           <a:prstGeom prst="rect">
@@ -31598,10 +32154,10 @@
         </p:nvGrpSpPr>
         <p:grpSpPr>
           <a:xfrm>
-            <a:off x="4332218" y="1485903"/>
-            <a:ext cx="2231682" cy="2609744"/>
-            <a:chOff x="4332218" y="1485903"/>
-            <a:chExt cx="2231682" cy="2609744"/>
+            <a:off x="4302404" y="1485903"/>
+            <a:ext cx="2261496" cy="2663882"/>
+            <a:chOff x="4302404" y="1485903"/>
+            <a:chExt cx="2261496" cy="2663882"/>
           </a:xfrm>
         </p:grpSpPr>
         <p:sp>
@@ -31618,7 +32174,7 @@
           </p:nvSpPr>
           <p:spPr>
             <a:xfrm>
-              <a:off x="4993604" y="3581009"/>
+              <a:off x="4302404" y="3635147"/>
               <a:ext cx="1224121" cy="514638"/>
             </a:xfrm>
             <a:prstGeom prst="rect">
@@ -31701,7 +32257,7 @@
           </p:blipFill>
           <p:spPr>
             <a:xfrm>
-              <a:off x="5052147" y="3638009"/>
+              <a:off x="4362769" y="3707771"/>
               <a:ext cx="209231" cy="286521"/>
             </a:xfrm>
             <a:prstGeom prst="rect">
@@ -32114,8 +32670,8 @@
         </p:nvSpPr>
         <p:spPr>
           <a:xfrm>
-            <a:off x="1810512" y="828040"/>
-            <a:ext cx="7021786" cy="3051574"/>
+            <a:off x="1770180" y="3041024"/>
+            <a:ext cx="7021786" cy="1317253"/>
           </a:xfrm>
         </p:spPr>
         <p:txBody>
@@ -32123,121 +32679,6 @@
             <a:spAutoFit/>
           </a:bodyPr>
           <a:lstStyle/>
-          <a:p>
-            <a:pPr marL="149225" lvl="0" indent="0" algn="l" rtl="0">
-              <a:lnSpc>
-                <a:spcPct val="115000"/>
-              </a:lnSpc>
-              <a:spcBef>
-                <a:spcPts val="0"/>
-              </a:spcBef>
-              <a:spcAft>
-                <a:spcPts val="0"/>
-              </a:spcAft>
-              <a:buClr>
-                <a:srgbClr val="1F2328"/>
-              </a:buClr>
-              <a:buSzPts val="1250"/>
-              <a:buNone/>
-            </a:pPr>
-            <a:endParaRPr lang="en-US" dirty="0">
-              <a:solidFill>
-                <a:srgbClr val="1F2328"/>
-              </a:solidFill>
-            </a:endParaRPr>
-          </a:p>
-          <a:p>
-            <a:pPr marL="149225" lvl="0" indent="0" algn="l" rtl="0">
-              <a:lnSpc>
-                <a:spcPct val="115000"/>
-              </a:lnSpc>
-              <a:spcBef>
-                <a:spcPts val="0"/>
-              </a:spcBef>
-              <a:spcAft>
-                <a:spcPts val="0"/>
-              </a:spcAft>
-              <a:buClr>
-                <a:srgbClr val="1F2328"/>
-              </a:buClr>
-              <a:buSzPts val="1250"/>
-              <a:buNone/>
-            </a:pPr>
-            <a:endParaRPr lang="en-US" dirty="0">
-              <a:solidFill>
-                <a:srgbClr val="1F2328"/>
-              </a:solidFill>
-            </a:endParaRPr>
-          </a:p>
-          <a:p>
-            <a:pPr marL="149225" lvl="0" indent="0" algn="l" rtl="0">
-              <a:lnSpc>
-                <a:spcPct val="115000"/>
-              </a:lnSpc>
-              <a:spcBef>
-                <a:spcPts val="0"/>
-              </a:spcBef>
-              <a:spcAft>
-                <a:spcPts val="0"/>
-              </a:spcAft>
-              <a:buClr>
-                <a:srgbClr val="1F2328"/>
-              </a:buClr>
-              <a:buSzPts val="1250"/>
-              <a:buNone/>
-            </a:pPr>
-            <a:endParaRPr lang="en-US" dirty="0">
-              <a:solidFill>
-                <a:srgbClr val="1F2328"/>
-              </a:solidFill>
-            </a:endParaRPr>
-          </a:p>
-          <a:p>
-            <a:pPr marL="149225" lvl="0" indent="0" algn="l" rtl="0">
-              <a:lnSpc>
-                <a:spcPct val="115000"/>
-              </a:lnSpc>
-              <a:spcBef>
-                <a:spcPts val="0"/>
-              </a:spcBef>
-              <a:spcAft>
-                <a:spcPts val="0"/>
-              </a:spcAft>
-              <a:buClr>
-                <a:srgbClr val="1F2328"/>
-              </a:buClr>
-              <a:buSzPts val="1250"/>
-              <a:buNone/>
-            </a:pPr>
-            <a:endParaRPr lang="en-US" dirty="0">
-              <a:solidFill>
-                <a:srgbClr val="1F2328"/>
-              </a:solidFill>
-            </a:endParaRPr>
-          </a:p>
-          <a:p>
-            <a:pPr marL="149225" lvl="0" indent="0" algn="l" rtl="0">
-              <a:lnSpc>
-                <a:spcPct val="115000"/>
-              </a:lnSpc>
-              <a:spcBef>
-                <a:spcPts val="0"/>
-              </a:spcBef>
-              <a:spcAft>
-                <a:spcPts val="0"/>
-              </a:spcAft>
-              <a:buClr>
-                <a:srgbClr val="1F2328"/>
-              </a:buClr>
-              <a:buSzPts val="1250"/>
-              <a:buNone/>
-            </a:pPr>
-            <a:endParaRPr lang="en-US" dirty="0">
-              <a:solidFill>
-                <a:srgbClr val="1F2328"/>
-              </a:solidFill>
-            </a:endParaRPr>
-          </a:p>
           <a:p>
             <a:pPr marL="149225" lvl="0" indent="0" algn="l" rtl="0">
               <a:lnSpc>
@@ -32299,7 +32740,7 @@
               <a:buNone/>
             </a:pPr>
             <a:r>
-              <a:rPr lang="en-US" sz="1800" dirty="0">
+              <a:rPr lang="en-US" sz="1400" dirty="0">
                 <a:solidFill>
                   <a:srgbClr val="1F2328"/>
                 </a:solidFill>
@@ -32307,6 +32748,12 @@
               </a:rPr>
               <a:t>Original</a:t>
             </a:r>
+            <a:endParaRPr lang="en-US" sz="1800" dirty="0">
+              <a:solidFill>
+                <a:srgbClr val="1F2328"/>
+              </a:solidFill>
+              <a:latin typeface="Gill Sans MT" panose="020B0502020104020203" pitchFamily="34" charset="77"/>
+            </a:endParaRPr>
           </a:p>
           <a:p>
             <a:pPr marL="606425" lvl="1" indent="0">
@@ -32317,7 +32764,7 @@
               <a:buNone/>
             </a:pPr>
             <a:r>
-              <a:rPr lang="en-US" sz="1800" dirty="0">
+              <a:rPr lang="en-US" sz="1400" dirty="0">
                 <a:solidFill>
                   <a:srgbClr val="1F2328"/>
                 </a:solidFill>
@@ -32325,6 +32772,12 @@
               </a:rPr>
               <a:t>Derived</a:t>
             </a:r>
+            <a:endParaRPr lang="en-US" sz="1800" dirty="0">
+              <a:solidFill>
+                <a:srgbClr val="1F2328"/>
+              </a:solidFill>
+              <a:latin typeface="Gill Sans MT" panose="020B0502020104020203" pitchFamily="34" charset="77"/>
+            </a:endParaRPr>
           </a:p>
         </p:txBody>
       </p:sp>
@@ -42553,7 +43006,7 @@
         <p:spPr>
           <a:xfrm>
             <a:off x="6340579" y="3018572"/>
-            <a:ext cx="2734301" cy="2166717"/>
+            <a:ext cx="2734301" cy="1883562"/>
           </a:xfrm>
           <a:prstGeom prst="rect">
             <a:avLst/>
@@ -42843,14 +43296,20 @@
               <a:buNone/>
             </a:pPr>
             <a:r>
-              <a:rPr lang="en-US" sz="1800" dirty="0">
+              <a:rPr lang="en-US" dirty="0">
                 <a:solidFill>
                   <a:srgbClr val="1F2328"/>
                 </a:solidFill>
                 <a:latin typeface="Gill Sans MT" panose="020B0502020104020203" pitchFamily="34" charset="77"/>
               </a:rPr>
-              <a:t>Editor</a:t>
+              <a:t>     Editor</a:t>
             </a:r>
+            <a:endParaRPr lang="en-US" sz="1800" dirty="0">
+              <a:solidFill>
+                <a:srgbClr val="1F2328"/>
+              </a:solidFill>
+              <a:latin typeface="Gill Sans MT" panose="020B0502020104020203" pitchFamily="34" charset="77"/>
+            </a:endParaRPr>
           </a:p>
           <a:p>
             <a:pPr marL="149225" indent="0">
@@ -42885,7 +43344,7 @@
               <a:buNone/>
             </a:pPr>
             <a:r>
-              <a:rPr lang="en-US" sz="1800" dirty="0">
+              <a:rPr lang="en-US" dirty="0">
                 <a:solidFill>
                   <a:srgbClr val="1F2328"/>
                 </a:solidFill>
@@ -42903,7 +43362,7 @@
               <a:buNone/>
             </a:pPr>
             <a:r>
-              <a:rPr lang="en-US" sz="1800" dirty="0">
+              <a:rPr lang="en-US" dirty="0">
                 <a:solidFill>
                   <a:srgbClr val="1F2328"/>
                 </a:solidFill>
@@ -42921,7 +43380,7 @@
               <a:buNone/>
             </a:pPr>
             <a:r>
-              <a:rPr lang="en-US" sz="1800" dirty="0">
+              <a:rPr lang="en-US" dirty="0">
                 <a:solidFill>
                   <a:srgbClr val="1F2328"/>
                 </a:solidFill>
@@ -42935,154 +43394,133 @@
           </a:p>
         </p:txBody>
       </p:sp>
-      <p:grpSp>
-        <p:nvGrpSpPr>
-          <p:cNvPr id="543" name="Group 542">
+      <p:sp>
+        <p:nvSpPr>
+          <p:cNvPr id="544" name="Freeform: Shape 543">
             <a:extLst>
               <a:ext uri="{FF2B5EF4-FFF2-40B4-BE49-F238E27FC236}">
-                <a16:creationId xmlns:a16="http://schemas.microsoft.com/office/drawing/2014/main" id="{E642E04B-DC0C-D0CB-8FAC-37F58B3BF246}"/>
+                <a16:creationId xmlns:a16="http://schemas.microsoft.com/office/drawing/2014/main" id="{F4FD2571-E3D3-C511-AE87-96BF15541EA9}"/>
               </a:ext>
             </a:extLst>
           </p:cNvPr>
-          <p:cNvGrpSpPr/>
+          <p:cNvSpPr/>
           <p:nvPr/>
-        </p:nvGrpSpPr>
-        <p:grpSpPr>
+        </p:nvSpPr>
+        <p:spPr>
           <a:xfrm>
-            <a:off x="2234123" y="3184506"/>
-            <a:ext cx="192812" cy="183839"/>
-            <a:chOff x="5662530" y="1450887"/>
-            <a:chExt cx="192812" cy="183839"/>
+            <a:off x="2146041" y="3755571"/>
+            <a:ext cx="249261" cy="240028"/>
           </a:xfrm>
-        </p:grpSpPr>
-        <p:sp>
-          <p:nvSpPr>
-            <p:cNvPr id="544" name="Freeform: Shape 543">
-              <a:extLst>
-                <a:ext uri="{FF2B5EF4-FFF2-40B4-BE49-F238E27FC236}">
-                  <a16:creationId xmlns:a16="http://schemas.microsoft.com/office/drawing/2014/main" id="{F4FD2571-E3D3-C511-AE87-96BF15541EA9}"/>
-                </a:ext>
-              </a:extLst>
-            </p:cNvPr>
-            <p:cNvSpPr/>
-            <p:nvPr/>
-          </p:nvSpPr>
-          <p:spPr>
-            <a:xfrm>
-              <a:off x="5666313" y="1453116"/>
-              <a:ext cx="185246" cy="181610"/>
-            </a:xfrm>
-            <a:custGeom>
-              <a:avLst/>
-              <a:gdLst>
-                <a:gd name="connsiteX0" fmla="*/ 0 w 305250"/>
-                <a:gd name="connsiteY0" fmla="*/ 0 h 305250"/>
-                <a:gd name="connsiteX1" fmla="*/ 305251 w 305250"/>
-                <a:gd name="connsiteY1" fmla="*/ 0 h 305250"/>
-                <a:gd name="connsiteX2" fmla="*/ 305251 w 305250"/>
-                <a:gd name="connsiteY2" fmla="*/ 305251 h 305250"/>
-                <a:gd name="connsiteX3" fmla="*/ 0 w 305250"/>
-                <a:gd name="connsiteY3" fmla="*/ 305251 h 305250"/>
-              </a:gdLst>
-              <a:ahLst/>
-              <a:cxnLst>
-                <a:cxn ang="0">
-                  <a:pos x="connsiteX0" y="connsiteY0"/>
-                </a:cxn>
-                <a:cxn ang="0">
-                  <a:pos x="connsiteX1" y="connsiteY1"/>
-                </a:cxn>
-                <a:cxn ang="0">
-                  <a:pos x="connsiteX2" y="connsiteY2"/>
-                </a:cxn>
-                <a:cxn ang="0">
-                  <a:pos x="connsiteX3" y="connsiteY3"/>
-                </a:cxn>
-              </a:cxnLst>
-              <a:rect l="l" t="t" r="r" b="b"/>
-              <a:pathLst>
-                <a:path w="305250" h="305250">
-                  <a:moveTo>
-                    <a:pt x="0" y="0"/>
-                  </a:moveTo>
-                  <a:lnTo>
-                    <a:pt x="305251" y="0"/>
-                  </a:lnTo>
-                  <a:lnTo>
-                    <a:pt x="305251" y="305251"/>
-                  </a:lnTo>
-                  <a:lnTo>
-                    <a:pt x="0" y="305251"/>
-                  </a:lnTo>
-                  <a:close/>
-                </a:path>
-              </a:pathLst>
-            </a:custGeom>
-            <a:solidFill>
-              <a:srgbClr val="000000"/>
-            </a:solidFill>
-            <a:ln w="8032" cap="flat">
-              <a:noFill/>
-              <a:prstDash val="solid"/>
-              <a:miter/>
-            </a:ln>
-          </p:spPr>
-          <p:txBody>
-            <a:bodyPr rtlCol="0" anchor="ctr"/>
-            <a:lstStyle/>
-            <a:p>
-              <a:endParaRPr lang="en-US">
+          <a:custGeom>
+            <a:avLst/>
+            <a:gdLst>
+              <a:gd name="connsiteX0" fmla="*/ 0 w 305250"/>
+              <a:gd name="connsiteY0" fmla="*/ 0 h 305250"/>
+              <a:gd name="connsiteX1" fmla="*/ 305251 w 305250"/>
+              <a:gd name="connsiteY1" fmla="*/ 0 h 305250"/>
+              <a:gd name="connsiteX2" fmla="*/ 305251 w 305250"/>
+              <a:gd name="connsiteY2" fmla="*/ 305251 h 305250"/>
+              <a:gd name="connsiteX3" fmla="*/ 0 w 305250"/>
+              <a:gd name="connsiteY3" fmla="*/ 305251 h 305250"/>
+            </a:gdLst>
+            <a:ahLst/>
+            <a:cxnLst>
+              <a:cxn ang="0">
+                <a:pos x="connsiteX0" y="connsiteY0"/>
+              </a:cxn>
+              <a:cxn ang="0">
+                <a:pos x="connsiteX1" y="connsiteY1"/>
+              </a:cxn>
+              <a:cxn ang="0">
+                <a:pos x="connsiteX2" y="connsiteY2"/>
+              </a:cxn>
+              <a:cxn ang="0">
+                <a:pos x="connsiteX3" y="connsiteY3"/>
+              </a:cxn>
+            </a:cxnLst>
+            <a:rect l="l" t="t" r="r" b="b"/>
+            <a:pathLst>
+              <a:path w="305250" h="305250">
+                <a:moveTo>
+                  <a:pt x="0" y="0"/>
+                </a:moveTo>
+                <a:lnTo>
+                  <a:pt x="305251" y="0"/>
+                </a:lnTo>
+                <a:lnTo>
+                  <a:pt x="305251" y="305251"/>
+                </a:lnTo>
+                <a:lnTo>
+                  <a:pt x="0" y="305251"/>
+                </a:lnTo>
+                <a:close/>
+              </a:path>
+            </a:pathLst>
+          </a:custGeom>
+          <a:solidFill>
+            <a:srgbClr val="000000"/>
+          </a:solidFill>
+          <a:ln w="8032" cap="flat">
+            <a:noFill/>
+            <a:prstDash val="solid"/>
+            <a:miter/>
+          </a:ln>
+        </p:spPr>
+        <p:txBody>
+          <a:bodyPr rtlCol="0" anchor="ctr"/>
+          <a:lstStyle/>
+          <a:p>
+            <a:endParaRPr lang="en-US">
+              <a:latin typeface="Gill Sans MT" panose="020B0502020104020203" pitchFamily="34" charset="77"/>
+            </a:endParaRPr>
+          </a:p>
+        </p:txBody>
+      </p:sp>
+      <p:sp>
+        <p:nvSpPr>
+          <p:cNvPr id="545" name="TextBox 544">
+            <a:extLst>
+              <a:ext uri="{FF2B5EF4-FFF2-40B4-BE49-F238E27FC236}">
+                <a16:creationId xmlns:a16="http://schemas.microsoft.com/office/drawing/2014/main" id="{F7CF4FB3-B5E7-B0F7-F2E5-04E0295CCB35}"/>
+              </a:ext>
+            </a:extLst>
+          </p:cNvPr>
+          <p:cNvSpPr txBox="1"/>
+          <p:nvPr/>
+        </p:nvSpPr>
+        <p:spPr>
+          <a:xfrm>
+            <a:off x="2141816" y="3712597"/>
+            <a:ext cx="257709" cy="287829"/>
+          </a:xfrm>
+          <a:prstGeom prst="rect">
+            <a:avLst/>
+          </a:prstGeom>
+          <a:noFill/>
+        </p:spPr>
+        <p:txBody>
+          <a:bodyPr wrap="none" lIns="0" tIns="0" rIns="0" bIns="0" rtlCol="0" anchor="b" anchorCtr="1">
+            <a:normAutofit/>
+          </a:bodyPr>
+          <a:lstStyle/>
+          <a:p>
+            <a:pPr algn="ctr"/>
+            <a:r>
+              <a:rPr lang="en-US" sz="1800" spc="0" baseline="0" dirty="0">
+                <a:ln/>
+                <a:solidFill>
+                  <a:srgbClr val="FFFFFF"/>
+                </a:solidFill>
                 <a:latin typeface="Gill Sans MT" panose="020B0502020104020203" pitchFamily="34" charset="77"/>
-              </a:endParaRPr>
-            </a:p>
-          </p:txBody>
-        </p:sp>
-        <p:sp>
-          <p:nvSpPr>
-            <p:cNvPr id="545" name="TextBox 544">
-              <a:extLst>
-                <a:ext uri="{FF2B5EF4-FFF2-40B4-BE49-F238E27FC236}">
-                  <a16:creationId xmlns:a16="http://schemas.microsoft.com/office/drawing/2014/main" id="{F7CF4FB3-B5E7-B0F7-F2E5-04E0295CCB35}"/>
-                </a:ext>
-              </a:extLst>
-            </p:cNvPr>
-            <p:cNvSpPr txBox="1"/>
-            <p:nvPr/>
-          </p:nvSpPr>
-          <p:spPr>
-            <a:xfrm>
-              <a:off x="5662530" y="1450887"/>
-              <a:ext cx="192812" cy="183839"/>
-            </a:xfrm>
-            <a:prstGeom prst="rect">
-              <a:avLst/>
-            </a:prstGeom>
-            <a:noFill/>
-          </p:spPr>
-          <p:txBody>
-            <a:bodyPr wrap="none" lIns="0" tIns="0" rIns="0" bIns="0" rtlCol="0" anchor="b" anchorCtr="1">
-              <a:normAutofit fontScale="85000" lnSpcReduction="20000"/>
-            </a:bodyPr>
-            <a:lstStyle/>
-            <a:p>
-              <a:pPr algn="ctr"/>
-              <a:r>
-                <a:rPr lang="en-US" sz="1800" spc="0" baseline="0" dirty="0">
-                  <a:ln/>
-                  <a:solidFill>
-                    <a:srgbClr val="FFFFFF"/>
-                  </a:solidFill>
-                  <a:latin typeface="Gill Sans MT" panose="020B0502020104020203" pitchFamily="34" charset="77"/>
-                  <a:cs typeface="Calibri"/>
-                  <a:sym typeface="Calibri"/>
-                  <a:rtl val="0"/>
-                </a:rPr>
-                <a:t>A</a:t>
-              </a:r>
-            </a:p>
-          </p:txBody>
-        </p:sp>
-      </p:grpSp>
+                <a:cs typeface="Calibri"/>
+                <a:sym typeface="Calibri"/>
+                <a:rtl val="0"/>
+              </a:rPr>
+              <a:t>A</a:t>
+            </a:r>
+          </a:p>
+        </p:txBody>
+      </p:sp>
       <p:grpSp>
         <p:nvGrpSpPr>
           <p:cNvPr id="547" name="Group 546">
@@ -43097,7 +43535,7 @@
         </p:nvGrpSpPr>
         <p:grpSpPr>
           <a:xfrm>
-            <a:off x="2235127" y="3504574"/>
+            <a:off x="2206273" y="4058980"/>
             <a:ext cx="193801" cy="181610"/>
             <a:chOff x="5188450" y="825619"/>
             <a:chExt cx="193801" cy="181610"/>
@@ -43245,7 +43683,7 @@
         </p:nvGrpSpPr>
         <p:grpSpPr>
           <a:xfrm>
-            <a:off x="6810852" y="3504574"/>
+            <a:off x="6954750" y="3472080"/>
             <a:ext cx="200594" cy="181610"/>
             <a:chOff x="3560608" y="1663401"/>
             <a:chExt cx="200594" cy="181610"/>
@@ -43393,7 +43831,7 @@
         </p:nvGrpSpPr>
         <p:grpSpPr>
           <a:xfrm>
-            <a:off x="6582676" y="3504574"/>
+            <a:off x="6726574" y="3472080"/>
             <a:ext cx="190121" cy="181610"/>
             <a:chOff x="3760100" y="2442413"/>
             <a:chExt cx="190121" cy="181610"/>
@@ -43541,7 +43979,7 @@
         </p:nvGrpSpPr>
         <p:grpSpPr>
           <a:xfrm>
-            <a:off x="6641523" y="4131828"/>
+            <a:off x="6726574" y="4025068"/>
             <a:ext cx="186975" cy="181610"/>
             <a:chOff x="6879029" y="1242830"/>
             <a:chExt cx="186975" cy="181610"/>
@@ -43689,7 +44127,7 @@
         </p:nvGrpSpPr>
         <p:grpSpPr>
           <a:xfrm>
-            <a:off x="6641523" y="4441167"/>
+            <a:off x="6726574" y="4287834"/>
             <a:ext cx="198648" cy="181610"/>
             <a:chOff x="7041057" y="1859349"/>
             <a:chExt cx="198648" cy="181610"/>
@@ -43837,7 +44275,7 @@
         </p:nvGrpSpPr>
         <p:grpSpPr>
           <a:xfrm>
-            <a:off x="6641523" y="4758178"/>
+            <a:off x="6726574" y="4533524"/>
             <a:ext cx="190121" cy="181610"/>
             <a:chOff x="6476214" y="2509322"/>
             <a:chExt cx="190121" cy="181610"/>

--- a/resources/LangDev Talk.pptx
+++ b/resources/LangDev Talk.pptx
@@ -18,7 +18,7 @@
     <p:sldId id="281" r:id="rId9"/>
     <p:sldId id="271" r:id="rId10"/>
     <p:sldId id="273" r:id="rId11"/>
-    <p:sldId id="276" r:id="rId12"/>
+    <p:sldId id="293" r:id="rId12"/>
     <p:sldId id="277" r:id="rId13"/>
     <p:sldId id="285" r:id="rId14"/>
     <p:sldId id="292" r:id="rId15"/>
@@ -21822,10 +21822,10 @@
       </p:sp>
       <p:pic>
         <p:nvPicPr>
-          <p:cNvPr id="248" name="Graphic 247">
+          <p:cNvPr id="7" name="Graphic 6">
             <a:extLst>
               <a:ext uri="{FF2B5EF4-FFF2-40B4-BE49-F238E27FC236}">
-                <a16:creationId xmlns:a16="http://schemas.microsoft.com/office/drawing/2014/main" id="{4093BAA3-C4B8-E989-6669-4802FF14B66E}"/>
+                <a16:creationId xmlns:a16="http://schemas.microsoft.com/office/drawing/2014/main" id="{D980D2D1-71FA-C9E4-C942-FB835C586AF5}"/>
               </a:ext>
             </a:extLst>
           </p:cNvPr>
@@ -21848,44 +21848,8 @@
         </p:blipFill>
         <p:spPr>
           <a:xfrm>
-            <a:off x="1608710" y="665511"/>
-            <a:ext cx="581347" cy="597496"/>
-          </a:xfrm>
-          <a:prstGeom prst="rect">
-            <a:avLst/>
-          </a:prstGeom>
-        </p:spPr>
-      </p:pic>
-      <p:pic>
-        <p:nvPicPr>
-          <p:cNvPr id="250" name="Graphic 249">
-            <a:extLst>
-              <a:ext uri="{FF2B5EF4-FFF2-40B4-BE49-F238E27FC236}">
-                <a16:creationId xmlns:a16="http://schemas.microsoft.com/office/drawing/2014/main" id="{C1B1D579-D397-06D3-9A21-D6CC8B1E7D39}"/>
-              </a:ext>
-            </a:extLst>
-          </p:cNvPr>
-          <p:cNvPicPr>
-            <a:picLocks noChangeAspect="1"/>
-          </p:cNvPicPr>
-          <p:nvPr/>
-        </p:nvPicPr>
-        <p:blipFill>
-          <a:blip r:embed="rId4">
-            <a:extLst>
-              <a:ext uri="{96DAC541-7B7A-43D3-8B79-37D633B846F1}">
-                <asvg:svgBlip xmlns:asvg="http://schemas.microsoft.com/office/drawing/2016/SVG/main" r:embed="rId5"/>
-              </a:ext>
-            </a:extLst>
-          </a:blip>
-          <a:stretch>
-            <a:fillRect/>
-          </a:stretch>
-        </p:blipFill>
-        <p:spPr>
-          <a:xfrm>
-            <a:off x="2118404" y="665511"/>
-            <a:ext cx="4907191" cy="4390644"/>
+            <a:off x="132522" y="858716"/>
+            <a:ext cx="8787706" cy="3292570"/>
           </a:xfrm>
           <a:prstGeom prst="rect">
             <a:avLst/>
@@ -21895,7 +21859,7 @@
     </p:spTree>
     <p:extLst>
       <p:ext uri="{BB962C8B-B14F-4D97-AF65-F5344CB8AC3E}">
-        <p14:creationId xmlns:p14="http://schemas.microsoft.com/office/powerpoint/2010/main" val="692954827"/>
+        <p14:creationId xmlns:p14="http://schemas.microsoft.com/office/powerpoint/2010/main" val="2216559347"/>
       </p:ext>
     </p:extLst>
   </p:cSld>
@@ -24992,19 +24956,7 @@
               <a:rPr lang="en-GB" dirty="0">
                 <a:latin typeface="Gill Sans MT" panose="020B0502020104020203" pitchFamily="34" charset="77"/>
               </a:rPr>
-              <a:t>Show instance model in Freon web editor, served from MPS via </a:t>
-            </a:r>
-            <a:r>
-              <a:rPr lang="en-GB" dirty="0" err="1">
-                <a:latin typeface="Gill Sans MT" panose="020B0502020104020203" pitchFamily="34" charset="77"/>
-              </a:rPr>
-              <a:t>LIonWeb</a:t>
-            </a:r>
-            <a:r>
-              <a:rPr lang="en-GB" dirty="0">
-                <a:latin typeface="Gill Sans MT" panose="020B0502020104020203" pitchFamily="34" charset="77"/>
-              </a:rPr>
-              <a:t> protocol</a:t>
+              <a:t>Show instance model in Freon web editor, served from MPS via LionWeb protocol</a:t>
             </a:r>
           </a:p>
           <a:p>

--- a/resources/LangDev Talk.pptx
+++ b/resources/LangDev Talk.pptx
@@ -23040,11 +23040,14 @@
           <a:p>
             <a:pPr algn="ctr"/>
             <a:r>
-              <a:rPr lang="en-NL" sz="1200" dirty="0">
+              <a:rPr lang="en-US" sz="1200" dirty="0">
                 <a:latin typeface="Gill Sans MT" panose="020B0502020104020203" pitchFamily="34" charset="77"/>
               </a:rPr>
-              <a:t>Freon Editor for LionWeb MetaModels</a:t>
+              <a:t>Using MPS to create PROP language</a:t>
             </a:r>
+            <a:endParaRPr lang="en-NL" sz="1200" dirty="0">
+              <a:latin typeface="Gill Sans MT" panose="020B0502020104020203" pitchFamily="34" charset="77"/>
+            </a:endParaRPr>
           </a:p>
         </p:txBody>
       </p:sp>
@@ -24470,6 +24473,63 @@
           </a:fontRef>
         </p:style>
       </p:cxnSp>
+      <p:sp>
+        <p:nvSpPr>
+          <p:cNvPr id="2" name="Rectangle 1">
+            <a:extLst>
+              <a:ext uri="{FF2B5EF4-FFF2-40B4-BE49-F238E27FC236}">
+                <a16:creationId xmlns:a16="http://schemas.microsoft.com/office/drawing/2014/main" id="{83159B6E-E6DF-97A5-7481-DEA907FB9AD3}"/>
+              </a:ext>
+            </a:extLst>
+          </p:cNvPr>
+          <p:cNvSpPr/>
+          <p:nvPr/>
+        </p:nvSpPr>
+        <p:spPr>
+          <a:xfrm>
+            <a:off x="2743200" y="2069925"/>
+            <a:ext cx="1819208" cy="2755727"/>
+          </a:xfrm>
+          <a:prstGeom prst="rect">
+            <a:avLst/>
+          </a:prstGeom>
+          <a:solidFill>
+            <a:schemeClr val="lt1">
+              <a:alpha val="67000"/>
+            </a:schemeClr>
+          </a:solidFill>
+          <a:ln w="12700">
+            <a:solidFill>
+              <a:srgbClr val="B3CEFB"/>
+            </a:solidFill>
+            <a:prstDash val="dash"/>
+          </a:ln>
+        </p:spPr>
+        <p:style>
+          <a:lnRef idx="2">
+            <a:schemeClr val="accent1">
+              <a:shade val="15000"/>
+            </a:schemeClr>
+          </a:lnRef>
+          <a:fillRef idx="1">
+            <a:schemeClr val="accent1"/>
+          </a:fillRef>
+          <a:effectRef idx="0">
+            <a:schemeClr val="accent1"/>
+          </a:effectRef>
+          <a:fontRef idx="minor">
+            <a:schemeClr val="lt1"/>
+          </a:fontRef>
+        </p:style>
+        <p:txBody>
+          <a:bodyPr rtlCol="0" anchor="ctr"/>
+          <a:lstStyle/>
+          <a:p>
+            <a:pPr algn="ctr"/>
+            <a:endParaRPr lang="en-NL"/>
+          </a:p>
+        </p:txBody>
+      </p:sp>
     </p:spTree>
     <p:extLst>
       <p:ext uri="{BB962C8B-B14F-4D97-AF65-F5344CB8AC3E}">
@@ -24632,7 +24692,7 @@
         </p:nvSpPr>
         <p:spPr>
           <a:xfrm>
-            <a:off x="3275585" y="2016355"/>
+            <a:off x="3272453" y="2016355"/>
             <a:ext cx="1283251" cy="603294"/>
           </a:xfrm>
           <a:prstGeom prst="flowChartDocument">
@@ -24880,9 +24940,9 @@
           <p:nvPr/>
         </p:nvCxnSpPr>
         <p:spPr>
-          <a:xfrm rot="16200000" flipH="1">
-            <a:off x="3542057" y="1641201"/>
-            <a:ext cx="747734" cy="2573"/>
+          <a:xfrm rot="5400000">
+            <a:off x="3540492" y="1642209"/>
+            <a:ext cx="747734" cy="559"/>
           </a:xfrm>
           <a:prstGeom prst="bentConnector3">
             <a:avLst>
@@ -24930,9 +24990,9 @@
           <p:nvPr/>
         </p:nvCxnSpPr>
         <p:spPr>
-          <a:xfrm rot="5400000">
-            <a:off x="3556537" y="2937867"/>
-            <a:ext cx="718776" cy="2572"/>
+          <a:xfrm rot="16200000" flipH="1">
+            <a:off x="3554971" y="2938873"/>
+            <a:ext cx="718776" cy="560"/>
           </a:xfrm>
           <a:prstGeom prst="bentConnector3">
             <a:avLst>
@@ -25451,14 +25511,20 @@
           <a:lstStyle/>
           <a:p>
             <a:r>
-              <a:rPr lang="en-NL" sz="1200" dirty="0">
+              <a:rPr lang="en-US" sz="1200" dirty="0">
                 <a:solidFill>
                   <a:srgbClr val="00B050"/>
                 </a:solidFill>
                 <a:latin typeface="Gill Sans MT" panose="020B0502020104020203" pitchFamily="34" charset="77"/>
               </a:rPr>
-              <a:t>6</a:t>
+              <a:t>4</a:t>
             </a:r>
+            <a:endParaRPr lang="en-NL" sz="1200" dirty="0">
+              <a:solidFill>
+                <a:srgbClr val="00B050"/>
+              </a:solidFill>
+              <a:latin typeface="Gill Sans MT" panose="020B0502020104020203" pitchFamily="34" charset="77"/>
+            </a:endParaRPr>
           </a:p>
         </p:txBody>
       </p:sp>
@@ -25491,14 +25557,20 @@
           <a:lstStyle/>
           <a:p>
             <a:r>
-              <a:rPr lang="en-NL" sz="1200" dirty="0">
+              <a:rPr lang="en-US" sz="1200" dirty="0">
                 <a:solidFill>
                   <a:srgbClr val="00B050"/>
                 </a:solidFill>
                 <a:latin typeface="Gill Sans MT" panose="020B0502020104020203" pitchFamily="34" charset="77"/>
               </a:rPr>
-              <a:t>5</a:t>
+              <a:t>6</a:t>
             </a:r>
+            <a:endParaRPr lang="en-NL" sz="1200" dirty="0">
+              <a:solidFill>
+                <a:srgbClr val="00B050"/>
+              </a:solidFill>
+              <a:latin typeface="Gill Sans MT" panose="020B0502020104020203" pitchFamily="34" charset="77"/>
+            </a:endParaRPr>
           </a:p>
         </p:txBody>
       </p:sp>
@@ -25517,7 +25589,7 @@
         <p:spPr>
           <a:xfrm>
             <a:off x="4913507" y="3340630"/>
-            <a:ext cx="269626" cy="276999"/>
+            <a:ext cx="261610" cy="276999"/>
           </a:xfrm>
           <a:prstGeom prst="rect">
             <a:avLst/>
@@ -25531,14 +25603,20 @@
           <a:lstStyle/>
           <a:p>
             <a:r>
-              <a:rPr lang="en-NL" sz="1200" dirty="0">
+              <a:rPr lang="en-US" sz="1200" dirty="0">
                 <a:solidFill>
                   <a:srgbClr val="00B050"/>
                 </a:solidFill>
                 <a:latin typeface="Gill Sans MT" panose="020B0502020104020203" pitchFamily="34" charset="77"/>
               </a:rPr>
-              <a:t>4</a:t>
+              <a:t>5</a:t>
             </a:r>
+            <a:endParaRPr lang="en-NL" sz="1200" dirty="0">
+              <a:solidFill>
+                <a:srgbClr val="00B050"/>
+              </a:solidFill>
+              <a:latin typeface="Gill Sans MT" panose="020B0502020104020203" pitchFamily="34" charset="77"/>
+            </a:endParaRPr>
           </a:p>
         </p:txBody>
       </p:sp>
@@ -25636,8 +25714,29 @@
               <a:rPr lang="en-NL" sz="1200" dirty="0">
                 <a:latin typeface="Gill Sans MT" panose="020B0502020104020203" pitchFamily="34" charset="77"/>
               </a:rPr>
-              <a:t>Ecore PROP language</a:t>
+              <a:t>E</a:t>
             </a:r>
+            <a:r>
+              <a:rPr lang="en-US" sz="1200" dirty="0">
+                <a:latin typeface="Gill Sans MT" panose="020B0502020104020203" pitchFamily="34" charset="77"/>
+              </a:rPr>
+              <a:t>MF</a:t>
+            </a:r>
+            <a:r>
+              <a:rPr lang="en-NL" sz="1200" dirty="0">
+                <a:latin typeface="Gill Sans MT" panose="020B0502020104020203" pitchFamily="34" charset="77"/>
+              </a:rPr>
+              <a:t> PROP </a:t>
+            </a:r>
+            <a:r>
+              <a:rPr lang="en-US" sz="1200" dirty="0">
+                <a:latin typeface="Gill Sans MT" panose="020B0502020104020203" pitchFamily="34" charset="77"/>
+              </a:rPr>
+              <a:t>instance</a:t>
+            </a:r>
+            <a:endParaRPr lang="en-NL" sz="1200" dirty="0">
+              <a:latin typeface="Gill Sans MT" panose="020B0502020104020203" pitchFamily="34" charset="77"/>
+            </a:endParaRPr>
           </a:p>
         </p:txBody>
       </p:sp>

--- a/resources/LangDev Talk.pptx
+++ b/resources/LangDev Talk.pptx
@@ -23043,7 +23043,7 @@
               <a:rPr lang="en-US" sz="1200" dirty="0">
                 <a:latin typeface="Gill Sans MT" panose="020B0502020104020203" pitchFamily="34" charset="77"/>
               </a:rPr>
-              <a:t>Using MPS to create PROP language</a:t>
+              <a:t>Using MPS to create PROPS language</a:t>
             </a:r>
             <a:endParaRPr lang="en-NL" sz="1200" dirty="0">
               <a:latin typeface="Gill Sans MT" panose="020B0502020104020203" pitchFamily="34" charset="77"/>
@@ -23101,10 +23101,28 @@
           <a:p>
             <a:pPr algn="ctr"/>
             <a:r>
+              <a:rPr lang="en-NL" sz="1200" dirty="0" err="1">
+                <a:latin typeface="Gill Sans MT" panose="020B0502020104020203" pitchFamily="34" charset="77"/>
+              </a:rPr>
+              <a:t>LionWeb</a:t>
+            </a:r>
+            <a:r>
               <a:rPr lang="en-NL" sz="1200" dirty="0">
                 <a:latin typeface="Gill Sans MT" panose="020B0502020104020203" pitchFamily="34" charset="77"/>
               </a:rPr>
-              <a:t>LionWeb PROP metamodel</a:t>
+              <a:t> PROP</a:t>
+            </a:r>
+            <a:r>
+              <a:rPr lang="en-US" sz="1200" dirty="0">
+                <a:latin typeface="Gill Sans MT" panose="020B0502020104020203" pitchFamily="34" charset="77"/>
+              </a:rPr>
+              <a:t>S</a:t>
+            </a:r>
+            <a:r>
+              <a:rPr lang="en-NL" sz="1200" dirty="0">
+                <a:latin typeface="Gill Sans MT" panose="020B0502020104020203" pitchFamily="34" charset="77"/>
+              </a:rPr>
+              <a:t> metamodel</a:t>
             </a:r>
           </a:p>
         </p:txBody>
@@ -23213,7 +23231,7 @@
               <a:rPr lang="en-US" sz="1200" dirty="0">
                 <a:latin typeface="Gill Sans MT" panose="020B0502020104020203" pitchFamily="34" charset="77"/>
               </a:rPr>
-              <a:t>MPS PROP Language</a:t>
+              <a:t>MPS PROPS Language</a:t>
             </a:r>
             <a:endParaRPr lang="en-NL" sz="1200" dirty="0">
               <a:latin typeface="Gill Sans MT" panose="020B0502020104020203" pitchFamily="34" charset="77"/>
@@ -23275,7 +23293,19 @@
               <a:rPr lang="en-NL" sz="1200" dirty="0">
                 <a:latin typeface="Gill Sans MT" panose="020B0502020104020203" pitchFamily="34" charset="77"/>
               </a:rPr>
-              <a:t>MPS with PROP language </a:t>
+              <a:t>MPS with PROP</a:t>
+            </a:r>
+            <a:r>
+              <a:rPr lang="en-US" sz="1200" dirty="0">
+                <a:latin typeface="Gill Sans MT" panose="020B0502020104020203" pitchFamily="34" charset="77"/>
+              </a:rPr>
+              <a:t>S</a:t>
+            </a:r>
+            <a:r>
+              <a:rPr lang="en-NL" sz="1200" dirty="0">
+                <a:latin typeface="Gill Sans MT" panose="020B0502020104020203" pitchFamily="34" charset="77"/>
+              </a:rPr>
+              <a:t> language </a:t>
             </a:r>
           </a:p>
         </p:txBody>
@@ -23334,7 +23364,19 @@
               <a:rPr lang="en-NL" sz="1200" dirty="0">
                 <a:latin typeface="Gill Sans MT" panose="020B0502020104020203" pitchFamily="34" charset="77"/>
               </a:rPr>
-              <a:t>Freon PROP Web Editor</a:t>
+              <a:t>Freon PROP</a:t>
+            </a:r>
+            <a:r>
+              <a:rPr lang="en-US" sz="1200" dirty="0">
+                <a:latin typeface="Gill Sans MT" panose="020B0502020104020203" pitchFamily="34" charset="77"/>
+              </a:rPr>
+              <a:t>S</a:t>
+            </a:r>
+            <a:r>
+              <a:rPr lang="en-NL" sz="1200" dirty="0">
+                <a:latin typeface="Gill Sans MT" panose="020B0502020104020203" pitchFamily="34" charset="77"/>
+              </a:rPr>
+              <a:t> Web Editor</a:t>
             </a:r>
           </a:p>
         </p:txBody>
@@ -23443,7 +23485,19 @@
               <a:rPr lang="en-NL" sz="1200" dirty="0">
                 <a:latin typeface="Gill Sans MT" panose="020B0502020104020203" pitchFamily="34" charset="77"/>
               </a:rPr>
-              <a:t>Freon PROP language</a:t>
+              <a:t>Freon PROP</a:t>
+            </a:r>
+            <a:r>
+              <a:rPr lang="en-US" sz="1200" dirty="0">
+                <a:latin typeface="Gill Sans MT" panose="020B0502020104020203" pitchFamily="34" charset="77"/>
+              </a:rPr>
+              <a:t>S</a:t>
+            </a:r>
+            <a:r>
+              <a:rPr lang="en-NL" sz="1200" dirty="0">
+                <a:latin typeface="Gill Sans MT" panose="020B0502020104020203" pitchFamily="34" charset="77"/>
+              </a:rPr>
+              <a:t> language</a:t>
             </a:r>
           </a:p>
         </p:txBody>
@@ -24039,6 +24093,15 @@
               </a:rPr>
               <a:t>Kotlin PROP</a:t>
             </a:r>
+            <a:r>
+              <a:rPr lang="en-US" sz="1200" dirty="0">
+                <a:latin typeface="Gill Sans MT" panose="020B0502020104020203" pitchFamily="34" charset="77"/>
+              </a:rPr>
+              <a:t>S</a:t>
+            </a:r>
+            <a:endParaRPr lang="en-NL" sz="1200" dirty="0">
+              <a:latin typeface="Gill Sans MT" panose="020B0502020104020203" pitchFamily="34" charset="77"/>
+            </a:endParaRPr>
           </a:p>
           <a:p>
             <a:pPr algn="ctr"/>
@@ -24284,10 +24347,28 @@
           <a:p>
             <a:pPr algn="ctr"/>
             <a:r>
+              <a:rPr lang="en-NL" sz="1200" dirty="0" err="1">
+                <a:latin typeface="Gill Sans MT" panose="020B0502020104020203" pitchFamily="34" charset="77"/>
+              </a:rPr>
+              <a:t>Ecore</a:t>
+            </a:r>
+            <a:r>
               <a:rPr lang="en-NL" sz="1200" dirty="0">
                 <a:latin typeface="Gill Sans MT" panose="020B0502020104020203" pitchFamily="34" charset="77"/>
               </a:rPr>
-              <a:t>Ecore PROP language</a:t>
+              <a:t> PROP</a:t>
+            </a:r>
+            <a:r>
+              <a:rPr lang="en-US" sz="1200" dirty="0">
+                <a:latin typeface="Gill Sans MT" panose="020B0502020104020203" pitchFamily="34" charset="77"/>
+              </a:rPr>
+              <a:t>S</a:t>
+            </a:r>
+            <a:r>
+              <a:rPr lang="en-NL" sz="1200" dirty="0">
+                <a:latin typeface="Gill Sans MT" panose="020B0502020104020203" pitchFamily="34" charset="77"/>
+              </a:rPr>
+              <a:t> language</a:t>
             </a:r>
           </a:p>
         </p:txBody>
@@ -24343,10 +24424,28 @@
           <a:p>
             <a:pPr algn="ctr"/>
             <a:r>
+              <a:rPr lang="en-NL" sz="1200" dirty="0" err="1">
+                <a:latin typeface="Gill Sans MT" panose="020B0502020104020203" pitchFamily="34" charset="77"/>
+              </a:rPr>
+              <a:t>Ecore</a:t>
+            </a:r>
+            <a:r>
               <a:rPr lang="en-NL" sz="1200" dirty="0">
                 <a:latin typeface="Gill Sans MT" panose="020B0502020104020203" pitchFamily="34" charset="77"/>
               </a:rPr>
-              <a:t>Ecore PROP language + Xtend</a:t>
+              <a:t> PROP</a:t>
+            </a:r>
+            <a:r>
+              <a:rPr lang="en-US" sz="1200" dirty="0">
+                <a:latin typeface="Gill Sans MT" panose="020B0502020104020203" pitchFamily="34" charset="77"/>
+              </a:rPr>
+              <a:t>S</a:t>
+            </a:r>
+            <a:r>
+              <a:rPr lang="en-NL" sz="1200" dirty="0">
+                <a:latin typeface="Gill Sans MT" panose="020B0502020104020203" pitchFamily="34" charset="77"/>
+              </a:rPr>
+              <a:t> language + Xtend</a:t>
             </a:r>
           </a:p>
         </p:txBody>
@@ -24378,42 +24477,6 @@
           <a:ln>
             <a:tailEnd type="triangle"/>
           </a:ln>
-        </p:spPr>
-        <p:style>
-          <a:lnRef idx="1">
-            <a:schemeClr val="accent1"/>
-          </a:lnRef>
-          <a:fillRef idx="0">
-            <a:schemeClr val="accent1"/>
-          </a:fillRef>
-          <a:effectRef idx="0">
-            <a:schemeClr val="accent1"/>
-          </a:effectRef>
-          <a:fontRef idx="minor">
-            <a:schemeClr val="tx1"/>
-          </a:fontRef>
-        </p:style>
-      </p:cxnSp>
-      <p:cxnSp>
-        <p:nvCxnSpPr>
-          <p:cNvPr id="21" name="Straight Connector 20">
-            <a:extLst>
-              <a:ext uri="{FF2B5EF4-FFF2-40B4-BE49-F238E27FC236}">
-                <a16:creationId xmlns:a16="http://schemas.microsoft.com/office/drawing/2014/main" id="{4BFEE445-9012-FBC2-6E22-C27DC10A66BE}"/>
-              </a:ext>
-            </a:extLst>
-          </p:cNvPr>
-          <p:cNvCxnSpPr/>
-          <p:nvPr/>
-        </p:nvCxnSpPr>
-        <p:spPr>
-          <a:xfrm>
-            <a:off x="2516909" y="1317508"/>
-            <a:ext cx="0" cy="3338367"/>
-          </a:xfrm>
-          <a:prstGeom prst="line">
-            <a:avLst/>
-          </a:prstGeom>
         </p:spPr>
         <p:style>
           <a:lnRef idx="1">
@@ -24487,7 +24550,7 @@
         </p:nvSpPr>
         <p:spPr>
           <a:xfrm>
-            <a:off x="2743200" y="2069925"/>
+            <a:off x="2752792" y="2128423"/>
             <a:ext cx="1819208" cy="2755727"/>
           </a:xfrm>
           <a:prstGeom prst="rect">
@@ -24526,7 +24589,7 @@
           <a:lstStyle/>
           <a:p>
             <a:pPr algn="ctr"/>
-            <a:endParaRPr lang="en-NL"/>
+            <a:endParaRPr lang="en-NL" dirty="0"/>
           </a:p>
         </p:txBody>
       </p:sp>
@@ -24614,7 +24677,19 @@
               <a:rPr lang="en-NL" sz="1200" dirty="0">
                 <a:latin typeface="Gill Sans MT" panose="020B0502020104020203" pitchFamily="34" charset="77"/>
               </a:rPr>
-              <a:t>MPS with PROP language </a:t>
+              <a:t>MPS with PROP</a:t>
+            </a:r>
+            <a:r>
+              <a:rPr lang="en-US" sz="1200" dirty="0">
+                <a:latin typeface="Gill Sans MT" panose="020B0502020104020203" pitchFamily="34" charset="77"/>
+              </a:rPr>
+              <a:t>S</a:t>
+            </a:r>
+            <a:r>
+              <a:rPr lang="en-NL" sz="1200" dirty="0">
+                <a:latin typeface="Gill Sans MT" panose="020B0502020104020203" pitchFamily="34" charset="77"/>
+              </a:rPr>
+              <a:t> language </a:t>
             </a:r>
           </a:p>
         </p:txBody>
@@ -24673,7 +24748,19 @@
               <a:rPr lang="en-NL" sz="1200" dirty="0">
                 <a:latin typeface="Gill Sans MT" panose="020B0502020104020203" pitchFamily="34" charset="77"/>
               </a:rPr>
-              <a:t>Freon PROP Web Editor</a:t>
+              <a:t>Freon PROP</a:t>
+            </a:r>
+            <a:r>
+              <a:rPr lang="en-US" sz="1200" dirty="0">
+                <a:latin typeface="Gill Sans MT" panose="020B0502020104020203" pitchFamily="34" charset="77"/>
+              </a:rPr>
+              <a:t>S</a:t>
+            </a:r>
+            <a:r>
+              <a:rPr lang="en-NL" sz="1200" dirty="0">
+                <a:latin typeface="Gill Sans MT" panose="020B0502020104020203" pitchFamily="34" charset="77"/>
+              </a:rPr>
+              <a:t> Web Editor</a:t>
             </a:r>
           </a:p>
         </p:txBody>
@@ -24737,7 +24824,7 @@
               <a:rPr lang="en-US" sz="1200" dirty="0">
                 <a:latin typeface="Gill Sans MT" panose="020B0502020104020203" pitchFamily="34" charset="77"/>
               </a:rPr>
-              <a:t>PROP LionWeb</a:t>
+              <a:t>PROPS LionWeb</a:t>
             </a:r>
           </a:p>
           <a:p>
@@ -24808,7 +24895,19 @@
               <a:rPr lang="en-NL" sz="1200" dirty="0">
                 <a:latin typeface="Gill Sans MT" panose="020B0502020104020203" pitchFamily="34" charset="77"/>
               </a:rPr>
-              <a:t>Kotlin PROP Application</a:t>
+              <a:t>Kotlin PROP</a:t>
+            </a:r>
+            <a:r>
+              <a:rPr lang="en-US" sz="1200" dirty="0">
+                <a:latin typeface="Gill Sans MT" panose="020B0502020104020203" pitchFamily="34" charset="77"/>
+              </a:rPr>
+              <a:t>S</a:t>
+            </a:r>
+            <a:r>
+              <a:rPr lang="en-NL" sz="1200" dirty="0">
+                <a:latin typeface="Gill Sans MT" panose="020B0502020104020203" pitchFamily="34" charset="77"/>
+              </a:rPr>
+              <a:t> Application</a:t>
             </a:r>
           </a:p>
         </p:txBody>
@@ -25135,7 +25234,7 @@
               <a:rPr lang="en-US" sz="1200" dirty="0">
                 <a:latin typeface="Gill Sans MT" panose="020B0502020104020203" pitchFamily="34" charset="77"/>
               </a:rPr>
-              <a:t>with PROP instance</a:t>
+              <a:t>with PROPS instance</a:t>
             </a:r>
             <a:endParaRPr lang="en-NL" sz="1200" dirty="0">
               <a:latin typeface="Gill Sans MT" panose="020B0502020104020203" pitchFamily="34" charset="77"/>
@@ -25726,7 +25825,19 @@
               <a:rPr lang="en-NL" sz="1200" dirty="0">
                 <a:latin typeface="Gill Sans MT" panose="020B0502020104020203" pitchFamily="34" charset="77"/>
               </a:rPr>
-              <a:t> PROP </a:t>
+              <a:t> PROP</a:t>
+            </a:r>
+            <a:r>
+              <a:rPr lang="en-US" sz="1200" dirty="0">
+                <a:latin typeface="Gill Sans MT" panose="020B0502020104020203" pitchFamily="34" charset="77"/>
+              </a:rPr>
+              <a:t>S</a:t>
+            </a:r>
+            <a:r>
+              <a:rPr lang="en-NL" sz="1200" dirty="0">
+                <a:latin typeface="Gill Sans MT" panose="020B0502020104020203" pitchFamily="34" charset="77"/>
+              </a:rPr>
+              <a:t> </a:t>
             </a:r>
             <a:r>
               <a:rPr lang="en-US" sz="1200" dirty="0">

--- a/resources/LangDev Talk.pptx
+++ b/resources/LangDev Talk.pptx
@@ -5,7 +5,7 @@
     <p:sldMasterId id="2147483659" r:id="rId1"/>
   </p:sldMasterIdLst>
   <p:notesMasterIdLst>
-    <p:notesMasterId r:id="rId21"/>
+    <p:notesMasterId r:id="rId20"/>
   </p:notesMasterIdLst>
   <p:sldIdLst>
     <p:sldId id="266" r:id="rId2"/>
@@ -19,35 +19,34 @@
     <p:sldId id="294" r:id="rId10"/>
     <p:sldId id="295" r:id="rId11"/>
     <p:sldId id="296" r:id="rId12"/>
-    <p:sldId id="293" r:id="rId13"/>
-    <p:sldId id="277" r:id="rId14"/>
-    <p:sldId id="285" r:id="rId15"/>
-    <p:sldId id="292" r:id="rId16"/>
-    <p:sldId id="290" r:id="rId17"/>
-    <p:sldId id="263" r:id="rId18"/>
-    <p:sldId id="287" r:id="rId19"/>
-    <p:sldId id="265" r:id="rId20"/>
+    <p:sldId id="277" r:id="rId13"/>
+    <p:sldId id="285" r:id="rId14"/>
+    <p:sldId id="292" r:id="rId15"/>
+    <p:sldId id="290" r:id="rId16"/>
+    <p:sldId id="263" r:id="rId17"/>
+    <p:sldId id="287" r:id="rId18"/>
+    <p:sldId id="265" r:id="rId19"/>
   </p:sldIdLst>
   <p:sldSz cx="9144000" cy="5143500" type="screen16x9"/>
   <p:notesSz cx="6858000" cy="9144000"/>
   <p:embeddedFontLst>
     <p:embeddedFont>
       <p:font typeface="Bauhaus 93"/>
-      <p:regular r:id="rId22"/>
+      <p:regular r:id="rId21"/>
     </p:embeddedFont>
     <p:embeddedFont>
       <p:font typeface="Calibri" panose="020F0502020204030204" pitchFamily="34" charset="0"/>
-      <p:regular r:id="rId23"/>
-      <p:bold r:id="rId24"/>
-      <p:italic r:id="rId25"/>
-      <p:boldItalic r:id="rId26"/>
+      <p:regular r:id="rId22"/>
+      <p:bold r:id="rId23"/>
+      <p:italic r:id="rId24"/>
+      <p:boldItalic r:id="rId25"/>
     </p:embeddedFont>
     <p:embeddedFont>
       <p:font typeface="Gill Sans MT" panose="020B0502020104020203" pitchFamily="34" charset="77"/>
-      <p:regular r:id="rId27"/>
-      <p:bold r:id="rId28"/>
-      <p:italic r:id="rId29"/>
-      <p:boldItalic r:id="rId30"/>
+      <p:regular r:id="rId26"/>
+      <p:bold r:id="rId27"/>
+      <p:italic r:id="rId28"/>
+      <p:boldItalic r:id="rId29"/>
     </p:embeddedFont>
   </p:embeddedFontLst>
   <p:defaultTextStyle>
@@ -15006,963 +15005,6 @@
       </p:grpSp>
       <p:grpSp>
         <p:nvGrpSpPr>
-          <p:cNvPr id="446" name="Graphic 4">
-            <a:extLst>
-              <a:ext uri="{FF2B5EF4-FFF2-40B4-BE49-F238E27FC236}">
-                <a16:creationId xmlns:a16="http://schemas.microsoft.com/office/drawing/2014/main" id="{DDBEC61F-C861-E656-B72D-850B5BBB81BE}"/>
-              </a:ext>
-            </a:extLst>
-          </p:cNvPr>
-          <p:cNvGrpSpPr/>
-          <p:nvPr/>
-        </p:nvGrpSpPr>
-        <p:grpSpPr>
-          <a:xfrm>
-            <a:off x="6554148" y="1954222"/>
-            <a:ext cx="437299" cy="428715"/>
-            <a:chOff x="7095019" y="2931506"/>
-            <a:chExt cx="720584" cy="720584"/>
-          </a:xfrm>
-        </p:grpSpPr>
-        <p:sp>
-          <p:nvSpPr>
-            <p:cNvPr id="476" name="Freeform: Shape 475">
-              <a:extLst>
-                <a:ext uri="{FF2B5EF4-FFF2-40B4-BE49-F238E27FC236}">
-                  <a16:creationId xmlns:a16="http://schemas.microsoft.com/office/drawing/2014/main" id="{0F55368D-369C-7867-5AA7-B5CDC343A781}"/>
-                </a:ext>
-              </a:extLst>
-            </p:cNvPr>
-            <p:cNvSpPr/>
-            <p:nvPr/>
-          </p:nvSpPr>
-          <p:spPr>
-            <a:xfrm>
-              <a:off x="7256777" y="3093265"/>
-              <a:ext cx="397067" cy="397066"/>
-            </a:xfrm>
-            <a:custGeom>
-              <a:avLst/>
-              <a:gdLst>
-                <a:gd name="connsiteX0" fmla="*/ 396881 w 397067"/>
-                <a:gd name="connsiteY0" fmla="*/ 198506 h 397066"/>
-                <a:gd name="connsiteX1" fmla="*/ 198348 w 397067"/>
-                <a:gd name="connsiteY1" fmla="*/ 397040 h 397066"/>
-                <a:gd name="connsiteX2" fmla="*/ -186 w 397067"/>
-                <a:gd name="connsiteY2" fmla="*/ 198506 h 397066"/>
-                <a:gd name="connsiteX3" fmla="*/ 198348 w 397067"/>
-                <a:gd name="connsiteY3" fmla="*/ -27 h 397066"/>
-                <a:gd name="connsiteX4" fmla="*/ 396881 w 397067"/>
-                <a:gd name="connsiteY4" fmla="*/ 198506 h 397066"/>
-              </a:gdLst>
-              <a:ahLst/>
-              <a:cxnLst>
-                <a:cxn ang="0">
-                  <a:pos x="connsiteX0" y="connsiteY0"/>
-                </a:cxn>
-                <a:cxn ang="0">
-                  <a:pos x="connsiteX1" y="connsiteY1"/>
-                </a:cxn>
-                <a:cxn ang="0">
-                  <a:pos x="connsiteX2" y="connsiteY2"/>
-                </a:cxn>
-                <a:cxn ang="0">
-                  <a:pos x="connsiteX3" y="connsiteY3"/>
-                </a:cxn>
-                <a:cxn ang="0">
-                  <a:pos x="connsiteX4" y="connsiteY4"/>
-                </a:cxn>
-              </a:cxnLst>
-              <a:rect l="l" t="t" r="r" b="b"/>
-              <a:pathLst>
-                <a:path w="397067" h="397066">
-                  <a:moveTo>
-                    <a:pt x="396881" y="198506"/>
-                  </a:moveTo>
-                  <a:cubicBezTo>
-                    <a:pt x="396881" y="308155"/>
-                    <a:pt x="307997" y="397040"/>
-                    <a:pt x="198348" y="397040"/>
-                  </a:cubicBezTo>
-                  <a:cubicBezTo>
-                    <a:pt x="88698" y="397040"/>
-                    <a:pt x="-186" y="308155"/>
-                    <a:pt x="-186" y="198506"/>
-                  </a:cubicBezTo>
-                  <a:cubicBezTo>
-                    <a:pt x="-186" y="88857"/>
-                    <a:pt x="88698" y="-27"/>
-                    <a:pt x="198348" y="-27"/>
-                  </a:cubicBezTo>
-                  <a:cubicBezTo>
-                    <a:pt x="307997" y="-27"/>
-                    <a:pt x="396881" y="88857"/>
-                    <a:pt x="396881" y="198506"/>
-                  </a:cubicBezTo>
-                  <a:close/>
-                </a:path>
-              </a:pathLst>
-            </a:custGeom>
-            <a:noFill/>
-            <a:ln w="69046" cap="rnd">
-              <a:solidFill>
-                <a:srgbClr val="727272"/>
-              </a:solidFill>
-              <a:prstDash val="solid"/>
-              <a:miter/>
-            </a:ln>
-          </p:spPr>
-          <p:txBody>
-            <a:bodyPr rtlCol="0" anchor="ctr"/>
-            <a:lstStyle/>
-            <a:p>
-              <a:endParaRPr lang="en-US">
-                <a:latin typeface="Gill Sans MT" panose="020B0502020104020203" pitchFamily="34" charset="77"/>
-              </a:endParaRPr>
-            </a:p>
-          </p:txBody>
-        </p:sp>
-        <p:sp>
-          <p:nvSpPr>
-            <p:cNvPr id="477" name="Freeform: Shape 476">
-              <a:extLst>
-                <a:ext uri="{FF2B5EF4-FFF2-40B4-BE49-F238E27FC236}">
-                  <a16:creationId xmlns:a16="http://schemas.microsoft.com/office/drawing/2014/main" id="{507D2EDE-D2B4-0C28-C9BC-0206149366C2}"/>
-                </a:ext>
-              </a:extLst>
-            </p:cNvPr>
-            <p:cNvSpPr/>
-            <p:nvPr/>
-          </p:nvSpPr>
-          <p:spPr>
-            <a:xfrm>
-              <a:off x="7368555" y="3206713"/>
-              <a:ext cx="173510" cy="173510"/>
-            </a:xfrm>
-            <a:custGeom>
-              <a:avLst/>
-              <a:gdLst>
-                <a:gd name="connsiteX0" fmla="*/ 173325 w 173510"/>
-                <a:gd name="connsiteY0" fmla="*/ 86728 h 173510"/>
-                <a:gd name="connsiteX1" fmla="*/ 86569 w 173510"/>
-                <a:gd name="connsiteY1" fmla="*/ 173484 h 173510"/>
-                <a:gd name="connsiteX2" fmla="*/ -186 w 173510"/>
-                <a:gd name="connsiteY2" fmla="*/ 86728 h 173510"/>
-                <a:gd name="connsiteX3" fmla="*/ 86569 w 173510"/>
-                <a:gd name="connsiteY3" fmla="*/ -27 h 173510"/>
-                <a:gd name="connsiteX4" fmla="*/ 173325 w 173510"/>
-                <a:gd name="connsiteY4" fmla="*/ 86728 h 173510"/>
-              </a:gdLst>
-              <a:ahLst/>
-              <a:cxnLst>
-                <a:cxn ang="0">
-                  <a:pos x="connsiteX0" y="connsiteY0"/>
-                </a:cxn>
-                <a:cxn ang="0">
-                  <a:pos x="connsiteX1" y="connsiteY1"/>
-                </a:cxn>
-                <a:cxn ang="0">
-                  <a:pos x="connsiteX2" y="connsiteY2"/>
-                </a:cxn>
-                <a:cxn ang="0">
-                  <a:pos x="connsiteX3" y="connsiteY3"/>
-                </a:cxn>
-                <a:cxn ang="0">
-                  <a:pos x="connsiteX4" y="connsiteY4"/>
-                </a:cxn>
-              </a:cxnLst>
-              <a:rect l="l" t="t" r="r" b="b"/>
-              <a:pathLst>
-                <a:path w="173510" h="173510">
-                  <a:moveTo>
-                    <a:pt x="173325" y="86728"/>
-                  </a:moveTo>
-                  <a:cubicBezTo>
-                    <a:pt x="173325" y="134645"/>
-                    <a:pt x="134486" y="173484"/>
-                    <a:pt x="86569" y="173484"/>
-                  </a:cubicBezTo>
-                  <a:cubicBezTo>
-                    <a:pt x="38653" y="173484"/>
-                    <a:pt x="-186" y="134645"/>
-                    <a:pt x="-186" y="86728"/>
-                  </a:cubicBezTo>
-                  <a:cubicBezTo>
-                    <a:pt x="-186" y="38812"/>
-                    <a:pt x="38653" y="-27"/>
-                    <a:pt x="86569" y="-27"/>
-                  </a:cubicBezTo>
-                  <a:cubicBezTo>
-                    <a:pt x="134486" y="-27"/>
-                    <a:pt x="173325" y="38812"/>
-                    <a:pt x="173325" y="86728"/>
-                  </a:cubicBezTo>
-                  <a:close/>
-                </a:path>
-              </a:pathLst>
-            </a:custGeom>
-            <a:solidFill>
-              <a:srgbClr val="727272"/>
-            </a:solidFill>
-            <a:ln w="8032" cap="flat">
-              <a:noFill/>
-              <a:prstDash val="solid"/>
-              <a:miter/>
-            </a:ln>
-          </p:spPr>
-          <p:txBody>
-            <a:bodyPr rtlCol="0" anchor="ctr"/>
-            <a:lstStyle/>
-            <a:p>
-              <a:endParaRPr lang="en-US">
-                <a:latin typeface="Gill Sans MT" panose="020B0502020104020203" pitchFamily="34" charset="77"/>
-              </a:endParaRPr>
-            </a:p>
-          </p:txBody>
-        </p:sp>
-        <p:sp>
-          <p:nvSpPr>
-            <p:cNvPr id="478" name="Freeform: Shape 477">
-              <a:extLst>
-                <a:ext uri="{FF2B5EF4-FFF2-40B4-BE49-F238E27FC236}">
-                  <a16:creationId xmlns:a16="http://schemas.microsoft.com/office/drawing/2014/main" id="{52820AD1-1CCC-EBBC-BC79-5BD3E6B9DA79}"/>
-                </a:ext>
-              </a:extLst>
-            </p:cNvPr>
-            <p:cNvSpPr/>
-            <p:nvPr/>
-          </p:nvSpPr>
-          <p:spPr>
-            <a:xfrm>
-              <a:off x="7304324" y="2987688"/>
-              <a:ext cx="128462" cy="128446"/>
-            </a:xfrm>
-            <a:custGeom>
-              <a:avLst/>
-              <a:gdLst>
-                <a:gd name="connsiteX0" fmla="*/ -186 w 128462"/>
-                <a:gd name="connsiteY0" fmla="*/ 24963 h 128446"/>
-                <a:gd name="connsiteX1" fmla="*/ 60150 w 128462"/>
-                <a:gd name="connsiteY1" fmla="*/ -27 h 128446"/>
-                <a:gd name="connsiteX2" fmla="*/ 128276 w 128462"/>
-                <a:gd name="connsiteY2" fmla="*/ 78149 h 128446"/>
-                <a:gd name="connsiteX3" fmla="*/ 6915 w 128462"/>
-                <a:gd name="connsiteY3" fmla="*/ 128419 h 128446"/>
-              </a:gdLst>
-              <a:ahLst/>
-              <a:cxnLst>
-                <a:cxn ang="0">
-                  <a:pos x="connsiteX0" y="connsiteY0"/>
-                </a:cxn>
-                <a:cxn ang="0">
-                  <a:pos x="connsiteX1" y="connsiteY1"/>
-                </a:cxn>
-                <a:cxn ang="0">
-                  <a:pos x="connsiteX2" y="connsiteY2"/>
-                </a:cxn>
-                <a:cxn ang="0">
-                  <a:pos x="connsiteX3" y="connsiteY3"/>
-                </a:cxn>
-              </a:cxnLst>
-              <a:rect l="l" t="t" r="r" b="b"/>
-              <a:pathLst>
-                <a:path w="128462" h="128446">
-                  <a:moveTo>
-                    <a:pt x="-186" y="24963"/>
-                  </a:moveTo>
-                  <a:lnTo>
-                    <a:pt x="60150" y="-27"/>
-                  </a:lnTo>
-                  <a:lnTo>
-                    <a:pt x="128276" y="78149"/>
-                  </a:lnTo>
-                  <a:lnTo>
-                    <a:pt x="6915" y="128419"/>
-                  </a:lnTo>
-                  <a:close/>
-                </a:path>
-              </a:pathLst>
-            </a:custGeom>
-            <a:solidFill>
-              <a:srgbClr val="727272"/>
-            </a:solidFill>
-            <a:ln w="8032" cap="flat">
-              <a:noFill/>
-              <a:prstDash val="solid"/>
-              <a:miter/>
-            </a:ln>
-          </p:spPr>
-          <p:txBody>
-            <a:bodyPr rtlCol="0" anchor="ctr"/>
-            <a:lstStyle/>
-            <a:p>
-              <a:endParaRPr lang="en-US">
-                <a:latin typeface="Gill Sans MT" panose="020B0502020104020203" pitchFamily="34" charset="77"/>
-              </a:endParaRPr>
-            </a:p>
-          </p:txBody>
-        </p:sp>
-        <p:sp>
-          <p:nvSpPr>
-            <p:cNvPr id="479" name="Freeform: Shape 478">
-              <a:extLst>
-                <a:ext uri="{FF2B5EF4-FFF2-40B4-BE49-F238E27FC236}">
-                  <a16:creationId xmlns:a16="http://schemas.microsoft.com/office/drawing/2014/main" id="{AD30DC12-E305-E617-DA02-61DAEA3025D9}"/>
-                </a:ext>
-              </a:extLst>
-            </p:cNvPr>
-            <p:cNvSpPr/>
-            <p:nvPr/>
-          </p:nvSpPr>
-          <p:spPr>
-            <a:xfrm>
-              <a:off x="7480510" y="2987688"/>
-              <a:ext cx="128470" cy="128446"/>
-            </a:xfrm>
-            <a:custGeom>
-              <a:avLst/>
-              <a:gdLst>
-                <a:gd name="connsiteX0" fmla="*/ 67941 w 128470"/>
-                <a:gd name="connsiteY0" fmla="*/ -27 h 128446"/>
-                <a:gd name="connsiteX1" fmla="*/ 128284 w 128470"/>
-                <a:gd name="connsiteY1" fmla="*/ 24963 h 128446"/>
-                <a:gd name="connsiteX2" fmla="*/ 121175 w 128470"/>
-                <a:gd name="connsiteY2" fmla="*/ 128419 h 128446"/>
-                <a:gd name="connsiteX3" fmla="*/ -186 w 128470"/>
-                <a:gd name="connsiteY3" fmla="*/ 78149 h 128446"/>
-              </a:gdLst>
-              <a:ahLst/>
-              <a:cxnLst>
-                <a:cxn ang="0">
-                  <a:pos x="connsiteX0" y="connsiteY0"/>
-                </a:cxn>
-                <a:cxn ang="0">
-                  <a:pos x="connsiteX1" y="connsiteY1"/>
-                </a:cxn>
-                <a:cxn ang="0">
-                  <a:pos x="connsiteX2" y="connsiteY2"/>
-                </a:cxn>
-                <a:cxn ang="0">
-                  <a:pos x="connsiteX3" y="connsiteY3"/>
-                </a:cxn>
-              </a:cxnLst>
-              <a:rect l="l" t="t" r="r" b="b"/>
-              <a:pathLst>
-                <a:path w="128470" h="128446">
-                  <a:moveTo>
-                    <a:pt x="67941" y="-27"/>
-                  </a:moveTo>
-                  <a:lnTo>
-                    <a:pt x="128284" y="24963"/>
-                  </a:lnTo>
-                  <a:lnTo>
-                    <a:pt x="121175" y="128419"/>
-                  </a:lnTo>
-                  <a:lnTo>
-                    <a:pt x="-186" y="78149"/>
-                  </a:lnTo>
-                  <a:close/>
-                </a:path>
-              </a:pathLst>
-            </a:custGeom>
-            <a:solidFill>
-              <a:srgbClr val="727272"/>
-            </a:solidFill>
-            <a:ln w="8032" cap="flat">
-              <a:noFill/>
-              <a:prstDash val="solid"/>
-              <a:miter/>
-            </a:ln>
-          </p:spPr>
-          <p:txBody>
-            <a:bodyPr rtlCol="0" anchor="ctr"/>
-            <a:lstStyle/>
-            <a:p>
-              <a:endParaRPr lang="en-US">
-                <a:latin typeface="Gill Sans MT" panose="020B0502020104020203" pitchFamily="34" charset="77"/>
-              </a:endParaRPr>
-            </a:p>
-          </p:txBody>
-        </p:sp>
-        <p:sp>
-          <p:nvSpPr>
-            <p:cNvPr id="480" name="Freeform: Shape 479">
-              <a:extLst>
-                <a:ext uri="{FF2B5EF4-FFF2-40B4-BE49-F238E27FC236}">
-                  <a16:creationId xmlns:a16="http://schemas.microsoft.com/office/drawing/2014/main" id="{D753CC81-753B-3028-3C0A-F204E70D8448}"/>
-                </a:ext>
-              </a:extLst>
-            </p:cNvPr>
-            <p:cNvSpPr/>
-            <p:nvPr/>
-          </p:nvSpPr>
-          <p:spPr>
-            <a:xfrm>
-              <a:off x="7480510" y="3470803"/>
-              <a:ext cx="128470" cy="128446"/>
-            </a:xfrm>
-            <a:custGeom>
-              <a:avLst/>
-              <a:gdLst>
-                <a:gd name="connsiteX0" fmla="*/ 128284 w 128470"/>
-                <a:gd name="connsiteY0" fmla="*/ 103421 h 128446"/>
-                <a:gd name="connsiteX1" fmla="*/ 67941 w 128470"/>
-                <a:gd name="connsiteY1" fmla="*/ 128419 h 128446"/>
-                <a:gd name="connsiteX2" fmla="*/ -186 w 128470"/>
-                <a:gd name="connsiteY2" fmla="*/ 50243 h 128446"/>
-                <a:gd name="connsiteX3" fmla="*/ 121175 w 128470"/>
-                <a:gd name="connsiteY3" fmla="*/ -27 h 128446"/>
-              </a:gdLst>
-              <a:ahLst/>
-              <a:cxnLst>
-                <a:cxn ang="0">
-                  <a:pos x="connsiteX0" y="connsiteY0"/>
-                </a:cxn>
-                <a:cxn ang="0">
-                  <a:pos x="connsiteX1" y="connsiteY1"/>
-                </a:cxn>
-                <a:cxn ang="0">
-                  <a:pos x="connsiteX2" y="connsiteY2"/>
-                </a:cxn>
-                <a:cxn ang="0">
-                  <a:pos x="connsiteX3" y="connsiteY3"/>
-                </a:cxn>
-              </a:cxnLst>
-              <a:rect l="l" t="t" r="r" b="b"/>
-              <a:pathLst>
-                <a:path w="128470" h="128446">
-                  <a:moveTo>
-                    <a:pt x="128284" y="103421"/>
-                  </a:moveTo>
-                  <a:lnTo>
-                    <a:pt x="67941" y="128419"/>
-                  </a:lnTo>
-                  <a:lnTo>
-                    <a:pt x="-186" y="50243"/>
-                  </a:lnTo>
-                  <a:lnTo>
-                    <a:pt x="121175" y="-27"/>
-                  </a:lnTo>
-                  <a:close/>
-                </a:path>
-              </a:pathLst>
-            </a:custGeom>
-            <a:solidFill>
-              <a:srgbClr val="727272"/>
-            </a:solidFill>
-            <a:ln w="8032" cap="flat">
-              <a:noFill/>
-              <a:prstDash val="solid"/>
-              <a:miter/>
-            </a:ln>
-          </p:spPr>
-          <p:txBody>
-            <a:bodyPr rtlCol="0" anchor="ctr"/>
-            <a:lstStyle/>
-            <a:p>
-              <a:endParaRPr lang="en-US">
-                <a:latin typeface="Gill Sans MT" panose="020B0502020104020203" pitchFamily="34" charset="77"/>
-              </a:endParaRPr>
-            </a:p>
-          </p:txBody>
-        </p:sp>
-        <p:sp>
-          <p:nvSpPr>
-            <p:cNvPr id="481" name="Freeform: Shape 480">
-              <a:extLst>
-                <a:ext uri="{FF2B5EF4-FFF2-40B4-BE49-F238E27FC236}">
-                  <a16:creationId xmlns:a16="http://schemas.microsoft.com/office/drawing/2014/main" id="{AAE69042-2767-8EE8-4A09-95AC92356CA5}"/>
-                </a:ext>
-              </a:extLst>
-            </p:cNvPr>
-            <p:cNvSpPr/>
-            <p:nvPr/>
-          </p:nvSpPr>
-          <p:spPr>
-            <a:xfrm>
-              <a:off x="7304324" y="3470803"/>
-              <a:ext cx="128462" cy="128446"/>
-            </a:xfrm>
-            <a:custGeom>
-              <a:avLst/>
-              <a:gdLst>
-                <a:gd name="connsiteX0" fmla="*/ 60150 w 128462"/>
-                <a:gd name="connsiteY0" fmla="*/ 128419 h 128446"/>
-                <a:gd name="connsiteX1" fmla="*/ -186 w 128462"/>
-                <a:gd name="connsiteY1" fmla="*/ 103421 h 128446"/>
-                <a:gd name="connsiteX2" fmla="*/ 6915 w 128462"/>
-                <a:gd name="connsiteY2" fmla="*/ -27 h 128446"/>
-                <a:gd name="connsiteX3" fmla="*/ 128276 w 128462"/>
-                <a:gd name="connsiteY3" fmla="*/ 50243 h 128446"/>
-              </a:gdLst>
-              <a:ahLst/>
-              <a:cxnLst>
-                <a:cxn ang="0">
-                  <a:pos x="connsiteX0" y="connsiteY0"/>
-                </a:cxn>
-                <a:cxn ang="0">
-                  <a:pos x="connsiteX1" y="connsiteY1"/>
-                </a:cxn>
-                <a:cxn ang="0">
-                  <a:pos x="connsiteX2" y="connsiteY2"/>
-                </a:cxn>
-                <a:cxn ang="0">
-                  <a:pos x="connsiteX3" y="connsiteY3"/>
-                </a:cxn>
-              </a:cxnLst>
-              <a:rect l="l" t="t" r="r" b="b"/>
-              <a:pathLst>
-                <a:path w="128462" h="128446">
-                  <a:moveTo>
-                    <a:pt x="60150" y="128419"/>
-                  </a:moveTo>
-                  <a:lnTo>
-                    <a:pt x="-186" y="103421"/>
-                  </a:lnTo>
-                  <a:lnTo>
-                    <a:pt x="6915" y="-27"/>
-                  </a:lnTo>
-                  <a:lnTo>
-                    <a:pt x="128276" y="50243"/>
-                  </a:lnTo>
-                  <a:close/>
-                </a:path>
-              </a:pathLst>
-            </a:custGeom>
-            <a:solidFill>
-              <a:srgbClr val="727272"/>
-            </a:solidFill>
-            <a:ln w="8032" cap="flat">
-              <a:noFill/>
-              <a:prstDash val="solid"/>
-              <a:miter/>
-            </a:ln>
-          </p:spPr>
-          <p:txBody>
-            <a:bodyPr rtlCol="0" anchor="ctr"/>
-            <a:lstStyle/>
-            <a:p>
-              <a:endParaRPr lang="en-US">
-                <a:latin typeface="Gill Sans MT" panose="020B0502020104020203" pitchFamily="34" charset="77"/>
-              </a:endParaRPr>
-            </a:p>
-          </p:txBody>
-        </p:sp>
-        <p:sp>
-          <p:nvSpPr>
-            <p:cNvPr id="482" name="Freeform: Shape 481">
-              <a:extLst>
-                <a:ext uri="{FF2B5EF4-FFF2-40B4-BE49-F238E27FC236}">
-                  <a16:creationId xmlns:a16="http://schemas.microsoft.com/office/drawing/2014/main" id="{753E8B45-D0F7-5C04-E226-7C9A88E66D77}"/>
-                </a:ext>
-              </a:extLst>
-            </p:cNvPr>
-            <p:cNvSpPr/>
-            <p:nvPr/>
-          </p:nvSpPr>
-          <p:spPr>
-            <a:xfrm>
-              <a:off x="7631006" y="3142482"/>
-              <a:ext cx="128446" cy="128462"/>
-            </a:xfrm>
-            <a:custGeom>
-              <a:avLst/>
-              <a:gdLst>
-                <a:gd name="connsiteX0" fmla="*/ 103262 w 128446"/>
-                <a:gd name="connsiteY0" fmla="*/ -27 h 128462"/>
-                <a:gd name="connsiteX1" fmla="*/ 128260 w 128446"/>
-                <a:gd name="connsiteY1" fmla="*/ 60308 h 128462"/>
-                <a:gd name="connsiteX2" fmla="*/ 50084 w 128446"/>
-                <a:gd name="connsiteY2" fmla="*/ 128435 h 128462"/>
-                <a:gd name="connsiteX3" fmla="*/ -186 w 128446"/>
-                <a:gd name="connsiteY3" fmla="*/ 7074 h 128462"/>
-              </a:gdLst>
-              <a:ahLst/>
-              <a:cxnLst>
-                <a:cxn ang="0">
-                  <a:pos x="connsiteX0" y="connsiteY0"/>
-                </a:cxn>
-                <a:cxn ang="0">
-                  <a:pos x="connsiteX1" y="connsiteY1"/>
-                </a:cxn>
-                <a:cxn ang="0">
-                  <a:pos x="connsiteX2" y="connsiteY2"/>
-                </a:cxn>
-                <a:cxn ang="0">
-                  <a:pos x="connsiteX3" y="connsiteY3"/>
-                </a:cxn>
-              </a:cxnLst>
-              <a:rect l="l" t="t" r="r" b="b"/>
-              <a:pathLst>
-                <a:path w="128446" h="128462">
-                  <a:moveTo>
-                    <a:pt x="103262" y="-27"/>
-                  </a:moveTo>
-                  <a:lnTo>
-                    <a:pt x="128260" y="60308"/>
-                  </a:lnTo>
-                  <a:lnTo>
-                    <a:pt x="50084" y="128435"/>
-                  </a:lnTo>
-                  <a:lnTo>
-                    <a:pt x="-186" y="7074"/>
-                  </a:lnTo>
-                  <a:close/>
-                </a:path>
-              </a:pathLst>
-            </a:custGeom>
-            <a:solidFill>
-              <a:srgbClr val="727272"/>
-            </a:solidFill>
-            <a:ln w="8032" cap="flat">
-              <a:noFill/>
-              <a:prstDash val="solid"/>
-              <a:miter/>
-            </a:ln>
-          </p:spPr>
-          <p:txBody>
-            <a:bodyPr rtlCol="0" anchor="ctr"/>
-            <a:lstStyle/>
-            <a:p>
-              <a:endParaRPr lang="en-US">
-                <a:latin typeface="Gill Sans MT" panose="020B0502020104020203" pitchFamily="34" charset="77"/>
-              </a:endParaRPr>
-            </a:p>
-          </p:txBody>
-        </p:sp>
-        <p:sp>
-          <p:nvSpPr>
-            <p:cNvPr id="483" name="Freeform: Shape 482">
-              <a:extLst>
-                <a:ext uri="{FF2B5EF4-FFF2-40B4-BE49-F238E27FC236}">
-                  <a16:creationId xmlns:a16="http://schemas.microsoft.com/office/drawing/2014/main" id="{1A204DB2-F1B8-B8B9-C2FE-9A806C286BAD}"/>
-                </a:ext>
-              </a:extLst>
-            </p:cNvPr>
-            <p:cNvSpPr/>
-            <p:nvPr/>
-          </p:nvSpPr>
-          <p:spPr>
-            <a:xfrm>
-              <a:off x="7631006" y="3315993"/>
-              <a:ext cx="128446" cy="128462"/>
-            </a:xfrm>
-            <a:custGeom>
-              <a:avLst/>
-              <a:gdLst>
-                <a:gd name="connsiteX0" fmla="*/ 128260 w 128446"/>
-                <a:gd name="connsiteY0" fmla="*/ 68100 h 128462"/>
-                <a:gd name="connsiteX1" fmla="*/ 103262 w 128446"/>
-                <a:gd name="connsiteY1" fmla="*/ 128435 h 128462"/>
-                <a:gd name="connsiteX2" fmla="*/ -186 w 128446"/>
-                <a:gd name="connsiteY2" fmla="*/ 121334 h 128462"/>
-                <a:gd name="connsiteX3" fmla="*/ 50084 w 128446"/>
-                <a:gd name="connsiteY3" fmla="*/ -27 h 128462"/>
-              </a:gdLst>
-              <a:ahLst/>
-              <a:cxnLst>
-                <a:cxn ang="0">
-                  <a:pos x="connsiteX0" y="connsiteY0"/>
-                </a:cxn>
-                <a:cxn ang="0">
-                  <a:pos x="connsiteX1" y="connsiteY1"/>
-                </a:cxn>
-                <a:cxn ang="0">
-                  <a:pos x="connsiteX2" y="connsiteY2"/>
-                </a:cxn>
-                <a:cxn ang="0">
-                  <a:pos x="connsiteX3" y="connsiteY3"/>
-                </a:cxn>
-              </a:cxnLst>
-              <a:rect l="l" t="t" r="r" b="b"/>
-              <a:pathLst>
-                <a:path w="128446" h="128462">
-                  <a:moveTo>
-                    <a:pt x="128260" y="68100"/>
-                  </a:moveTo>
-                  <a:lnTo>
-                    <a:pt x="103262" y="128435"/>
-                  </a:lnTo>
-                  <a:lnTo>
-                    <a:pt x="-186" y="121334"/>
-                  </a:lnTo>
-                  <a:lnTo>
-                    <a:pt x="50084" y="-27"/>
-                  </a:lnTo>
-                  <a:close/>
-                </a:path>
-              </a:pathLst>
-            </a:custGeom>
-            <a:solidFill>
-              <a:srgbClr val="727272"/>
-            </a:solidFill>
-            <a:ln w="8032" cap="flat">
-              <a:noFill/>
-              <a:prstDash val="solid"/>
-              <a:miter/>
-            </a:ln>
-          </p:spPr>
-          <p:txBody>
-            <a:bodyPr rtlCol="0" anchor="ctr"/>
-            <a:lstStyle/>
-            <a:p>
-              <a:endParaRPr lang="en-US">
-                <a:latin typeface="Gill Sans MT" panose="020B0502020104020203" pitchFamily="34" charset="77"/>
-              </a:endParaRPr>
-            </a:p>
-          </p:txBody>
-        </p:sp>
-        <p:sp>
-          <p:nvSpPr>
-            <p:cNvPr id="484" name="Freeform: Shape 483">
-              <a:extLst>
-                <a:ext uri="{FF2B5EF4-FFF2-40B4-BE49-F238E27FC236}">
-                  <a16:creationId xmlns:a16="http://schemas.microsoft.com/office/drawing/2014/main" id="{27C42044-F604-701F-E0EA-BE6FBA5B5F86}"/>
-                </a:ext>
-              </a:extLst>
-            </p:cNvPr>
-            <p:cNvSpPr/>
-            <p:nvPr/>
-          </p:nvSpPr>
-          <p:spPr>
-            <a:xfrm>
-              <a:off x="7150912" y="3315993"/>
-              <a:ext cx="128437" cy="128462"/>
-            </a:xfrm>
-            <a:custGeom>
-              <a:avLst/>
-              <a:gdLst>
-                <a:gd name="connsiteX0" fmla="*/ 24804 w 128437"/>
-                <a:gd name="connsiteY0" fmla="*/ 128435 h 128462"/>
-                <a:gd name="connsiteX1" fmla="*/ -186 w 128437"/>
-                <a:gd name="connsiteY1" fmla="*/ 68100 h 128462"/>
-                <a:gd name="connsiteX2" fmla="*/ 77982 w 128437"/>
-                <a:gd name="connsiteY2" fmla="*/ -27 h 128462"/>
-                <a:gd name="connsiteX3" fmla="*/ 128252 w 128437"/>
-                <a:gd name="connsiteY3" fmla="*/ 121334 h 128462"/>
-              </a:gdLst>
-              <a:ahLst/>
-              <a:cxnLst>
-                <a:cxn ang="0">
-                  <a:pos x="connsiteX0" y="connsiteY0"/>
-                </a:cxn>
-                <a:cxn ang="0">
-                  <a:pos x="connsiteX1" y="connsiteY1"/>
-                </a:cxn>
-                <a:cxn ang="0">
-                  <a:pos x="connsiteX2" y="connsiteY2"/>
-                </a:cxn>
-                <a:cxn ang="0">
-                  <a:pos x="connsiteX3" y="connsiteY3"/>
-                </a:cxn>
-              </a:cxnLst>
-              <a:rect l="l" t="t" r="r" b="b"/>
-              <a:pathLst>
-                <a:path w="128437" h="128462">
-                  <a:moveTo>
-                    <a:pt x="24804" y="128435"/>
-                  </a:moveTo>
-                  <a:lnTo>
-                    <a:pt x="-186" y="68100"/>
-                  </a:lnTo>
-                  <a:lnTo>
-                    <a:pt x="77982" y="-27"/>
-                  </a:lnTo>
-                  <a:lnTo>
-                    <a:pt x="128252" y="121334"/>
-                  </a:lnTo>
-                  <a:close/>
-                </a:path>
-              </a:pathLst>
-            </a:custGeom>
-            <a:solidFill>
-              <a:srgbClr val="727272"/>
-            </a:solidFill>
-            <a:ln w="8032" cap="flat">
-              <a:noFill/>
-              <a:prstDash val="solid"/>
-              <a:miter/>
-            </a:ln>
-          </p:spPr>
-          <p:txBody>
-            <a:bodyPr rtlCol="0" anchor="ctr"/>
-            <a:lstStyle/>
-            <a:p>
-              <a:endParaRPr lang="en-US">
-                <a:latin typeface="Gill Sans MT" panose="020B0502020104020203" pitchFamily="34" charset="77"/>
-              </a:endParaRPr>
-            </a:p>
-          </p:txBody>
-        </p:sp>
-        <p:sp>
-          <p:nvSpPr>
-            <p:cNvPr id="485" name="Freeform: Shape 484">
-              <a:extLst>
-                <a:ext uri="{FF2B5EF4-FFF2-40B4-BE49-F238E27FC236}">
-                  <a16:creationId xmlns:a16="http://schemas.microsoft.com/office/drawing/2014/main" id="{97F8EBAA-C4BC-C088-2C41-5C0E43DB986D}"/>
-                </a:ext>
-              </a:extLst>
-            </p:cNvPr>
-            <p:cNvSpPr/>
-            <p:nvPr/>
-          </p:nvSpPr>
-          <p:spPr>
-            <a:xfrm>
-              <a:off x="7150912" y="3142482"/>
-              <a:ext cx="128437" cy="128462"/>
-            </a:xfrm>
-            <a:custGeom>
-              <a:avLst/>
-              <a:gdLst>
-                <a:gd name="connsiteX0" fmla="*/ -186 w 128437"/>
-                <a:gd name="connsiteY0" fmla="*/ 60308 h 128462"/>
-                <a:gd name="connsiteX1" fmla="*/ 24804 w 128437"/>
-                <a:gd name="connsiteY1" fmla="*/ -27 h 128462"/>
-                <a:gd name="connsiteX2" fmla="*/ 128252 w 128437"/>
-                <a:gd name="connsiteY2" fmla="*/ 7074 h 128462"/>
-                <a:gd name="connsiteX3" fmla="*/ 77982 w 128437"/>
-                <a:gd name="connsiteY3" fmla="*/ 128435 h 128462"/>
-              </a:gdLst>
-              <a:ahLst/>
-              <a:cxnLst>
-                <a:cxn ang="0">
-                  <a:pos x="connsiteX0" y="connsiteY0"/>
-                </a:cxn>
-                <a:cxn ang="0">
-                  <a:pos x="connsiteX1" y="connsiteY1"/>
-                </a:cxn>
-                <a:cxn ang="0">
-                  <a:pos x="connsiteX2" y="connsiteY2"/>
-                </a:cxn>
-                <a:cxn ang="0">
-                  <a:pos x="connsiteX3" y="connsiteY3"/>
-                </a:cxn>
-              </a:cxnLst>
-              <a:rect l="l" t="t" r="r" b="b"/>
-              <a:pathLst>
-                <a:path w="128437" h="128462">
-                  <a:moveTo>
-                    <a:pt x="-186" y="60308"/>
-                  </a:moveTo>
-                  <a:lnTo>
-                    <a:pt x="24804" y="-27"/>
-                  </a:lnTo>
-                  <a:lnTo>
-                    <a:pt x="128252" y="7074"/>
-                  </a:lnTo>
-                  <a:lnTo>
-                    <a:pt x="77982" y="128435"/>
-                  </a:lnTo>
-                  <a:close/>
-                </a:path>
-              </a:pathLst>
-            </a:custGeom>
-            <a:solidFill>
-              <a:srgbClr val="727272"/>
-            </a:solidFill>
-            <a:ln w="8032" cap="flat">
-              <a:noFill/>
-              <a:prstDash val="solid"/>
-              <a:miter/>
-            </a:ln>
-          </p:spPr>
-          <p:txBody>
-            <a:bodyPr rtlCol="0" anchor="ctr"/>
-            <a:lstStyle/>
-            <a:p>
-              <a:endParaRPr lang="en-US">
-                <a:latin typeface="Gill Sans MT" panose="020B0502020104020203" pitchFamily="34" charset="77"/>
-              </a:endParaRPr>
-            </a:p>
-          </p:txBody>
-        </p:sp>
-        <p:sp>
-          <p:nvSpPr>
-            <p:cNvPr id="475" name="Freeform: Shape 474">
-              <a:extLst>
-                <a:ext uri="{FF2B5EF4-FFF2-40B4-BE49-F238E27FC236}">
-                  <a16:creationId xmlns:a16="http://schemas.microsoft.com/office/drawing/2014/main" id="{02E7673B-854C-0B39-E45B-50DF727753D1}"/>
-                </a:ext>
-              </a:extLst>
-            </p:cNvPr>
-            <p:cNvSpPr/>
-            <p:nvPr/>
-          </p:nvSpPr>
-          <p:spPr>
-            <a:xfrm>
-              <a:off x="7095019" y="2931506"/>
-              <a:ext cx="720584" cy="720584"/>
-            </a:xfrm>
-            <a:custGeom>
-              <a:avLst/>
-              <a:gdLst>
-                <a:gd name="connsiteX0" fmla="*/ -186 w 720584"/>
-                <a:gd name="connsiteY0" fmla="*/ -27 h 720584"/>
-                <a:gd name="connsiteX1" fmla="*/ 720398 w 720584"/>
-                <a:gd name="connsiteY1" fmla="*/ -27 h 720584"/>
-                <a:gd name="connsiteX2" fmla="*/ 720398 w 720584"/>
-                <a:gd name="connsiteY2" fmla="*/ 720557 h 720584"/>
-                <a:gd name="connsiteX3" fmla="*/ -186 w 720584"/>
-                <a:gd name="connsiteY3" fmla="*/ 720557 h 720584"/>
-              </a:gdLst>
-              <a:ahLst/>
-              <a:cxnLst>
-                <a:cxn ang="0">
-                  <a:pos x="connsiteX0" y="connsiteY0"/>
-                </a:cxn>
-                <a:cxn ang="0">
-                  <a:pos x="connsiteX1" y="connsiteY1"/>
-                </a:cxn>
-                <a:cxn ang="0">
-                  <a:pos x="connsiteX2" y="connsiteY2"/>
-                </a:cxn>
-                <a:cxn ang="0">
-                  <a:pos x="connsiteX3" y="connsiteY3"/>
-                </a:cxn>
-              </a:cxnLst>
-              <a:rect l="l" t="t" r="r" b="b"/>
-              <a:pathLst>
-                <a:path w="720584" h="720584">
-                  <a:moveTo>
-                    <a:pt x="-186" y="-27"/>
-                  </a:moveTo>
-                  <a:lnTo>
-                    <a:pt x="720398" y="-27"/>
-                  </a:lnTo>
-                  <a:lnTo>
-                    <a:pt x="720398" y="720557"/>
-                  </a:lnTo>
-                  <a:lnTo>
-                    <a:pt x="-186" y="720557"/>
-                  </a:lnTo>
-                  <a:close/>
-                </a:path>
-              </a:pathLst>
-            </a:custGeom>
-            <a:solidFill>
-              <a:srgbClr val="FFFFFF"/>
-            </a:solidFill>
-            <a:ln w="66637" cap="rnd">
-              <a:solidFill>
-                <a:srgbClr val="727272"/>
-              </a:solidFill>
-              <a:prstDash val="solid"/>
-              <a:miter/>
-            </a:ln>
-          </p:spPr>
-          <p:txBody>
-            <a:bodyPr rtlCol="0" anchor="ctr"/>
-            <a:lstStyle/>
-            <a:p>
-              <a:endParaRPr lang="en-US">
-                <a:latin typeface="Gill Sans MT" panose="020B0502020104020203" pitchFamily="34" charset="77"/>
-              </a:endParaRPr>
-            </a:p>
-          </p:txBody>
-        </p:sp>
-      </p:grpSp>
-      <p:grpSp>
-        <p:nvGrpSpPr>
           <p:cNvPr id="448" name="Graphic 4">
             <a:extLst>
               <a:ext uri="{FF2B5EF4-FFF2-40B4-BE49-F238E27FC236}">
@@ -22194,6 +21236,963 @@
           </p:txBody>
         </p:sp>
       </p:grpSp>
+      <p:grpSp>
+        <p:nvGrpSpPr>
+          <p:cNvPr id="5" name="Graphic 4">
+            <a:extLst>
+              <a:ext uri="{FF2B5EF4-FFF2-40B4-BE49-F238E27FC236}">
+                <a16:creationId xmlns:a16="http://schemas.microsoft.com/office/drawing/2014/main" id="{A1797310-7695-B1E8-F6B9-609055A44D2D}"/>
+              </a:ext>
+            </a:extLst>
+          </p:cNvPr>
+          <p:cNvGrpSpPr/>
+          <p:nvPr/>
+        </p:nvGrpSpPr>
+        <p:grpSpPr>
+          <a:xfrm>
+            <a:off x="6555834" y="1921519"/>
+            <a:ext cx="437299" cy="428715"/>
+            <a:chOff x="6813867" y="1750668"/>
+            <a:chExt cx="720584" cy="720584"/>
+          </a:xfrm>
+        </p:grpSpPr>
+        <p:sp>
+          <p:nvSpPr>
+            <p:cNvPr id="6" name="Freeform: Shape 463">
+              <a:extLst>
+                <a:ext uri="{FF2B5EF4-FFF2-40B4-BE49-F238E27FC236}">
+                  <a16:creationId xmlns:a16="http://schemas.microsoft.com/office/drawing/2014/main" id="{BCA0BEDD-C2D0-72A0-1556-CE40A9DB4332}"/>
+                </a:ext>
+              </a:extLst>
+            </p:cNvPr>
+            <p:cNvSpPr/>
+            <p:nvPr/>
+          </p:nvSpPr>
+          <p:spPr>
+            <a:xfrm>
+              <a:off x="6813867" y="1750668"/>
+              <a:ext cx="720584" cy="720584"/>
+            </a:xfrm>
+            <a:custGeom>
+              <a:avLst/>
+              <a:gdLst>
+                <a:gd name="connsiteX0" fmla="*/ -186 w 720584"/>
+                <a:gd name="connsiteY0" fmla="*/ -27 h 720584"/>
+                <a:gd name="connsiteX1" fmla="*/ 720398 w 720584"/>
+                <a:gd name="connsiteY1" fmla="*/ -27 h 720584"/>
+                <a:gd name="connsiteX2" fmla="*/ 720398 w 720584"/>
+                <a:gd name="connsiteY2" fmla="*/ 720557 h 720584"/>
+                <a:gd name="connsiteX3" fmla="*/ -186 w 720584"/>
+                <a:gd name="connsiteY3" fmla="*/ 720557 h 720584"/>
+              </a:gdLst>
+              <a:ahLst/>
+              <a:cxnLst>
+                <a:cxn ang="0">
+                  <a:pos x="connsiteX0" y="connsiteY0"/>
+                </a:cxn>
+                <a:cxn ang="0">
+                  <a:pos x="connsiteX1" y="connsiteY1"/>
+                </a:cxn>
+                <a:cxn ang="0">
+                  <a:pos x="connsiteX2" y="connsiteY2"/>
+                </a:cxn>
+                <a:cxn ang="0">
+                  <a:pos x="connsiteX3" y="connsiteY3"/>
+                </a:cxn>
+              </a:cxnLst>
+              <a:rect l="l" t="t" r="r" b="b"/>
+              <a:pathLst>
+                <a:path w="720584" h="720584">
+                  <a:moveTo>
+                    <a:pt x="-186" y="-27"/>
+                  </a:moveTo>
+                  <a:lnTo>
+                    <a:pt x="720398" y="-27"/>
+                  </a:lnTo>
+                  <a:lnTo>
+                    <a:pt x="720398" y="720557"/>
+                  </a:lnTo>
+                  <a:lnTo>
+                    <a:pt x="-186" y="720557"/>
+                  </a:lnTo>
+                  <a:close/>
+                </a:path>
+              </a:pathLst>
+            </a:custGeom>
+            <a:solidFill>
+              <a:srgbClr val="FFFFFF"/>
+            </a:solidFill>
+            <a:ln w="66637" cap="rnd">
+              <a:solidFill>
+                <a:srgbClr val="727272"/>
+              </a:solidFill>
+              <a:prstDash val="solid"/>
+              <a:miter/>
+            </a:ln>
+          </p:spPr>
+          <p:txBody>
+            <a:bodyPr rtlCol="0" anchor="ctr"/>
+            <a:lstStyle/>
+            <a:p>
+              <a:endParaRPr lang="en-US">
+                <a:latin typeface="Gill Sans MT" panose="020B0502020104020203" pitchFamily="34" charset="77"/>
+              </a:endParaRPr>
+            </a:p>
+          </p:txBody>
+        </p:sp>
+        <p:sp>
+          <p:nvSpPr>
+            <p:cNvPr id="7" name="Freeform: Shape 464">
+              <a:extLst>
+                <a:ext uri="{FF2B5EF4-FFF2-40B4-BE49-F238E27FC236}">
+                  <a16:creationId xmlns:a16="http://schemas.microsoft.com/office/drawing/2014/main" id="{B67BFCEE-B42C-2F58-9FED-0310F258A9F8}"/>
+                </a:ext>
+              </a:extLst>
+            </p:cNvPr>
+            <p:cNvSpPr/>
+            <p:nvPr/>
+          </p:nvSpPr>
+          <p:spPr>
+            <a:xfrm>
+              <a:off x="6975625" y="1912427"/>
+              <a:ext cx="397067" cy="397066"/>
+            </a:xfrm>
+            <a:custGeom>
+              <a:avLst/>
+              <a:gdLst>
+                <a:gd name="connsiteX0" fmla="*/ 396881 w 397067"/>
+                <a:gd name="connsiteY0" fmla="*/ 198506 h 397066"/>
+                <a:gd name="connsiteX1" fmla="*/ 198348 w 397067"/>
+                <a:gd name="connsiteY1" fmla="*/ 397040 h 397066"/>
+                <a:gd name="connsiteX2" fmla="*/ -186 w 397067"/>
+                <a:gd name="connsiteY2" fmla="*/ 198506 h 397066"/>
+                <a:gd name="connsiteX3" fmla="*/ 198348 w 397067"/>
+                <a:gd name="connsiteY3" fmla="*/ -27 h 397066"/>
+                <a:gd name="connsiteX4" fmla="*/ 396881 w 397067"/>
+                <a:gd name="connsiteY4" fmla="*/ 198506 h 397066"/>
+              </a:gdLst>
+              <a:ahLst/>
+              <a:cxnLst>
+                <a:cxn ang="0">
+                  <a:pos x="connsiteX0" y="connsiteY0"/>
+                </a:cxn>
+                <a:cxn ang="0">
+                  <a:pos x="connsiteX1" y="connsiteY1"/>
+                </a:cxn>
+                <a:cxn ang="0">
+                  <a:pos x="connsiteX2" y="connsiteY2"/>
+                </a:cxn>
+                <a:cxn ang="0">
+                  <a:pos x="connsiteX3" y="connsiteY3"/>
+                </a:cxn>
+                <a:cxn ang="0">
+                  <a:pos x="connsiteX4" y="connsiteY4"/>
+                </a:cxn>
+              </a:cxnLst>
+              <a:rect l="l" t="t" r="r" b="b"/>
+              <a:pathLst>
+                <a:path w="397067" h="397066">
+                  <a:moveTo>
+                    <a:pt x="396881" y="198506"/>
+                  </a:moveTo>
+                  <a:cubicBezTo>
+                    <a:pt x="396881" y="308155"/>
+                    <a:pt x="307997" y="397040"/>
+                    <a:pt x="198348" y="397040"/>
+                  </a:cubicBezTo>
+                  <a:cubicBezTo>
+                    <a:pt x="88698" y="397040"/>
+                    <a:pt x="-186" y="308155"/>
+                    <a:pt x="-186" y="198506"/>
+                  </a:cubicBezTo>
+                  <a:cubicBezTo>
+                    <a:pt x="-186" y="88857"/>
+                    <a:pt x="88698" y="-27"/>
+                    <a:pt x="198348" y="-27"/>
+                  </a:cubicBezTo>
+                  <a:cubicBezTo>
+                    <a:pt x="307997" y="-27"/>
+                    <a:pt x="396881" y="88857"/>
+                    <a:pt x="396881" y="198506"/>
+                  </a:cubicBezTo>
+                  <a:close/>
+                </a:path>
+              </a:pathLst>
+            </a:custGeom>
+            <a:noFill/>
+            <a:ln w="69046" cap="rnd">
+              <a:solidFill>
+                <a:srgbClr val="727272"/>
+              </a:solidFill>
+              <a:prstDash val="solid"/>
+              <a:miter/>
+            </a:ln>
+          </p:spPr>
+          <p:txBody>
+            <a:bodyPr rtlCol="0" anchor="ctr"/>
+            <a:lstStyle/>
+            <a:p>
+              <a:endParaRPr lang="en-US">
+                <a:latin typeface="Gill Sans MT" panose="020B0502020104020203" pitchFamily="34" charset="77"/>
+              </a:endParaRPr>
+            </a:p>
+          </p:txBody>
+        </p:sp>
+        <p:sp>
+          <p:nvSpPr>
+            <p:cNvPr id="8" name="Freeform: Shape 465">
+              <a:extLst>
+                <a:ext uri="{FF2B5EF4-FFF2-40B4-BE49-F238E27FC236}">
+                  <a16:creationId xmlns:a16="http://schemas.microsoft.com/office/drawing/2014/main" id="{67F30C86-1386-4F5A-121A-45DBEFD30C53}"/>
+                </a:ext>
+              </a:extLst>
+            </p:cNvPr>
+            <p:cNvSpPr/>
+            <p:nvPr/>
+          </p:nvSpPr>
+          <p:spPr>
+            <a:xfrm>
+              <a:off x="7087403" y="2025876"/>
+              <a:ext cx="173510" cy="173510"/>
+            </a:xfrm>
+            <a:custGeom>
+              <a:avLst/>
+              <a:gdLst>
+                <a:gd name="connsiteX0" fmla="*/ 173325 w 173510"/>
+                <a:gd name="connsiteY0" fmla="*/ 86728 h 173510"/>
+                <a:gd name="connsiteX1" fmla="*/ 86569 w 173510"/>
+                <a:gd name="connsiteY1" fmla="*/ 173484 h 173510"/>
+                <a:gd name="connsiteX2" fmla="*/ -186 w 173510"/>
+                <a:gd name="connsiteY2" fmla="*/ 86728 h 173510"/>
+                <a:gd name="connsiteX3" fmla="*/ 86569 w 173510"/>
+                <a:gd name="connsiteY3" fmla="*/ -27 h 173510"/>
+                <a:gd name="connsiteX4" fmla="*/ 173325 w 173510"/>
+                <a:gd name="connsiteY4" fmla="*/ 86728 h 173510"/>
+              </a:gdLst>
+              <a:ahLst/>
+              <a:cxnLst>
+                <a:cxn ang="0">
+                  <a:pos x="connsiteX0" y="connsiteY0"/>
+                </a:cxn>
+                <a:cxn ang="0">
+                  <a:pos x="connsiteX1" y="connsiteY1"/>
+                </a:cxn>
+                <a:cxn ang="0">
+                  <a:pos x="connsiteX2" y="connsiteY2"/>
+                </a:cxn>
+                <a:cxn ang="0">
+                  <a:pos x="connsiteX3" y="connsiteY3"/>
+                </a:cxn>
+                <a:cxn ang="0">
+                  <a:pos x="connsiteX4" y="connsiteY4"/>
+                </a:cxn>
+              </a:cxnLst>
+              <a:rect l="l" t="t" r="r" b="b"/>
+              <a:pathLst>
+                <a:path w="173510" h="173510">
+                  <a:moveTo>
+                    <a:pt x="173325" y="86728"/>
+                  </a:moveTo>
+                  <a:cubicBezTo>
+                    <a:pt x="173325" y="134645"/>
+                    <a:pt x="134486" y="173484"/>
+                    <a:pt x="86569" y="173484"/>
+                  </a:cubicBezTo>
+                  <a:cubicBezTo>
+                    <a:pt x="38653" y="173484"/>
+                    <a:pt x="-186" y="134645"/>
+                    <a:pt x="-186" y="86728"/>
+                  </a:cubicBezTo>
+                  <a:cubicBezTo>
+                    <a:pt x="-186" y="38812"/>
+                    <a:pt x="38653" y="-27"/>
+                    <a:pt x="86569" y="-27"/>
+                  </a:cubicBezTo>
+                  <a:cubicBezTo>
+                    <a:pt x="134486" y="-27"/>
+                    <a:pt x="173325" y="38812"/>
+                    <a:pt x="173325" y="86728"/>
+                  </a:cubicBezTo>
+                  <a:close/>
+                </a:path>
+              </a:pathLst>
+            </a:custGeom>
+            <a:solidFill>
+              <a:srgbClr val="727272"/>
+            </a:solidFill>
+            <a:ln w="8032" cap="flat">
+              <a:noFill/>
+              <a:prstDash val="solid"/>
+              <a:miter/>
+            </a:ln>
+          </p:spPr>
+          <p:txBody>
+            <a:bodyPr rtlCol="0" anchor="ctr"/>
+            <a:lstStyle/>
+            <a:p>
+              <a:endParaRPr lang="en-US">
+                <a:latin typeface="Gill Sans MT" panose="020B0502020104020203" pitchFamily="34" charset="77"/>
+              </a:endParaRPr>
+            </a:p>
+          </p:txBody>
+        </p:sp>
+        <p:sp>
+          <p:nvSpPr>
+            <p:cNvPr id="9" name="Freeform: Shape 466">
+              <a:extLst>
+                <a:ext uri="{FF2B5EF4-FFF2-40B4-BE49-F238E27FC236}">
+                  <a16:creationId xmlns:a16="http://schemas.microsoft.com/office/drawing/2014/main" id="{206ABA5B-89FD-8222-8552-BD6AA084E831}"/>
+                </a:ext>
+              </a:extLst>
+            </p:cNvPr>
+            <p:cNvSpPr/>
+            <p:nvPr/>
+          </p:nvSpPr>
+          <p:spPr>
+            <a:xfrm>
+              <a:off x="7023172" y="1806850"/>
+              <a:ext cx="128462" cy="128446"/>
+            </a:xfrm>
+            <a:custGeom>
+              <a:avLst/>
+              <a:gdLst>
+                <a:gd name="connsiteX0" fmla="*/ -186 w 128462"/>
+                <a:gd name="connsiteY0" fmla="*/ 24963 h 128446"/>
+                <a:gd name="connsiteX1" fmla="*/ 60150 w 128462"/>
+                <a:gd name="connsiteY1" fmla="*/ -27 h 128446"/>
+                <a:gd name="connsiteX2" fmla="*/ 128276 w 128462"/>
+                <a:gd name="connsiteY2" fmla="*/ 78149 h 128446"/>
+                <a:gd name="connsiteX3" fmla="*/ 6915 w 128462"/>
+                <a:gd name="connsiteY3" fmla="*/ 128419 h 128446"/>
+              </a:gdLst>
+              <a:ahLst/>
+              <a:cxnLst>
+                <a:cxn ang="0">
+                  <a:pos x="connsiteX0" y="connsiteY0"/>
+                </a:cxn>
+                <a:cxn ang="0">
+                  <a:pos x="connsiteX1" y="connsiteY1"/>
+                </a:cxn>
+                <a:cxn ang="0">
+                  <a:pos x="connsiteX2" y="connsiteY2"/>
+                </a:cxn>
+                <a:cxn ang="0">
+                  <a:pos x="connsiteX3" y="connsiteY3"/>
+                </a:cxn>
+              </a:cxnLst>
+              <a:rect l="l" t="t" r="r" b="b"/>
+              <a:pathLst>
+                <a:path w="128462" h="128446">
+                  <a:moveTo>
+                    <a:pt x="-186" y="24963"/>
+                  </a:moveTo>
+                  <a:lnTo>
+                    <a:pt x="60150" y="-27"/>
+                  </a:lnTo>
+                  <a:lnTo>
+                    <a:pt x="128276" y="78149"/>
+                  </a:lnTo>
+                  <a:lnTo>
+                    <a:pt x="6915" y="128419"/>
+                  </a:lnTo>
+                  <a:close/>
+                </a:path>
+              </a:pathLst>
+            </a:custGeom>
+            <a:solidFill>
+              <a:srgbClr val="727272"/>
+            </a:solidFill>
+            <a:ln w="8032" cap="flat">
+              <a:noFill/>
+              <a:prstDash val="solid"/>
+              <a:miter/>
+            </a:ln>
+          </p:spPr>
+          <p:txBody>
+            <a:bodyPr rtlCol="0" anchor="ctr"/>
+            <a:lstStyle/>
+            <a:p>
+              <a:endParaRPr lang="en-US">
+                <a:latin typeface="Gill Sans MT" panose="020B0502020104020203" pitchFamily="34" charset="77"/>
+              </a:endParaRPr>
+            </a:p>
+          </p:txBody>
+        </p:sp>
+        <p:sp>
+          <p:nvSpPr>
+            <p:cNvPr id="10" name="Freeform: Shape 467">
+              <a:extLst>
+                <a:ext uri="{FF2B5EF4-FFF2-40B4-BE49-F238E27FC236}">
+                  <a16:creationId xmlns:a16="http://schemas.microsoft.com/office/drawing/2014/main" id="{808FB2BD-CD0E-FA24-7B3F-6A7FD2BBCA28}"/>
+                </a:ext>
+              </a:extLst>
+            </p:cNvPr>
+            <p:cNvSpPr/>
+            <p:nvPr/>
+          </p:nvSpPr>
+          <p:spPr>
+            <a:xfrm>
+              <a:off x="7199358" y="1806850"/>
+              <a:ext cx="128470" cy="128446"/>
+            </a:xfrm>
+            <a:custGeom>
+              <a:avLst/>
+              <a:gdLst>
+                <a:gd name="connsiteX0" fmla="*/ 67941 w 128470"/>
+                <a:gd name="connsiteY0" fmla="*/ -27 h 128446"/>
+                <a:gd name="connsiteX1" fmla="*/ 128284 w 128470"/>
+                <a:gd name="connsiteY1" fmla="*/ 24963 h 128446"/>
+                <a:gd name="connsiteX2" fmla="*/ 121175 w 128470"/>
+                <a:gd name="connsiteY2" fmla="*/ 128419 h 128446"/>
+                <a:gd name="connsiteX3" fmla="*/ -186 w 128470"/>
+                <a:gd name="connsiteY3" fmla="*/ 78149 h 128446"/>
+              </a:gdLst>
+              <a:ahLst/>
+              <a:cxnLst>
+                <a:cxn ang="0">
+                  <a:pos x="connsiteX0" y="connsiteY0"/>
+                </a:cxn>
+                <a:cxn ang="0">
+                  <a:pos x="connsiteX1" y="connsiteY1"/>
+                </a:cxn>
+                <a:cxn ang="0">
+                  <a:pos x="connsiteX2" y="connsiteY2"/>
+                </a:cxn>
+                <a:cxn ang="0">
+                  <a:pos x="connsiteX3" y="connsiteY3"/>
+                </a:cxn>
+              </a:cxnLst>
+              <a:rect l="l" t="t" r="r" b="b"/>
+              <a:pathLst>
+                <a:path w="128470" h="128446">
+                  <a:moveTo>
+                    <a:pt x="67941" y="-27"/>
+                  </a:moveTo>
+                  <a:lnTo>
+                    <a:pt x="128284" y="24963"/>
+                  </a:lnTo>
+                  <a:lnTo>
+                    <a:pt x="121175" y="128419"/>
+                  </a:lnTo>
+                  <a:lnTo>
+                    <a:pt x="-186" y="78149"/>
+                  </a:lnTo>
+                  <a:close/>
+                </a:path>
+              </a:pathLst>
+            </a:custGeom>
+            <a:solidFill>
+              <a:srgbClr val="727272"/>
+            </a:solidFill>
+            <a:ln w="8032" cap="flat">
+              <a:noFill/>
+              <a:prstDash val="solid"/>
+              <a:miter/>
+            </a:ln>
+          </p:spPr>
+          <p:txBody>
+            <a:bodyPr rtlCol="0" anchor="ctr"/>
+            <a:lstStyle/>
+            <a:p>
+              <a:endParaRPr lang="en-US">
+                <a:latin typeface="Gill Sans MT" panose="020B0502020104020203" pitchFamily="34" charset="77"/>
+              </a:endParaRPr>
+            </a:p>
+          </p:txBody>
+        </p:sp>
+        <p:sp>
+          <p:nvSpPr>
+            <p:cNvPr id="28" name="Freeform: Shape 468">
+              <a:extLst>
+                <a:ext uri="{FF2B5EF4-FFF2-40B4-BE49-F238E27FC236}">
+                  <a16:creationId xmlns:a16="http://schemas.microsoft.com/office/drawing/2014/main" id="{EAAE2B4E-1008-976F-9D8A-3E28AAA6876E}"/>
+                </a:ext>
+              </a:extLst>
+            </p:cNvPr>
+            <p:cNvSpPr/>
+            <p:nvPr/>
+          </p:nvSpPr>
+          <p:spPr>
+            <a:xfrm>
+              <a:off x="7199358" y="2289965"/>
+              <a:ext cx="128470" cy="128446"/>
+            </a:xfrm>
+            <a:custGeom>
+              <a:avLst/>
+              <a:gdLst>
+                <a:gd name="connsiteX0" fmla="*/ 128284 w 128470"/>
+                <a:gd name="connsiteY0" fmla="*/ 103421 h 128446"/>
+                <a:gd name="connsiteX1" fmla="*/ 67941 w 128470"/>
+                <a:gd name="connsiteY1" fmla="*/ 128419 h 128446"/>
+                <a:gd name="connsiteX2" fmla="*/ -186 w 128470"/>
+                <a:gd name="connsiteY2" fmla="*/ 50243 h 128446"/>
+                <a:gd name="connsiteX3" fmla="*/ 121175 w 128470"/>
+                <a:gd name="connsiteY3" fmla="*/ -27 h 128446"/>
+              </a:gdLst>
+              <a:ahLst/>
+              <a:cxnLst>
+                <a:cxn ang="0">
+                  <a:pos x="connsiteX0" y="connsiteY0"/>
+                </a:cxn>
+                <a:cxn ang="0">
+                  <a:pos x="connsiteX1" y="connsiteY1"/>
+                </a:cxn>
+                <a:cxn ang="0">
+                  <a:pos x="connsiteX2" y="connsiteY2"/>
+                </a:cxn>
+                <a:cxn ang="0">
+                  <a:pos x="connsiteX3" y="connsiteY3"/>
+                </a:cxn>
+              </a:cxnLst>
+              <a:rect l="l" t="t" r="r" b="b"/>
+              <a:pathLst>
+                <a:path w="128470" h="128446">
+                  <a:moveTo>
+                    <a:pt x="128284" y="103421"/>
+                  </a:moveTo>
+                  <a:lnTo>
+                    <a:pt x="67941" y="128419"/>
+                  </a:lnTo>
+                  <a:lnTo>
+                    <a:pt x="-186" y="50243"/>
+                  </a:lnTo>
+                  <a:lnTo>
+                    <a:pt x="121175" y="-27"/>
+                  </a:lnTo>
+                  <a:close/>
+                </a:path>
+              </a:pathLst>
+            </a:custGeom>
+            <a:solidFill>
+              <a:srgbClr val="727272"/>
+            </a:solidFill>
+            <a:ln w="8032" cap="flat">
+              <a:noFill/>
+              <a:prstDash val="solid"/>
+              <a:miter/>
+            </a:ln>
+          </p:spPr>
+          <p:txBody>
+            <a:bodyPr rtlCol="0" anchor="ctr"/>
+            <a:lstStyle/>
+            <a:p>
+              <a:endParaRPr lang="en-US">
+                <a:latin typeface="Gill Sans MT" panose="020B0502020104020203" pitchFamily="34" charset="77"/>
+              </a:endParaRPr>
+            </a:p>
+          </p:txBody>
+        </p:sp>
+        <p:sp>
+          <p:nvSpPr>
+            <p:cNvPr id="29" name="Freeform: Shape 469">
+              <a:extLst>
+                <a:ext uri="{FF2B5EF4-FFF2-40B4-BE49-F238E27FC236}">
+                  <a16:creationId xmlns:a16="http://schemas.microsoft.com/office/drawing/2014/main" id="{EB7780A6-3403-4487-6DF0-59E758EB1657}"/>
+                </a:ext>
+              </a:extLst>
+            </p:cNvPr>
+            <p:cNvSpPr/>
+            <p:nvPr/>
+          </p:nvSpPr>
+          <p:spPr>
+            <a:xfrm>
+              <a:off x="7023172" y="2289965"/>
+              <a:ext cx="128462" cy="128446"/>
+            </a:xfrm>
+            <a:custGeom>
+              <a:avLst/>
+              <a:gdLst>
+                <a:gd name="connsiteX0" fmla="*/ 60150 w 128462"/>
+                <a:gd name="connsiteY0" fmla="*/ 128419 h 128446"/>
+                <a:gd name="connsiteX1" fmla="*/ -186 w 128462"/>
+                <a:gd name="connsiteY1" fmla="*/ 103421 h 128446"/>
+                <a:gd name="connsiteX2" fmla="*/ 6915 w 128462"/>
+                <a:gd name="connsiteY2" fmla="*/ -27 h 128446"/>
+                <a:gd name="connsiteX3" fmla="*/ 128276 w 128462"/>
+                <a:gd name="connsiteY3" fmla="*/ 50243 h 128446"/>
+              </a:gdLst>
+              <a:ahLst/>
+              <a:cxnLst>
+                <a:cxn ang="0">
+                  <a:pos x="connsiteX0" y="connsiteY0"/>
+                </a:cxn>
+                <a:cxn ang="0">
+                  <a:pos x="connsiteX1" y="connsiteY1"/>
+                </a:cxn>
+                <a:cxn ang="0">
+                  <a:pos x="connsiteX2" y="connsiteY2"/>
+                </a:cxn>
+                <a:cxn ang="0">
+                  <a:pos x="connsiteX3" y="connsiteY3"/>
+                </a:cxn>
+              </a:cxnLst>
+              <a:rect l="l" t="t" r="r" b="b"/>
+              <a:pathLst>
+                <a:path w="128462" h="128446">
+                  <a:moveTo>
+                    <a:pt x="60150" y="128419"/>
+                  </a:moveTo>
+                  <a:lnTo>
+                    <a:pt x="-186" y="103421"/>
+                  </a:lnTo>
+                  <a:lnTo>
+                    <a:pt x="6915" y="-27"/>
+                  </a:lnTo>
+                  <a:lnTo>
+                    <a:pt x="128276" y="50243"/>
+                  </a:lnTo>
+                  <a:close/>
+                </a:path>
+              </a:pathLst>
+            </a:custGeom>
+            <a:solidFill>
+              <a:srgbClr val="727272"/>
+            </a:solidFill>
+            <a:ln w="8032" cap="flat">
+              <a:noFill/>
+              <a:prstDash val="solid"/>
+              <a:miter/>
+            </a:ln>
+          </p:spPr>
+          <p:txBody>
+            <a:bodyPr rtlCol="0" anchor="ctr"/>
+            <a:lstStyle/>
+            <a:p>
+              <a:endParaRPr lang="en-US">
+                <a:latin typeface="Gill Sans MT" panose="020B0502020104020203" pitchFamily="34" charset="77"/>
+              </a:endParaRPr>
+            </a:p>
+          </p:txBody>
+        </p:sp>
+        <p:sp>
+          <p:nvSpPr>
+            <p:cNvPr id="30" name="Freeform: Shape 470">
+              <a:extLst>
+                <a:ext uri="{FF2B5EF4-FFF2-40B4-BE49-F238E27FC236}">
+                  <a16:creationId xmlns:a16="http://schemas.microsoft.com/office/drawing/2014/main" id="{B37902A4-94D9-3529-7AC7-6E08F4AF00AC}"/>
+                </a:ext>
+              </a:extLst>
+            </p:cNvPr>
+            <p:cNvSpPr/>
+            <p:nvPr/>
+          </p:nvSpPr>
+          <p:spPr>
+            <a:xfrm>
+              <a:off x="7349855" y="1961644"/>
+              <a:ext cx="128446" cy="128462"/>
+            </a:xfrm>
+            <a:custGeom>
+              <a:avLst/>
+              <a:gdLst>
+                <a:gd name="connsiteX0" fmla="*/ 103262 w 128446"/>
+                <a:gd name="connsiteY0" fmla="*/ -27 h 128462"/>
+                <a:gd name="connsiteX1" fmla="*/ 128260 w 128446"/>
+                <a:gd name="connsiteY1" fmla="*/ 60308 h 128462"/>
+                <a:gd name="connsiteX2" fmla="*/ 50084 w 128446"/>
+                <a:gd name="connsiteY2" fmla="*/ 128435 h 128462"/>
+                <a:gd name="connsiteX3" fmla="*/ -186 w 128446"/>
+                <a:gd name="connsiteY3" fmla="*/ 7074 h 128462"/>
+              </a:gdLst>
+              <a:ahLst/>
+              <a:cxnLst>
+                <a:cxn ang="0">
+                  <a:pos x="connsiteX0" y="connsiteY0"/>
+                </a:cxn>
+                <a:cxn ang="0">
+                  <a:pos x="connsiteX1" y="connsiteY1"/>
+                </a:cxn>
+                <a:cxn ang="0">
+                  <a:pos x="connsiteX2" y="connsiteY2"/>
+                </a:cxn>
+                <a:cxn ang="0">
+                  <a:pos x="connsiteX3" y="connsiteY3"/>
+                </a:cxn>
+              </a:cxnLst>
+              <a:rect l="l" t="t" r="r" b="b"/>
+              <a:pathLst>
+                <a:path w="128446" h="128462">
+                  <a:moveTo>
+                    <a:pt x="103262" y="-27"/>
+                  </a:moveTo>
+                  <a:lnTo>
+                    <a:pt x="128260" y="60308"/>
+                  </a:lnTo>
+                  <a:lnTo>
+                    <a:pt x="50084" y="128435"/>
+                  </a:lnTo>
+                  <a:lnTo>
+                    <a:pt x="-186" y="7074"/>
+                  </a:lnTo>
+                  <a:close/>
+                </a:path>
+              </a:pathLst>
+            </a:custGeom>
+            <a:solidFill>
+              <a:srgbClr val="727272"/>
+            </a:solidFill>
+            <a:ln w="8032" cap="flat">
+              <a:noFill/>
+              <a:prstDash val="solid"/>
+              <a:miter/>
+            </a:ln>
+          </p:spPr>
+          <p:txBody>
+            <a:bodyPr rtlCol="0" anchor="ctr"/>
+            <a:lstStyle/>
+            <a:p>
+              <a:endParaRPr lang="en-US">
+                <a:latin typeface="Gill Sans MT" panose="020B0502020104020203" pitchFamily="34" charset="77"/>
+              </a:endParaRPr>
+            </a:p>
+          </p:txBody>
+        </p:sp>
+        <p:sp>
+          <p:nvSpPr>
+            <p:cNvPr id="31" name="Freeform: Shape 471">
+              <a:extLst>
+                <a:ext uri="{FF2B5EF4-FFF2-40B4-BE49-F238E27FC236}">
+                  <a16:creationId xmlns:a16="http://schemas.microsoft.com/office/drawing/2014/main" id="{F10C86EF-E990-74F1-7887-286C9D3BE4B9}"/>
+                </a:ext>
+              </a:extLst>
+            </p:cNvPr>
+            <p:cNvSpPr/>
+            <p:nvPr/>
+          </p:nvSpPr>
+          <p:spPr>
+            <a:xfrm>
+              <a:off x="7349855" y="2135155"/>
+              <a:ext cx="128446" cy="128462"/>
+            </a:xfrm>
+            <a:custGeom>
+              <a:avLst/>
+              <a:gdLst>
+                <a:gd name="connsiteX0" fmla="*/ 128260 w 128446"/>
+                <a:gd name="connsiteY0" fmla="*/ 68100 h 128462"/>
+                <a:gd name="connsiteX1" fmla="*/ 103262 w 128446"/>
+                <a:gd name="connsiteY1" fmla="*/ 128435 h 128462"/>
+                <a:gd name="connsiteX2" fmla="*/ -186 w 128446"/>
+                <a:gd name="connsiteY2" fmla="*/ 121334 h 128462"/>
+                <a:gd name="connsiteX3" fmla="*/ 50084 w 128446"/>
+                <a:gd name="connsiteY3" fmla="*/ -27 h 128462"/>
+              </a:gdLst>
+              <a:ahLst/>
+              <a:cxnLst>
+                <a:cxn ang="0">
+                  <a:pos x="connsiteX0" y="connsiteY0"/>
+                </a:cxn>
+                <a:cxn ang="0">
+                  <a:pos x="connsiteX1" y="connsiteY1"/>
+                </a:cxn>
+                <a:cxn ang="0">
+                  <a:pos x="connsiteX2" y="connsiteY2"/>
+                </a:cxn>
+                <a:cxn ang="0">
+                  <a:pos x="connsiteX3" y="connsiteY3"/>
+                </a:cxn>
+              </a:cxnLst>
+              <a:rect l="l" t="t" r="r" b="b"/>
+              <a:pathLst>
+                <a:path w="128446" h="128462">
+                  <a:moveTo>
+                    <a:pt x="128260" y="68100"/>
+                  </a:moveTo>
+                  <a:lnTo>
+                    <a:pt x="103262" y="128435"/>
+                  </a:lnTo>
+                  <a:lnTo>
+                    <a:pt x="-186" y="121334"/>
+                  </a:lnTo>
+                  <a:lnTo>
+                    <a:pt x="50084" y="-27"/>
+                  </a:lnTo>
+                  <a:close/>
+                </a:path>
+              </a:pathLst>
+            </a:custGeom>
+            <a:solidFill>
+              <a:srgbClr val="727272"/>
+            </a:solidFill>
+            <a:ln w="8032" cap="flat">
+              <a:noFill/>
+              <a:prstDash val="solid"/>
+              <a:miter/>
+            </a:ln>
+          </p:spPr>
+          <p:txBody>
+            <a:bodyPr rtlCol="0" anchor="ctr"/>
+            <a:lstStyle/>
+            <a:p>
+              <a:endParaRPr lang="en-US">
+                <a:latin typeface="Gill Sans MT" panose="020B0502020104020203" pitchFamily="34" charset="77"/>
+              </a:endParaRPr>
+            </a:p>
+          </p:txBody>
+        </p:sp>
+        <p:sp>
+          <p:nvSpPr>
+            <p:cNvPr id="32" name="Freeform: Shape 472">
+              <a:extLst>
+                <a:ext uri="{FF2B5EF4-FFF2-40B4-BE49-F238E27FC236}">
+                  <a16:creationId xmlns:a16="http://schemas.microsoft.com/office/drawing/2014/main" id="{6F9BB02C-FD01-862D-A36D-B1FE12A14E01}"/>
+                </a:ext>
+              </a:extLst>
+            </p:cNvPr>
+            <p:cNvSpPr/>
+            <p:nvPr/>
+          </p:nvSpPr>
+          <p:spPr>
+            <a:xfrm>
+              <a:off x="6869760" y="2135155"/>
+              <a:ext cx="128437" cy="128462"/>
+            </a:xfrm>
+            <a:custGeom>
+              <a:avLst/>
+              <a:gdLst>
+                <a:gd name="connsiteX0" fmla="*/ 24804 w 128437"/>
+                <a:gd name="connsiteY0" fmla="*/ 128435 h 128462"/>
+                <a:gd name="connsiteX1" fmla="*/ -186 w 128437"/>
+                <a:gd name="connsiteY1" fmla="*/ 68100 h 128462"/>
+                <a:gd name="connsiteX2" fmla="*/ 77982 w 128437"/>
+                <a:gd name="connsiteY2" fmla="*/ -27 h 128462"/>
+                <a:gd name="connsiteX3" fmla="*/ 128252 w 128437"/>
+                <a:gd name="connsiteY3" fmla="*/ 121334 h 128462"/>
+              </a:gdLst>
+              <a:ahLst/>
+              <a:cxnLst>
+                <a:cxn ang="0">
+                  <a:pos x="connsiteX0" y="connsiteY0"/>
+                </a:cxn>
+                <a:cxn ang="0">
+                  <a:pos x="connsiteX1" y="connsiteY1"/>
+                </a:cxn>
+                <a:cxn ang="0">
+                  <a:pos x="connsiteX2" y="connsiteY2"/>
+                </a:cxn>
+                <a:cxn ang="0">
+                  <a:pos x="connsiteX3" y="connsiteY3"/>
+                </a:cxn>
+              </a:cxnLst>
+              <a:rect l="l" t="t" r="r" b="b"/>
+              <a:pathLst>
+                <a:path w="128437" h="128462">
+                  <a:moveTo>
+                    <a:pt x="24804" y="128435"/>
+                  </a:moveTo>
+                  <a:lnTo>
+                    <a:pt x="-186" y="68100"/>
+                  </a:lnTo>
+                  <a:lnTo>
+                    <a:pt x="77982" y="-27"/>
+                  </a:lnTo>
+                  <a:lnTo>
+                    <a:pt x="128252" y="121334"/>
+                  </a:lnTo>
+                  <a:close/>
+                </a:path>
+              </a:pathLst>
+            </a:custGeom>
+            <a:solidFill>
+              <a:srgbClr val="727272"/>
+            </a:solidFill>
+            <a:ln w="8032" cap="flat">
+              <a:noFill/>
+              <a:prstDash val="solid"/>
+              <a:miter/>
+            </a:ln>
+          </p:spPr>
+          <p:txBody>
+            <a:bodyPr rtlCol="0" anchor="ctr"/>
+            <a:lstStyle/>
+            <a:p>
+              <a:endParaRPr lang="en-US">
+                <a:latin typeface="Gill Sans MT" panose="020B0502020104020203" pitchFamily="34" charset="77"/>
+              </a:endParaRPr>
+            </a:p>
+          </p:txBody>
+        </p:sp>
+        <p:sp>
+          <p:nvSpPr>
+            <p:cNvPr id="33" name="Freeform: Shape 473">
+              <a:extLst>
+                <a:ext uri="{FF2B5EF4-FFF2-40B4-BE49-F238E27FC236}">
+                  <a16:creationId xmlns:a16="http://schemas.microsoft.com/office/drawing/2014/main" id="{8717FFE7-A433-1459-A8C4-100A22F00200}"/>
+                </a:ext>
+              </a:extLst>
+            </p:cNvPr>
+            <p:cNvSpPr/>
+            <p:nvPr/>
+          </p:nvSpPr>
+          <p:spPr>
+            <a:xfrm>
+              <a:off x="6869760" y="1961644"/>
+              <a:ext cx="128437" cy="128462"/>
+            </a:xfrm>
+            <a:custGeom>
+              <a:avLst/>
+              <a:gdLst>
+                <a:gd name="connsiteX0" fmla="*/ -186 w 128437"/>
+                <a:gd name="connsiteY0" fmla="*/ 60308 h 128462"/>
+                <a:gd name="connsiteX1" fmla="*/ 24804 w 128437"/>
+                <a:gd name="connsiteY1" fmla="*/ -27 h 128462"/>
+                <a:gd name="connsiteX2" fmla="*/ 128252 w 128437"/>
+                <a:gd name="connsiteY2" fmla="*/ 7074 h 128462"/>
+                <a:gd name="connsiteX3" fmla="*/ 77982 w 128437"/>
+                <a:gd name="connsiteY3" fmla="*/ 128435 h 128462"/>
+              </a:gdLst>
+              <a:ahLst/>
+              <a:cxnLst>
+                <a:cxn ang="0">
+                  <a:pos x="connsiteX0" y="connsiteY0"/>
+                </a:cxn>
+                <a:cxn ang="0">
+                  <a:pos x="connsiteX1" y="connsiteY1"/>
+                </a:cxn>
+                <a:cxn ang="0">
+                  <a:pos x="connsiteX2" y="connsiteY2"/>
+                </a:cxn>
+                <a:cxn ang="0">
+                  <a:pos x="connsiteX3" y="connsiteY3"/>
+                </a:cxn>
+              </a:cxnLst>
+              <a:rect l="l" t="t" r="r" b="b"/>
+              <a:pathLst>
+                <a:path w="128437" h="128462">
+                  <a:moveTo>
+                    <a:pt x="-186" y="60308"/>
+                  </a:moveTo>
+                  <a:lnTo>
+                    <a:pt x="24804" y="-27"/>
+                  </a:lnTo>
+                  <a:lnTo>
+                    <a:pt x="128252" y="7074"/>
+                  </a:lnTo>
+                  <a:lnTo>
+                    <a:pt x="77982" y="128435"/>
+                  </a:lnTo>
+                  <a:close/>
+                </a:path>
+              </a:pathLst>
+            </a:custGeom>
+            <a:solidFill>
+              <a:srgbClr val="727272"/>
+            </a:solidFill>
+            <a:ln w="8032" cap="flat">
+              <a:noFill/>
+              <a:prstDash val="solid"/>
+              <a:miter/>
+            </a:ln>
+          </p:spPr>
+          <p:txBody>
+            <a:bodyPr rtlCol="0" anchor="ctr"/>
+            <a:lstStyle/>
+            <a:p>
+              <a:endParaRPr lang="en-US">
+                <a:latin typeface="Gill Sans MT" panose="020B0502020104020203" pitchFamily="34" charset="77"/>
+              </a:endParaRPr>
+            </a:p>
+          </p:txBody>
+        </p:sp>
+      </p:grpSp>
     </p:spTree>
     <p:extLst>
       <p:ext uri="{BB962C8B-B14F-4D97-AF65-F5344CB8AC3E}">
@@ -22339,10 +22338,10 @@
       </p:sp>
       <p:pic>
         <p:nvPicPr>
-          <p:cNvPr id="6" name="Graphic 5">
+          <p:cNvPr id="4" name="Graphic 3">
             <a:extLst>
               <a:ext uri="{FF2B5EF4-FFF2-40B4-BE49-F238E27FC236}">
-                <a16:creationId xmlns:a16="http://schemas.microsoft.com/office/drawing/2014/main" id="{DB1FD44E-C855-8851-C5DC-B208E62E1887}"/>
+                <a16:creationId xmlns:a16="http://schemas.microsoft.com/office/drawing/2014/main" id="{B1B0BB7A-B5E2-A715-6185-880CA6601309}"/>
               </a:ext>
             </a:extLst>
           </p:cNvPr>
@@ -22365,8 +22364,8 @@
         </p:blipFill>
         <p:spPr>
           <a:xfrm>
-            <a:off x="1488975" y="0"/>
-            <a:ext cx="6166049" cy="5143500"/>
+            <a:off x="1390831" y="-159026"/>
+            <a:ext cx="6312919" cy="5266014"/>
           </a:xfrm>
           <a:prstGeom prst="rect">
             <a:avLst/>
@@ -22387,107 +22386,6 @@
 </file>
 
 <file path=ppt/slides/slide12.xml><?xml version="1.0" encoding="utf-8"?>
-<p:sld xmlns:a="http://schemas.openxmlformats.org/drawingml/2006/main" xmlns:r="http://schemas.openxmlformats.org/officeDocument/2006/relationships" xmlns:p="http://schemas.openxmlformats.org/presentationml/2006/main">
-  <p:cSld>
-    <p:spTree>
-      <p:nvGrpSpPr>
-        <p:cNvPr id="1" name=""/>
-        <p:cNvGrpSpPr/>
-        <p:nvPr/>
-      </p:nvGrpSpPr>
-      <p:grpSpPr>
-        <a:xfrm>
-          <a:off x="0" y="0"/>
-          <a:ext cx="0" cy="0"/>
-          <a:chOff x="0" y="0"/>
-          <a:chExt cx="0" cy="0"/>
-        </a:xfrm>
-      </p:grpSpPr>
-      <p:sp>
-        <p:nvSpPr>
-          <p:cNvPr id="2" name="Title 1">
-            <a:extLst>
-              <a:ext uri="{FF2B5EF4-FFF2-40B4-BE49-F238E27FC236}">
-                <a16:creationId xmlns:a16="http://schemas.microsoft.com/office/drawing/2014/main" id="{CBE90987-DE25-014F-8A1B-9BCCA7C8B525}"/>
-              </a:ext>
-            </a:extLst>
-          </p:cNvPr>
-          <p:cNvSpPr>
-            <a:spLocks noGrp="1"/>
-          </p:cNvSpPr>
-          <p:nvPr>
-            <p:ph type="title"/>
-          </p:nvPr>
-        </p:nvSpPr>
-        <p:spPr>
-          <a:xfrm>
-            <a:off x="2234524" y="29000"/>
-            <a:ext cx="6843435" cy="572700"/>
-          </a:xfrm>
-        </p:spPr>
-        <p:txBody>
-          <a:bodyPr>
-            <a:normAutofit fontScale="90000"/>
-          </a:bodyPr>
-          <a:lstStyle/>
-          <a:p>
-            <a:r>
-              <a:rPr lang="en-US" dirty="0"/>
-              <a:t>Meta-Metamodel</a:t>
-            </a:r>
-          </a:p>
-        </p:txBody>
-      </p:sp>
-      <p:pic>
-        <p:nvPicPr>
-          <p:cNvPr id="7" name="Graphic 6">
-            <a:extLst>
-              <a:ext uri="{FF2B5EF4-FFF2-40B4-BE49-F238E27FC236}">
-                <a16:creationId xmlns:a16="http://schemas.microsoft.com/office/drawing/2014/main" id="{D980D2D1-71FA-C9E4-C942-FB835C586AF5}"/>
-              </a:ext>
-            </a:extLst>
-          </p:cNvPr>
-          <p:cNvPicPr>
-            <a:picLocks noChangeAspect="1"/>
-          </p:cNvPicPr>
-          <p:nvPr/>
-        </p:nvPicPr>
-        <p:blipFill>
-          <a:blip r:embed="rId2">
-            <a:extLst>
-              <a:ext uri="{96DAC541-7B7A-43D3-8B79-37D633B846F1}">
-                <asvg:svgBlip xmlns:asvg="http://schemas.microsoft.com/office/drawing/2016/SVG/main" r:embed="rId3"/>
-              </a:ext>
-            </a:extLst>
-          </a:blip>
-          <a:stretch>
-            <a:fillRect/>
-          </a:stretch>
-        </p:blipFill>
-        <p:spPr>
-          <a:xfrm>
-            <a:off x="132522" y="858716"/>
-            <a:ext cx="8787706" cy="3292570"/>
-          </a:xfrm>
-          <a:prstGeom prst="rect">
-            <a:avLst/>
-          </a:prstGeom>
-        </p:spPr>
-      </p:pic>
-    </p:spTree>
-    <p:extLst>
-      <p:ext uri="{BB962C8B-B14F-4D97-AF65-F5344CB8AC3E}">
-        <p14:creationId xmlns:p14="http://schemas.microsoft.com/office/powerpoint/2010/main" val="2216559347"/>
-      </p:ext>
-    </p:extLst>
-  </p:cSld>
-  <p:clrMapOvr>
-    <a:masterClrMapping/>
-  </p:clrMapOvr>
-</p:sld>
-</file>
-
-<file path=ppt/slides/slide13.xml><?xml version="1.0" encoding="utf-8"?>
 <p:sld xmlns:a="http://schemas.openxmlformats.org/drawingml/2006/main" xmlns:r="http://schemas.openxmlformats.org/officeDocument/2006/relationships" xmlns:p="http://schemas.openxmlformats.org/presentationml/2006/main">
   <p:cSld>
     <p:spTree>
@@ -22583,7 +22481,7 @@
 </p:sld>
 </file>
 
-<file path=ppt/slides/slide14.xml><?xml version="1.0" encoding="utf-8"?>
+<file path=ppt/slides/slide13.xml><?xml version="1.0" encoding="utf-8"?>
 <p:sld xmlns:a="http://schemas.openxmlformats.org/drawingml/2006/main" xmlns:r="http://schemas.openxmlformats.org/officeDocument/2006/relationships" xmlns:p="http://schemas.openxmlformats.org/presentationml/2006/main">
   <p:cSld>
     <p:spTree>
@@ -22641,7 +22539,7 @@
 </p:sld>
 </file>
 
-<file path=ppt/slides/slide15.xml><?xml version="1.0" encoding="utf-8"?>
+<file path=ppt/slides/slide14.xml><?xml version="1.0" encoding="utf-8"?>
 <p:sld xmlns:a="http://schemas.openxmlformats.org/drawingml/2006/main" xmlns:r="http://schemas.openxmlformats.org/officeDocument/2006/relationships" xmlns:p="http://schemas.openxmlformats.org/presentationml/2006/main">
   <p:cSld>
     <p:spTree>
@@ -24267,7 +24165,7 @@
 </p:sld>
 </file>
 
-<file path=ppt/slides/slide16.xml><?xml version="1.0" encoding="utf-8"?>
+<file path=ppt/slides/slide15.xml><?xml version="1.0" encoding="utf-8"?>
 <p:sld xmlns:a="http://schemas.openxmlformats.org/drawingml/2006/main" xmlns:r="http://schemas.openxmlformats.org/officeDocument/2006/relationships" xmlns:p="http://schemas.openxmlformats.org/presentationml/2006/main">
   <p:cSld>
     <p:spTree>
@@ -25652,7 +25550,7 @@
 </p:sld>
 </file>
 
-<file path=ppt/slides/slide17.xml><?xml version="1.0" encoding="utf-8"?>
+<file path=ppt/slides/slide16.xml><?xml version="1.0" encoding="utf-8"?>
 <p:sld xmlns:a="http://schemas.openxmlformats.org/drawingml/2006/main" xmlns:r="http://schemas.openxmlformats.org/officeDocument/2006/relationships" xmlns:p="http://schemas.openxmlformats.org/presentationml/2006/main" show="0">
   <p:cSld>
     <p:spTree>
@@ -25853,7 +25751,7 @@
 </p:sld>
 </file>
 
-<file path=ppt/slides/slide18.xml><?xml version="1.0" encoding="utf-8"?>
+<file path=ppt/slides/slide17.xml><?xml version="1.0" encoding="utf-8"?>
 <p:sld xmlns:a="http://schemas.openxmlformats.org/drawingml/2006/main" xmlns:r="http://schemas.openxmlformats.org/officeDocument/2006/relationships" xmlns:p="http://schemas.openxmlformats.org/presentationml/2006/main">
   <p:cSld>
     <p:spTree>
@@ -27815,7 +27713,7 @@
 </p:sld>
 </file>
 
-<file path=ppt/slides/slide19.xml><?xml version="1.0" encoding="utf-8"?>
+<file path=ppt/slides/slide18.xml><?xml version="1.0" encoding="utf-8"?>
 <p:sld xmlns:a="http://schemas.openxmlformats.org/drawingml/2006/main" xmlns:r="http://schemas.openxmlformats.org/officeDocument/2006/relationships" xmlns:p="http://schemas.openxmlformats.org/presentationml/2006/main" show="0">
   <p:cSld>
     <p:spTree>
@@ -29114,8 +29012,8 @@
         </p:nvSpPr>
         <p:spPr>
           <a:xfrm>
-            <a:off x="2326354" y="937059"/>
-            <a:ext cx="5997946" cy="1366386"/>
+            <a:off x="2326354" y="937058"/>
+            <a:ext cx="5997946" cy="1634691"/>
           </a:xfrm>
         </p:spPr>
         <p:txBody>
@@ -35339,560 +35237,6 @@
       </p:sp>
       <p:grpSp>
         <p:nvGrpSpPr>
-          <p:cNvPr id="441" name="Graphic 4">
-            <a:extLst>
-              <a:ext uri="{FF2B5EF4-FFF2-40B4-BE49-F238E27FC236}">
-                <a16:creationId xmlns:a16="http://schemas.microsoft.com/office/drawing/2014/main" id="{E7070A55-2055-1A57-0ADE-304A8781D32E}"/>
-              </a:ext>
-            </a:extLst>
-          </p:cNvPr>
-          <p:cNvGrpSpPr/>
-          <p:nvPr/>
-        </p:nvGrpSpPr>
-        <p:grpSpPr>
-          <a:xfrm>
-            <a:off x="5651260" y="2194740"/>
-            <a:ext cx="253003" cy="303686"/>
-            <a:chOff x="5607235" y="3335770"/>
-            <a:chExt cx="416899" cy="510435"/>
-          </a:xfrm>
-        </p:grpSpPr>
-        <p:sp>
-          <p:nvSpPr>
-            <p:cNvPr id="529" name="Freeform: Shape 528">
-              <a:extLst>
-                <a:ext uri="{FF2B5EF4-FFF2-40B4-BE49-F238E27FC236}">
-                  <a16:creationId xmlns:a16="http://schemas.microsoft.com/office/drawing/2014/main" id="{47B8BA3E-D6AA-3061-B2E1-8E67DC843923}"/>
-                </a:ext>
-              </a:extLst>
-            </p:cNvPr>
-            <p:cNvSpPr/>
-            <p:nvPr/>
-          </p:nvSpPr>
-          <p:spPr>
-            <a:xfrm>
-              <a:off x="5655577" y="3380746"/>
-              <a:ext cx="368557" cy="465458"/>
-            </a:xfrm>
-            <a:custGeom>
-              <a:avLst/>
-              <a:gdLst>
-                <a:gd name="connsiteX0" fmla="*/ 116918 w 368557"/>
-                <a:gd name="connsiteY0" fmla="*/ -27 h 465458"/>
-                <a:gd name="connsiteX1" fmla="*/ 368372 w 368557"/>
-                <a:gd name="connsiteY1" fmla="*/ -27 h 465458"/>
-                <a:gd name="connsiteX2" fmla="*/ 368372 w 368557"/>
-                <a:gd name="connsiteY2" fmla="*/ 465432 h 465458"/>
-                <a:gd name="connsiteX3" fmla="*/ -186 w 368557"/>
-                <a:gd name="connsiteY3" fmla="*/ 465432 h 465458"/>
-                <a:gd name="connsiteX4" fmla="*/ -186 w 368557"/>
-                <a:gd name="connsiteY4" fmla="*/ 115301 h 465458"/>
-              </a:gdLst>
-              <a:ahLst/>
-              <a:cxnLst>
-                <a:cxn ang="0">
-                  <a:pos x="connsiteX0" y="connsiteY0"/>
-                </a:cxn>
-                <a:cxn ang="0">
-                  <a:pos x="connsiteX1" y="connsiteY1"/>
-                </a:cxn>
-                <a:cxn ang="0">
-                  <a:pos x="connsiteX2" y="connsiteY2"/>
-                </a:cxn>
-                <a:cxn ang="0">
-                  <a:pos x="connsiteX3" y="connsiteY3"/>
-                </a:cxn>
-                <a:cxn ang="0">
-                  <a:pos x="connsiteX4" y="connsiteY4"/>
-                </a:cxn>
-              </a:cxnLst>
-              <a:rect l="l" t="t" r="r" b="b"/>
-              <a:pathLst>
-                <a:path w="368557" h="465458">
-                  <a:moveTo>
-                    <a:pt x="116918" y="-27"/>
-                  </a:moveTo>
-                  <a:lnTo>
-                    <a:pt x="368372" y="-27"/>
-                  </a:lnTo>
-                  <a:lnTo>
-                    <a:pt x="368372" y="465432"/>
-                  </a:lnTo>
-                  <a:lnTo>
-                    <a:pt x="-186" y="465432"/>
-                  </a:lnTo>
-                  <a:lnTo>
-                    <a:pt x="-186" y="115301"/>
-                  </a:lnTo>
-                  <a:close/>
-                </a:path>
-              </a:pathLst>
-            </a:custGeom>
-            <a:solidFill>
-              <a:srgbClr val="FFFFFF"/>
-            </a:solidFill>
-            <a:ln w="20882" cap="flat">
-              <a:solidFill>
-                <a:srgbClr val="727272"/>
-              </a:solidFill>
-              <a:prstDash val="solid"/>
-              <a:round/>
-            </a:ln>
-          </p:spPr>
-          <p:txBody>
-            <a:bodyPr rtlCol="0" anchor="ctr"/>
-            <a:lstStyle/>
-            <a:p>
-              <a:endParaRPr lang="en-US">
-                <a:latin typeface="Gill Sans MT" panose="020B0502020104020203" pitchFamily="34" charset="77"/>
-              </a:endParaRPr>
-            </a:p>
-          </p:txBody>
-        </p:sp>
-        <p:sp>
-          <p:nvSpPr>
-            <p:cNvPr id="530" name="Freeform: Shape 529">
-              <a:extLst>
-                <a:ext uri="{FF2B5EF4-FFF2-40B4-BE49-F238E27FC236}">
-                  <a16:creationId xmlns:a16="http://schemas.microsoft.com/office/drawing/2014/main" id="{536CFF19-312F-9346-D7B9-8716C566054F}"/>
-                </a:ext>
-              </a:extLst>
-            </p:cNvPr>
-            <p:cNvSpPr/>
-            <p:nvPr/>
-          </p:nvSpPr>
-          <p:spPr>
-            <a:xfrm>
-              <a:off x="5607235" y="3335770"/>
-              <a:ext cx="368557" cy="465458"/>
-            </a:xfrm>
-            <a:custGeom>
-              <a:avLst/>
-              <a:gdLst>
-                <a:gd name="connsiteX0" fmla="*/ 116918 w 368557"/>
-                <a:gd name="connsiteY0" fmla="*/ -27 h 465458"/>
-                <a:gd name="connsiteX1" fmla="*/ 368372 w 368557"/>
-                <a:gd name="connsiteY1" fmla="*/ -27 h 465458"/>
-                <a:gd name="connsiteX2" fmla="*/ 368372 w 368557"/>
-                <a:gd name="connsiteY2" fmla="*/ 465432 h 465458"/>
-                <a:gd name="connsiteX3" fmla="*/ -186 w 368557"/>
-                <a:gd name="connsiteY3" fmla="*/ 465432 h 465458"/>
-                <a:gd name="connsiteX4" fmla="*/ -186 w 368557"/>
-                <a:gd name="connsiteY4" fmla="*/ 115301 h 465458"/>
-              </a:gdLst>
-              <a:ahLst/>
-              <a:cxnLst>
-                <a:cxn ang="0">
-                  <a:pos x="connsiteX0" y="connsiteY0"/>
-                </a:cxn>
-                <a:cxn ang="0">
-                  <a:pos x="connsiteX1" y="connsiteY1"/>
-                </a:cxn>
-                <a:cxn ang="0">
-                  <a:pos x="connsiteX2" y="connsiteY2"/>
-                </a:cxn>
-                <a:cxn ang="0">
-                  <a:pos x="connsiteX3" y="connsiteY3"/>
-                </a:cxn>
-                <a:cxn ang="0">
-                  <a:pos x="connsiteX4" y="connsiteY4"/>
-                </a:cxn>
-              </a:cxnLst>
-              <a:rect l="l" t="t" r="r" b="b"/>
-              <a:pathLst>
-                <a:path w="368557" h="465458">
-                  <a:moveTo>
-                    <a:pt x="116918" y="-27"/>
-                  </a:moveTo>
-                  <a:lnTo>
-                    <a:pt x="368372" y="-27"/>
-                  </a:lnTo>
-                  <a:lnTo>
-                    <a:pt x="368372" y="465432"/>
-                  </a:lnTo>
-                  <a:lnTo>
-                    <a:pt x="-186" y="465432"/>
-                  </a:lnTo>
-                  <a:lnTo>
-                    <a:pt x="-186" y="115301"/>
-                  </a:lnTo>
-                  <a:close/>
-                </a:path>
-              </a:pathLst>
-            </a:custGeom>
-            <a:solidFill>
-              <a:srgbClr val="FFFFFF"/>
-            </a:solidFill>
-            <a:ln w="20882" cap="rnd">
-              <a:solidFill>
-                <a:srgbClr val="727272"/>
-              </a:solidFill>
-              <a:prstDash val="solid"/>
-              <a:round/>
-            </a:ln>
-          </p:spPr>
-          <p:txBody>
-            <a:bodyPr rtlCol="0" anchor="ctr"/>
-            <a:lstStyle/>
-            <a:p>
-              <a:endParaRPr lang="en-US">
-                <a:latin typeface="Gill Sans MT" panose="020B0502020104020203" pitchFamily="34" charset="77"/>
-              </a:endParaRPr>
-            </a:p>
-          </p:txBody>
-        </p:sp>
-        <p:sp>
-          <p:nvSpPr>
-            <p:cNvPr id="531" name="Freeform: Shape 530">
-              <a:extLst>
-                <a:ext uri="{FF2B5EF4-FFF2-40B4-BE49-F238E27FC236}">
-                  <a16:creationId xmlns:a16="http://schemas.microsoft.com/office/drawing/2014/main" id="{4027E109-56B2-5FED-C597-7B17E0BFD1C7}"/>
-                </a:ext>
-              </a:extLst>
-            </p:cNvPr>
-            <p:cNvSpPr/>
-            <p:nvPr/>
-          </p:nvSpPr>
-          <p:spPr>
-            <a:xfrm>
-              <a:off x="5607235" y="3335770"/>
-              <a:ext cx="117103" cy="115328"/>
-            </a:xfrm>
-            <a:custGeom>
-              <a:avLst/>
-              <a:gdLst>
-                <a:gd name="connsiteX0" fmla="*/ -186 w 117103"/>
-                <a:gd name="connsiteY0" fmla="*/ 115301 h 115328"/>
-                <a:gd name="connsiteX1" fmla="*/ 116918 w 117103"/>
-                <a:gd name="connsiteY1" fmla="*/ 115301 h 115328"/>
-                <a:gd name="connsiteX2" fmla="*/ 116918 w 117103"/>
-                <a:gd name="connsiteY2" fmla="*/ -27 h 115328"/>
-              </a:gdLst>
-              <a:ahLst/>
-              <a:cxnLst>
-                <a:cxn ang="0">
-                  <a:pos x="connsiteX0" y="connsiteY0"/>
-                </a:cxn>
-                <a:cxn ang="0">
-                  <a:pos x="connsiteX1" y="connsiteY1"/>
-                </a:cxn>
-                <a:cxn ang="0">
-                  <a:pos x="connsiteX2" y="connsiteY2"/>
-                </a:cxn>
-              </a:cxnLst>
-              <a:rect l="l" t="t" r="r" b="b"/>
-              <a:pathLst>
-                <a:path w="117103" h="115328">
-                  <a:moveTo>
-                    <a:pt x="-186" y="115301"/>
-                  </a:moveTo>
-                  <a:lnTo>
-                    <a:pt x="116918" y="115301"/>
-                  </a:lnTo>
-                  <a:lnTo>
-                    <a:pt x="116918" y="-27"/>
-                  </a:lnTo>
-                </a:path>
-              </a:pathLst>
-            </a:custGeom>
-            <a:noFill/>
-            <a:ln w="20882" cap="flat">
-              <a:solidFill>
-                <a:srgbClr val="727272"/>
-              </a:solidFill>
-              <a:prstDash val="solid"/>
-              <a:round/>
-            </a:ln>
-          </p:spPr>
-          <p:txBody>
-            <a:bodyPr rtlCol="0" anchor="ctr"/>
-            <a:lstStyle/>
-            <a:p>
-              <a:endParaRPr lang="en-US">
-                <a:latin typeface="Gill Sans MT" panose="020B0502020104020203" pitchFamily="34" charset="77"/>
-              </a:endParaRPr>
-            </a:p>
-          </p:txBody>
-        </p:sp>
-        <p:sp>
-          <p:nvSpPr>
-            <p:cNvPr id="532" name="Freeform: Shape 531">
-              <a:extLst>
-                <a:ext uri="{FF2B5EF4-FFF2-40B4-BE49-F238E27FC236}">
-                  <a16:creationId xmlns:a16="http://schemas.microsoft.com/office/drawing/2014/main" id="{577E9811-10D5-9A28-EF8F-B8994E5AA8C5}"/>
-                </a:ext>
-              </a:extLst>
-            </p:cNvPr>
-            <p:cNvSpPr/>
-            <p:nvPr/>
-          </p:nvSpPr>
-          <p:spPr>
-            <a:xfrm>
-              <a:off x="5671683" y="3733062"/>
-              <a:ext cx="239661" cy="8032"/>
-            </a:xfrm>
-            <a:custGeom>
-              <a:avLst/>
-              <a:gdLst>
-                <a:gd name="connsiteX0" fmla="*/ 239476 w 239661"/>
-                <a:gd name="connsiteY0" fmla="*/ -27 h 8032"/>
-                <a:gd name="connsiteX1" fmla="*/ -186 w 239661"/>
-                <a:gd name="connsiteY1" fmla="*/ -27 h 8032"/>
-              </a:gdLst>
-              <a:ahLst/>
-              <a:cxnLst>
-                <a:cxn ang="0">
-                  <a:pos x="connsiteX0" y="connsiteY0"/>
-                </a:cxn>
-                <a:cxn ang="0">
-                  <a:pos x="connsiteX1" y="connsiteY1"/>
-                </a:cxn>
-              </a:cxnLst>
-              <a:rect l="l" t="t" r="r" b="b"/>
-              <a:pathLst>
-                <a:path w="239661" h="8032">
-                  <a:moveTo>
-                    <a:pt x="239476" y="-27"/>
-                  </a:moveTo>
-                  <a:lnTo>
-                    <a:pt x="-186" y="-27"/>
-                  </a:lnTo>
-                </a:path>
-              </a:pathLst>
-            </a:custGeom>
-            <a:noFill/>
-            <a:ln w="20882" cap="rnd">
-              <a:solidFill>
-                <a:srgbClr val="727272"/>
-              </a:solidFill>
-              <a:prstDash val="solid"/>
-              <a:round/>
-            </a:ln>
-          </p:spPr>
-          <p:txBody>
-            <a:bodyPr rtlCol="0" anchor="ctr"/>
-            <a:lstStyle/>
-            <a:p>
-              <a:endParaRPr lang="en-US">
-                <a:latin typeface="Gill Sans MT" panose="020B0502020104020203" pitchFamily="34" charset="77"/>
-              </a:endParaRPr>
-            </a:p>
-          </p:txBody>
-        </p:sp>
-        <p:sp>
-          <p:nvSpPr>
-            <p:cNvPr id="533" name="Freeform: Shape 532">
-              <a:extLst>
-                <a:ext uri="{FF2B5EF4-FFF2-40B4-BE49-F238E27FC236}">
-                  <a16:creationId xmlns:a16="http://schemas.microsoft.com/office/drawing/2014/main" id="{67E93042-3DAF-9744-7E9E-9380C58D5246}"/>
-                </a:ext>
-              </a:extLst>
-            </p:cNvPr>
-            <p:cNvSpPr/>
-            <p:nvPr/>
-          </p:nvSpPr>
-          <p:spPr>
-            <a:xfrm>
-              <a:off x="5671683" y="3663151"/>
-              <a:ext cx="239661" cy="8032"/>
-            </a:xfrm>
-            <a:custGeom>
-              <a:avLst/>
-              <a:gdLst>
-                <a:gd name="connsiteX0" fmla="*/ 239476 w 239661"/>
-                <a:gd name="connsiteY0" fmla="*/ -27 h 8032"/>
-                <a:gd name="connsiteX1" fmla="*/ -186 w 239661"/>
-                <a:gd name="connsiteY1" fmla="*/ -27 h 8032"/>
-              </a:gdLst>
-              <a:ahLst/>
-              <a:cxnLst>
-                <a:cxn ang="0">
-                  <a:pos x="connsiteX0" y="connsiteY0"/>
-                </a:cxn>
-                <a:cxn ang="0">
-                  <a:pos x="connsiteX1" y="connsiteY1"/>
-                </a:cxn>
-              </a:cxnLst>
-              <a:rect l="l" t="t" r="r" b="b"/>
-              <a:pathLst>
-                <a:path w="239661" h="8032">
-                  <a:moveTo>
-                    <a:pt x="239476" y="-27"/>
-                  </a:moveTo>
-                  <a:lnTo>
-                    <a:pt x="-186" y="-27"/>
-                  </a:lnTo>
-                </a:path>
-              </a:pathLst>
-            </a:custGeom>
-            <a:noFill/>
-            <a:ln w="20882" cap="rnd">
-              <a:solidFill>
-                <a:srgbClr val="727272"/>
-              </a:solidFill>
-              <a:prstDash val="solid"/>
-              <a:round/>
-            </a:ln>
-          </p:spPr>
-          <p:txBody>
-            <a:bodyPr rtlCol="0" anchor="ctr"/>
-            <a:lstStyle/>
-            <a:p>
-              <a:endParaRPr lang="en-US">
-                <a:latin typeface="Gill Sans MT" panose="020B0502020104020203" pitchFamily="34" charset="77"/>
-              </a:endParaRPr>
-            </a:p>
-          </p:txBody>
-        </p:sp>
-        <p:sp>
-          <p:nvSpPr>
-            <p:cNvPr id="534" name="Freeform: Shape 533">
-              <a:extLst>
-                <a:ext uri="{FF2B5EF4-FFF2-40B4-BE49-F238E27FC236}">
-                  <a16:creationId xmlns:a16="http://schemas.microsoft.com/office/drawing/2014/main" id="{4E4435E4-35A0-EF49-96F0-A07621AA84E1}"/>
-                </a:ext>
-              </a:extLst>
-            </p:cNvPr>
-            <p:cNvSpPr/>
-            <p:nvPr/>
-          </p:nvSpPr>
-          <p:spPr>
-            <a:xfrm>
-              <a:off x="5671683" y="3593241"/>
-              <a:ext cx="239661" cy="8032"/>
-            </a:xfrm>
-            <a:custGeom>
-              <a:avLst/>
-              <a:gdLst>
-                <a:gd name="connsiteX0" fmla="*/ 239476 w 239661"/>
-                <a:gd name="connsiteY0" fmla="*/ -27 h 8032"/>
-                <a:gd name="connsiteX1" fmla="*/ 190298 w 239661"/>
-                <a:gd name="connsiteY1" fmla="*/ -27 h 8032"/>
-                <a:gd name="connsiteX2" fmla="*/ 147394 w 239661"/>
-                <a:gd name="connsiteY2" fmla="*/ -27 h 8032"/>
-                <a:gd name="connsiteX3" fmla="*/ -186 w 239661"/>
-                <a:gd name="connsiteY3" fmla="*/ -27 h 8032"/>
-              </a:gdLst>
-              <a:ahLst/>
-              <a:cxnLst>
-                <a:cxn ang="0">
-                  <a:pos x="connsiteX0" y="connsiteY0"/>
-                </a:cxn>
-                <a:cxn ang="0">
-                  <a:pos x="connsiteX1" y="connsiteY1"/>
-                </a:cxn>
-                <a:cxn ang="0">
-                  <a:pos x="connsiteX2" y="connsiteY2"/>
-                </a:cxn>
-                <a:cxn ang="0">
-                  <a:pos x="connsiteX3" y="connsiteY3"/>
-                </a:cxn>
-              </a:cxnLst>
-              <a:rect l="l" t="t" r="r" b="b"/>
-              <a:pathLst>
-                <a:path w="239661" h="8032">
-                  <a:moveTo>
-                    <a:pt x="239476" y="-27"/>
-                  </a:moveTo>
-                  <a:lnTo>
-                    <a:pt x="190298" y="-27"/>
-                  </a:lnTo>
-                  <a:moveTo>
-                    <a:pt x="147394" y="-27"/>
-                  </a:moveTo>
-                  <a:lnTo>
-                    <a:pt x="-186" y="-27"/>
-                  </a:lnTo>
-                </a:path>
-              </a:pathLst>
-            </a:custGeom>
-            <a:noFill/>
-            <a:ln w="20882" cap="rnd">
-              <a:solidFill>
-                <a:srgbClr val="727272"/>
-              </a:solidFill>
-              <a:prstDash val="solid"/>
-              <a:round/>
-            </a:ln>
-          </p:spPr>
-          <p:txBody>
-            <a:bodyPr rtlCol="0" anchor="ctr"/>
-            <a:lstStyle/>
-            <a:p>
-              <a:endParaRPr lang="en-US">
-                <a:latin typeface="Gill Sans MT" panose="020B0502020104020203" pitchFamily="34" charset="77"/>
-              </a:endParaRPr>
-            </a:p>
-          </p:txBody>
-        </p:sp>
-        <p:sp>
-          <p:nvSpPr>
-            <p:cNvPr id="535" name="Freeform: Shape 534">
-              <a:extLst>
-                <a:ext uri="{FF2B5EF4-FFF2-40B4-BE49-F238E27FC236}">
-                  <a16:creationId xmlns:a16="http://schemas.microsoft.com/office/drawing/2014/main" id="{F8A0B6DE-DFCA-39FE-B7DF-610D15ADE3BA}"/>
-                </a:ext>
-              </a:extLst>
-            </p:cNvPr>
-            <p:cNvSpPr/>
-            <p:nvPr/>
-          </p:nvSpPr>
-          <p:spPr>
-            <a:xfrm>
-              <a:off x="5671683" y="3523331"/>
-              <a:ext cx="239661" cy="8032"/>
-            </a:xfrm>
-            <a:custGeom>
-              <a:avLst/>
-              <a:gdLst>
-                <a:gd name="connsiteX0" fmla="*/ 239476 w 239661"/>
-                <a:gd name="connsiteY0" fmla="*/ -27 h 8032"/>
-                <a:gd name="connsiteX1" fmla="*/ -186 w 239661"/>
-                <a:gd name="connsiteY1" fmla="*/ -27 h 8032"/>
-              </a:gdLst>
-              <a:ahLst/>
-              <a:cxnLst>
-                <a:cxn ang="0">
-                  <a:pos x="connsiteX0" y="connsiteY0"/>
-                </a:cxn>
-                <a:cxn ang="0">
-                  <a:pos x="connsiteX1" y="connsiteY1"/>
-                </a:cxn>
-              </a:cxnLst>
-              <a:rect l="l" t="t" r="r" b="b"/>
-              <a:pathLst>
-                <a:path w="239661" h="8032">
-                  <a:moveTo>
-                    <a:pt x="239476" y="-27"/>
-                  </a:moveTo>
-                  <a:lnTo>
-                    <a:pt x="-186" y="-27"/>
-                  </a:lnTo>
-                </a:path>
-              </a:pathLst>
-            </a:custGeom>
-            <a:noFill/>
-            <a:ln w="20882" cap="rnd">
-              <a:solidFill>
-                <a:srgbClr val="727272"/>
-              </a:solidFill>
-              <a:prstDash val="solid"/>
-              <a:round/>
-            </a:ln>
-          </p:spPr>
-          <p:txBody>
-            <a:bodyPr rtlCol="0" anchor="ctr"/>
-            <a:lstStyle/>
-            <a:p>
-              <a:endParaRPr lang="en-US">
-                <a:latin typeface="Gill Sans MT" panose="020B0502020104020203" pitchFamily="34" charset="77"/>
-              </a:endParaRPr>
-            </a:p>
-          </p:txBody>
-        </p:sp>
-      </p:grpSp>
-      <p:grpSp>
-        <p:nvGrpSpPr>
           <p:cNvPr id="442" name="Graphic 4">
             <a:extLst>
               <a:ext uri="{FF2B5EF4-FFF2-40B4-BE49-F238E27FC236}">
@@ -42750,7 +42094,7 @@
         <p:spPr>
           <a:xfrm>
             <a:off x="6340579" y="3018572"/>
-            <a:ext cx="2734301" cy="1883562"/>
+            <a:ext cx="2734301" cy="1671961"/>
           </a:xfrm>
           <a:prstGeom prst="rect">
             <a:avLst/>
@@ -42762,7 +42106,7 @@
         </p:spPr>
         <p:txBody>
           <a:bodyPr spcFirstLastPara="1" wrap="square" lIns="91425" tIns="91425" rIns="91425" bIns="91425" anchor="t" anchorCtr="0">
-            <a:spAutoFit/>
+            <a:noAutofit/>
           </a:bodyPr>
           <a:lstStyle>
             <a:defPPr marR="0" lvl="0" algn="l" rtl="0">
@@ -43032,6 +42376,9 @@
           </a:p>
           <a:p>
             <a:pPr marL="606425" lvl="1" indent="0">
+              <a:lnSpc>
+                <a:spcPct val="125000"/>
+              </a:lnSpc>
               <a:buClr>
                 <a:srgbClr val="1F2328"/>
               </a:buClr>
@@ -43056,31 +42403,10 @@
             </a:endParaRPr>
           </a:p>
           <a:p>
-            <a:pPr marL="149225" indent="0">
-              <a:buClr>
-                <a:srgbClr val="1F2328"/>
-              </a:buClr>
-              <a:buSzPts val="1250"/>
-              <a:buNone/>
-            </a:pPr>
-            <a:r>
-              <a:rPr lang="en-US" dirty="0">
-                <a:solidFill>
-                  <a:srgbClr val="1F2328"/>
-                </a:solidFill>
-                <a:latin typeface="Gill Sans MT" panose="020B0502020104020203" pitchFamily="34" charset="77"/>
-              </a:rPr>
-              <a:t>Processors</a:t>
-            </a:r>
-            <a:endParaRPr lang="en-US" sz="2200" dirty="0">
-              <a:solidFill>
-                <a:srgbClr val="1F2328"/>
-              </a:solidFill>
-              <a:latin typeface="Gill Sans MT" panose="020B0502020104020203" pitchFamily="34" charset="77"/>
-            </a:endParaRPr>
-          </a:p>
-          <a:p>
             <a:pPr marL="606425" lvl="1" indent="0">
+              <a:lnSpc>
+                <a:spcPct val="125000"/>
+              </a:lnSpc>
               <a:buClr>
                 <a:srgbClr val="1F2328"/>
               </a:buClr>
@@ -43099,6 +42425,9 @@
           </a:p>
           <a:p>
             <a:pPr marL="606425" lvl="1" indent="0">
+              <a:lnSpc>
+                <a:spcPct val="125000"/>
+              </a:lnSpc>
               <a:buClr>
                 <a:srgbClr val="1F2328"/>
               </a:buClr>
@@ -43117,6 +42446,9 @@
           </a:p>
           <a:p>
             <a:pPr marL="606425" lvl="1" indent="0">
+              <a:lnSpc>
+                <a:spcPct val="125000"/>
+              </a:lnSpc>
               <a:buClr>
                 <a:srgbClr val="1F2328"/>
               </a:buClr>
@@ -43447,7 +42779,7 @@
         </p:nvSpPr>
         <p:spPr>
           <a:xfrm>
-            <a:off x="6686453" y="4005006"/>
+            <a:off x="6686453" y="3716911"/>
             <a:ext cx="200594" cy="218748"/>
           </a:xfrm>
           <a:prstGeom prst="rect">
@@ -43565,7 +42897,7 @@
         </p:nvSpPr>
         <p:spPr>
           <a:xfrm>
-            <a:off x="6686453" y="4261427"/>
+            <a:off x="6686453" y="3973332"/>
             <a:ext cx="200594" cy="218748"/>
           </a:xfrm>
           <a:prstGeom prst="rect">
@@ -43683,7 +43015,7 @@
         </p:nvSpPr>
         <p:spPr>
           <a:xfrm>
-            <a:off x="6686453" y="4517848"/>
+            <a:off x="6686453" y="4229753"/>
             <a:ext cx="200594" cy="218748"/>
           </a:xfrm>
           <a:prstGeom prst="rect">

--- a/resources/LangDev Talk.pptx
+++ b/resources/LangDev Talk.pptx
@@ -5,7 +5,7 @@
     <p:sldMasterId id="2147483659" r:id="rId1"/>
   </p:sldMasterIdLst>
   <p:notesMasterIdLst>
-    <p:notesMasterId r:id="rId20"/>
+    <p:notesMasterId r:id="rId22"/>
   </p:notesMasterIdLst>
   <p:sldIdLst>
     <p:sldId id="266" r:id="rId2"/>
@@ -21,32 +21,41 @@
     <p:sldId id="296" r:id="rId12"/>
     <p:sldId id="277" r:id="rId13"/>
     <p:sldId id="285" r:id="rId14"/>
-    <p:sldId id="292" r:id="rId15"/>
-    <p:sldId id="290" r:id="rId16"/>
-    <p:sldId id="263" r:id="rId17"/>
-    <p:sldId id="287" r:id="rId18"/>
-    <p:sldId id="265" r:id="rId19"/>
+    <p:sldId id="297" r:id="rId15"/>
+    <p:sldId id="298" r:id="rId16"/>
+    <p:sldId id="292" r:id="rId17"/>
+    <p:sldId id="290" r:id="rId18"/>
+    <p:sldId id="263" r:id="rId19"/>
+    <p:sldId id="287" r:id="rId20"/>
+    <p:sldId id="265" r:id="rId21"/>
   </p:sldIdLst>
   <p:sldSz cx="9144000" cy="5143500" type="screen16x9"/>
   <p:notesSz cx="6858000" cy="9144000"/>
   <p:embeddedFontLst>
     <p:embeddedFont>
-      <p:font typeface="Bauhaus 93"/>
-      <p:regular r:id="rId21"/>
+      <p:font typeface="Bauhaus 93" panose="04030905020B02020C02" pitchFamily="82" charset="0"/>
+      <p:regular r:id="rId23"/>
     </p:embeddedFont>
     <p:embeddedFont>
       <p:font typeface="Calibri" panose="020F0502020204030204" pitchFamily="34" charset="0"/>
-      <p:regular r:id="rId22"/>
-      <p:bold r:id="rId23"/>
-      <p:italic r:id="rId24"/>
-      <p:boldItalic r:id="rId25"/>
+      <p:regular r:id="rId24"/>
+      <p:bold r:id="rId25"/>
+      <p:italic r:id="rId26"/>
+      <p:boldItalic r:id="rId27"/>
     </p:embeddedFont>
     <p:embeddedFont>
-      <p:font typeface="Gill Sans MT" panose="020B0502020104020203" pitchFamily="34" charset="77"/>
-      <p:regular r:id="rId26"/>
-      <p:bold r:id="rId27"/>
-      <p:italic r:id="rId28"/>
-      <p:boldItalic r:id="rId29"/>
+      <p:font typeface="Consolas" panose="020B0609020204030204" pitchFamily="49" charset="0"/>
+      <p:regular r:id="rId28"/>
+      <p:bold r:id="rId29"/>
+      <p:italic r:id="rId30"/>
+      <p:boldItalic r:id="rId31"/>
+    </p:embeddedFont>
+    <p:embeddedFont>
+      <p:font typeface="Gill Sans MT" panose="020B0502020104020203" pitchFamily="34" charset="0"/>
+      <p:regular r:id="rId32"/>
+      <p:bold r:id="rId33"/>
+      <p:italic r:id="rId34"/>
+      <p:boldItalic r:id="rId35"/>
     </p:embeddedFont>
   </p:embeddedFontLst>
   <p:defaultTextStyle>
@@ -22558,6 +22567,318 @@
       </p:grpSpPr>
       <p:sp>
         <p:nvSpPr>
+          <p:cNvPr id="2" name="Title 1">
+            <a:extLst>
+              <a:ext uri="{FF2B5EF4-FFF2-40B4-BE49-F238E27FC236}">
+                <a16:creationId xmlns:a16="http://schemas.microsoft.com/office/drawing/2014/main" id="{63598517-E4C1-22FD-0B9D-556ADA872414}"/>
+              </a:ext>
+            </a:extLst>
+          </p:cNvPr>
+          <p:cNvSpPr>
+            <a:spLocks noGrp="1"/>
+          </p:cNvSpPr>
+          <p:nvPr>
+            <p:ph type="title"/>
+          </p:nvPr>
+        </p:nvSpPr>
+        <p:spPr/>
+        <p:txBody>
+          <a:bodyPr>
+            <a:normAutofit fontScale="90000"/>
+          </a:bodyPr>
+          <a:lstStyle/>
+          <a:p>
+            <a:r>
+              <a:rPr lang="en-US" dirty="0"/>
+              <a:t>Example Metamodel: PROPS Language</a:t>
+            </a:r>
+            <a:endParaRPr lang="en-NL" dirty="0"/>
+          </a:p>
+        </p:txBody>
+      </p:sp>
+      <p:pic>
+        <p:nvPicPr>
+          <p:cNvPr id="5" name="Graphic 4">
+            <a:extLst>
+              <a:ext uri="{FF2B5EF4-FFF2-40B4-BE49-F238E27FC236}">
+                <a16:creationId xmlns:a16="http://schemas.microsoft.com/office/drawing/2014/main" id="{7CEBA3A2-9340-8002-ECA0-23D77290C6A0}"/>
+              </a:ext>
+            </a:extLst>
+          </p:cNvPr>
+          <p:cNvPicPr>
+            <a:picLocks noChangeAspect="1"/>
+          </p:cNvPicPr>
+          <p:nvPr/>
+        </p:nvPicPr>
+        <p:blipFill>
+          <a:blip r:embed="rId2">
+            <a:extLst>
+              <a:ext uri="{96DAC541-7B7A-43D3-8B79-37D633B846F1}">
+                <asvg:svgBlip xmlns:asvg="http://schemas.microsoft.com/office/drawing/2016/SVG/main" r:embed="rId3"/>
+              </a:ext>
+            </a:extLst>
+          </a:blip>
+          <a:stretch>
+            <a:fillRect/>
+          </a:stretch>
+        </p:blipFill>
+        <p:spPr>
+          <a:xfrm>
+            <a:off x="1776412" y="995362"/>
+            <a:ext cx="5591175" cy="3152775"/>
+          </a:xfrm>
+          <a:prstGeom prst="rect">
+            <a:avLst/>
+          </a:prstGeom>
+        </p:spPr>
+      </p:pic>
+    </p:spTree>
+    <p:extLst>
+      <p:ext uri="{BB962C8B-B14F-4D97-AF65-F5344CB8AC3E}">
+        <p14:creationId xmlns:p14="http://schemas.microsoft.com/office/powerpoint/2010/main" val="3314728299"/>
+      </p:ext>
+    </p:extLst>
+  </p:cSld>
+  <p:clrMapOvr>
+    <a:masterClrMapping/>
+  </p:clrMapOvr>
+</p:sld>
+</file>
+
+<file path=ppt/slides/slide15.xml><?xml version="1.0" encoding="utf-8"?>
+<p:sld xmlns:a="http://schemas.openxmlformats.org/drawingml/2006/main" xmlns:r="http://schemas.openxmlformats.org/officeDocument/2006/relationships" xmlns:p="http://schemas.openxmlformats.org/presentationml/2006/main" show="0">
+  <p:cSld>
+    <p:spTree>
+      <p:nvGrpSpPr>
+        <p:cNvPr id="1" name=""/>
+        <p:cNvGrpSpPr/>
+        <p:nvPr/>
+      </p:nvGrpSpPr>
+      <p:grpSpPr>
+        <a:xfrm>
+          <a:off x="0" y="0"/>
+          <a:ext cx="0" cy="0"/>
+          <a:chOff x="0" y="0"/>
+          <a:chExt cx="0" cy="0"/>
+        </a:xfrm>
+      </p:grpSpPr>
+      <p:sp>
+        <p:nvSpPr>
+          <p:cNvPr id="2" name="Title 1">
+            <a:extLst>
+              <a:ext uri="{FF2B5EF4-FFF2-40B4-BE49-F238E27FC236}">
+                <a16:creationId xmlns:a16="http://schemas.microsoft.com/office/drawing/2014/main" id="{5D115037-DEC6-5B11-2874-4553EF8606ED}"/>
+              </a:ext>
+            </a:extLst>
+          </p:cNvPr>
+          <p:cNvSpPr>
+            <a:spLocks noGrp="1"/>
+          </p:cNvSpPr>
+          <p:nvPr>
+            <p:ph type="title"/>
+          </p:nvPr>
+        </p:nvSpPr>
+        <p:spPr/>
+        <p:txBody>
+          <a:bodyPr>
+            <a:normAutofit fontScale="90000"/>
+          </a:bodyPr>
+          <a:lstStyle/>
+          <a:p>
+            <a:r>
+              <a:rPr lang="en-US" dirty="0"/>
+              <a:t>Example file: example1.props</a:t>
+            </a:r>
+            <a:endParaRPr lang="en-NL" dirty="0"/>
+          </a:p>
+        </p:txBody>
+      </p:sp>
+      <p:sp>
+        <p:nvSpPr>
+          <p:cNvPr id="4" name="Rectangle 1">
+            <a:extLst>
+              <a:ext uri="{FF2B5EF4-FFF2-40B4-BE49-F238E27FC236}">
+                <a16:creationId xmlns:a16="http://schemas.microsoft.com/office/drawing/2014/main" id="{02765D9A-E412-A67C-B6D7-CAA9F12DAE96}"/>
+              </a:ext>
+            </a:extLst>
+          </p:cNvPr>
+          <p:cNvSpPr>
+            <a:spLocks noGrp="1" noChangeArrowheads="1"/>
+          </p:cNvSpPr>
+          <p:nvPr>
+            <p:ph type="body" idx="1"/>
+          </p:nvPr>
+        </p:nvSpPr>
+        <p:spPr bwMode="auto">
+          <a:xfrm>
+            <a:off x="1610360" y="2349789"/>
+            <a:ext cx="5883342" cy="923330"/>
+          </a:xfrm>
+          <a:prstGeom prst="rect">
+            <a:avLst/>
+          </a:prstGeom>
+          <a:solidFill>
+            <a:srgbClr val="FFFFFF"/>
+          </a:solidFill>
+          <a:ln>
+            <a:noFill/>
+          </a:ln>
+          <a:effectLst/>
+          <a:extLst>
+            <a:ext uri="{91240B29-F687-4F45-9708-019B960494DF}">
+              <a14:hiddenLine xmlns:a14="http://schemas.microsoft.com/office/drawing/2010/main" w="9525">
+                <a:solidFill>
+                  <a:schemeClr val="tx1"/>
+                </a:solidFill>
+                <a:miter lim="800000"/>
+                <a:headEnd/>
+                <a:tailEnd/>
+              </a14:hiddenLine>
+            </a:ext>
+            <a:ext uri="{AF507438-7753-43E0-B8FC-AC1667EBCBE1}">
+              <a14:hiddenEffects xmlns:a14="http://schemas.microsoft.com/office/drawing/2010/main">
+                <a:effectLst>
+                  <a:outerShdw dist="35921" dir="2700000" algn="ctr" rotWithShape="0">
+                    <a:schemeClr val="bg2"/>
+                  </a:outerShdw>
+                </a:effectLst>
+              </a14:hiddenEffects>
+            </a:ext>
+          </a:extLst>
+        </p:spPr>
+        <p:txBody>
+          <a:bodyPr vert="horz" wrap="none" lIns="91440" tIns="45720" rIns="91440" bIns="45720" numCol="1" anchor="ctr" anchorCtr="0" compatLnSpc="1">
+            <a:prstTxWarp prst="textNoShape">
+              <a:avLst/>
+            </a:prstTxWarp>
+            <a:spAutoFit/>
+          </a:bodyPr>
+          <a:lstStyle/>
+          <a:p>
+            <a:pPr marL="0" marR="0" lvl="0" indent="0" algn="l" defTabSz="914400" rtl="0" eaLnBrk="0" fontAlgn="base" latinLnBrk="0" hangingPunct="0">
+              <a:lnSpc>
+                <a:spcPct val="100000"/>
+              </a:lnSpc>
+              <a:spcBef>
+                <a:spcPct val="0"/>
+              </a:spcBef>
+              <a:spcAft>
+                <a:spcPct val="0"/>
+              </a:spcAft>
+              <a:buClrTx/>
+              <a:buSzTx/>
+              <a:buFontTx/>
+              <a:buNone/>
+              <a:tabLst/>
+            </a:pPr>
+            <a:r>
+              <a:rPr kumimoji="0" lang="en-NL" altLang="en-NL" b="0" i="0" u="none" strike="noStrike" cap="none" normalizeH="0" baseline="0">
+                <a:ln>
+                  <a:noFill/>
+                </a:ln>
+                <a:solidFill>
+                  <a:srgbClr val="080808"/>
+                </a:solidFill>
+                <a:effectLst/>
+                <a:latin typeface="Consolas" panose="020B0609020204030204" pitchFamily="49" charset="0"/>
+              </a:rPr>
+              <a:t>integerProp = 1</a:t>
+            </a:r>
+            <a:br>
+              <a:rPr kumimoji="0" lang="en-NL" altLang="en-NL" b="0" i="0" u="none" strike="noStrike" cap="none" normalizeH="0" baseline="0">
+                <a:ln>
+                  <a:noFill/>
+                </a:ln>
+                <a:solidFill>
+                  <a:srgbClr val="080808"/>
+                </a:solidFill>
+                <a:effectLst/>
+                <a:latin typeface="Consolas" panose="020B0609020204030204" pitchFamily="49" charset="0"/>
+              </a:rPr>
+            </a:br>
+            <a:r>
+              <a:rPr kumimoji="0" lang="en-NL" altLang="en-NL" b="0" i="0" u="none" strike="noStrike" cap="none" normalizeH="0" baseline="0">
+                <a:ln>
+                  <a:noFill/>
+                </a:ln>
+                <a:solidFill>
+                  <a:srgbClr val="080808"/>
+                </a:solidFill>
+                <a:effectLst/>
+                <a:latin typeface="Consolas" panose="020B0609020204030204" pitchFamily="49" charset="0"/>
+              </a:rPr>
+              <a:t>LIonWeb_integrates = true</a:t>
+            </a:r>
+            <a:br>
+              <a:rPr kumimoji="0" lang="en-NL" altLang="en-NL" b="0" i="0" u="none" strike="noStrike" cap="none" normalizeH="0" baseline="0">
+                <a:ln>
+                  <a:noFill/>
+                </a:ln>
+                <a:solidFill>
+                  <a:srgbClr val="080808"/>
+                </a:solidFill>
+                <a:effectLst/>
+                <a:latin typeface="Consolas" panose="020B0609020204030204" pitchFamily="49" charset="0"/>
+              </a:rPr>
+            </a:br>
+            <a:r>
+              <a:rPr kumimoji="0" lang="en-NL" altLang="en-NL" b="0" i="0" u="none" strike="noStrike" cap="none" normalizeH="0" baseline="0">
+                <a:ln>
+                  <a:noFill/>
+                </a:ln>
+                <a:solidFill>
+                  <a:srgbClr val="080808"/>
+                </a:solidFill>
+                <a:effectLst/>
+                <a:latin typeface="Consolas" panose="020B0609020204030204" pitchFamily="49" charset="0"/>
+              </a:rPr>
+              <a:t>myString = "Hello, StarLasu, MPS, and Freon!"</a:t>
+            </a:r>
+            <a:endParaRPr kumimoji="0" lang="en-NL" altLang="en-NL" b="0" i="0" u="none" strike="noStrike" cap="none" normalizeH="0" baseline="0">
+              <a:ln>
+                <a:noFill/>
+              </a:ln>
+              <a:solidFill>
+                <a:schemeClr val="tx1"/>
+              </a:solidFill>
+              <a:effectLst/>
+              <a:latin typeface="Consolas" panose="020B0609020204030204" pitchFamily="49" charset="0"/>
+            </a:endParaRPr>
+          </a:p>
+        </p:txBody>
+      </p:sp>
+    </p:spTree>
+    <p:extLst>
+      <p:ext uri="{BB962C8B-B14F-4D97-AF65-F5344CB8AC3E}">
+        <p14:creationId xmlns:p14="http://schemas.microsoft.com/office/powerpoint/2010/main" val="128467163"/>
+      </p:ext>
+    </p:extLst>
+  </p:cSld>
+  <p:clrMapOvr>
+    <a:masterClrMapping/>
+  </p:clrMapOvr>
+</p:sld>
+</file>
+
+<file path=ppt/slides/slide16.xml><?xml version="1.0" encoding="utf-8"?>
+<p:sld xmlns:a="http://schemas.openxmlformats.org/drawingml/2006/main" xmlns:r="http://schemas.openxmlformats.org/officeDocument/2006/relationships" xmlns:p="http://schemas.openxmlformats.org/presentationml/2006/main">
+  <p:cSld>
+    <p:spTree>
+      <p:nvGrpSpPr>
+        <p:cNvPr id="1" name=""/>
+        <p:cNvGrpSpPr/>
+        <p:nvPr/>
+      </p:nvGrpSpPr>
+      <p:grpSpPr>
+        <a:xfrm>
+          <a:off x="0" y="0"/>
+          <a:ext cx="0" cy="0"/>
+          <a:chOff x="0" y="0"/>
+          <a:chExt cx="0" cy="0"/>
+        </a:xfrm>
+      </p:grpSpPr>
+      <p:sp>
+        <p:nvSpPr>
           <p:cNvPr id="4" name="Rectangle 3">
             <a:extLst>
               <a:ext uri="{FF2B5EF4-FFF2-40B4-BE49-F238E27FC236}">
@@ -24165,7 +24486,7 @@
 </p:sld>
 </file>
 
-<file path=ppt/slides/slide15.xml><?xml version="1.0" encoding="utf-8"?>
+<file path=ppt/slides/slide17.xml><?xml version="1.0" encoding="utf-8"?>
 <p:sld xmlns:a="http://schemas.openxmlformats.org/drawingml/2006/main" xmlns:r="http://schemas.openxmlformats.org/officeDocument/2006/relationships" xmlns:p="http://schemas.openxmlformats.org/presentationml/2006/main">
   <p:cSld>
     <p:spTree>
@@ -25550,7 +25871,7 @@
 </p:sld>
 </file>
 
-<file path=ppt/slides/slide16.xml><?xml version="1.0" encoding="utf-8"?>
+<file path=ppt/slides/slide18.xml><?xml version="1.0" encoding="utf-8"?>
 <p:sld xmlns:a="http://schemas.openxmlformats.org/drawingml/2006/main" xmlns:r="http://schemas.openxmlformats.org/officeDocument/2006/relationships" xmlns:p="http://schemas.openxmlformats.org/presentationml/2006/main" show="0">
   <p:cSld>
     <p:spTree>
@@ -25751,7 +26072,7 @@
 </p:sld>
 </file>
 
-<file path=ppt/slides/slide17.xml><?xml version="1.0" encoding="utf-8"?>
+<file path=ppt/slides/slide19.xml><?xml version="1.0" encoding="utf-8"?>
 <p:sld xmlns:a="http://schemas.openxmlformats.org/drawingml/2006/main" xmlns:r="http://schemas.openxmlformats.org/officeDocument/2006/relationships" xmlns:p="http://schemas.openxmlformats.org/presentationml/2006/main">
   <p:cSld>
     <p:spTree>
@@ -27713,243 +28034,6 @@
 </p:sld>
 </file>
 
-<file path=ppt/slides/slide18.xml><?xml version="1.0" encoding="utf-8"?>
-<p:sld xmlns:a="http://schemas.openxmlformats.org/drawingml/2006/main" xmlns:r="http://schemas.openxmlformats.org/officeDocument/2006/relationships" xmlns:p="http://schemas.openxmlformats.org/presentationml/2006/main" show="0">
-  <p:cSld>
-    <p:spTree>
-      <p:nvGrpSpPr>
-        <p:cNvPr id="1" name="Shape 197"/>
-        <p:cNvGrpSpPr/>
-        <p:nvPr/>
-      </p:nvGrpSpPr>
-      <p:grpSpPr>
-        <a:xfrm>
-          <a:off x="0" y="0"/>
-          <a:ext cx="0" cy="0"/>
-          <a:chOff x="0" y="0"/>
-          <a:chExt cx="0" cy="0"/>
-        </a:xfrm>
-      </p:grpSpPr>
-      <p:sp>
-        <p:nvSpPr>
-          <p:cNvPr id="201" name="Google Shape;201;p22"/>
-          <p:cNvSpPr txBox="1"/>
-          <p:nvPr/>
-        </p:nvSpPr>
-        <p:spPr>
-          <a:xfrm>
-            <a:off x="2303575" y="720945"/>
-            <a:ext cx="6565500" cy="1262100"/>
-          </a:xfrm>
-          <a:prstGeom prst="rect">
-            <a:avLst/>
-          </a:prstGeom>
-          <a:noFill/>
-          <a:ln>
-            <a:noFill/>
-          </a:ln>
-        </p:spPr>
-        <p:txBody>
-          <a:bodyPr spcFirstLastPara="1" wrap="square" lIns="91425" tIns="91425" rIns="91425" bIns="91425" anchor="t" anchorCtr="0">
-            <a:spAutoFit/>
-          </a:bodyPr>
-          <a:lstStyle/>
-          <a:p>
-            <a:pPr marL="457200" lvl="0" indent="-307975" algn="l" rtl="0">
-              <a:lnSpc>
-                <a:spcPct val="115000"/>
-              </a:lnSpc>
-              <a:spcBef>
-                <a:spcPts val="300"/>
-              </a:spcBef>
-              <a:spcAft>
-                <a:spcPts val="0"/>
-              </a:spcAft>
-              <a:buClr>
-                <a:srgbClr val="1F2328"/>
-              </a:buClr>
-              <a:buSzPts val="1250"/>
-              <a:buChar char="●"/>
-            </a:pPr>
-            <a:r>
-              <a:rPr lang="en" sz="1250" dirty="0">
-                <a:solidFill>
-                  <a:srgbClr val="1F2328"/>
-                </a:solidFill>
-              </a:rPr>
-              <a:t>Finalize Bulk Protocols and document them</a:t>
-            </a:r>
-            <a:endParaRPr sz="1250" dirty="0">
-              <a:solidFill>
-                <a:srgbClr val="1F2328"/>
-              </a:solidFill>
-            </a:endParaRPr>
-          </a:p>
-          <a:p>
-            <a:pPr marL="457200" lvl="0" indent="-307975" algn="l" rtl="0">
-              <a:lnSpc>
-                <a:spcPct val="115000"/>
-              </a:lnSpc>
-              <a:spcBef>
-                <a:spcPts val="0"/>
-              </a:spcBef>
-              <a:spcAft>
-                <a:spcPts val="0"/>
-              </a:spcAft>
-              <a:buClr>
-                <a:srgbClr val="1F2328"/>
-              </a:buClr>
-              <a:buSzPts val="1250"/>
-              <a:buChar char="●"/>
-            </a:pPr>
-            <a:r>
-              <a:rPr lang="en" sz="1250" dirty="0">
-                <a:solidFill>
-                  <a:srgbClr val="1F2328"/>
-                </a:solidFill>
-              </a:rPr>
-              <a:t>Start Work on delta protocols / collaboration</a:t>
-            </a:r>
-            <a:endParaRPr sz="1250" dirty="0">
-              <a:solidFill>
-                <a:srgbClr val="1F2328"/>
-              </a:solidFill>
-            </a:endParaRPr>
-          </a:p>
-          <a:p>
-            <a:pPr marL="457200" lvl="0" indent="-307975" algn="l" rtl="0">
-              <a:lnSpc>
-                <a:spcPct val="115000"/>
-              </a:lnSpc>
-              <a:spcBef>
-                <a:spcPts val="0"/>
-              </a:spcBef>
-              <a:spcAft>
-                <a:spcPts val="0"/>
-              </a:spcAft>
-              <a:buClr>
-                <a:srgbClr val="1F2328"/>
-              </a:buClr>
-              <a:buSzPts val="1250"/>
-              <a:buChar char="●"/>
-            </a:pPr>
-            <a:r>
-              <a:rPr lang="en" sz="1250" dirty="0">
-                <a:solidFill>
-                  <a:srgbClr val="1F2328"/>
-                </a:solidFill>
-              </a:rPr>
-              <a:t>Refine meta-metamodel</a:t>
-            </a:r>
-            <a:endParaRPr sz="1250" dirty="0">
-              <a:solidFill>
-                <a:srgbClr val="1F2328"/>
-              </a:solidFill>
-            </a:endParaRPr>
-          </a:p>
-          <a:p>
-            <a:pPr marL="457200" lvl="0" indent="-307975" algn="l" rtl="0">
-              <a:lnSpc>
-                <a:spcPct val="115000"/>
-              </a:lnSpc>
-              <a:spcBef>
-                <a:spcPts val="0"/>
-              </a:spcBef>
-              <a:spcAft>
-                <a:spcPts val="0"/>
-              </a:spcAft>
-              <a:buClr>
-                <a:srgbClr val="1F2328"/>
-              </a:buClr>
-              <a:buSzPts val="1250"/>
-              <a:buChar char="●"/>
-            </a:pPr>
-            <a:r>
-              <a:rPr lang="en" sz="1250" dirty="0">
-                <a:solidFill>
-                  <a:srgbClr val="1F2328"/>
-                </a:solidFill>
-              </a:rPr>
-              <a:t>Improve reference implementations and examples</a:t>
-            </a:r>
-            <a:endParaRPr sz="1250" dirty="0">
-              <a:solidFill>
-                <a:srgbClr val="1F2328"/>
-              </a:solidFill>
-            </a:endParaRPr>
-          </a:p>
-          <a:p>
-            <a:pPr marL="457200" lvl="0" indent="-307975" algn="l" rtl="0">
-              <a:lnSpc>
-                <a:spcPct val="115000"/>
-              </a:lnSpc>
-              <a:spcBef>
-                <a:spcPts val="0"/>
-              </a:spcBef>
-              <a:spcAft>
-                <a:spcPts val="0"/>
-              </a:spcAft>
-              <a:buClr>
-                <a:srgbClr val="1F2328"/>
-              </a:buClr>
-              <a:buSzPts val="1250"/>
-              <a:buChar char="●"/>
-            </a:pPr>
-            <a:r>
-              <a:rPr lang="en" sz="1250" dirty="0">
-                <a:solidFill>
-                  <a:srgbClr val="1F2328"/>
-                </a:solidFill>
-              </a:rPr>
-              <a:t>Support integration with more tools</a:t>
-            </a:r>
-            <a:endParaRPr sz="1250" dirty="0">
-              <a:solidFill>
-                <a:srgbClr val="1F2328"/>
-              </a:solidFill>
-            </a:endParaRPr>
-          </a:p>
-        </p:txBody>
-      </p:sp>
-      <p:sp>
-        <p:nvSpPr>
-          <p:cNvPr id="4" name="Title 3">
-            <a:extLst>
-              <a:ext uri="{FF2B5EF4-FFF2-40B4-BE49-F238E27FC236}">
-                <a16:creationId xmlns:a16="http://schemas.microsoft.com/office/drawing/2014/main" id="{AC23366B-B33E-99DC-30CA-1E5BB327A54F}"/>
-              </a:ext>
-            </a:extLst>
-          </p:cNvPr>
-          <p:cNvSpPr>
-            <a:spLocks noGrp="1"/>
-          </p:cNvSpPr>
-          <p:nvPr>
-            <p:ph type="title"/>
-          </p:nvPr>
-        </p:nvSpPr>
-        <p:spPr/>
-        <p:txBody>
-          <a:bodyPr>
-            <a:normAutofit fontScale="90000"/>
-          </a:bodyPr>
-          <a:lstStyle/>
-          <a:p>
-            <a:r>
-              <a:rPr lang="en-US" sz="2800" b="1"/>
-              <a:t>Near Term Focus</a:t>
-            </a:r>
-            <a:endParaRPr lang="en-US" dirty="0"/>
-          </a:p>
-        </p:txBody>
-      </p:sp>
-    </p:spTree>
-  </p:cSld>
-  <p:clrMapOvr>
-    <a:masterClrMapping/>
-  </p:clrMapOvr>
-</p:sld>
-</file>
-
 <file path=ppt/slides/slide2.xml><?xml version="1.0" encoding="utf-8"?>
 <p:sld xmlns:a="http://schemas.openxmlformats.org/drawingml/2006/main" xmlns:r="http://schemas.openxmlformats.org/officeDocument/2006/relationships" xmlns:p="http://schemas.openxmlformats.org/presentationml/2006/main">
   <p:cSld>
@@ -28006,6 +28090,243 @@
         <p14:creationId xmlns:p14="http://schemas.microsoft.com/office/powerpoint/2010/main" val="3239961873"/>
       </p:ext>
     </p:extLst>
+  </p:cSld>
+  <p:clrMapOvr>
+    <a:masterClrMapping/>
+  </p:clrMapOvr>
+</p:sld>
+</file>
+
+<file path=ppt/slides/slide20.xml><?xml version="1.0" encoding="utf-8"?>
+<p:sld xmlns:a="http://schemas.openxmlformats.org/drawingml/2006/main" xmlns:r="http://schemas.openxmlformats.org/officeDocument/2006/relationships" xmlns:p="http://schemas.openxmlformats.org/presentationml/2006/main" show="0">
+  <p:cSld>
+    <p:spTree>
+      <p:nvGrpSpPr>
+        <p:cNvPr id="1" name="Shape 197"/>
+        <p:cNvGrpSpPr/>
+        <p:nvPr/>
+      </p:nvGrpSpPr>
+      <p:grpSpPr>
+        <a:xfrm>
+          <a:off x="0" y="0"/>
+          <a:ext cx="0" cy="0"/>
+          <a:chOff x="0" y="0"/>
+          <a:chExt cx="0" cy="0"/>
+        </a:xfrm>
+      </p:grpSpPr>
+      <p:sp>
+        <p:nvSpPr>
+          <p:cNvPr id="201" name="Google Shape;201;p22"/>
+          <p:cNvSpPr txBox="1"/>
+          <p:nvPr/>
+        </p:nvSpPr>
+        <p:spPr>
+          <a:xfrm>
+            <a:off x="2303575" y="720945"/>
+            <a:ext cx="6565500" cy="1262100"/>
+          </a:xfrm>
+          <a:prstGeom prst="rect">
+            <a:avLst/>
+          </a:prstGeom>
+          <a:noFill/>
+          <a:ln>
+            <a:noFill/>
+          </a:ln>
+        </p:spPr>
+        <p:txBody>
+          <a:bodyPr spcFirstLastPara="1" wrap="square" lIns="91425" tIns="91425" rIns="91425" bIns="91425" anchor="t" anchorCtr="0">
+            <a:spAutoFit/>
+          </a:bodyPr>
+          <a:lstStyle/>
+          <a:p>
+            <a:pPr marL="457200" lvl="0" indent="-307975" algn="l" rtl="0">
+              <a:lnSpc>
+                <a:spcPct val="115000"/>
+              </a:lnSpc>
+              <a:spcBef>
+                <a:spcPts val="300"/>
+              </a:spcBef>
+              <a:spcAft>
+                <a:spcPts val="0"/>
+              </a:spcAft>
+              <a:buClr>
+                <a:srgbClr val="1F2328"/>
+              </a:buClr>
+              <a:buSzPts val="1250"/>
+              <a:buChar char="●"/>
+            </a:pPr>
+            <a:r>
+              <a:rPr lang="en" sz="1250" dirty="0">
+                <a:solidFill>
+                  <a:srgbClr val="1F2328"/>
+                </a:solidFill>
+              </a:rPr>
+              <a:t>Finalize Bulk Protocols and document them</a:t>
+            </a:r>
+            <a:endParaRPr sz="1250" dirty="0">
+              <a:solidFill>
+                <a:srgbClr val="1F2328"/>
+              </a:solidFill>
+            </a:endParaRPr>
+          </a:p>
+          <a:p>
+            <a:pPr marL="457200" lvl="0" indent="-307975" algn="l" rtl="0">
+              <a:lnSpc>
+                <a:spcPct val="115000"/>
+              </a:lnSpc>
+              <a:spcBef>
+                <a:spcPts val="0"/>
+              </a:spcBef>
+              <a:spcAft>
+                <a:spcPts val="0"/>
+              </a:spcAft>
+              <a:buClr>
+                <a:srgbClr val="1F2328"/>
+              </a:buClr>
+              <a:buSzPts val="1250"/>
+              <a:buChar char="●"/>
+            </a:pPr>
+            <a:r>
+              <a:rPr lang="en" sz="1250" dirty="0">
+                <a:solidFill>
+                  <a:srgbClr val="1F2328"/>
+                </a:solidFill>
+              </a:rPr>
+              <a:t>Start Work on delta protocols / collaboration</a:t>
+            </a:r>
+            <a:endParaRPr sz="1250" dirty="0">
+              <a:solidFill>
+                <a:srgbClr val="1F2328"/>
+              </a:solidFill>
+            </a:endParaRPr>
+          </a:p>
+          <a:p>
+            <a:pPr marL="457200" lvl="0" indent="-307975" algn="l" rtl="0">
+              <a:lnSpc>
+                <a:spcPct val="115000"/>
+              </a:lnSpc>
+              <a:spcBef>
+                <a:spcPts val="0"/>
+              </a:spcBef>
+              <a:spcAft>
+                <a:spcPts val="0"/>
+              </a:spcAft>
+              <a:buClr>
+                <a:srgbClr val="1F2328"/>
+              </a:buClr>
+              <a:buSzPts val="1250"/>
+              <a:buChar char="●"/>
+            </a:pPr>
+            <a:r>
+              <a:rPr lang="en" sz="1250" dirty="0">
+                <a:solidFill>
+                  <a:srgbClr val="1F2328"/>
+                </a:solidFill>
+              </a:rPr>
+              <a:t>Refine meta-metamodel</a:t>
+            </a:r>
+            <a:endParaRPr sz="1250" dirty="0">
+              <a:solidFill>
+                <a:srgbClr val="1F2328"/>
+              </a:solidFill>
+            </a:endParaRPr>
+          </a:p>
+          <a:p>
+            <a:pPr marL="457200" lvl="0" indent="-307975" algn="l" rtl="0">
+              <a:lnSpc>
+                <a:spcPct val="115000"/>
+              </a:lnSpc>
+              <a:spcBef>
+                <a:spcPts val="0"/>
+              </a:spcBef>
+              <a:spcAft>
+                <a:spcPts val="0"/>
+              </a:spcAft>
+              <a:buClr>
+                <a:srgbClr val="1F2328"/>
+              </a:buClr>
+              <a:buSzPts val="1250"/>
+              <a:buChar char="●"/>
+            </a:pPr>
+            <a:r>
+              <a:rPr lang="en" sz="1250" dirty="0">
+                <a:solidFill>
+                  <a:srgbClr val="1F2328"/>
+                </a:solidFill>
+              </a:rPr>
+              <a:t>Improve reference implementations and examples</a:t>
+            </a:r>
+            <a:endParaRPr sz="1250" dirty="0">
+              <a:solidFill>
+                <a:srgbClr val="1F2328"/>
+              </a:solidFill>
+            </a:endParaRPr>
+          </a:p>
+          <a:p>
+            <a:pPr marL="457200" lvl="0" indent="-307975" algn="l" rtl="0">
+              <a:lnSpc>
+                <a:spcPct val="115000"/>
+              </a:lnSpc>
+              <a:spcBef>
+                <a:spcPts val="0"/>
+              </a:spcBef>
+              <a:spcAft>
+                <a:spcPts val="0"/>
+              </a:spcAft>
+              <a:buClr>
+                <a:srgbClr val="1F2328"/>
+              </a:buClr>
+              <a:buSzPts val="1250"/>
+              <a:buChar char="●"/>
+            </a:pPr>
+            <a:r>
+              <a:rPr lang="en" sz="1250" dirty="0">
+                <a:solidFill>
+                  <a:srgbClr val="1F2328"/>
+                </a:solidFill>
+              </a:rPr>
+              <a:t>Support integration with more tools</a:t>
+            </a:r>
+            <a:endParaRPr sz="1250" dirty="0">
+              <a:solidFill>
+                <a:srgbClr val="1F2328"/>
+              </a:solidFill>
+            </a:endParaRPr>
+          </a:p>
+        </p:txBody>
+      </p:sp>
+      <p:sp>
+        <p:nvSpPr>
+          <p:cNvPr id="4" name="Title 3">
+            <a:extLst>
+              <a:ext uri="{FF2B5EF4-FFF2-40B4-BE49-F238E27FC236}">
+                <a16:creationId xmlns:a16="http://schemas.microsoft.com/office/drawing/2014/main" id="{AC23366B-B33E-99DC-30CA-1E5BB327A54F}"/>
+              </a:ext>
+            </a:extLst>
+          </p:cNvPr>
+          <p:cNvSpPr>
+            <a:spLocks noGrp="1"/>
+          </p:cNvSpPr>
+          <p:nvPr>
+            <p:ph type="title"/>
+          </p:nvPr>
+        </p:nvSpPr>
+        <p:spPr/>
+        <p:txBody>
+          <a:bodyPr>
+            <a:normAutofit fontScale="90000"/>
+          </a:bodyPr>
+          <a:lstStyle/>
+          <a:p>
+            <a:r>
+              <a:rPr lang="en-US" sz="2800" b="1"/>
+              <a:t>Near Term Focus</a:t>
+            </a:r>
+            <a:endParaRPr lang="en-US" dirty="0"/>
+          </a:p>
+        </p:txBody>
+      </p:sp>
+    </p:spTree>
   </p:cSld>
   <p:clrMapOvr>
     <a:masterClrMapping/>
